--- a/readme.pptx
+++ b/readme.pptx
@@ -2,16 +2,20 @@
 <file path=ppt/presentation.xml><?xml version="1.0" encoding="utf-8"?>
 <p:presentation xmlns:a="http://schemas.openxmlformats.org/drawingml/2006/main" xmlns:r="http://schemas.openxmlformats.org/officeDocument/2006/relationships" xmlns:p="http://schemas.openxmlformats.org/presentationml/2006/main" saveSubsetFonts="1">
   <p:sldMasterIdLst>
-    <p:sldMasterId id="2147483648" r:id="rId10"/>
+    <p:sldMasterId id="2147483648" r:id="rId49"/>
   </p:sldMasterIdLst>
   <p:sldIdLst>
-    <p:sldId id="258" r:id="rId11"/>
-    <p:sldId id="256" r:id="rId12"/>
-    <p:sldId id="257" r:id="rId13"/>
-    <p:sldId id="259" r:id="rId14"/>
-    <p:sldId id="261" r:id="rId15"/>
-    <p:sldId id="262" r:id="rId16"/>
-    <p:sldId id="260" r:id="rId17"/>
+    <p:sldId id="258" r:id="rId50"/>
+    <p:sldId id="256" r:id="rId51"/>
+    <p:sldId id="257" r:id="rId52"/>
+    <p:sldId id="259" r:id="rId53"/>
+    <p:sldId id="261" r:id="rId54"/>
+    <p:sldId id="266" r:id="rId55"/>
+    <p:sldId id="262" r:id="rId56"/>
+    <p:sldId id="263" r:id="rId57"/>
+    <p:sldId id="264" r:id="rId58"/>
+    <p:sldId id="265" r:id="rId59"/>
+    <p:sldId id="260" r:id="rId60"/>
   </p:sldIdLst>
   <p:sldSz cx="12192000" cy="6858000"/>
   <p:notesSz cx="6858000" cy="9144000"/>
@@ -3467,6 +3471,2599 @@
   <p:clrMapOvr>
     <a:masterClrMapping/>
   </p:clrMapOvr>
+  <p:timing>
+    <p:tnLst>
+      <p:par>
+        <p:cTn id="1" dur="indefinite" restart="never" nodeType="tmRoot"/>
+      </p:par>
+    </p:tnLst>
+  </p:timing>
+</p:sld>
+</file>
+
+<file path=ppt/slides/slide10.xml><?xml version="1.0" encoding="utf-8"?>
+<p:sld xmlns:a="http://schemas.openxmlformats.org/drawingml/2006/main" xmlns:r="http://schemas.openxmlformats.org/officeDocument/2006/relationships" xmlns:p="http://schemas.openxmlformats.org/presentationml/2006/main">
+  <p:cSld>
+    <p:spTree>
+      <p:nvGrpSpPr>
+        <p:cNvPr id="1" name=""/>
+        <p:cNvGrpSpPr/>
+        <p:nvPr/>
+      </p:nvGrpSpPr>
+      <p:grpSpPr>
+        <a:xfrm>
+          <a:off x="0" y="0"/>
+          <a:ext cx="0" cy="0"/>
+          <a:chOff x="0" y="0"/>
+          <a:chExt cx="0" cy="0"/>
+        </a:xfrm>
+      </p:grpSpPr>
+      <p:grpSp>
+        <p:nvGrpSpPr>
+          <p:cNvPr id="39" name="Window"/>
+          <p:cNvGrpSpPr/>
+          <p:nvPr>
+            <p:custDataLst>
+              <p:custData r:id="rId1"/>
+            </p:custDataLst>
+          </p:nvPr>
+        </p:nvGrpSpPr>
+        <p:grpSpPr>
+          <a:xfrm>
+            <a:off x="0" y="0"/>
+            <a:ext cx="12192000" cy="6858000"/>
+            <a:chOff x="0" y="0"/>
+            <a:chExt cx="9144000" cy="6858000"/>
+          </a:xfrm>
+        </p:grpSpPr>
+        <p:grpSp>
+          <p:nvGrpSpPr>
+            <p:cNvPr id="40" name="Group 2"/>
+            <p:cNvGrpSpPr/>
+            <p:nvPr/>
+          </p:nvGrpSpPr>
+          <p:grpSpPr>
+            <a:xfrm>
+              <a:off x="0" y="0"/>
+              <a:ext cx="9144000" cy="6858000"/>
+              <a:chOff x="0" y="0"/>
+              <a:chExt cx="9144000" cy="6858000"/>
+            </a:xfrm>
+          </p:grpSpPr>
+          <p:sp>
+            <p:nvSpPr>
+              <p:cNvPr id="48" name="Rectangle 10"/>
+              <p:cNvSpPr/>
+              <p:nvPr/>
+            </p:nvSpPr>
+            <p:spPr>
+              <a:xfrm>
+                <a:off x="0" y="0"/>
+                <a:ext cx="9144000" cy="6858000"/>
+              </a:xfrm>
+              <a:prstGeom prst="rect">
+                <a:avLst/>
+              </a:prstGeom>
+              <a:solidFill>
+                <a:srgbClr val="FFFFFF">
+                  <a:lumMod val="65000"/>
+                </a:srgbClr>
+              </a:solidFill>
+              <a:ln w="3175" cap="flat" cmpd="sng" algn="ctr">
+                <a:solidFill>
+                  <a:srgbClr val="000000">
+                    <a:lumMod val="50000"/>
+                    <a:lumOff val="50000"/>
+                  </a:srgbClr>
+                </a:solidFill>
+                <a:prstDash val="solid"/>
+              </a:ln>
+              <a:effectLst/>
+            </p:spPr>
+            <p:txBody>
+              <a:bodyPr rtlCol="0" anchor="ctr"/>
+              <a:lstStyle/>
+              <a:p>
+                <a:pPr algn="ctr"/>
+                <a:endParaRPr lang="en-US" sz="800" kern="0">
+                  <a:solidFill>
+                    <a:prstClr val="white"/>
+                  </a:solidFill>
+                  <a:latin typeface="Segoe UI"/>
+                </a:endParaRPr>
+              </a:p>
+            </p:txBody>
+          </p:sp>
+          <p:sp>
+            <p:nvSpPr>
+              <p:cNvPr id="49" name="Rectangle 11"/>
+              <p:cNvSpPr/>
+              <p:nvPr/>
+            </p:nvSpPr>
+            <p:spPr>
+              <a:xfrm>
+                <a:off x="76200" y="309484"/>
+                <a:ext cx="8991600" cy="6437733"/>
+              </a:xfrm>
+              <a:prstGeom prst="rect">
+                <a:avLst/>
+              </a:prstGeom>
+              <a:solidFill>
+                <a:sysClr val="window" lastClr="FFFFFF"/>
+              </a:solidFill>
+              <a:ln w="3175" cap="flat" cmpd="sng" algn="ctr">
+                <a:solidFill>
+                  <a:srgbClr val="000000">
+                    <a:lumMod val="50000"/>
+                    <a:lumOff val="50000"/>
+                  </a:srgbClr>
+                </a:solidFill>
+                <a:prstDash val="solid"/>
+              </a:ln>
+              <a:effectLst/>
+            </p:spPr>
+            <p:txBody>
+              <a:bodyPr rtlCol="0" anchor="ctr"/>
+              <a:lstStyle/>
+              <a:p>
+                <a:pPr algn="ctr"/>
+                <a:endParaRPr lang="en-US" sz="800" kern="0">
+                  <a:solidFill>
+                    <a:prstClr val="white"/>
+                  </a:solidFill>
+                  <a:latin typeface="Segoe UI"/>
+                </a:endParaRPr>
+              </a:p>
+            </p:txBody>
+          </p:sp>
+          <p:sp>
+            <p:nvSpPr>
+              <p:cNvPr id="50" name="WindowTitle"/>
+              <p:cNvSpPr txBox="1"/>
+              <p:nvPr/>
+            </p:nvSpPr>
+            <p:spPr>
+              <a:xfrm>
+                <a:off x="240976" y="42736"/>
+                <a:ext cx="999313" cy="230832"/>
+              </a:xfrm>
+              <a:prstGeom prst="rect">
+                <a:avLst/>
+              </a:prstGeom>
+              <a:noFill/>
+            </p:spPr>
+            <p:txBody>
+              <a:bodyPr wrap="none" lIns="45720" tIns="18288" rIns="91440" bIns="27432" rtlCol="0" anchor="ctr" anchorCtr="0">
+                <a:spAutoFit/>
+              </a:bodyPr>
+              <a:lstStyle/>
+              <a:p>
+                <a:r>
+                  <a:rPr lang="en-US" sz="1200" dirty="0" smtClean="0">
+                    <a:solidFill>
+                      <a:prstClr val="white"/>
+                    </a:solidFill>
+                    <a:latin typeface="Segoe UI" pitchFamily="34" charset="0"/>
+                    <a:ea typeface="Segoe UI" pitchFamily="34" charset="0"/>
+                    <a:cs typeface="Segoe UI" pitchFamily="34" charset="0"/>
+                  </a:rPr>
+                  <a:t>Window title</a:t>
+                </a:r>
+              </a:p>
+            </p:txBody>
+          </p:sp>
+        </p:grpSp>
+        <p:grpSp>
+          <p:nvGrpSpPr>
+            <p:cNvPr id="41" name="Minimize - Maximize - Close"/>
+            <p:cNvGrpSpPr/>
+            <p:nvPr/>
+          </p:nvGrpSpPr>
+          <p:grpSpPr>
+            <a:xfrm>
+              <a:off x="8632311" y="92599"/>
+              <a:ext cx="384527" cy="78032"/>
+              <a:chOff x="9347642" y="131588"/>
+              <a:chExt cx="384527" cy="78032"/>
+            </a:xfrm>
+          </p:grpSpPr>
+          <p:cxnSp>
+            <p:nvCxnSpPr>
+              <p:cNvPr id="43" name="Line"/>
+              <p:cNvCxnSpPr/>
+              <p:nvPr/>
+            </p:nvCxnSpPr>
+            <p:spPr>
+              <a:xfrm>
+                <a:off x="9661396" y="131588"/>
+                <a:ext cx="70773" cy="76200"/>
+              </a:xfrm>
+              <a:prstGeom prst="line">
+                <a:avLst/>
+              </a:prstGeom>
+              <a:ln w="12700">
+                <a:solidFill>
+                  <a:srgbClr val="FFFFFF"/>
+                </a:solidFill>
+              </a:ln>
+            </p:spPr>
+            <p:style>
+              <a:lnRef idx="1">
+                <a:srgbClr val="4F81BD"/>
+              </a:lnRef>
+              <a:fillRef idx="0">
+                <a:srgbClr val="4F81BD"/>
+              </a:fillRef>
+              <a:effectRef idx="0">
+                <a:srgbClr val="4F81BD"/>
+              </a:effectRef>
+              <a:fontRef idx="minor">
+                <a:srgbClr val="000000"/>
+              </a:fontRef>
+            </p:style>
+          </p:cxnSp>
+          <p:cxnSp>
+            <p:nvCxnSpPr>
+              <p:cNvPr id="44" name="Line"/>
+              <p:cNvCxnSpPr/>
+              <p:nvPr/>
+            </p:nvCxnSpPr>
+            <p:spPr>
+              <a:xfrm flipH="1">
+                <a:off x="9661395" y="131588"/>
+                <a:ext cx="70773" cy="76200"/>
+              </a:xfrm>
+              <a:prstGeom prst="line">
+                <a:avLst/>
+              </a:prstGeom>
+              <a:ln w="12700">
+                <a:solidFill>
+                  <a:srgbClr val="FFFFFF"/>
+                </a:solidFill>
+              </a:ln>
+            </p:spPr>
+            <p:style>
+              <a:lnRef idx="1">
+                <a:srgbClr val="4F81BD"/>
+              </a:lnRef>
+              <a:fillRef idx="0">
+                <a:srgbClr val="4F81BD"/>
+              </a:fillRef>
+              <a:effectRef idx="0">
+                <a:srgbClr val="4F81BD"/>
+              </a:effectRef>
+              <a:fontRef idx="minor">
+                <a:srgbClr val="000000"/>
+              </a:fontRef>
+            </p:style>
+          </p:cxnSp>
+          <p:sp>
+            <p:nvSpPr>
+              <p:cNvPr id="45" name="Line"/>
+              <p:cNvSpPr/>
+              <p:nvPr/>
+            </p:nvSpPr>
+            <p:spPr>
+              <a:xfrm rot="10800000" flipV="1">
+                <a:off x="9499472" y="143255"/>
+                <a:ext cx="91440" cy="9144"/>
+              </a:xfrm>
+              <a:prstGeom prst="rect">
+                <a:avLst/>
+              </a:prstGeom>
+              <a:solidFill>
+                <a:srgbClr val="919191"/>
+              </a:solidFill>
+              <a:ln w="3175">
+                <a:solidFill>
+                  <a:srgbClr val="FFFFFF"/>
+                </a:solidFill>
+              </a:ln>
+            </p:spPr>
+            <p:style>
+              <a:lnRef idx="2">
+                <a:srgbClr val="4F81BD">
+                  <a:shade val="50000"/>
+                </a:srgbClr>
+              </a:lnRef>
+              <a:fillRef idx="1001">
+                <a:srgbClr val="000000"/>
+              </a:fillRef>
+              <a:effectRef idx="0">
+                <a:srgbClr val="4F81BD"/>
+              </a:effectRef>
+              <a:fontRef idx="minor">
+                <a:srgbClr val="000000"/>
+              </a:fontRef>
+            </p:style>
+            <p:txBody>
+              <a:bodyPr rtlCol="0" anchor="ctr"/>
+              <a:lstStyle/>
+              <a:p>
+                <a:pPr algn="ctr"/>
+                <a:endParaRPr lang="en-US" dirty="0">
+                  <a:solidFill>
+                    <a:prstClr val="white"/>
+                  </a:solidFill>
+                </a:endParaRPr>
+              </a:p>
+            </p:txBody>
+          </p:sp>
+          <p:sp>
+            <p:nvSpPr>
+              <p:cNvPr id="46" name="Line"/>
+              <p:cNvSpPr/>
+              <p:nvPr/>
+            </p:nvSpPr>
+            <p:spPr>
+              <a:xfrm rot="10800000" flipV="1">
+                <a:off x="9498658" y="135261"/>
+                <a:ext cx="91440" cy="72527"/>
+              </a:xfrm>
+              <a:prstGeom prst="rect">
+                <a:avLst/>
+              </a:prstGeom>
+              <a:noFill/>
+              <a:ln w="12700">
+                <a:solidFill>
+                  <a:srgbClr val="FFFFFF"/>
+                </a:solidFill>
+              </a:ln>
+            </p:spPr>
+            <p:style>
+              <a:lnRef idx="2">
+                <a:srgbClr val="4F81BD">
+                  <a:shade val="50000"/>
+                </a:srgbClr>
+              </a:lnRef>
+              <a:fillRef idx="1001">
+                <a:srgbClr val="000000"/>
+              </a:fillRef>
+              <a:effectRef idx="0">
+                <a:srgbClr val="4F81BD"/>
+              </a:effectRef>
+              <a:fontRef idx="minor">
+                <a:srgbClr val="000000"/>
+              </a:fontRef>
+            </p:style>
+            <p:txBody>
+              <a:bodyPr rtlCol="0" anchor="ctr"/>
+              <a:lstStyle/>
+              <a:p>
+                <a:pPr algn="ctr"/>
+                <a:endParaRPr lang="en-US" dirty="0">
+                  <a:solidFill>
+                    <a:prstClr val="white"/>
+                  </a:solidFill>
+                </a:endParaRPr>
+              </a:p>
+            </p:txBody>
+          </p:sp>
+          <p:sp>
+            <p:nvSpPr>
+              <p:cNvPr id="47" name="Line"/>
+              <p:cNvSpPr/>
+              <p:nvPr/>
+            </p:nvSpPr>
+            <p:spPr>
+              <a:xfrm rot="10800000" flipV="1">
+                <a:off x="9347642" y="200476"/>
+                <a:ext cx="91440" cy="9144"/>
+              </a:xfrm>
+              <a:prstGeom prst="rect">
+                <a:avLst/>
+              </a:prstGeom>
+              <a:solidFill>
+                <a:srgbClr val="919191"/>
+              </a:solidFill>
+              <a:ln w="3175">
+                <a:solidFill>
+                  <a:srgbClr val="FFFFFF"/>
+                </a:solidFill>
+              </a:ln>
+            </p:spPr>
+            <p:style>
+              <a:lnRef idx="2">
+                <a:srgbClr val="4F81BD">
+                  <a:shade val="50000"/>
+                </a:srgbClr>
+              </a:lnRef>
+              <a:fillRef idx="1001">
+                <a:srgbClr val="000000"/>
+              </a:fillRef>
+              <a:effectRef idx="0">
+                <a:srgbClr val="4F81BD"/>
+              </a:effectRef>
+              <a:fontRef idx="minor">
+                <a:srgbClr val="000000"/>
+              </a:fontRef>
+            </p:style>
+            <p:txBody>
+              <a:bodyPr rtlCol="0" anchor="ctr"/>
+              <a:lstStyle/>
+              <a:p>
+                <a:pPr algn="ctr"/>
+                <a:endParaRPr lang="en-US" dirty="0">
+                  <a:solidFill>
+                    <a:prstClr val="white"/>
+                  </a:solidFill>
+                </a:endParaRPr>
+              </a:p>
+            </p:txBody>
+          </p:sp>
+        </p:grpSp>
+        <p:sp>
+          <p:nvSpPr>
+            <p:cNvPr id="42" name="Oval 4"/>
+            <p:cNvSpPr/>
+            <p:nvPr/>
+          </p:nvSpPr>
+          <p:spPr>
+            <a:xfrm>
+              <a:off x="83477" y="80065"/>
+              <a:ext cx="145536" cy="150875"/>
+            </a:xfrm>
+            <a:prstGeom prst="ellipse">
+              <a:avLst/>
+            </a:prstGeom>
+            <a:gradFill flip="none" rotWithShape="1">
+              <a:gsLst>
+                <a:gs pos="91000">
+                  <a:srgbClr val="FFFFFF">
+                    <a:lumMod val="85000"/>
+                  </a:srgbClr>
+                </a:gs>
+                <a:gs pos="36000">
+                  <a:srgbClr val="FFFFFF">
+                    <a:lumMod val="95000"/>
+                  </a:srgbClr>
+                </a:gs>
+                <a:gs pos="100000">
+                  <a:srgbClr val="FFFFFF">
+                    <a:lumMod val="95000"/>
+                  </a:srgbClr>
+                </a:gs>
+              </a:gsLst>
+              <a:lin ang="5400000" scaled="0"/>
+              <a:tileRect/>
+            </a:gradFill>
+            <a:ln w="3175">
+              <a:solidFill>
+                <a:srgbClr val="000000">
+                  <a:lumMod val="50000"/>
+                  <a:lumOff val="50000"/>
+                </a:srgbClr>
+              </a:solidFill>
+            </a:ln>
+            <a:effectLst/>
+          </p:spPr>
+          <p:style>
+            <a:lnRef idx="2">
+              <a:srgbClr val="4F81BD">
+                <a:shade val="50000"/>
+              </a:srgbClr>
+            </a:lnRef>
+            <a:fillRef idx="1">
+              <a:srgbClr val="4F81BD"/>
+            </a:fillRef>
+            <a:effectRef idx="0">
+              <a:srgbClr val="4F81BD"/>
+            </a:effectRef>
+            <a:fontRef idx="minor">
+              <a:srgbClr val="000000"/>
+            </a:fontRef>
+          </p:style>
+          <p:txBody>
+            <a:bodyPr lIns="97531" tIns="48766" rIns="97531" bIns="48766" rtlCol="0" anchor="ctr"/>
+            <a:lstStyle/>
+            <a:p>
+              <a:pPr algn="ctr"/>
+              <a:endParaRPr lang="en-US">
+                <a:solidFill>
+                  <a:prstClr val="white"/>
+                </a:solidFill>
+              </a:endParaRPr>
+            </a:p>
+          </p:txBody>
+        </p:sp>
+      </p:grpSp>
+      <p:sp>
+        <p:nvSpPr>
+          <p:cNvPr id="188" name="직사각형 187"/>
+          <p:cNvSpPr/>
+          <p:nvPr/>
+        </p:nvSpPr>
+        <p:spPr>
+          <a:xfrm>
+            <a:off x="112890" y="330286"/>
+            <a:ext cx="11977510" cy="741277"/>
+          </a:xfrm>
+          <a:prstGeom prst="rect">
+            <a:avLst/>
+          </a:prstGeom>
+        </p:spPr>
+        <p:style>
+          <a:lnRef idx="2">
+            <a:schemeClr val="accent1">
+              <a:shade val="50000"/>
+            </a:schemeClr>
+          </a:lnRef>
+          <a:fillRef idx="1">
+            <a:schemeClr val="accent1"/>
+          </a:fillRef>
+          <a:effectRef idx="0">
+            <a:schemeClr val="accent1"/>
+          </a:effectRef>
+          <a:fontRef idx="minor">
+            <a:schemeClr val="lt1"/>
+          </a:fontRef>
+        </p:style>
+        <p:txBody>
+          <a:bodyPr rtlCol="0" anchor="ctr"/>
+          <a:lstStyle/>
+          <a:p>
+            <a:pPr algn="ctr"/>
+            <a:endParaRPr lang="ko-KR" altLang="en-US"/>
+          </a:p>
+        </p:txBody>
+      </p:sp>
+      <p:sp>
+        <p:nvSpPr>
+          <p:cNvPr id="126" name="Content"/>
+          <p:cNvSpPr txBox="1"/>
+          <p:nvPr>
+            <p:custDataLst>
+              <p:custData r:id="rId2"/>
+            </p:custDataLst>
+          </p:nvPr>
+        </p:nvSpPr>
+        <p:spPr>
+          <a:xfrm>
+            <a:off x="9103685" y="530108"/>
+            <a:ext cx="3058081" cy="341632"/>
+          </a:xfrm>
+          <a:prstGeom prst="rect">
+            <a:avLst/>
+          </a:prstGeom>
+          <a:noFill/>
+        </p:spPr>
+        <p:txBody>
+          <a:bodyPr wrap="none" lIns="91440" tIns="18288" rIns="91440" bIns="45720" rtlCol="0" anchor="ctr" anchorCtr="0">
+            <a:spAutoFit/>
+          </a:bodyPr>
+          <a:lstStyle/>
+          <a:p>
+            <a:r>
+              <a:rPr lang="en-US" dirty="0" smtClean="0">
+                <a:solidFill>
+                  <a:schemeClr val="bg1">
+                    <a:lumMod val="95000"/>
+                  </a:schemeClr>
+                </a:solidFill>
+                <a:latin typeface="Segoe UI" pitchFamily="34" charset="0"/>
+                <a:ea typeface="Segoe UI" pitchFamily="34" charset="0"/>
+                <a:cs typeface="Segoe UI" pitchFamily="34" charset="0"/>
+              </a:rPr>
+              <a:t>Movie | Community | </a:t>
+            </a:r>
+            <a:r>
+              <a:rPr lang="en-US" dirty="0" smtClean="0">
+                <a:solidFill>
+                  <a:schemeClr val="bg1">
+                    <a:lumMod val="95000"/>
+                  </a:schemeClr>
+                </a:solidFill>
+                <a:latin typeface="Segoe UI" pitchFamily="34" charset="0"/>
+                <a:ea typeface="Segoe UI" pitchFamily="34" charset="0"/>
+                <a:cs typeface="Segoe UI" pitchFamily="34" charset="0"/>
+              </a:rPr>
+              <a:t>Profile </a:t>
+            </a:r>
+            <a:endParaRPr lang="en-US" dirty="0" smtClean="0">
+              <a:solidFill>
+                <a:schemeClr val="bg1">
+                  <a:lumMod val="95000"/>
+                </a:schemeClr>
+              </a:solidFill>
+              <a:latin typeface="Segoe UI" pitchFamily="34" charset="0"/>
+              <a:ea typeface="Segoe UI" pitchFamily="34" charset="0"/>
+              <a:cs typeface="Segoe UI" pitchFamily="34" charset="0"/>
+            </a:endParaRPr>
+          </a:p>
+        </p:txBody>
+      </p:sp>
+      <p:pic>
+        <p:nvPicPr>
+          <p:cNvPr id="189" name="그림 188"/>
+          <p:cNvPicPr>
+            <a:picLocks noChangeAspect="1"/>
+          </p:cNvPicPr>
+          <p:nvPr/>
+        </p:nvPicPr>
+        <p:blipFill rotWithShape="1">
+          <a:blip r:embed="rId12" cstate="hqprint">
+            <a:extLst>
+              <a:ext uri="{28A0092B-C50C-407E-A947-70E740481C1C}">
+                <a14:useLocalDpi xmlns:a14="http://schemas.microsoft.com/office/drawing/2010/main" val="0"/>
+              </a:ext>
+            </a:extLst>
+          </a:blip>
+          <a:srcRect l="29343" t="16903" r="47744" b="46296"/>
+          <a:stretch/>
+        </p:blipFill>
+        <p:spPr>
+          <a:xfrm>
+            <a:off x="208327" y="384026"/>
+            <a:ext cx="710574" cy="641939"/>
+          </a:xfrm>
+          <a:prstGeom prst="rect">
+            <a:avLst/>
+          </a:prstGeom>
+        </p:spPr>
+      </p:pic>
+      <p:sp>
+        <p:nvSpPr>
+          <p:cNvPr id="206" name="TextBox 205"/>
+          <p:cNvSpPr txBox="1"/>
+          <p:nvPr/>
+        </p:nvSpPr>
+        <p:spPr>
+          <a:xfrm>
+            <a:off x="1129436" y="1381047"/>
+            <a:ext cx="1670914" cy="369332"/>
+          </a:xfrm>
+          <a:prstGeom prst="rect">
+            <a:avLst/>
+          </a:prstGeom>
+          <a:noFill/>
+        </p:spPr>
+        <p:txBody>
+          <a:bodyPr wrap="square" rtlCol="0">
+            <a:spAutoFit/>
+          </a:bodyPr>
+          <a:lstStyle/>
+          <a:p>
+            <a:r>
+              <a:rPr lang="en-US" altLang="ko-KR" dirty="0" smtClean="0"/>
+              <a:t>Community</a:t>
+            </a:r>
+            <a:endParaRPr lang="ko-KR" altLang="en-US" dirty="0"/>
+          </a:p>
+        </p:txBody>
+      </p:sp>
+      <p:sp>
+        <p:nvSpPr>
+          <p:cNvPr id="65" name="TextBox 64"/>
+          <p:cNvSpPr txBox="1"/>
+          <p:nvPr/>
+        </p:nvSpPr>
+        <p:spPr>
+          <a:xfrm>
+            <a:off x="2990589" y="6178962"/>
+            <a:ext cx="1742899" cy="369332"/>
+          </a:xfrm>
+          <a:prstGeom prst="rect">
+            <a:avLst/>
+          </a:prstGeom>
+          <a:noFill/>
+        </p:spPr>
+        <p:txBody>
+          <a:bodyPr wrap="square" rtlCol="0">
+            <a:spAutoFit/>
+          </a:bodyPr>
+          <a:lstStyle/>
+          <a:p>
+            <a:r>
+              <a:rPr lang="en-US" altLang="ko-KR" dirty="0" err="1" smtClean="0"/>
+              <a:t>MovieListItem</a:t>
+            </a:r>
+            <a:endParaRPr lang="ko-KR" altLang="en-US" dirty="0"/>
+          </a:p>
+        </p:txBody>
+      </p:sp>
+      <p:sp>
+        <p:nvSpPr>
+          <p:cNvPr id="70" name="TextBox 69"/>
+          <p:cNvSpPr txBox="1"/>
+          <p:nvPr/>
+        </p:nvSpPr>
+        <p:spPr>
+          <a:xfrm>
+            <a:off x="5062277" y="6178962"/>
+            <a:ext cx="1742899" cy="369332"/>
+          </a:xfrm>
+          <a:prstGeom prst="rect">
+            <a:avLst/>
+          </a:prstGeom>
+          <a:noFill/>
+        </p:spPr>
+        <p:txBody>
+          <a:bodyPr wrap="square" rtlCol="0">
+            <a:spAutoFit/>
+          </a:bodyPr>
+          <a:lstStyle/>
+          <a:p>
+            <a:r>
+              <a:rPr lang="en-US" altLang="ko-KR" dirty="0" err="1" smtClean="0"/>
+              <a:t>MovieListItem</a:t>
+            </a:r>
+            <a:endParaRPr lang="ko-KR" altLang="en-US" dirty="0"/>
+          </a:p>
+        </p:txBody>
+      </p:sp>
+      <p:sp>
+        <p:nvSpPr>
+          <p:cNvPr id="2" name="직사각형 1"/>
+          <p:cNvSpPr/>
+          <p:nvPr/>
+        </p:nvSpPr>
+        <p:spPr>
+          <a:xfrm>
+            <a:off x="1129437" y="1862138"/>
+            <a:ext cx="6215064" cy="1974510"/>
+          </a:xfrm>
+          <a:prstGeom prst="rect">
+            <a:avLst/>
+          </a:prstGeom>
+        </p:spPr>
+        <p:style>
+          <a:lnRef idx="2">
+            <a:schemeClr val="accent1">
+              <a:shade val="50000"/>
+            </a:schemeClr>
+          </a:lnRef>
+          <a:fillRef idx="1">
+            <a:schemeClr val="accent1"/>
+          </a:fillRef>
+          <a:effectRef idx="0">
+            <a:schemeClr val="accent1"/>
+          </a:effectRef>
+          <a:fontRef idx="minor">
+            <a:schemeClr val="lt1"/>
+          </a:fontRef>
+        </p:style>
+        <p:txBody>
+          <a:bodyPr rtlCol="0" anchor="ctr"/>
+          <a:lstStyle/>
+          <a:p>
+            <a:pPr algn="ctr"/>
+            <a:endParaRPr lang="ko-KR" altLang="en-US"/>
+          </a:p>
+        </p:txBody>
+      </p:sp>
+      <p:grpSp>
+        <p:nvGrpSpPr>
+          <p:cNvPr id="56" name="Image"/>
+          <p:cNvGrpSpPr/>
+          <p:nvPr>
+            <p:custDataLst>
+              <p:custData r:id="rId3"/>
+            </p:custDataLst>
+          </p:nvPr>
+        </p:nvGrpSpPr>
+        <p:grpSpPr>
+          <a:xfrm>
+            <a:off x="1190912" y="1889231"/>
+            <a:ext cx="1742899" cy="1962488"/>
+            <a:chOff x="4037608" y="2896991"/>
+            <a:chExt cx="1059255" cy="1059255"/>
+          </a:xfrm>
+        </p:grpSpPr>
+        <p:sp>
+          <p:nvSpPr>
+            <p:cNvPr id="57" name="Rectangle 2"/>
+            <p:cNvSpPr/>
+            <p:nvPr/>
+          </p:nvSpPr>
+          <p:spPr>
+            <a:xfrm>
+              <a:off x="4037608" y="2896991"/>
+              <a:ext cx="1059255" cy="1059255"/>
+            </a:xfrm>
+            <a:prstGeom prst="rect">
+              <a:avLst/>
+            </a:prstGeom>
+            <a:solidFill>
+              <a:sysClr val="window" lastClr="FFFFFF"/>
+            </a:solidFill>
+            <a:ln w="3175" cap="flat" cmpd="sng" algn="ctr">
+              <a:solidFill>
+                <a:srgbClr val="FFFFFF">
+                  <a:lumMod val="50000"/>
+                </a:srgbClr>
+              </a:solidFill>
+              <a:prstDash val="solid"/>
+            </a:ln>
+            <a:effectLst/>
+          </p:spPr>
+          <p:txBody>
+            <a:bodyPr rot="0" spcFirstLastPara="0" vertOverflow="overflow" horzOverflow="overflow" vert="horz" wrap="square" lIns="45720" tIns="45720" rIns="91440" bIns="45720" numCol="1" spcCol="0" rtlCol="0" fromWordArt="0" anchor="ctr" anchorCtr="0" forceAA="0" compatLnSpc="1">
+              <a:prstTxWarp prst="textNoShape">
+                <a:avLst/>
+              </a:prstTxWarp>
+              <a:noAutofit/>
+            </a:bodyPr>
+            <a:lstStyle/>
+            <a:p>
+              <a:pPr marL="0" marR="0" indent="0" algn="ctr" defTabSz="914400" eaLnBrk="1" fontAlgn="auto" latinLnBrk="0" hangingPunct="1">
+                <a:lnSpc>
+                  <a:spcPct val="100000"/>
+                </a:lnSpc>
+                <a:spcBef>
+                  <a:spcPts val="0"/>
+                </a:spcBef>
+                <a:spcAft>
+                  <a:spcPts val="0"/>
+                </a:spcAft>
+                <a:buClrTx/>
+                <a:buSzTx/>
+                <a:buFontTx/>
+                <a:buNone/>
+                <a:tabLst/>
+              </a:pPr>
+              <a:endParaRPr kumimoji="0" lang="en-US" sz="800" b="0" i="0" u="none" strike="noStrike" kern="0" cap="none" spc="0" normalizeH="0" baseline="0" noProof="0" dirty="0" smtClean="0">
+                <a:ln>
+                  <a:noFill/>
+                </a:ln>
+                <a:solidFill>
+                  <a:srgbClr val="000000">
+                    <a:lumMod val="75000"/>
+                    <a:lumOff val="25000"/>
+                  </a:srgbClr>
+                </a:solidFill>
+                <a:effectLst/>
+                <a:uLnTx/>
+                <a:uFillTx/>
+                <a:latin typeface="Segoe UI"/>
+                <a:ea typeface="+mn-ea"/>
+                <a:cs typeface="+mn-cs"/>
+              </a:endParaRPr>
+            </a:p>
+          </p:txBody>
+        </p:sp>
+        <p:cxnSp>
+          <p:nvCxnSpPr>
+            <p:cNvPr id="58" name="Straight Connector 3"/>
+            <p:cNvCxnSpPr/>
+            <p:nvPr/>
+          </p:nvCxnSpPr>
+          <p:spPr>
+            <a:xfrm>
+              <a:off x="4037608" y="2896991"/>
+              <a:ext cx="1059255" cy="1059255"/>
+            </a:xfrm>
+            <a:prstGeom prst="line">
+              <a:avLst/>
+            </a:prstGeom>
+            <a:ln w="3175">
+              <a:solidFill>
+                <a:srgbClr val="FFFFFF">
+                  <a:lumMod val="50000"/>
+                </a:srgbClr>
+              </a:solidFill>
+            </a:ln>
+          </p:spPr>
+          <p:style>
+            <a:lnRef idx="1">
+              <a:srgbClr val="FFFFFF"/>
+            </a:lnRef>
+            <a:fillRef idx="0">
+              <a:srgbClr val="FFFFFF"/>
+            </a:fillRef>
+            <a:effectRef idx="0">
+              <a:srgbClr val="FFFFFF"/>
+            </a:effectRef>
+            <a:fontRef idx="minor">
+              <a:srgbClr val="000000"/>
+            </a:fontRef>
+          </p:style>
+        </p:cxnSp>
+        <p:cxnSp>
+          <p:nvCxnSpPr>
+            <p:cNvPr id="59" name="Straight Connector 4"/>
+            <p:cNvCxnSpPr/>
+            <p:nvPr/>
+          </p:nvCxnSpPr>
+          <p:spPr>
+            <a:xfrm flipV="1">
+              <a:off x="4037608" y="2896991"/>
+              <a:ext cx="1059255" cy="1059255"/>
+            </a:xfrm>
+            <a:prstGeom prst="line">
+              <a:avLst/>
+            </a:prstGeom>
+            <a:ln w="3175">
+              <a:solidFill>
+                <a:srgbClr val="FFFFFF">
+                  <a:lumMod val="50000"/>
+                </a:srgbClr>
+              </a:solidFill>
+            </a:ln>
+          </p:spPr>
+          <p:style>
+            <a:lnRef idx="1">
+              <a:srgbClr val="FFFFFF"/>
+            </a:lnRef>
+            <a:fillRef idx="0">
+              <a:srgbClr val="FFFFFF"/>
+            </a:fillRef>
+            <a:effectRef idx="0">
+              <a:srgbClr val="FFFFFF"/>
+            </a:effectRef>
+            <a:fontRef idx="minor">
+              <a:srgbClr val="000000"/>
+            </a:fontRef>
+          </p:style>
+        </p:cxnSp>
+      </p:grpSp>
+      <p:grpSp>
+        <p:nvGrpSpPr>
+          <p:cNvPr id="61" name="Image"/>
+          <p:cNvGrpSpPr/>
+          <p:nvPr>
+            <p:custDataLst>
+              <p:custData r:id="rId4"/>
+            </p:custDataLst>
+          </p:nvPr>
+        </p:nvGrpSpPr>
+        <p:grpSpPr>
+          <a:xfrm>
+            <a:off x="1578560" y="1901253"/>
+            <a:ext cx="1742899" cy="1962488"/>
+            <a:chOff x="4037608" y="2896991"/>
+            <a:chExt cx="1059255" cy="1059255"/>
+          </a:xfrm>
+        </p:grpSpPr>
+        <p:sp>
+          <p:nvSpPr>
+            <p:cNvPr id="62" name="Rectangle 2"/>
+            <p:cNvSpPr/>
+            <p:nvPr/>
+          </p:nvSpPr>
+          <p:spPr>
+            <a:xfrm>
+              <a:off x="4037608" y="2896991"/>
+              <a:ext cx="1059255" cy="1059255"/>
+            </a:xfrm>
+            <a:prstGeom prst="rect">
+              <a:avLst/>
+            </a:prstGeom>
+            <a:solidFill>
+              <a:sysClr val="window" lastClr="FFFFFF"/>
+            </a:solidFill>
+            <a:ln w="3175" cap="flat" cmpd="sng" algn="ctr">
+              <a:solidFill>
+                <a:srgbClr val="FFFFFF">
+                  <a:lumMod val="50000"/>
+                </a:srgbClr>
+              </a:solidFill>
+              <a:prstDash val="solid"/>
+            </a:ln>
+            <a:effectLst/>
+          </p:spPr>
+          <p:txBody>
+            <a:bodyPr rot="0" spcFirstLastPara="0" vertOverflow="overflow" horzOverflow="overflow" vert="horz" wrap="square" lIns="45720" tIns="45720" rIns="91440" bIns="45720" numCol="1" spcCol="0" rtlCol="0" fromWordArt="0" anchor="ctr" anchorCtr="0" forceAA="0" compatLnSpc="1">
+              <a:prstTxWarp prst="textNoShape">
+                <a:avLst/>
+              </a:prstTxWarp>
+              <a:noAutofit/>
+            </a:bodyPr>
+            <a:lstStyle/>
+            <a:p>
+              <a:pPr marL="0" marR="0" indent="0" algn="ctr" defTabSz="914400" eaLnBrk="1" fontAlgn="auto" latinLnBrk="0" hangingPunct="1">
+                <a:lnSpc>
+                  <a:spcPct val="100000"/>
+                </a:lnSpc>
+                <a:spcBef>
+                  <a:spcPts val="0"/>
+                </a:spcBef>
+                <a:spcAft>
+                  <a:spcPts val="0"/>
+                </a:spcAft>
+                <a:buClrTx/>
+                <a:buSzTx/>
+                <a:buFontTx/>
+                <a:buNone/>
+                <a:tabLst/>
+              </a:pPr>
+              <a:endParaRPr kumimoji="0" lang="en-US" sz="800" b="0" i="0" u="none" strike="noStrike" kern="0" cap="none" spc="0" normalizeH="0" baseline="0" noProof="0" dirty="0" smtClean="0">
+                <a:ln>
+                  <a:noFill/>
+                </a:ln>
+                <a:solidFill>
+                  <a:srgbClr val="000000">
+                    <a:lumMod val="75000"/>
+                    <a:lumOff val="25000"/>
+                  </a:srgbClr>
+                </a:solidFill>
+                <a:effectLst/>
+                <a:uLnTx/>
+                <a:uFillTx/>
+                <a:latin typeface="Segoe UI"/>
+                <a:ea typeface="+mn-ea"/>
+                <a:cs typeface="+mn-cs"/>
+              </a:endParaRPr>
+            </a:p>
+          </p:txBody>
+        </p:sp>
+        <p:cxnSp>
+          <p:nvCxnSpPr>
+            <p:cNvPr id="63" name="Straight Connector 3"/>
+            <p:cNvCxnSpPr/>
+            <p:nvPr/>
+          </p:nvCxnSpPr>
+          <p:spPr>
+            <a:xfrm>
+              <a:off x="4037608" y="2896991"/>
+              <a:ext cx="1059255" cy="1059255"/>
+            </a:xfrm>
+            <a:prstGeom prst="line">
+              <a:avLst/>
+            </a:prstGeom>
+            <a:ln w="3175">
+              <a:solidFill>
+                <a:srgbClr val="FFFFFF">
+                  <a:lumMod val="50000"/>
+                </a:srgbClr>
+              </a:solidFill>
+            </a:ln>
+          </p:spPr>
+          <p:style>
+            <a:lnRef idx="1">
+              <a:srgbClr val="FFFFFF"/>
+            </a:lnRef>
+            <a:fillRef idx="0">
+              <a:srgbClr val="FFFFFF"/>
+            </a:fillRef>
+            <a:effectRef idx="0">
+              <a:srgbClr val="FFFFFF"/>
+            </a:effectRef>
+            <a:fontRef idx="minor">
+              <a:srgbClr val="000000"/>
+            </a:fontRef>
+          </p:style>
+        </p:cxnSp>
+        <p:cxnSp>
+          <p:nvCxnSpPr>
+            <p:cNvPr id="64" name="Straight Connector 4"/>
+            <p:cNvCxnSpPr/>
+            <p:nvPr/>
+          </p:nvCxnSpPr>
+          <p:spPr>
+            <a:xfrm flipV="1">
+              <a:off x="4037608" y="2896991"/>
+              <a:ext cx="1059255" cy="1059255"/>
+            </a:xfrm>
+            <a:prstGeom prst="line">
+              <a:avLst/>
+            </a:prstGeom>
+            <a:ln w="3175">
+              <a:solidFill>
+                <a:srgbClr val="FFFFFF">
+                  <a:lumMod val="50000"/>
+                </a:srgbClr>
+              </a:solidFill>
+            </a:ln>
+          </p:spPr>
+          <p:style>
+            <a:lnRef idx="1">
+              <a:srgbClr val="FFFFFF"/>
+            </a:lnRef>
+            <a:fillRef idx="0">
+              <a:srgbClr val="FFFFFF"/>
+            </a:fillRef>
+            <a:effectRef idx="0">
+              <a:srgbClr val="FFFFFF"/>
+            </a:effectRef>
+            <a:fontRef idx="minor">
+              <a:srgbClr val="000000"/>
+            </a:fontRef>
+          </p:style>
+        </p:cxnSp>
+      </p:grpSp>
+      <p:grpSp>
+        <p:nvGrpSpPr>
+          <p:cNvPr id="66" name="Image"/>
+          <p:cNvGrpSpPr/>
+          <p:nvPr>
+            <p:custDataLst>
+              <p:custData r:id="rId5"/>
+            </p:custDataLst>
+          </p:nvPr>
+        </p:nvGrpSpPr>
+        <p:grpSpPr>
+          <a:xfrm>
+            <a:off x="2008213" y="1901253"/>
+            <a:ext cx="1742899" cy="1962488"/>
+            <a:chOff x="4037608" y="2896991"/>
+            <a:chExt cx="1059255" cy="1059255"/>
+          </a:xfrm>
+        </p:grpSpPr>
+        <p:sp>
+          <p:nvSpPr>
+            <p:cNvPr id="67" name="Rectangle 2"/>
+            <p:cNvSpPr/>
+            <p:nvPr/>
+          </p:nvSpPr>
+          <p:spPr>
+            <a:xfrm>
+              <a:off x="4037608" y="2896991"/>
+              <a:ext cx="1059255" cy="1059255"/>
+            </a:xfrm>
+            <a:prstGeom prst="rect">
+              <a:avLst/>
+            </a:prstGeom>
+            <a:solidFill>
+              <a:sysClr val="window" lastClr="FFFFFF"/>
+            </a:solidFill>
+            <a:ln w="3175" cap="flat" cmpd="sng" algn="ctr">
+              <a:solidFill>
+                <a:srgbClr val="FFFFFF">
+                  <a:lumMod val="50000"/>
+                </a:srgbClr>
+              </a:solidFill>
+              <a:prstDash val="solid"/>
+            </a:ln>
+            <a:effectLst/>
+          </p:spPr>
+          <p:txBody>
+            <a:bodyPr rot="0" spcFirstLastPara="0" vertOverflow="overflow" horzOverflow="overflow" vert="horz" wrap="square" lIns="45720" tIns="45720" rIns="91440" bIns="45720" numCol="1" spcCol="0" rtlCol="0" fromWordArt="0" anchor="ctr" anchorCtr="0" forceAA="0" compatLnSpc="1">
+              <a:prstTxWarp prst="textNoShape">
+                <a:avLst/>
+              </a:prstTxWarp>
+              <a:noAutofit/>
+            </a:bodyPr>
+            <a:lstStyle/>
+            <a:p>
+              <a:pPr marL="0" marR="0" indent="0" algn="ctr" defTabSz="914400" eaLnBrk="1" fontAlgn="auto" latinLnBrk="0" hangingPunct="1">
+                <a:lnSpc>
+                  <a:spcPct val="100000"/>
+                </a:lnSpc>
+                <a:spcBef>
+                  <a:spcPts val="0"/>
+                </a:spcBef>
+                <a:spcAft>
+                  <a:spcPts val="0"/>
+                </a:spcAft>
+                <a:buClrTx/>
+                <a:buSzTx/>
+                <a:buFontTx/>
+                <a:buNone/>
+                <a:tabLst/>
+              </a:pPr>
+              <a:endParaRPr kumimoji="0" lang="en-US" sz="800" b="0" i="0" u="none" strike="noStrike" kern="0" cap="none" spc="0" normalizeH="0" baseline="0" noProof="0" dirty="0" smtClean="0">
+                <a:ln>
+                  <a:noFill/>
+                </a:ln>
+                <a:solidFill>
+                  <a:srgbClr val="000000">
+                    <a:lumMod val="75000"/>
+                    <a:lumOff val="25000"/>
+                  </a:srgbClr>
+                </a:solidFill>
+                <a:effectLst/>
+                <a:uLnTx/>
+                <a:uFillTx/>
+                <a:latin typeface="Segoe UI"/>
+                <a:ea typeface="+mn-ea"/>
+                <a:cs typeface="+mn-cs"/>
+              </a:endParaRPr>
+            </a:p>
+          </p:txBody>
+        </p:sp>
+        <p:cxnSp>
+          <p:nvCxnSpPr>
+            <p:cNvPr id="68" name="Straight Connector 3"/>
+            <p:cNvCxnSpPr/>
+            <p:nvPr/>
+          </p:nvCxnSpPr>
+          <p:spPr>
+            <a:xfrm>
+              <a:off x="4037608" y="2896991"/>
+              <a:ext cx="1059255" cy="1059255"/>
+            </a:xfrm>
+            <a:prstGeom prst="line">
+              <a:avLst/>
+            </a:prstGeom>
+            <a:ln w="3175">
+              <a:solidFill>
+                <a:srgbClr val="FFFFFF">
+                  <a:lumMod val="50000"/>
+                </a:srgbClr>
+              </a:solidFill>
+            </a:ln>
+          </p:spPr>
+          <p:style>
+            <a:lnRef idx="1">
+              <a:srgbClr val="FFFFFF"/>
+            </a:lnRef>
+            <a:fillRef idx="0">
+              <a:srgbClr val="FFFFFF"/>
+            </a:fillRef>
+            <a:effectRef idx="0">
+              <a:srgbClr val="FFFFFF"/>
+            </a:effectRef>
+            <a:fontRef idx="minor">
+              <a:srgbClr val="000000"/>
+            </a:fontRef>
+          </p:style>
+        </p:cxnSp>
+        <p:cxnSp>
+          <p:nvCxnSpPr>
+            <p:cNvPr id="69" name="Straight Connector 4"/>
+            <p:cNvCxnSpPr/>
+            <p:nvPr/>
+          </p:nvCxnSpPr>
+          <p:spPr>
+            <a:xfrm flipV="1">
+              <a:off x="4037608" y="2896991"/>
+              <a:ext cx="1059255" cy="1059255"/>
+            </a:xfrm>
+            <a:prstGeom prst="line">
+              <a:avLst/>
+            </a:prstGeom>
+            <a:ln w="3175">
+              <a:solidFill>
+                <a:srgbClr val="FFFFFF">
+                  <a:lumMod val="50000"/>
+                </a:srgbClr>
+              </a:solidFill>
+            </a:ln>
+          </p:spPr>
+          <p:style>
+            <a:lnRef idx="1">
+              <a:srgbClr val="FFFFFF"/>
+            </a:lnRef>
+            <a:fillRef idx="0">
+              <a:srgbClr val="FFFFFF"/>
+            </a:fillRef>
+            <a:effectRef idx="0">
+              <a:srgbClr val="FFFFFF"/>
+            </a:effectRef>
+            <a:fontRef idx="minor">
+              <a:srgbClr val="000000"/>
+            </a:fontRef>
+          </p:style>
+        </p:cxnSp>
+      </p:grpSp>
+      <p:grpSp>
+        <p:nvGrpSpPr>
+          <p:cNvPr id="76" name="Image"/>
+          <p:cNvGrpSpPr/>
+          <p:nvPr>
+            <p:custDataLst>
+              <p:custData r:id="rId6"/>
+            </p:custDataLst>
+          </p:nvPr>
+        </p:nvGrpSpPr>
+        <p:grpSpPr>
+          <a:xfrm>
+            <a:off x="2500810" y="1889231"/>
+            <a:ext cx="1742899" cy="1962488"/>
+            <a:chOff x="4037608" y="2896991"/>
+            <a:chExt cx="1059255" cy="1059255"/>
+          </a:xfrm>
+        </p:grpSpPr>
+        <p:sp>
+          <p:nvSpPr>
+            <p:cNvPr id="77" name="Rectangle 2"/>
+            <p:cNvSpPr/>
+            <p:nvPr/>
+          </p:nvSpPr>
+          <p:spPr>
+            <a:xfrm>
+              <a:off x="4037608" y="2896991"/>
+              <a:ext cx="1059255" cy="1059255"/>
+            </a:xfrm>
+            <a:prstGeom prst="rect">
+              <a:avLst/>
+            </a:prstGeom>
+            <a:solidFill>
+              <a:sysClr val="window" lastClr="FFFFFF"/>
+            </a:solidFill>
+            <a:ln w="3175" cap="flat" cmpd="sng" algn="ctr">
+              <a:solidFill>
+                <a:srgbClr val="FFFFFF">
+                  <a:lumMod val="50000"/>
+                </a:srgbClr>
+              </a:solidFill>
+              <a:prstDash val="solid"/>
+            </a:ln>
+            <a:effectLst/>
+          </p:spPr>
+          <p:txBody>
+            <a:bodyPr rot="0" spcFirstLastPara="0" vertOverflow="overflow" horzOverflow="overflow" vert="horz" wrap="square" lIns="45720" tIns="45720" rIns="91440" bIns="45720" numCol="1" spcCol="0" rtlCol="0" fromWordArt="0" anchor="ctr" anchorCtr="0" forceAA="0" compatLnSpc="1">
+              <a:prstTxWarp prst="textNoShape">
+                <a:avLst/>
+              </a:prstTxWarp>
+              <a:noAutofit/>
+            </a:bodyPr>
+            <a:lstStyle/>
+            <a:p>
+              <a:pPr marL="0" marR="0" indent="0" algn="ctr" defTabSz="914400" eaLnBrk="1" fontAlgn="auto" latinLnBrk="0" hangingPunct="1">
+                <a:lnSpc>
+                  <a:spcPct val="100000"/>
+                </a:lnSpc>
+                <a:spcBef>
+                  <a:spcPts val="0"/>
+                </a:spcBef>
+                <a:spcAft>
+                  <a:spcPts val="0"/>
+                </a:spcAft>
+                <a:buClrTx/>
+                <a:buSzTx/>
+                <a:buFontTx/>
+                <a:buNone/>
+                <a:tabLst/>
+              </a:pPr>
+              <a:endParaRPr kumimoji="0" lang="en-US" sz="800" b="0" i="0" u="none" strike="noStrike" kern="0" cap="none" spc="0" normalizeH="0" baseline="0" noProof="0" dirty="0" smtClean="0">
+                <a:ln>
+                  <a:noFill/>
+                </a:ln>
+                <a:solidFill>
+                  <a:srgbClr val="000000">
+                    <a:lumMod val="75000"/>
+                    <a:lumOff val="25000"/>
+                  </a:srgbClr>
+                </a:solidFill>
+                <a:effectLst/>
+                <a:uLnTx/>
+                <a:uFillTx/>
+                <a:latin typeface="Segoe UI"/>
+                <a:ea typeface="+mn-ea"/>
+                <a:cs typeface="+mn-cs"/>
+              </a:endParaRPr>
+            </a:p>
+          </p:txBody>
+        </p:sp>
+        <p:cxnSp>
+          <p:nvCxnSpPr>
+            <p:cNvPr id="78" name="Straight Connector 3"/>
+            <p:cNvCxnSpPr/>
+            <p:nvPr/>
+          </p:nvCxnSpPr>
+          <p:spPr>
+            <a:xfrm>
+              <a:off x="4037608" y="2896991"/>
+              <a:ext cx="1059255" cy="1059255"/>
+            </a:xfrm>
+            <a:prstGeom prst="line">
+              <a:avLst/>
+            </a:prstGeom>
+            <a:ln w="3175">
+              <a:solidFill>
+                <a:srgbClr val="FFFFFF">
+                  <a:lumMod val="50000"/>
+                </a:srgbClr>
+              </a:solidFill>
+            </a:ln>
+          </p:spPr>
+          <p:style>
+            <a:lnRef idx="1">
+              <a:srgbClr val="FFFFFF"/>
+            </a:lnRef>
+            <a:fillRef idx="0">
+              <a:srgbClr val="FFFFFF"/>
+            </a:fillRef>
+            <a:effectRef idx="0">
+              <a:srgbClr val="FFFFFF"/>
+            </a:effectRef>
+            <a:fontRef idx="minor">
+              <a:srgbClr val="000000"/>
+            </a:fontRef>
+          </p:style>
+        </p:cxnSp>
+        <p:cxnSp>
+          <p:nvCxnSpPr>
+            <p:cNvPr id="79" name="Straight Connector 4"/>
+            <p:cNvCxnSpPr/>
+            <p:nvPr/>
+          </p:nvCxnSpPr>
+          <p:spPr>
+            <a:xfrm flipV="1">
+              <a:off x="4037608" y="2896991"/>
+              <a:ext cx="1059255" cy="1059255"/>
+            </a:xfrm>
+            <a:prstGeom prst="line">
+              <a:avLst/>
+            </a:prstGeom>
+            <a:ln w="3175">
+              <a:solidFill>
+                <a:srgbClr val="FFFFFF">
+                  <a:lumMod val="50000"/>
+                </a:srgbClr>
+              </a:solidFill>
+            </a:ln>
+          </p:spPr>
+          <p:style>
+            <a:lnRef idx="1">
+              <a:srgbClr val="FFFFFF"/>
+            </a:lnRef>
+            <a:fillRef idx="0">
+              <a:srgbClr val="FFFFFF"/>
+            </a:fillRef>
+            <a:effectRef idx="0">
+              <a:srgbClr val="FFFFFF"/>
+            </a:effectRef>
+            <a:fontRef idx="minor">
+              <a:srgbClr val="000000"/>
+            </a:fontRef>
+          </p:style>
+        </p:cxnSp>
+      </p:grpSp>
+      <p:sp>
+        <p:nvSpPr>
+          <p:cNvPr id="60" name="TextBox 59"/>
+          <p:cNvSpPr txBox="1"/>
+          <p:nvPr/>
+        </p:nvSpPr>
+        <p:spPr>
+          <a:xfrm>
+            <a:off x="4383984" y="1908015"/>
+            <a:ext cx="1742899" cy="369332"/>
+          </a:xfrm>
+          <a:prstGeom prst="rect">
+            <a:avLst/>
+          </a:prstGeom>
+          <a:noFill/>
+        </p:spPr>
+        <p:txBody>
+          <a:bodyPr wrap="square" rtlCol="0">
+            <a:spAutoFit/>
+          </a:bodyPr>
+          <a:lstStyle/>
+          <a:p>
+            <a:r>
+              <a:rPr lang="en-US" altLang="ko-KR" dirty="0" err="1" smtClean="0"/>
+              <a:t>PlayListItem</a:t>
+            </a:r>
+            <a:endParaRPr lang="ko-KR" altLang="en-US" dirty="0"/>
+          </a:p>
+        </p:txBody>
+      </p:sp>
+      <p:sp>
+        <p:nvSpPr>
+          <p:cNvPr id="51" name="TextBox 50"/>
+          <p:cNvSpPr txBox="1"/>
+          <p:nvPr/>
+        </p:nvSpPr>
+        <p:spPr>
+          <a:xfrm>
+            <a:off x="1129437" y="4031035"/>
+            <a:ext cx="1048562" cy="369332"/>
+          </a:xfrm>
+          <a:prstGeom prst="rect">
+            <a:avLst/>
+          </a:prstGeom>
+          <a:noFill/>
+        </p:spPr>
+        <p:txBody>
+          <a:bodyPr wrap="square" rtlCol="0">
+            <a:spAutoFit/>
+          </a:bodyPr>
+          <a:lstStyle/>
+          <a:p>
+            <a:r>
+              <a:rPr lang="en-US" altLang="ko-KR" dirty="0" err="1" smtClean="0"/>
+              <a:t>PlayList</a:t>
+            </a:r>
+            <a:endParaRPr lang="ko-KR" altLang="en-US" dirty="0"/>
+          </a:p>
+        </p:txBody>
+      </p:sp>
+      <p:sp>
+        <p:nvSpPr>
+          <p:cNvPr id="52" name="직사각형 51"/>
+          <p:cNvSpPr/>
+          <p:nvPr/>
+        </p:nvSpPr>
+        <p:spPr>
+          <a:xfrm>
+            <a:off x="1129437" y="4512126"/>
+            <a:ext cx="6215064" cy="1974510"/>
+          </a:xfrm>
+          <a:prstGeom prst="rect">
+            <a:avLst/>
+          </a:prstGeom>
+        </p:spPr>
+        <p:style>
+          <a:lnRef idx="2">
+            <a:schemeClr val="accent1">
+              <a:shade val="50000"/>
+            </a:schemeClr>
+          </a:lnRef>
+          <a:fillRef idx="1">
+            <a:schemeClr val="accent1"/>
+          </a:fillRef>
+          <a:effectRef idx="0">
+            <a:schemeClr val="accent1"/>
+          </a:effectRef>
+          <a:fontRef idx="minor">
+            <a:schemeClr val="lt1"/>
+          </a:fontRef>
+        </p:style>
+        <p:txBody>
+          <a:bodyPr rtlCol="0" anchor="ctr"/>
+          <a:lstStyle/>
+          <a:p>
+            <a:pPr algn="ctr"/>
+            <a:endParaRPr lang="ko-KR" altLang="en-US"/>
+          </a:p>
+        </p:txBody>
+      </p:sp>
+      <p:grpSp>
+        <p:nvGrpSpPr>
+          <p:cNvPr id="53" name="Image"/>
+          <p:cNvGrpSpPr/>
+          <p:nvPr>
+            <p:custDataLst>
+              <p:custData r:id="rId7"/>
+            </p:custDataLst>
+          </p:nvPr>
+        </p:nvGrpSpPr>
+        <p:grpSpPr>
+          <a:xfrm>
+            <a:off x="1190912" y="4539219"/>
+            <a:ext cx="1742899" cy="1962488"/>
+            <a:chOff x="4037608" y="2896991"/>
+            <a:chExt cx="1059255" cy="1059255"/>
+          </a:xfrm>
+        </p:grpSpPr>
+        <p:sp>
+          <p:nvSpPr>
+            <p:cNvPr id="54" name="Rectangle 2"/>
+            <p:cNvSpPr/>
+            <p:nvPr/>
+          </p:nvSpPr>
+          <p:spPr>
+            <a:xfrm>
+              <a:off x="4037608" y="2896991"/>
+              <a:ext cx="1059255" cy="1059255"/>
+            </a:xfrm>
+            <a:prstGeom prst="rect">
+              <a:avLst/>
+            </a:prstGeom>
+            <a:solidFill>
+              <a:sysClr val="window" lastClr="FFFFFF"/>
+            </a:solidFill>
+            <a:ln w="3175" cap="flat" cmpd="sng" algn="ctr">
+              <a:solidFill>
+                <a:srgbClr val="FFFFFF">
+                  <a:lumMod val="50000"/>
+                </a:srgbClr>
+              </a:solidFill>
+              <a:prstDash val="solid"/>
+            </a:ln>
+            <a:effectLst/>
+          </p:spPr>
+          <p:txBody>
+            <a:bodyPr rot="0" spcFirstLastPara="0" vertOverflow="overflow" horzOverflow="overflow" vert="horz" wrap="square" lIns="45720" tIns="45720" rIns="91440" bIns="45720" numCol="1" spcCol="0" rtlCol="0" fromWordArt="0" anchor="ctr" anchorCtr="0" forceAA="0" compatLnSpc="1">
+              <a:prstTxWarp prst="textNoShape">
+                <a:avLst/>
+              </a:prstTxWarp>
+              <a:noAutofit/>
+            </a:bodyPr>
+            <a:lstStyle/>
+            <a:p>
+              <a:pPr marL="0" marR="0" indent="0" algn="ctr" defTabSz="914400" eaLnBrk="1" fontAlgn="auto" latinLnBrk="0" hangingPunct="1">
+                <a:lnSpc>
+                  <a:spcPct val="100000"/>
+                </a:lnSpc>
+                <a:spcBef>
+                  <a:spcPts val="0"/>
+                </a:spcBef>
+                <a:spcAft>
+                  <a:spcPts val="0"/>
+                </a:spcAft>
+                <a:buClrTx/>
+                <a:buSzTx/>
+                <a:buFontTx/>
+                <a:buNone/>
+                <a:tabLst/>
+              </a:pPr>
+              <a:endParaRPr kumimoji="0" lang="en-US" sz="800" b="0" i="0" u="none" strike="noStrike" kern="0" cap="none" spc="0" normalizeH="0" baseline="0" noProof="0" dirty="0" smtClean="0">
+                <a:ln>
+                  <a:noFill/>
+                </a:ln>
+                <a:solidFill>
+                  <a:srgbClr val="000000">
+                    <a:lumMod val="75000"/>
+                    <a:lumOff val="25000"/>
+                  </a:srgbClr>
+                </a:solidFill>
+                <a:effectLst/>
+                <a:uLnTx/>
+                <a:uFillTx/>
+                <a:latin typeface="Segoe UI"/>
+                <a:ea typeface="+mn-ea"/>
+                <a:cs typeface="+mn-cs"/>
+              </a:endParaRPr>
+            </a:p>
+          </p:txBody>
+        </p:sp>
+        <p:cxnSp>
+          <p:nvCxnSpPr>
+            <p:cNvPr id="71" name="Straight Connector 3"/>
+            <p:cNvCxnSpPr/>
+            <p:nvPr/>
+          </p:nvCxnSpPr>
+          <p:spPr>
+            <a:xfrm>
+              <a:off x="4037608" y="2896991"/>
+              <a:ext cx="1059255" cy="1059255"/>
+            </a:xfrm>
+            <a:prstGeom prst="line">
+              <a:avLst/>
+            </a:prstGeom>
+            <a:ln w="3175">
+              <a:solidFill>
+                <a:srgbClr val="FFFFFF">
+                  <a:lumMod val="50000"/>
+                </a:srgbClr>
+              </a:solidFill>
+            </a:ln>
+          </p:spPr>
+          <p:style>
+            <a:lnRef idx="1">
+              <a:srgbClr val="FFFFFF"/>
+            </a:lnRef>
+            <a:fillRef idx="0">
+              <a:srgbClr val="FFFFFF"/>
+            </a:fillRef>
+            <a:effectRef idx="0">
+              <a:srgbClr val="FFFFFF"/>
+            </a:effectRef>
+            <a:fontRef idx="minor">
+              <a:srgbClr val="000000"/>
+            </a:fontRef>
+          </p:style>
+        </p:cxnSp>
+        <p:cxnSp>
+          <p:nvCxnSpPr>
+            <p:cNvPr id="72" name="Straight Connector 4"/>
+            <p:cNvCxnSpPr/>
+            <p:nvPr/>
+          </p:nvCxnSpPr>
+          <p:spPr>
+            <a:xfrm flipV="1">
+              <a:off x="4037608" y="2896991"/>
+              <a:ext cx="1059255" cy="1059255"/>
+            </a:xfrm>
+            <a:prstGeom prst="line">
+              <a:avLst/>
+            </a:prstGeom>
+            <a:ln w="3175">
+              <a:solidFill>
+                <a:srgbClr val="FFFFFF">
+                  <a:lumMod val="50000"/>
+                </a:srgbClr>
+              </a:solidFill>
+            </a:ln>
+          </p:spPr>
+          <p:style>
+            <a:lnRef idx="1">
+              <a:srgbClr val="FFFFFF"/>
+            </a:lnRef>
+            <a:fillRef idx="0">
+              <a:srgbClr val="FFFFFF"/>
+            </a:fillRef>
+            <a:effectRef idx="0">
+              <a:srgbClr val="FFFFFF"/>
+            </a:effectRef>
+            <a:fontRef idx="minor">
+              <a:srgbClr val="000000"/>
+            </a:fontRef>
+          </p:style>
+        </p:cxnSp>
+      </p:grpSp>
+      <p:grpSp>
+        <p:nvGrpSpPr>
+          <p:cNvPr id="73" name="Image"/>
+          <p:cNvGrpSpPr/>
+          <p:nvPr>
+            <p:custDataLst>
+              <p:custData r:id="rId8"/>
+            </p:custDataLst>
+          </p:nvPr>
+        </p:nvGrpSpPr>
+        <p:grpSpPr>
+          <a:xfrm>
+            <a:off x="1578560" y="4551241"/>
+            <a:ext cx="1742899" cy="1962488"/>
+            <a:chOff x="4037608" y="2896991"/>
+            <a:chExt cx="1059255" cy="1059255"/>
+          </a:xfrm>
+        </p:grpSpPr>
+        <p:sp>
+          <p:nvSpPr>
+            <p:cNvPr id="74" name="Rectangle 2"/>
+            <p:cNvSpPr/>
+            <p:nvPr/>
+          </p:nvSpPr>
+          <p:spPr>
+            <a:xfrm>
+              <a:off x="4037608" y="2896991"/>
+              <a:ext cx="1059255" cy="1059255"/>
+            </a:xfrm>
+            <a:prstGeom prst="rect">
+              <a:avLst/>
+            </a:prstGeom>
+            <a:solidFill>
+              <a:sysClr val="window" lastClr="FFFFFF"/>
+            </a:solidFill>
+            <a:ln w="3175" cap="flat" cmpd="sng" algn="ctr">
+              <a:solidFill>
+                <a:srgbClr val="FFFFFF">
+                  <a:lumMod val="50000"/>
+                </a:srgbClr>
+              </a:solidFill>
+              <a:prstDash val="solid"/>
+            </a:ln>
+            <a:effectLst/>
+          </p:spPr>
+          <p:txBody>
+            <a:bodyPr rot="0" spcFirstLastPara="0" vertOverflow="overflow" horzOverflow="overflow" vert="horz" wrap="square" lIns="45720" tIns="45720" rIns="91440" bIns="45720" numCol="1" spcCol="0" rtlCol="0" fromWordArt="0" anchor="ctr" anchorCtr="0" forceAA="0" compatLnSpc="1">
+              <a:prstTxWarp prst="textNoShape">
+                <a:avLst/>
+              </a:prstTxWarp>
+              <a:noAutofit/>
+            </a:bodyPr>
+            <a:lstStyle/>
+            <a:p>
+              <a:pPr marL="0" marR="0" indent="0" algn="ctr" defTabSz="914400" eaLnBrk="1" fontAlgn="auto" latinLnBrk="0" hangingPunct="1">
+                <a:lnSpc>
+                  <a:spcPct val="100000"/>
+                </a:lnSpc>
+                <a:spcBef>
+                  <a:spcPts val="0"/>
+                </a:spcBef>
+                <a:spcAft>
+                  <a:spcPts val="0"/>
+                </a:spcAft>
+                <a:buClrTx/>
+                <a:buSzTx/>
+                <a:buFontTx/>
+                <a:buNone/>
+                <a:tabLst/>
+              </a:pPr>
+              <a:endParaRPr kumimoji="0" lang="en-US" sz="800" b="0" i="0" u="none" strike="noStrike" kern="0" cap="none" spc="0" normalizeH="0" baseline="0" noProof="0" dirty="0" smtClean="0">
+                <a:ln>
+                  <a:noFill/>
+                </a:ln>
+                <a:solidFill>
+                  <a:srgbClr val="000000">
+                    <a:lumMod val="75000"/>
+                    <a:lumOff val="25000"/>
+                  </a:srgbClr>
+                </a:solidFill>
+                <a:effectLst/>
+                <a:uLnTx/>
+                <a:uFillTx/>
+                <a:latin typeface="Segoe UI"/>
+                <a:ea typeface="+mn-ea"/>
+                <a:cs typeface="+mn-cs"/>
+              </a:endParaRPr>
+            </a:p>
+          </p:txBody>
+        </p:sp>
+        <p:cxnSp>
+          <p:nvCxnSpPr>
+            <p:cNvPr id="75" name="Straight Connector 3"/>
+            <p:cNvCxnSpPr/>
+            <p:nvPr/>
+          </p:nvCxnSpPr>
+          <p:spPr>
+            <a:xfrm>
+              <a:off x="4037608" y="2896991"/>
+              <a:ext cx="1059255" cy="1059255"/>
+            </a:xfrm>
+            <a:prstGeom prst="line">
+              <a:avLst/>
+            </a:prstGeom>
+            <a:ln w="3175">
+              <a:solidFill>
+                <a:srgbClr val="FFFFFF">
+                  <a:lumMod val="50000"/>
+                </a:srgbClr>
+              </a:solidFill>
+            </a:ln>
+          </p:spPr>
+          <p:style>
+            <a:lnRef idx="1">
+              <a:srgbClr val="FFFFFF"/>
+            </a:lnRef>
+            <a:fillRef idx="0">
+              <a:srgbClr val="FFFFFF"/>
+            </a:fillRef>
+            <a:effectRef idx="0">
+              <a:srgbClr val="FFFFFF"/>
+            </a:effectRef>
+            <a:fontRef idx="minor">
+              <a:srgbClr val="000000"/>
+            </a:fontRef>
+          </p:style>
+        </p:cxnSp>
+        <p:cxnSp>
+          <p:nvCxnSpPr>
+            <p:cNvPr id="86" name="Straight Connector 4"/>
+            <p:cNvCxnSpPr/>
+            <p:nvPr/>
+          </p:nvCxnSpPr>
+          <p:spPr>
+            <a:xfrm flipV="1">
+              <a:off x="4037608" y="2896991"/>
+              <a:ext cx="1059255" cy="1059255"/>
+            </a:xfrm>
+            <a:prstGeom prst="line">
+              <a:avLst/>
+            </a:prstGeom>
+            <a:ln w="3175">
+              <a:solidFill>
+                <a:srgbClr val="FFFFFF">
+                  <a:lumMod val="50000"/>
+                </a:srgbClr>
+              </a:solidFill>
+            </a:ln>
+          </p:spPr>
+          <p:style>
+            <a:lnRef idx="1">
+              <a:srgbClr val="FFFFFF"/>
+            </a:lnRef>
+            <a:fillRef idx="0">
+              <a:srgbClr val="FFFFFF"/>
+            </a:fillRef>
+            <a:effectRef idx="0">
+              <a:srgbClr val="FFFFFF"/>
+            </a:effectRef>
+            <a:fontRef idx="minor">
+              <a:srgbClr val="000000"/>
+            </a:fontRef>
+          </p:style>
+        </p:cxnSp>
+      </p:grpSp>
+      <p:grpSp>
+        <p:nvGrpSpPr>
+          <p:cNvPr id="87" name="Image"/>
+          <p:cNvGrpSpPr/>
+          <p:nvPr>
+            <p:custDataLst>
+              <p:custData r:id="rId9"/>
+            </p:custDataLst>
+          </p:nvPr>
+        </p:nvGrpSpPr>
+        <p:grpSpPr>
+          <a:xfrm>
+            <a:off x="2008213" y="4551241"/>
+            <a:ext cx="1742899" cy="1962488"/>
+            <a:chOff x="4037608" y="2896991"/>
+            <a:chExt cx="1059255" cy="1059255"/>
+          </a:xfrm>
+        </p:grpSpPr>
+        <p:sp>
+          <p:nvSpPr>
+            <p:cNvPr id="88" name="Rectangle 2"/>
+            <p:cNvSpPr/>
+            <p:nvPr/>
+          </p:nvSpPr>
+          <p:spPr>
+            <a:xfrm>
+              <a:off x="4037608" y="2896991"/>
+              <a:ext cx="1059255" cy="1059255"/>
+            </a:xfrm>
+            <a:prstGeom prst="rect">
+              <a:avLst/>
+            </a:prstGeom>
+            <a:solidFill>
+              <a:sysClr val="window" lastClr="FFFFFF"/>
+            </a:solidFill>
+            <a:ln w="3175" cap="flat" cmpd="sng" algn="ctr">
+              <a:solidFill>
+                <a:srgbClr val="FFFFFF">
+                  <a:lumMod val="50000"/>
+                </a:srgbClr>
+              </a:solidFill>
+              <a:prstDash val="solid"/>
+            </a:ln>
+            <a:effectLst/>
+          </p:spPr>
+          <p:txBody>
+            <a:bodyPr rot="0" spcFirstLastPara="0" vertOverflow="overflow" horzOverflow="overflow" vert="horz" wrap="square" lIns="45720" tIns="45720" rIns="91440" bIns="45720" numCol="1" spcCol="0" rtlCol="0" fromWordArt="0" anchor="ctr" anchorCtr="0" forceAA="0" compatLnSpc="1">
+              <a:prstTxWarp prst="textNoShape">
+                <a:avLst/>
+              </a:prstTxWarp>
+              <a:noAutofit/>
+            </a:bodyPr>
+            <a:lstStyle/>
+            <a:p>
+              <a:pPr marL="0" marR="0" indent="0" algn="ctr" defTabSz="914400" eaLnBrk="1" fontAlgn="auto" latinLnBrk="0" hangingPunct="1">
+                <a:lnSpc>
+                  <a:spcPct val="100000"/>
+                </a:lnSpc>
+                <a:spcBef>
+                  <a:spcPts val="0"/>
+                </a:spcBef>
+                <a:spcAft>
+                  <a:spcPts val="0"/>
+                </a:spcAft>
+                <a:buClrTx/>
+                <a:buSzTx/>
+                <a:buFontTx/>
+                <a:buNone/>
+                <a:tabLst/>
+              </a:pPr>
+              <a:endParaRPr kumimoji="0" lang="en-US" sz="800" b="0" i="0" u="none" strike="noStrike" kern="0" cap="none" spc="0" normalizeH="0" baseline="0" noProof="0" dirty="0" smtClean="0">
+                <a:ln>
+                  <a:noFill/>
+                </a:ln>
+                <a:solidFill>
+                  <a:srgbClr val="000000">
+                    <a:lumMod val="75000"/>
+                    <a:lumOff val="25000"/>
+                  </a:srgbClr>
+                </a:solidFill>
+                <a:effectLst/>
+                <a:uLnTx/>
+                <a:uFillTx/>
+                <a:latin typeface="Segoe UI"/>
+                <a:ea typeface="+mn-ea"/>
+                <a:cs typeface="+mn-cs"/>
+              </a:endParaRPr>
+            </a:p>
+          </p:txBody>
+        </p:sp>
+        <p:cxnSp>
+          <p:nvCxnSpPr>
+            <p:cNvPr id="89" name="Straight Connector 3"/>
+            <p:cNvCxnSpPr/>
+            <p:nvPr/>
+          </p:nvCxnSpPr>
+          <p:spPr>
+            <a:xfrm>
+              <a:off x="4037608" y="2896991"/>
+              <a:ext cx="1059255" cy="1059255"/>
+            </a:xfrm>
+            <a:prstGeom prst="line">
+              <a:avLst/>
+            </a:prstGeom>
+            <a:ln w="3175">
+              <a:solidFill>
+                <a:srgbClr val="FFFFFF">
+                  <a:lumMod val="50000"/>
+                </a:srgbClr>
+              </a:solidFill>
+            </a:ln>
+          </p:spPr>
+          <p:style>
+            <a:lnRef idx="1">
+              <a:srgbClr val="FFFFFF"/>
+            </a:lnRef>
+            <a:fillRef idx="0">
+              <a:srgbClr val="FFFFFF"/>
+            </a:fillRef>
+            <a:effectRef idx="0">
+              <a:srgbClr val="FFFFFF"/>
+            </a:effectRef>
+            <a:fontRef idx="minor">
+              <a:srgbClr val="000000"/>
+            </a:fontRef>
+          </p:style>
+        </p:cxnSp>
+        <p:cxnSp>
+          <p:nvCxnSpPr>
+            <p:cNvPr id="90" name="Straight Connector 4"/>
+            <p:cNvCxnSpPr/>
+            <p:nvPr/>
+          </p:nvCxnSpPr>
+          <p:spPr>
+            <a:xfrm flipV="1">
+              <a:off x="4037608" y="2896991"/>
+              <a:ext cx="1059255" cy="1059255"/>
+            </a:xfrm>
+            <a:prstGeom prst="line">
+              <a:avLst/>
+            </a:prstGeom>
+            <a:ln w="3175">
+              <a:solidFill>
+                <a:srgbClr val="FFFFFF">
+                  <a:lumMod val="50000"/>
+                </a:srgbClr>
+              </a:solidFill>
+            </a:ln>
+          </p:spPr>
+          <p:style>
+            <a:lnRef idx="1">
+              <a:srgbClr val="FFFFFF"/>
+            </a:lnRef>
+            <a:fillRef idx="0">
+              <a:srgbClr val="FFFFFF"/>
+            </a:fillRef>
+            <a:effectRef idx="0">
+              <a:srgbClr val="FFFFFF"/>
+            </a:effectRef>
+            <a:fontRef idx="minor">
+              <a:srgbClr val="000000"/>
+            </a:fontRef>
+          </p:style>
+        </p:cxnSp>
+      </p:grpSp>
+      <p:grpSp>
+        <p:nvGrpSpPr>
+          <p:cNvPr id="91" name="Image"/>
+          <p:cNvGrpSpPr/>
+          <p:nvPr>
+            <p:custDataLst>
+              <p:custData r:id="rId10"/>
+            </p:custDataLst>
+          </p:nvPr>
+        </p:nvGrpSpPr>
+        <p:grpSpPr>
+          <a:xfrm>
+            <a:off x="2500810" y="4539219"/>
+            <a:ext cx="1742899" cy="1962488"/>
+            <a:chOff x="4037608" y="2896991"/>
+            <a:chExt cx="1059255" cy="1059255"/>
+          </a:xfrm>
+        </p:grpSpPr>
+        <p:sp>
+          <p:nvSpPr>
+            <p:cNvPr id="92" name="Rectangle 2"/>
+            <p:cNvSpPr/>
+            <p:nvPr/>
+          </p:nvSpPr>
+          <p:spPr>
+            <a:xfrm>
+              <a:off x="4037608" y="2896991"/>
+              <a:ext cx="1059255" cy="1059255"/>
+            </a:xfrm>
+            <a:prstGeom prst="rect">
+              <a:avLst/>
+            </a:prstGeom>
+            <a:solidFill>
+              <a:sysClr val="window" lastClr="FFFFFF"/>
+            </a:solidFill>
+            <a:ln w="3175" cap="flat" cmpd="sng" algn="ctr">
+              <a:solidFill>
+                <a:srgbClr val="FFFFFF">
+                  <a:lumMod val="50000"/>
+                </a:srgbClr>
+              </a:solidFill>
+              <a:prstDash val="solid"/>
+            </a:ln>
+            <a:effectLst/>
+          </p:spPr>
+          <p:txBody>
+            <a:bodyPr rot="0" spcFirstLastPara="0" vertOverflow="overflow" horzOverflow="overflow" vert="horz" wrap="square" lIns="45720" tIns="45720" rIns="91440" bIns="45720" numCol="1" spcCol="0" rtlCol="0" fromWordArt="0" anchor="ctr" anchorCtr="0" forceAA="0" compatLnSpc="1">
+              <a:prstTxWarp prst="textNoShape">
+                <a:avLst/>
+              </a:prstTxWarp>
+              <a:noAutofit/>
+            </a:bodyPr>
+            <a:lstStyle/>
+            <a:p>
+              <a:pPr marL="0" marR="0" indent="0" algn="ctr" defTabSz="914400" eaLnBrk="1" fontAlgn="auto" latinLnBrk="0" hangingPunct="1">
+                <a:lnSpc>
+                  <a:spcPct val="100000"/>
+                </a:lnSpc>
+                <a:spcBef>
+                  <a:spcPts val="0"/>
+                </a:spcBef>
+                <a:spcAft>
+                  <a:spcPts val="0"/>
+                </a:spcAft>
+                <a:buClrTx/>
+                <a:buSzTx/>
+                <a:buFontTx/>
+                <a:buNone/>
+                <a:tabLst/>
+              </a:pPr>
+              <a:endParaRPr kumimoji="0" lang="en-US" sz="800" b="0" i="0" u="none" strike="noStrike" kern="0" cap="none" spc="0" normalizeH="0" baseline="0" noProof="0" dirty="0" smtClean="0">
+                <a:ln>
+                  <a:noFill/>
+                </a:ln>
+                <a:solidFill>
+                  <a:srgbClr val="000000">
+                    <a:lumMod val="75000"/>
+                    <a:lumOff val="25000"/>
+                  </a:srgbClr>
+                </a:solidFill>
+                <a:effectLst/>
+                <a:uLnTx/>
+                <a:uFillTx/>
+                <a:latin typeface="Segoe UI"/>
+                <a:ea typeface="+mn-ea"/>
+                <a:cs typeface="+mn-cs"/>
+              </a:endParaRPr>
+            </a:p>
+          </p:txBody>
+        </p:sp>
+        <p:cxnSp>
+          <p:nvCxnSpPr>
+            <p:cNvPr id="93" name="Straight Connector 3"/>
+            <p:cNvCxnSpPr/>
+            <p:nvPr/>
+          </p:nvCxnSpPr>
+          <p:spPr>
+            <a:xfrm>
+              <a:off x="4037608" y="2896991"/>
+              <a:ext cx="1059255" cy="1059255"/>
+            </a:xfrm>
+            <a:prstGeom prst="line">
+              <a:avLst/>
+            </a:prstGeom>
+            <a:ln w="3175">
+              <a:solidFill>
+                <a:srgbClr val="FFFFFF">
+                  <a:lumMod val="50000"/>
+                </a:srgbClr>
+              </a:solidFill>
+            </a:ln>
+          </p:spPr>
+          <p:style>
+            <a:lnRef idx="1">
+              <a:srgbClr val="FFFFFF"/>
+            </a:lnRef>
+            <a:fillRef idx="0">
+              <a:srgbClr val="FFFFFF"/>
+            </a:fillRef>
+            <a:effectRef idx="0">
+              <a:srgbClr val="FFFFFF"/>
+            </a:effectRef>
+            <a:fontRef idx="minor">
+              <a:srgbClr val="000000"/>
+            </a:fontRef>
+          </p:style>
+        </p:cxnSp>
+        <p:cxnSp>
+          <p:nvCxnSpPr>
+            <p:cNvPr id="94" name="Straight Connector 4"/>
+            <p:cNvCxnSpPr/>
+            <p:nvPr/>
+          </p:nvCxnSpPr>
+          <p:spPr>
+            <a:xfrm flipV="1">
+              <a:off x="4037608" y="2896991"/>
+              <a:ext cx="1059255" cy="1059255"/>
+            </a:xfrm>
+            <a:prstGeom prst="line">
+              <a:avLst/>
+            </a:prstGeom>
+            <a:ln w="3175">
+              <a:solidFill>
+                <a:srgbClr val="FFFFFF">
+                  <a:lumMod val="50000"/>
+                </a:srgbClr>
+              </a:solidFill>
+            </a:ln>
+          </p:spPr>
+          <p:style>
+            <a:lnRef idx="1">
+              <a:srgbClr val="FFFFFF"/>
+            </a:lnRef>
+            <a:fillRef idx="0">
+              <a:srgbClr val="FFFFFF"/>
+            </a:fillRef>
+            <a:effectRef idx="0">
+              <a:srgbClr val="FFFFFF"/>
+            </a:effectRef>
+            <a:fontRef idx="minor">
+              <a:srgbClr val="000000"/>
+            </a:fontRef>
+          </p:style>
+        </p:cxnSp>
+      </p:grpSp>
+      <p:sp>
+        <p:nvSpPr>
+          <p:cNvPr id="95" name="TextBox 94"/>
+          <p:cNvSpPr txBox="1"/>
+          <p:nvPr/>
+        </p:nvSpPr>
+        <p:spPr>
+          <a:xfrm>
+            <a:off x="4383984" y="4558003"/>
+            <a:ext cx="1742899" cy="369332"/>
+          </a:xfrm>
+          <a:prstGeom prst="rect">
+            <a:avLst/>
+          </a:prstGeom>
+          <a:noFill/>
+        </p:spPr>
+        <p:txBody>
+          <a:bodyPr wrap="square" rtlCol="0">
+            <a:spAutoFit/>
+          </a:bodyPr>
+          <a:lstStyle/>
+          <a:p>
+            <a:r>
+              <a:rPr lang="en-US" altLang="ko-KR" dirty="0" err="1" smtClean="0"/>
+              <a:t>PlayListItem</a:t>
+            </a:r>
+            <a:endParaRPr lang="ko-KR" altLang="en-US" dirty="0"/>
+          </a:p>
+        </p:txBody>
+      </p:sp>
+    </p:spTree>
+    <p:extLst>
+      <p:ext uri="{BB962C8B-B14F-4D97-AF65-F5344CB8AC3E}">
+        <p14:creationId xmlns:p14="http://schemas.microsoft.com/office/powerpoint/2010/main" val="3831278509"/>
+      </p:ext>
+    </p:extLst>
+  </p:cSld>
+  <p:clrMapOvr>
+    <a:masterClrMapping/>
+  </p:clrMapOvr>
+  <p:timing>
+    <p:tnLst>
+      <p:par>
+        <p:cTn id="1" dur="indefinite" restart="never" nodeType="tmRoot"/>
+      </p:par>
+    </p:tnLst>
+  </p:timing>
+</p:sld>
+</file>
+
+<file path=ppt/slides/slide11.xml><?xml version="1.0" encoding="utf-8"?>
+<p:sld xmlns:a="http://schemas.openxmlformats.org/drawingml/2006/main" xmlns:r="http://schemas.openxmlformats.org/officeDocument/2006/relationships" xmlns:p="http://schemas.openxmlformats.org/presentationml/2006/main">
+  <p:cSld>
+    <p:spTree>
+      <p:nvGrpSpPr>
+        <p:cNvPr id="1" name=""/>
+        <p:cNvGrpSpPr/>
+        <p:nvPr/>
+      </p:nvGrpSpPr>
+      <p:grpSpPr>
+        <a:xfrm>
+          <a:off x="0" y="0"/>
+          <a:ext cx="0" cy="0"/>
+          <a:chOff x="0" y="0"/>
+          <a:chExt cx="0" cy="0"/>
+        </a:xfrm>
+      </p:grpSpPr>
+      <p:sp>
+        <p:nvSpPr>
+          <p:cNvPr id="2" name="제목 1"/>
+          <p:cNvSpPr>
+            <a:spLocks noGrp="1"/>
+          </p:cNvSpPr>
+          <p:nvPr>
+            <p:ph type="title"/>
+          </p:nvPr>
+        </p:nvSpPr>
+        <p:spPr>
+          <a:xfrm>
+            <a:off x="838200" y="166133"/>
+            <a:ext cx="10515600" cy="1325563"/>
+          </a:xfrm>
+        </p:spPr>
+        <p:txBody>
+          <a:bodyPr/>
+          <a:lstStyle/>
+          <a:p>
+            <a:r>
+              <a:rPr lang="en-US" altLang="ko-KR" dirty="0" smtClean="0"/>
+              <a:t>TMDB schema=</a:t>
+            </a:r>
+            <a:r>
+              <a:rPr lang="en-US" altLang="ko-KR" dirty="0" err="1" smtClean="0"/>
+              <a:t>top_rated</a:t>
+            </a:r>
+            <a:endParaRPr lang="ko-KR" altLang="en-US" dirty="0"/>
+          </a:p>
+        </p:txBody>
+      </p:sp>
+      <p:sp>
+        <p:nvSpPr>
+          <p:cNvPr id="3" name="내용 개체 틀 2"/>
+          <p:cNvSpPr>
+            <a:spLocks noGrp="1"/>
+          </p:cNvSpPr>
+          <p:nvPr>
+            <p:ph idx="1"/>
+          </p:nvPr>
+        </p:nvSpPr>
+        <p:spPr/>
+        <p:txBody>
+          <a:bodyPr/>
+          <a:lstStyle/>
+          <a:p>
+            <a:endParaRPr lang="ko-KR" altLang="en-US"/>
+          </a:p>
+        </p:txBody>
+      </p:sp>
+      <p:pic>
+        <p:nvPicPr>
+          <p:cNvPr id="4" name="그림 3"/>
+          <p:cNvPicPr>
+            <a:picLocks noChangeAspect="1"/>
+          </p:cNvPicPr>
+          <p:nvPr/>
+        </p:nvPicPr>
+        <p:blipFill>
+          <a:blip r:embed="rId2"/>
+          <a:stretch>
+            <a:fillRect/>
+          </a:stretch>
+        </p:blipFill>
+        <p:spPr>
+          <a:xfrm>
+            <a:off x="700415" y="1603006"/>
+            <a:ext cx="8707957" cy="5071171"/>
+          </a:xfrm>
+          <a:prstGeom prst="rect">
+            <a:avLst/>
+          </a:prstGeom>
+        </p:spPr>
+      </p:pic>
+      <p:sp>
+        <p:nvSpPr>
+          <p:cNvPr id="5" name="직사각형 4"/>
+          <p:cNvSpPr/>
+          <p:nvPr/>
+        </p:nvSpPr>
+        <p:spPr>
+          <a:xfrm>
+            <a:off x="2192055" y="3730966"/>
+            <a:ext cx="676406" cy="338203"/>
+          </a:xfrm>
+          <a:prstGeom prst="rect">
+            <a:avLst/>
+          </a:prstGeom>
+          <a:noFill/>
+          <a:ln>
+            <a:solidFill>
+              <a:srgbClr val="C00000"/>
+            </a:solidFill>
+          </a:ln>
+        </p:spPr>
+        <p:style>
+          <a:lnRef idx="2">
+            <a:schemeClr val="accent1">
+              <a:shade val="50000"/>
+            </a:schemeClr>
+          </a:lnRef>
+          <a:fillRef idx="1">
+            <a:schemeClr val="accent1"/>
+          </a:fillRef>
+          <a:effectRef idx="0">
+            <a:schemeClr val="accent1"/>
+          </a:effectRef>
+          <a:fontRef idx="minor">
+            <a:schemeClr val="lt1"/>
+          </a:fontRef>
+        </p:style>
+        <p:txBody>
+          <a:bodyPr rtlCol="0" anchor="ctr"/>
+          <a:lstStyle/>
+          <a:p>
+            <a:pPr algn="ctr"/>
+            <a:endParaRPr lang="ko-KR" altLang="en-US"/>
+          </a:p>
+        </p:txBody>
+      </p:sp>
+      <p:sp>
+        <p:nvSpPr>
+          <p:cNvPr id="7" name="직사각형 6"/>
+          <p:cNvSpPr/>
+          <p:nvPr/>
+        </p:nvSpPr>
+        <p:spPr>
+          <a:xfrm>
+            <a:off x="2292263" y="3157048"/>
+            <a:ext cx="676406" cy="338203"/>
+          </a:xfrm>
+          <a:prstGeom prst="rect">
+            <a:avLst/>
+          </a:prstGeom>
+          <a:noFill/>
+          <a:ln>
+            <a:solidFill>
+              <a:srgbClr val="C00000"/>
+            </a:solidFill>
+          </a:ln>
+        </p:spPr>
+        <p:style>
+          <a:lnRef idx="2">
+            <a:schemeClr val="accent1">
+              <a:shade val="50000"/>
+            </a:schemeClr>
+          </a:lnRef>
+          <a:fillRef idx="1">
+            <a:schemeClr val="accent1"/>
+          </a:fillRef>
+          <a:effectRef idx="0">
+            <a:schemeClr val="accent1"/>
+          </a:effectRef>
+          <a:fontRef idx="minor">
+            <a:schemeClr val="lt1"/>
+          </a:fontRef>
+        </p:style>
+        <p:txBody>
+          <a:bodyPr rtlCol="0" anchor="ctr"/>
+          <a:lstStyle/>
+          <a:p>
+            <a:pPr algn="ctr"/>
+            <a:endParaRPr lang="ko-KR" altLang="en-US"/>
+          </a:p>
+        </p:txBody>
+      </p:sp>
+      <p:sp>
+        <p:nvSpPr>
+          <p:cNvPr id="8" name="직사각형 7"/>
+          <p:cNvSpPr/>
+          <p:nvPr/>
+        </p:nvSpPr>
+        <p:spPr>
+          <a:xfrm>
+            <a:off x="2192055" y="3426928"/>
+            <a:ext cx="676406" cy="338203"/>
+          </a:xfrm>
+          <a:prstGeom prst="rect">
+            <a:avLst/>
+          </a:prstGeom>
+          <a:noFill/>
+          <a:ln>
+            <a:solidFill>
+              <a:srgbClr val="C00000"/>
+            </a:solidFill>
+          </a:ln>
+        </p:spPr>
+        <p:style>
+          <a:lnRef idx="2">
+            <a:schemeClr val="accent1">
+              <a:shade val="50000"/>
+            </a:schemeClr>
+          </a:lnRef>
+          <a:fillRef idx="1">
+            <a:schemeClr val="accent1"/>
+          </a:fillRef>
+          <a:effectRef idx="0">
+            <a:schemeClr val="accent1"/>
+          </a:effectRef>
+          <a:fontRef idx="minor">
+            <a:schemeClr val="lt1"/>
+          </a:fontRef>
+        </p:style>
+        <p:txBody>
+          <a:bodyPr rtlCol="0" anchor="ctr"/>
+          <a:lstStyle/>
+          <a:p>
+            <a:pPr algn="ctr"/>
+            <a:endParaRPr lang="ko-KR" altLang="en-US"/>
+          </a:p>
+        </p:txBody>
+      </p:sp>
+      <p:sp>
+        <p:nvSpPr>
+          <p:cNvPr id="9" name="직사각형 8"/>
+          <p:cNvSpPr/>
+          <p:nvPr/>
+        </p:nvSpPr>
+        <p:spPr>
+          <a:xfrm>
+            <a:off x="2129425" y="4968847"/>
+            <a:ext cx="676406" cy="338203"/>
+          </a:xfrm>
+          <a:prstGeom prst="rect">
+            <a:avLst/>
+          </a:prstGeom>
+          <a:noFill/>
+          <a:ln>
+            <a:solidFill>
+              <a:srgbClr val="C00000"/>
+            </a:solidFill>
+          </a:ln>
+        </p:spPr>
+        <p:style>
+          <a:lnRef idx="2">
+            <a:schemeClr val="accent1">
+              <a:shade val="50000"/>
+            </a:schemeClr>
+          </a:lnRef>
+          <a:fillRef idx="1">
+            <a:schemeClr val="accent1"/>
+          </a:fillRef>
+          <a:effectRef idx="0">
+            <a:schemeClr val="accent1"/>
+          </a:effectRef>
+          <a:fontRef idx="minor">
+            <a:schemeClr val="lt1"/>
+          </a:fontRef>
+        </p:style>
+        <p:txBody>
+          <a:bodyPr rtlCol="0" anchor="ctr"/>
+          <a:lstStyle/>
+          <a:p>
+            <a:pPr algn="ctr"/>
+            <a:endParaRPr lang="ko-KR" altLang="en-US"/>
+          </a:p>
+        </p:txBody>
+      </p:sp>
+      <p:sp>
+        <p:nvSpPr>
+          <p:cNvPr id="10" name="직사각형 9"/>
+          <p:cNvSpPr/>
+          <p:nvPr/>
+        </p:nvSpPr>
+        <p:spPr>
+          <a:xfrm>
+            <a:off x="2179529" y="5307050"/>
+            <a:ext cx="789140" cy="338203"/>
+          </a:xfrm>
+          <a:prstGeom prst="rect">
+            <a:avLst/>
+          </a:prstGeom>
+          <a:noFill/>
+          <a:ln>
+            <a:solidFill>
+              <a:srgbClr val="C00000"/>
+            </a:solidFill>
+          </a:ln>
+        </p:spPr>
+        <p:style>
+          <a:lnRef idx="2">
+            <a:schemeClr val="accent1">
+              <a:shade val="50000"/>
+            </a:schemeClr>
+          </a:lnRef>
+          <a:fillRef idx="1">
+            <a:schemeClr val="accent1"/>
+          </a:fillRef>
+          <a:effectRef idx="0">
+            <a:schemeClr val="accent1"/>
+          </a:effectRef>
+          <a:fontRef idx="minor">
+            <a:schemeClr val="lt1"/>
+          </a:fontRef>
+        </p:style>
+        <p:txBody>
+          <a:bodyPr rtlCol="0" anchor="ctr"/>
+          <a:lstStyle/>
+          <a:p>
+            <a:pPr algn="ctr"/>
+            <a:endParaRPr lang="ko-KR" altLang="en-US"/>
+          </a:p>
+        </p:txBody>
+      </p:sp>
+      <p:pic>
+        <p:nvPicPr>
+          <p:cNvPr id="11" name="그림 10"/>
+          <p:cNvPicPr>
+            <a:picLocks noChangeAspect="1"/>
+          </p:cNvPicPr>
+          <p:nvPr/>
+        </p:nvPicPr>
+        <p:blipFill>
+          <a:blip r:embed="rId3"/>
+          <a:stretch>
+            <a:fillRect/>
+          </a:stretch>
+        </p:blipFill>
+        <p:spPr>
+          <a:xfrm>
+            <a:off x="838200" y="1042966"/>
+            <a:ext cx="7639050" cy="6191250"/>
+          </a:xfrm>
+          <a:prstGeom prst="rect">
+            <a:avLst/>
+          </a:prstGeom>
+        </p:spPr>
+      </p:pic>
+    </p:spTree>
+    <p:extLst>
+      <p:ext uri="{BB962C8B-B14F-4D97-AF65-F5344CB8AC3E}">
+        <p14:creationId xmlns:p14="http://schemas.microsoft.com/office/powerpoint/2010/main" val="3976840845"/>
+      </p:ext>
+    </p:extLst>
+  </p:cSld>
+  <p:clrMapOvr>
+    <a:masterClrMapping/>
+  </p:clrMapOvr>
+  <p:timing>
+    <p:tnLst>
+      <p:par>
+        <p:cTn id="1" dur="indefinite" restart="never" nodeType="tmRoot"/>
+      </p:par>
+    </p:tnLst>
+  </p:timing>
 </p:sld>
 </file>
 
@@ -3502,7 +6099,7 @@
           <p:nvPr>
             <p:extLst>
               <p:ext uri="{D42A27DB-BD31-4B8C-83A1-F6EECF244321}">
-                <p14:modId xmlns:p14="http://schemas.microsoft.com/office/powerpoint/2010/main" val="1447960974"/>
+                <p14:modId xmlns:p14="http://schemas.microsoft.com/office/powerpoint/2010/main" val="947514382"/>
               </p:ext>
             </p:extLst>
           </p:nvPr>
@@ -5208,7 +7805,73 @@
                           <a:latin typeface="맑은 고딕" panose="020B0503020000020004" pitchFamily="50" charset="-127"/>
                           <a:ea typeface="+mn-ea"/>
                         </a:rPr>
-                        <a:t>별자리 생성</a:t>
+                        <a:t>별자리 </a:t>
+                      </a:r>
+                      <a:r>
+                        <a:rPr lang="ko-KR" altLang="en-US" sz="1400" b="0" i="0" u="none" strike="noStrike" dirty="0" smtClean="0">
+                          <a:solidFill>
+                            <a:srgbClr val="000000"/>
+                          </a:solidFill>
+                          <a:effectLst/>
+                          <a:latin typeface="맑은 고딕" panose="020B0503020000020004" pitchFamily="50" charset="-127"/>
+                          <a:ea typeface="+mn-ea"/>
+                        </a:rPr>
+                        <a:t>생성</a:t>
+                      </a:r>
+                      <a:r>
+                        <a:rPr lang="en-US" altLang="ko-KR" sz="1400" b="0" i="0" u="none" strike="noStrike" dirty="0" smtClean="0">
+                          <a:solidFill>
+                            <a:srgbClr val="000000"/>
+                          </a:solidFill>
+                          <a:effectLst/>
+                          <a:latin typeface="맑은 고딕" panose="020B0503020000020004" pitchFamily="50" charset="-127"/>
+                          <a:ea typeface="+mn-ea"/>
+                        </a:rPr>
+                        <a:t>,</a:t>
+                      </a:r>
+                      <a:r>
+                        <a:rPr lang="en-US" altLang="ko-KR" sz="1400" b="0" i="0" u="none" strike="noStrike" baseline="0" dirty="0" smtClean="0">
+                          <a:solidFill>
+                            <a:srgbClr val="000000"/>
+                          </a:solidFill>
+                          <a:effectLst/>
+                          <a:latin typeface="맑은 고딕" panose="020B0503020000020004" pitchFamily="50" charset="-127"/>
+                          <a:ea typeface="+mn-ea"/>
+                        </a:rPr>
+                        <a:t> </a:t>
+                      </a:r>
+                      <a:r>
+                        <a:rPr lang="ko-KR" altLang="en-US" sz="1400" b="0" i="0" u="none" strike="noStrike" baseline="0" dirty="0" smtClean="0">
+                          <a:solidFill>
+                            <a:srgbClr val="000000"/>
+                          </a:solidFill>
+                          <a:effectLst/>
+                          <a:latin typeface="맑은 고딕" panose="020B0503020000020004" pitchFamily="50" charset="-127"/>
+                          <a:ea typeface="+mn-ea"/>
+                        </a:rPr>
+                        <a:t>영화 </a:t>
+                      </a:r>
+                      <a:r>
+                        <a:rPr lang="ko-KR" altLang="en-US" sz="1400" b="0" i="0" u="none" strike="noStrike" baseline="0" dirty="0" err="1" smtClean="0">
+                          <a:solidFill>
+                            <a:srgbClr val="000000"/>
+                          </a:solidFill>
+                          <a:effectLst/>
+                          <a:latin typeface="맑은 고딕" panose="020B0503020000020004" pitchFamily="50" charset="-127"/>
+                          <a:ea typeface="+mn-ea"/>
+                        </a:rPr>
+                        <a:t>서치</a:t>
+                      </a:r>
+                      <a:r>
+                        <a:rPr lang="ko-KR" altLang="en-US" sz="1400" b="0" i="0" u="none" strike="noStrike" baseline="0" dirty="0" smtClean="0">
+                          <a:solidFill>
+                            <a:srgbClr val="000000"/>
+                          </a:solidFill>
+                          <a:effectLst/>
+                          <a:latin typeface="맑은 고딕" panose="020B0503020000020004" pitchFamily="50" charset="-127"/>
+                          <a:ea typeface="+mn-ea"/>
+                        </a:rPr>
+                        <a:t> 기능</a:t>
                       </a:r>
                       <a:endParaRPr lang="en-US" altLang="ko-KR" sz="1400" b="0" i="0" u="none" strike="noStrike" dirty="0">
                         <a:solidFill>
@@ -5439,7 +8102,7 @@
                         <a:t>리스트에 추가됨</a:t>
                       </a:r>
                       <a:r>
-                        <a:rPr lang="en-US" altLang="ko-KR" sz="1400" b="0" i="0" u="none" strike="noStrike" dirty="0">
+                        <a:rPr lang="en-US" altLang="ko-KR" sz="1400" b="0" i="0" u="none" strike="noStrike" dirty="0" smtClean="0">
                           <a:solidFill>
                             <a:srgbClr val="000000"/>
                           </a:solidFill>
@@ -5449,6 +8112,38 @@
                         </a:rPr>
                         <a:t>)</a:t>
                       </a:r>
+                    </a:p>
+                    <a:p>
+                      <a:pPr marL="0" marR="0" indent="0" algn="l" fontAlgn="base">
+                        <a:lnSpc>
+                          <a:spcPct val="115000"/>
+                        </a:lnSpc>
+                        <a:spcBef>
+                          <a:spcPts val="0"/>
+                        </a:spcBef>
+                        <a:spcAft>
+                          <a:spcPts val="0"/>
+                        </a:spcAft>
+                      </a:pPr>
+                      <a:r>
+                        <a:rPr lang="en-US" altLang="ko-KR" sz="1400" b="0" i="0" u="none" strike="noStrike" dirty="0" smtClean="0">
+                          <a:solidFill>
+                            <a:srgbClr val="000000"/>
+                          </a:solidFill>
+                          <a:effectLst/>
+                          <a:latin typeface="맑은 고딕" panose="020B0503020000020004" pitchFamily="50" charset="-127"/>
+                          <a:ea typeface="+mn-ea"/>
+                        </a:rPr>
+                        <a:t>-. </a:t>
+                      </a:r>
+                      <a:endParaRPr lang="en-US" altLang="ko-KR" sz="1400" b="0" i="0" u="none" strike="noStrike" dirty="0">
+                        <a:solidFill>
+                          <a:srgbClr val="000000"/>
+                        </a:solidFill>
+                        <a:effectLst/>
+                        <a:latin typeface="맑은 고딕" panose="020B0503020000020004" pitchFamily="50" charset="-127"/>
+                        <a:ea typeface="+mn-ea"/>
+                      </a:endParaRPr>
                     </a:p>
                   </a:txBody>
                   <a:tcPr marL="32037" marR="32037" marT="21358" marB="21358" anchor="ctr">
@@ -7169,6 +9864,13 @@
   <p:clrMapOvr>
     <a:masterClrMapping/>
   </p:clrMapOvr>
+  <p:timing>
+    <p:tnLst>
+      <p:par>
+        <p:cTn id="1" dur="indefinite" restart="never" nodeType="tmRoot"/>
+      </p:par>
+    </p:tnLst>
+  </p:timing>
 </p:sld>
 </file>
 
@@ -7222,14 +9924,14 @@
             <p:ph idx="1"/>
             <p:extLst>
               <p:ext uri="{D42A27DB-BD31-4B8C-83A1-F6EECF244321}">
-                <p14:modId xmlns:p14="http://schemas.microsoft.com/office/powerpoint/2010/main" val="3424062558"/>
+                <p14:modId xmlns:p14="http://schemas.microsoft.com/office/powerpoint/2010/main" val="1342441556"/>
               </p:ext>
             </p:extLst>
           </p:nvPr>
         </p:nvGraphicFramePr>
         <p:xfrm>
-          <a:off x="275577" y="1850677"/>
-          <a:ext cx="11916423" cy="2575560"/>
+          <a:off x="137788" y="1822102"/>
+          <a:ext cx="11916423" cy="2897536"/>
         </p:xfrm>
         <a:graphic>
           <a:graphicData uri="http://schemas.openxmlformats.org/drawingml/2006/table">
@@ -7554,7 +10256,7 @@
                   </a:ext>
                 </a:extLst>
               </a:tr>
-              <a:tr h="370840">
+              <a:tr h="479456">
                 <a:tc>
                   <a:txBody>
                     <a:bodyPr/>
@@ -7726,6 +10428,17 @@
                       <a:r>
                         <a:rPr lang="ko-KR" altLang="en-US" sz="1400" dirty="0" smtClean="0"/>
                         <a:t>설계</a:t>
+                      </a:r>
+                      <a:r>
+                        <a:rPr lang="en-US" altLang="ko-KR" sz="1400" dirty="0" smtClean="0"/>
+                        <a:t>,</a:t>
+                      </a:r>
+                    </a:p>
+                    <a:p>
+                      <a:pPr latinLnBrk="1"/>
+                      <a:r>
+                        <a:rPr lang="ko-KR" altLang="en-US" sz="1400" smtClean="0"/>
+                        <a:t>스토리보드작성</a:t>
                       </a:r>
                       <a:endParaRPr lang="en-US" altLang="ko-KR" sz="1400" dirty="0" smtClean="0"/>
                     </a:p>
@@ -8644,46 +11357,7 @@
                 <a:ea typeface="Segoe UI" pitchFamily="34" charset="0"/>
                 <a:cs typeface="Segoe UI" pitchFamily="34" charset="0"/>
               </a:rPr>
-              <a:t>Movie </a:t>
-            </a:r>
-            <a:r>
-              <a:rPr lang="en-US" dirty="0" smtClean="0">
-                <a:solidFill>
-                  <a:schemeClr val="bg1">
-                    <a:lumMod val="95000"/>
-                  </a:schemeClr>
-                </a:solidFill>
-                <a:latin typeface="Segoe UI" pitchFamily="34" charset="0"/>
-                <a:ea typeface="Segoe UI" pitchFamily="34" charset="0"/>
-                <a:cs typeface="Segoe UI" pitchFamily="34" charset="0"/>
-              </a:rPr>
-              <a:t>| </a:t>
-            </a:r>
-            <a:r>
-              <a:rPr lang="en-US" dirty="0" smtClean="0">
-                <a:solidFill>
-                  <a:schemeClr val="bg1">
-                    <a:lumMod val="95000"/>
-                  </a:schemeClr>
-                </a:solidFill>
-                <a:latin typeface="Segoe UI" pitchFamily="34" charset="0"/>
-                <a:ea typeface="Segoe UI" pitchFamily="34" charset="0"/>
-                <a:cs typeface="Segoe UI" pitchFamily="34" charset="0"/>
-              </a:rPr>
-              <a:t>Community</a:t>
-            </a:r>
-            <a:r>
-              <a:rPr lang="en-US" dirty="0" smtClean="0">
-                <a:solidFill>
-                  <a:schemeClr val="bg1">
-                    <a:lumMod val="95000"/>
-                  </a:schemeClr>
-                </a:solidFill>
-                <a:latin typeface="Segoe UI" pitchFamily="34" charset="0"/>
-                <a:ea typeface="Segoe UI" pitchFamily="34" charset="0"/>
-                <a:cs typeface="Segoe UI" pitchFamily="34" charset="0"/>
-              </a:rPr>
-              <a:t> | </a:t>
+              <a:t>Movie | Community | </a:t>
             </a:r>
             <a:r>
               <a:rPr lang="en-US" dirty="0" err="1" smtClean="0">
@@ -8711,16 +11385,6 @@
               </a:rPr>
               <a:t> </a:t>
             </a:r>
-            <a:endParaRPr lang="en-US" dirty="0" smtClean="0">
-              <a:solidFill>
-                <a:schemeClr val="bg1">
-                  <a:lumMod val="95000"/>
-                </a:schemeClr>
-              </a:solidFill>
-              <a:latin typeface="Segoe UI" pitchFamily="34" charset="0"/>
-              <a:ea typeface="Segoe UI" pitchFamily="34" charset="0"/>
-              <a:cs typeface="Segoe UI" pitchFamily="34" charset="0"/>
-            </a:endParaRPr>
           </a:p>
         </p:txBody>
       </p:sp>
@@ -8736,7 +11400,7 @@
         </p:nvGrpSpPr>
         <p:grpSpPr>
           <a:xfrm>
-            <a:off x="918901" y="2723812"/>
+            <a:off x="1390388" y="3592818"/>
             <a:ext cx="1742899" cy="1962488"/>
             <a:chOff x="4037608" y="2896991"/>
             <a:chExt cx="1059255" cy="1059255"/>
@@ -8911,7 +11575,7 @@
         <p:spPr>
           <a:xfrm>
             <a:off x="208327" y="384026"/>
-            <a:ext cx="710574" cy="641939"/>
+            <a:ext cx="697787" cy="630387"/>
           </a:xfrm>
           <a:prstGeom prst="rect">
             <a:avLst/>
@@ -8930,7 +11594,7 @@
         </p:nvGrpSpPr>
         <p:grpSpPr>
           <a:xfrm>
-            <a:off x="3596573" y="2723812"/>
+            <a:off x="4068060" y="3592818"/>
             <a:ext cx="1742899" cy="1962488"/>
             <a:chOff x="4037608" y="2896991"/>
             <a:chExt cx="1059255" cy="1059255"/>
@@ -9095,7 +11759,7 @@
         </p:nvGrpSpPr>
         <p:grpSpPr>
           <a:xfrm>
-            <a:off x="6261721" y="2723812"/>
+            <a:off x="6733208" y="3592818"/>
             <a:ext cx="1742899" cy="1962488"/>
             <a:chOff x="4037608" y="2896991"/>
             <a:chExt cx="1059255" cy="1059255"/>
@@ -9260,7 +11924,7 @@
         </p:nvGrpSpPr>
         <p:grpSpPr>
           <a:xfrm>
-            <a:off x="8740336" y="2723812"/>
+            <a:off x="9211823" y="3592818"/>
             <a:ext cx="1742899" cy="1962488"/>
             <a:chOff x="4037608" y="2896991"/>
             <a:chExt cx="1059255" cy="1059255"/>
@@ -9451,7 +12115,7 @@
         </p:nvSpPr>
         <p:spPr>
           <a:xfrm>
-            <a:off x="918901" y="4995784"/>
+            <a:off x="1390388" y="5864790"/>
             <a:ext cx="1742899" cy="369332"/>
           </a:xfrm>
           <a:prstGeom prst="rect">
@@ -9468,6 +12132,50 @@
             <a:r>
               <a:rPr lang="en-US" altLang="ko-KR" dirty="0" err="1" smtClean="0"/>
               <a:t>MovieListItem</a:t>
+            </a:r>
+            <a:endParaRPr lang="ko-KR" altLang="en-US" dirty="0"/>
+          </a:p>
+        </p:txBody>
+      </p:sp>
+      <p:sp>
+        <p:nvSpPr>
+          <p:cNvPr id="2" name="폭발 1 1"/>
+          <p:cNvSpPr/>
+          <p:nvPr/>
+        </p:nvSpPr>
+        <p:spPr>
+          <a:xfrm>
+            <a:off x="4608251" y="1725831"/>
+            <a:ext cx="2957512" cy="1647903"/>
+          </a:xfrm>
+          <a:prstGeom prst="irregularSeal1">
+            <a:avLst/>
+          </a:prstGeom>
+        </p:spPr>
+        <p:style>
+          <a:lnRef idx="2">
+            <a:schemeClr val="accent1">
+              <a:shade val="50000"/>
+            </a:schemeClr>
+          </a:lnRef>
+          <a:fillRef idx="1">
+            <a:schemeClr val="accent1"/>
+          </a:fillRef>
+          <a:effectRef idx="0">
+            <a:schemeClr val="accent1"/>
+          </a:effectRef>
+          <a:fontRef idx="minor">
+            <a:schemeClr val="lt1"/>
+          </a:fontRef>
+        </p:style>
+        <p:txBody>
+          <a:bodyPr rtlCol="0" anchor="ctr"/>
+          <a:lstStyle/>
+          <a:p>
+            <a:pPr algn="ctr"/>
+            <a:r>
+              <a:rPr lang="ko-KR" altLang="en-US" dirty="0" smtClean="0"/>
+              <a:t>블랙홀</a:t>
             </a:r>
             <a:endParaRPr lang="ko-KR" altLang="en-US" dirty="0"/>
           </a:p>
@@ -10032,6 +12740,1582 @@
         <p:spPr>
           <a:xfrm>
             <a:off x="9103685" y="530108"/>
+            <a:ext cx="3058081" cy="341632"/>
+          </a:xfrm>
+          <a:prstGeom prst="rect">
+            <a:avLst/>
+          </a:prstGeom>
+          <a:noFill/>
+        </p:spPr>
+        <p:txBody>
+          <a:bodyPr wrap="none" lIns="91440" tIns="18288" rIns="91440" bIns="45720" rtlCol="0" anchor="ctr" anchorCtr="0">
+            <a:spAutoFit/>
+          </a:bodyPr>
+          <a:lstStyle/>
+          <a:p>
+            <a:r>
+              <a:rPr lang="en-US" dirty="0" smtClean="0">
+                <a:solidFill>
+                  <a:schemeClr val="bg1">
+                    <a:lumMod val="95000"/>
+                  </a:schemeClr>
+                </a:solidFill>
+                <a:latin typeface="Segoe UI" pitchFamily="34" charset="0"/>
+                <a:ea typeface="Segoe UI" pitchFamily="34" charset="0"/>
+                <a:cs typeface="Segoe UI" pitchFamily="34" charset="0"/>
+              </a:rPr>
+              <a:t>Movie | Community | </a:t>
+            </a:r>
+            <a:r>
+              <a:rPr lang="en-US" dirty="0" smtClean="0">
+                <a:solidFill>
+                  <a:schemeClr val="bg1">
+                    <a:lumMod val="95000"/>
+                  </a:schemeClr>
+                </a:solidFill>
+                <a:latin typeface="Segoe UI" pitchFamily="34" charset="0"/>
+                <a:ea typeface="Segoe UI" pitchFamily="34" charset="0"/>
+                <a:cs typeface="Segoe UI" pitchFamily="34" charset="0"/>
+              </a:rPr>
+              <a:t>Profile </a:t>
+            </a:r>
+            <a:endParaRPr lang="en-US" dirty="0" smtClean="0">
+              <a:solidFill>
+                <a:schemeClr val="bg1">
+                  <a:lumMod val="95000"/>
+                </a:schemeClr>
+              </a:solidFill>
+              <a:latin typeface="Segoe UI" pitchFamily="34" charset="0"/>
+              <a:ea typeface="Segoe UI" pitchFamily="34" charset="0"/>
+              <a:cs typeface="Segoe UI" pitchFamily="34" charset="0"/>
+            </a:endParaRPr>
+          </a:p>
+        </p:txBody>
+      </p:sp>
+      <p:pic>
+        <p:nvPicPr>
+          <p:cNvPr id="189" name="그림 188"/>
+          <p:cNvPicPr>
+            <a:picLocks noChangeAspect="1"/>
+          </p:cNvPicPr>
+          <p:nvPr/>
+        </p:nvPicPr>
+        <p:blipFill rotWithShape="1">
+          <a:blip r:embed="rId9" cstate="hqprint">
+            <a:extLst>
+              <a:ext uri="{28A0092B-C50C-407E-A947-70E740481C1C}">
+                <a14:useLocalDpi xmlns:a14="http://schemas.microsoft.com/office/drawing/2010/main" val="0"/>
+              </a:ext>
+            </a:extLst>
+          </a:blip>
+          <a:srcRect l="29343" t="16903" r="47744" b="46296"/>
+          <a:stretch/>
+        </p:blipFill>
+        <p:spPr>
+          <a:xfrm>
+            <a:off x="208327" y="384026"/>
+            <a:ext cx="710574" cy="641939"/>
+          </a:xfrm>
+          <a:prstGeom prst="rect">
+            <a:avLst/>
+          </a:prstGeom>
+        </p:spPr>
+      </p:pic>
+      <p:sp>
+        <p:nvSpPr>
+          <p:cNvPr id="206" name="TextBox 205"/>
+          <p:cNvSpPr txBox="1"/>
+          <p:nvPr/>
+        </p:nvSpPr>
+        <p:spPr>
+          <a:xfrm>
+            <a:off x="1129437" y="1381047"/>
+            <a:ext cx="1048562" cy="369332"/>
+          </a:xfrm>
+          <a:prstGeom prst="rect">
+            <a:avLst/>
+          </a:prstGeom>
+          <a:noFill/>
+        </p:spPr>
+        <p:txBody>
+          <a:bodyPr wrap="square" rtlCol="0">
+            <a:spAutoFit/>
+          </a:bodyPr>
+          <a:lstStyle/>
+          <a:p>
+            <a:r>
+              <a:rPr lang="en-US" altLang="ko-KR" dirty="0" err="1" smtClean="0"/>
+              <a:t>PlayList</a:t>
+            </a:r>
+            <a:endParaRPr lang="ko-KR" altLang="en-US" dirty="0"/>
+          </a:p>
+        </p:txBody>
+      </p:sp>
+      <p:sp>
+        <p:nvSpPr>
+          <p:cNvPr id="2" name="직사각형 1"/>
+          <p:cNvSpPr/>
+          <p:nvPr/>
+        </p:nvSpPr>
+        <p:spPr>
+          <a:xfrm>
+            <a:off x="1129437" y="1862138"/>
+            <a:ext cx="6215064" cy="1974510"/>
+          </a:xfrm>
+          <a:prstGeom prst="rect">
+            <a:avLst/>
+          </a:prstGeom>
+        </p:spPr>
+        <p:style>
+          <a:lnRef idx="2">
+            <a:schemeClr val="accent1">
+              <a:shade val="50000"/>
+            </a:schemeClr>
+          </a:lnRef>
+          <a:fillRef idx="1">
+            <a:schemeClr val="accent1"/>
+          </a:fillRef>
+          <a:effectRef idx="0">
+            <a:schemeClr val="accent1"/>
+          </a:effectRef>
+          <a:fontRef idx="minor">
+            <a:schemeClr val="lt1"/>
+          </a:fontRef>
+        </p:style>
+        <p:txBody>
+          <a:bodyPr rtlCol="0" anchor="ctr"/>
+          <a:lstStyle/>
+          <a:p>
+            <a:pPr algn="ctr"/>
+            <a:endParaRPr lang="ko-KR" altLang="en-US"/>
+          </a:p>
+        </p:txBody>
+      </p:sp>
+      <p:grpSp>
+        <p:nvGrpSpPr>
+          <p:cNvPr id="56" name="Image"/>
+          <p:cNvGrpSpPr/>
+          <p:nvPr>
+            <p:custDataLst>
+              <p:custData r:id="rId3"/>
+            </p:custDataLst>
+          </p:nvPr>
+        </p:nvGrpSpPr>
+        <p:grpSpPr>
+          <a:xfrm>
+            <a:off x="1190912" y="1889231"/>
+            <a:ext cx="1742899" cy="1962488"/>
+            <a:chOff x="4037608" y="2896991"/>
+            <a:chExt cx="1059255" cy="1059255"/>
+          </a:xfrm>
+        </p:grpSpPr>
+        <p:sp>
+          <p:nvSpPr>
+            <p:cNvPr id="57" name="Rectangle 2"/>
+            <p:cNvSpPr/>
+            <p:nvPr/>
+          </p:nvSpPr>
+          <p:spPr>
+            <a:xfrm>
+              <a:off x="4037608" y="2896991"/>
+              <a:ext cx="1059255" cy="1059255"/>
+            </a:xfrm>
+            <a:prstGeom prst="rect">
+              <a:avLst/>
+            </a:prstGeom>
+            <a:solidFill>
+              <a:sysClr val="window" lastClr="FFFFFF"/>
+            </a:solidFill>
+            <a:ln w="3175" cap="flat" cmpd="sng" algn="ctr">
+              <a:solidFill>
+                <a:srgbClr val="FFFFFF">
+                  <a:lumMod val="50000"/>
+                </a:srgbClr>
+              </a:solidFill>
+              <a:prstDash val="solid"/>
+            </a:ln>
+            <a:effectLst/>
+          </p:spPr>
+          <p:txBody>
+            <a:bodyPr rot="0" spcFirstLastPara="0" vertOverflow="overflow" horzOverflow="overflow" vert="horz" wrap="square" lIns="45720" tIns="45720" rIns="91440" bIns="45720" numCol="1" spcCol="0" rtlCol="0" fromWordArt="0" anchor="ctr" anchorCtr="0" forceAA="0" compatLnSpc="1">
+              <a:prstTxWarp prst="textNoShape">
+                <a:avLst/>
+              </a:prstTxWarp>
+              <a:noAutofit/>
+            </a:bodyPr>
+            <a:lstStyle/>
+            <a:p>
+              <a:pPr marL="0" marR="0" indent="0" algn="ctr" defTabSz="914400" eaLnBrk="1" fontAlgn="auto" latinLnBrk="0" hangingPunct="1">
+                <a:lnSpc>
+                  <a:spcPct val="100000"/>
+                </a:lnSpc>
+                <a:spcBef>
+                  <a:spcPts val="0"/>
+                </a:spcBef>
+                <a:spcAft>
+                  <a:spcPts val="0"/>
+                </a:spcAft>
+                <a:buClrTx/>
+                <a:buSzTx/>
+                <a:buFontTx/>
+                <a:buNone/>
+                <a:tabLst/>
+              </a:pPr>
+              <a:endParaRPr kumimoji="0" lang="en-US" sz="800" b="0" i="0" u="none" strike="noStrike" kern="0" cap="none" spc="0" normalizeH="0" baseline="0" noProof="0" dirty="0" smtClean="0">
+                <a:ln>
+                  <a:noFill/>
+                </a:ln>
+                <a:solidFill>
+                  <a:srgbClr val="000000">
+                    <a:lumMod val="75000"/>
+                    <a:lumOff val="25000"/>
+                  </a:srgbClr>
+                </a:solidFill>
+                <a:effectLst/>
+                <a:uLnTx/>
+                <a:uFillTx/>
+                <a:latin typeface="Segoe UI"/>
+                <a:ea typeface="+mn-ea"/>
+                <a:cs typeface="+mn-cs"/>
+              </a:endParaRPr>
+            </a:p>
+          </p:txBody>
+        </p:sp>
+        <p:cxnSp>
+          <p:nvCxnSpPr>
+            <p:cNvPr id="58" name="Straight Connector 3"/>
+            <p:cNvCxnSpPr/>
+            <p:nvPr/>
+          </p:nvCxnSpPr>
+          <p:spPr>
+            <a:xfrm>
+              <a:off x="4037608" y="2896991"/>
+              <a:ext cx="1059255" cy="1059255"/>
+            </a:xfrm>
+            <a:prstGeom prst="line">
+              <a:avLst/>
+            </a:prstGeom>
+            <a:ln w="3175">
+              <a:solidFill>
+                <a:srgbClr val="FFFFFF">
+                  <a:lumMod val="50000"/>
+                </a:srgbClr>
+              </a:solidFill>
+            </a:ln>
+          </p:spPr>
+          <p:style>
+            <a:lnRef idx="1">
+              <a:srgbClr val="FFFFFF"/>
+            </a:lnRef>
+            <a:fillRef idx="0">
+              <a:srgbClr val="FFFFFF"/>
+            </a:fillRef>
+            <a:effectRef idx="0">
+              <a:srgbClr val="FFFFFF"/>
+            </a:effectRef>
+            <a:fontRef idx="minor">
+              <a:srgbClr val="000000"/>
+            </a:fontRef>
+          </p:style>
+        </p:cxnSp>
+        <p:cxnSp>
+          <p:nvCxnSpPr>
+            <p:cNvPr id="59" name="Straight Connector 4"/>
+            <p:cNvCxnSpPr/>
+            <p:nvPr/>
+          </p:nvCxnSpPr>
+          <p:spPr>
+            <a:xfrm flipV="1">
+              <a:off x="4037608" y="2896991"/>
+              <a:ext cx="1059255" cy="1059255"/>
+            </a:xfrm>
+            <a:prstGeom prst="line">
+              <a:avLst/>
+            </a:prstGeom>
+            <a:ln w="3175">
+              <a:solidFill>
+                <a:srgbClr val="FFFFFF">
+                  <a:lumMod val="50000"/>
+                </a:srgbClr>
+              </a:solidFill>
+            </a:ln>
+          </p:spPr>
+          <p:style>
+            <a:lnRef idx="1">
+              <a:srgbClr val="FFFFFF"/>
+            </a:lnRef>
+            <a:fillRef idx="0">
+              <a:srgbClr val="FFFFFF"/>
+            </a:fillRef>
+            <a:effectRef idx="0">
+              <a:srgbClr val="FFFFFF"/>
+            </a:effectRef>
+            <a:fontRef idx="minor">
+              <a:srgbClr val="000000"/>
+            </a:fontRef>
+          </p:style>
+        </p:cxnSp>
+      </p:grpSp>
+      <p:grpSp>
+        <p:nvGrpSpPr>
+          <p:cNvPr id="61" name="Image"/>
+          <p:cNvGrpSpPr/>
+          <p:nvPr>
+            <p:custDataLst>
+              <p:custData r:id="rId4"/>
+            </p:custDataLst>
+          </p:nvPr>
+        </p:nvGrpSpPr>
+        <p:grpSpPr>
+          <a:xfrm>
+            <a:off x="1578560" y="1901253"/>
+            <a:ext cx="1742899" cy="1962488"/>
+            <a:chOff x="4037608" y="2896991"/>
+            <a:chExt cx="1059255" cy="1059255"/>
+          </a:xfrm>
+        </p:grpSpPr>
+        <p:sp>
+          <p:nvSpPr>
+            <p:cNvPr id="62" name="Rectangle 2"/>
+            <p:cNvSpPr/>
+            <p:nvPr/>
+          </p:nvSpPr>
+          <p:spPr>
+            <a:xfrm>
+              <a:off x="4037608" y="2896991"/>
+              <a:ext cx="1059255" cy="1059255"/>
+            </a:xfrm>
+            <a:prstGeom prst="rect">
+              <a:avLst/>
+            </a:prstGeom>
+            <a:solidFill>
+              <a:sysClr val="window" lastClr="FFFFFF"/>
+            </a:solidFill>
+            <a:ln w="3175" cap="flat" cmpd="sng" algn="ctr">
+              <a:solidFill>
+                <a:srgbClr val="FFFFFF">
+                  <a:lumMod val="50000"/>
+                </a:srgbClr>
+              </a:solidFill>
+              <a:prstDash val="solid"/>
+            </a:ln>
+            <a:effectLst/>
+          </p:spPr>
+          <p:txBody>
+            <a:bodyPr rot="0" spcFirstLastPara="0" vertOverflow="overflow" horzOverflow="overflow" vert="horz" wrap="square" lIns="45720" tIns="45720" rIns="91440" bIns="45720" numCol="1" spcCol="0" rtlCol="0" fromWordArt="0" anchor="ctr" anchorCtr="0" forceAA="0" compatLnSpc="1">
+              <a:prstTxWarp prst="textNoShape">
+                <a:avLst/>
+              </a:prstTxWarp>
+              <a:noAutofit/>
+            </a:bodyPr>
+            <a:lstStyle/>
+            <a:p>
+              <a:pPr marL="0" marR="0" indent="0" algn="ctr" defTabSz="914400" eaLnBrk="1" fontAlgn="auto" latinLnBrk="0" hangingPunct="1">
+                <a:lnSpc>
+                  <a:spcPct val="100000"/>
+                </a:lnSpc>
+                <a:spcBef>
+                  <a:spcPts val="0"/>
+                </a:spcBef>
+                <a:spcAft>
+                  <a:spcPts val="0"/>
+                </a:spcAft>
+                <a:buClrTx/>
+                <a:buSzTx/>
+                <a:buFontTx/>
+                <a:buNone/>
+                <a:tabLst/>
+              </a:pPr>
+              <a:endParaRPr kumimoji="0" lang="en-US" sz="800" b="0" i="0" u="none" strike="noStrike" kern="0" cap="none" spc="0" normalizeH="0" baseline="0" noProof="0" dirty="0" smtClean="0">
+                <a:ln>
+                  <a:noFill/>
+                </a:ln>
+                <a:solidFill>
+                  <a:srgbClr val="000000">
+                    <a:lumMod val="75000"/>
+                    <a:lumOff val="25000"/>
+                  </a:srgbClr>
+                </a:solidFill>
+                <a:effectLst/>
+                <a:uLnTx/>
+                <a:uFillTx/>
+                <a:latin typeface="Segoe UI"/>
+                <a:ea typeface="+mn-ea"/>
+                <a:cs typeface="+mn-cs"/>
+              </a:endParaRPr>
+            </a:p>
+          </p:txBody>
+        </p:sp>
+        <p:cxnSp>
+          <p:nvCxnSpPr>
+            <p:cNvPr id="63" name="Straight Connector 3"/>
+            <p:cNvCxnSpPr/>
+            <p:nvPr/>
+          </p:nvCxnSpPr>
+          <p:spPr>
+            <a:xfrm>
+              <a:off x="4037608" y="2896991"/>
+              <a:ext cx="1059255" cy="1059255"/>
+            </a:xfrm>
+            <a:prstGeom prst="line">
+              <a:avLst/>
+            </a:prstGeom>
+            <a:ln w="3175">
+              <a:solidFill>
+                <a:srgbClr val="FFFFFF">
+                  <a:lumMod val="50000"/>
+                </a:srgbClr>
+              </a:solidFill>
+            </a:ln>
+          </p:spPr>
+          <p:style>
+            <a:lnRef idx="1">
+              <a:srgbClr val="FFFFFF"/>
+            </a:lnRef>
+            <a:fillRef idx="0">
+              <a:srgbClr val="FFFFFF"/>
+            </a:fillRef>
+            <a:effectRef idx="0">
+              <a:srgbClr val="FFFFFF"/>
+            </a:effectRef>
+            <a:fontRef idx="minor">
+              <a:srgbClr val="000000"/>
+            </a:fontRef>
+          </p:style>
+        </p:cxnSp>
+        <p:cxnSp>
+          <p:nvCxnSpPr>
+            <p:cNvPr id="64" name="Straight Connector 4"/>
+            <p:cNvCxnSpPr/>
+            <p:nvPr/>
+          </p:nvCxnSpPr>
+          <p:spPr>
+            <a:xfrm flipV="1">
+              <a:off x="4037608" y="2896991"/>
+              <a:ext cx="1059255" cy="1059255"/>
+            </a:xfrm>
+            <a:prstGeom prst="line">
+              <a:avLst/>
+            </a:prstGeom>
+            <a:ln w="3175">
+              <a:solidFill>
+                <a:srgbClr val="FFFFFF">
+                  <a:lumMod val="50000"/>
+                </a:srgbClr>
+              </a:solidFill>
+            </a:ln>
+          </p:spPr>
+          <p:style>
+            <a:lnRef idx="1">
+              <a:srgbClr val="FFFFFF"/>
+            </a:lnRef>
+            <a:fillRef idx="0">
+              <a:srgbClr val="FFFFFF"/>
+            </a:fillRef>
+            <a:effectRef idx="0">
+              <a:srgbClr val="FFFFFF"/>
+            </a:effectRef>
+            <a:fontRef idx="minor">
+              <a:srgbClr val="000000"/>
+            </a:fontRef>
+          </p:style>
+        </p:cxnSp>
+      </p:grpSp>
+      <p:grpSp>
+        <p:nvGrpSpPr>
+          <p:cNvPr id="66" name="Image"/>
+          <p:cNvGrpSpPr/>
+          <p:nvPr>
+            <p:custDataLst>
+              <p:custData r:id="rId5"/>
+            </p:custDataLst>
+          </p:nvPr>
+        </p:nvGrpSpPr>
+        <p:grpSpPr>
+          <a:xfrm>
+            <a:off x="2008213" y="1901253"/>
+            <a:ext cx="1742899" cy="1962488"/>
+            <a:chOff x="4037608" y="2896991"/>
+            <a:chExt cx="1059255" cy="1059255"/>
+          </a:xfrm>
+        </p:grpSpPr>
+        <p:sp>
+          <p:nvSpPr>
+            <p:cNvPr id="67" name="Rectangle 2"/>
+            <p:cNvSpPr/>
+            <p:nvPr/>
+          </p:nvSpPr>
+          <p:spPr>
+            <a:xfrm>
+              <a:off x="4037608" y="2896991"/>
+              <a:ext cx="1059255" cy="1059255"/>
+            </a:xfrm>
+            <a:prstGeom prst="rect">
+              <a:avLst/>
+            </a:prstGeom>
+            <a:solidFill>
+              <a:sysClr val="window" lastClr="FFFFFF"/>
+            </a:solidFill>
+            <a:ln w="3175" cap="flat" cmpd="sng" algn="ctr">
+              <a:solidFill>
+                <a:srgbClr val="FFFFFF">
+                  <a:lumMod val="50000"/>
+                </a:srgbClr>
+              </a:solidFill>
+              <a:prstDash val="solid"/>
+            </a:ln>
+            <a:effectLst/>
+          </p:spPr>
+          <p:txBody>
+            <a:bodyPr rot="0" spcFirstLastPara="0" vertOverflow="overflow" horzOverflow="overflow" vert="horz" wrap="square" lIns="45720" tIns="45720" rIns="91440" bIns="45720" numCol="1" spcCol="0" rtlCol="0" fromWordArt="0" anchor="ctr" anchorCtr="0" forceAA="0" compatLnSpc="1">
+              <a:prstTxWarp prst="textNoShape">
+                <a:avLst/>
+              </a:prstTxWarp>
+              <a:noAutofit/>
+            </a:bodyPr>
+            <a:lstStyle/>
+            <a:p>
+              <a:pPr marL="0" marR="0" indent="0" algn="ctr" defTabSz="914400" eaLnBrk="1" fontAlgn="auto" latinLnBrk="0" hangingPunct="1">
+                <a:lnSpc>
+                  <a:spcPct val="100000"/>
+                </a:lnSpc>
+                <a:spcBef>
+                  <a:spcPts val="0"/>
+                </a:spcBef>
+                <a:spcAft>
+                  <a:spcPts val="0"/>
+                </a:spcAft>
+                <a:buClrTx/>
+                <a:buSzTx/>
+                <a:buFontTx/>
+                <a:buNone/>
+                <a:tabLst/>
+              </a:pPr>
+              <a:endParaRPr kumimoji="0" lang="en-US" sz="800" b="0" i="0" u="none" strike="noStrike" kern="0" cap="none" spc="0" normalizeH="0" baseline="0" noProof="0" dirty="0" smtClean="0">
+                <a:ln>
+                  <a:noFill/>
+                </a:ln>
+                <a:solidFill>
+                  <a:srgbClr val="000000">
+                    <a:lumMod val="75000"/>
+                    <a:lumOff val="25000"/>
+                  </a:srgbClr>
+                </a:solidFill>
+                <a:effectLst/>
+                <a:uLnTx/>
+                <a:uFillTx/>
+                <a:latin typeface="Segoe UI"/>
+                <a:ea typeface="+mn-ea"/>
+                <a:cs typeface="+mn-cs"/>
+              </a:endParaRPr>
+            </a:p>
+          </p:txBody>
+        </p:sp>
+        <p:cxnSp>
+          <p:nvCxnSpPr>
+            <p:cNvPr id="68" name="Straight Connector 3"/>
+            <p:cNvCxnSpPr/>
+            <p:nvPr/>
+          </p:nvCxnSpPr>
+          <p:spPr>
+            <a:xfrm>
+              <a:off x="4037608" y="2896991"/>
+              <a:ext cx="1059255" cy="1059255"/>
+            </a:xfrm>
+            <a:prstGeom prst="line">
+              <a:avLst/>
+            </a:prstGeom>
+            <a:ln w="3175">
+              <a:solidFill>
+                <a:srgbClr val="FFFFFF">
+                  <a:lumMod val="50000"/>
+                </a:srgbClr>
+              </a:solidFill>
+            </a:ln>
+          </p:spPr>
+          <p:style>
+            <a:lnRef idx="1">
+              <a:srgbClr val="FFFFFF"/>
+            </a:lnRef>
+            <a:fillRef idx="0">
+              <a:srgbClr val="FFFFFF"/>
+            </a:fillRef>
+            <a:effectRef idx="0">
+              <a:srgbClr val="FFFFFF"/>
+            </a:effectRef>
+            <a:fontRef idx="minor">
+              <a:srgbClr val="000000"/>
+            </a:fontRef>
+          </p:style>
+        </p:cxnSp>
+        <p:cxnSp>
+          <p:nvCxnSpPr>
+            <p:cNvPr id="69" name="Straight Connector 4"/>
+            <p:cNvCxnSpPr/>
+            <p:nvPr/>
+          </p:nvCxnSpPr>
+          <p:spPr>
+            <a:xfrm flipV="1">
+              <a:off x="4037608" y="2896991"/>
+              <a:ext cx="1059255" cy="1059255"/>
+            </a:xfrm>
+            <a:prstGeom prst="line">
+              <a:avLst/>
+            </a:prstGeom>
+            <a:ln w="3175">
+              <a:solidFill>
+                <a:srgbClr val="FFFFFF">
+                  <a:lumMod val="50000"/>
+                </a:srgbClr>
+              </a:solidFill>
+            </a:ln>
+          </p:spPr>
+          <p:style>
+            <a:lnRef idx="1">
+              <a:srgbClr val="FFFFFF"/>
+            </a:lnRef>
+            <a:fillRef idx="0">
+              <a:srgbClr val="FFFFFF"/>
+            </a:fillRef>
+            <a:effectRef idx="0">
+              <a:srgbClr val="FFFFFF"/>
+            </a:effectRef>
+            <a:fontRef idx="minor">
+              <a:srgbClr val="000000"/>
+            </a:fontRef>
+          </p:style>
+        </p:cxnSp>
+      </p:grpSp>
+      <p:grpSp>
+        <p:nvGrpSpPr>
+          <p:cNvPr id="76" name="Image"/>
+          <p:cNvGrpSpPr/>
+          <p:nvPr>
+            <p:custDataLst>
+              <p:custData r:id="rId6"/>
+            </p:custDataLst>
+          </p:nvPr>
+        </p:nvGrpSpPr>
+        <p:grpSpPr>
+          <a:xfrm>
+            <a:off x="2500810" y="1889231"/>
+            <a:ext cx="1742899" cy="1962488"/>
+            <a:chOff x="4037608" y="2896991"/>
+            <a:chExt cx="1059255" cy="1059255"/>
+          </a:xfrm>
+        </p:grpSpPr>
+        <p:sp>
+          <p:nvSpPr>
+            <p:cNvPr id="77" name="Rectangle 2"/>
+            <p:cNvSpPr/>
+            <p:nvPr/>
+          </p:nvSpPr>
+          <p:spPr>
+            <a:xfrm>
+              <a:off x="4037608" y="2896991"/>
+              <a:ext cx="1059255" cy="1059255"/>
+            </a:xfrm>
+            <a:prstGeom prst="rect">
+              <a:avLst/>
+            </a:prstGeom>
+            <a:solidFill>
+              <a:sysClr val="window" lastClr="FFFFFF"/>
+            </a:solidFill>
+            <a:ln w="3175" cap="flat" cmpd="sng" algn="ctr">
+              <a:solidFill>
+                <a:srgbClr val="FFFFFF">
+                  <a:lumMod val="50000"/>
+                </a:srgbClr>
+              </a:solidFill>
+              <a:prstDash val="solid"/>
+            </a:ln>
+            <a:effectLst/>
+          </p:spPr>
+          <p:txBody>
+            <a:bodyPr rot="0" spcFirstLastPara="0" vertOverflow="overflow" horzOverflow="overflow" vert="horz" wrap="square" lIns="45720" tIns="45720" rIns="91440" bIns="45720" numCol="1" spcCol="0" rtlCol="0" fromWordArt="0" anchor="ctr" anchorCtr="0" forceAA="0" compatLnSpc="1">
+              <a:prstTxWarp prst="textNoShape">
+                <a:avLst/>
+              </a:prstTxWarp>
+              <a:noAutofit/>
+            </a:bodyPr>
+            <a:lstStyle/>
+            <a:p>
+              <a:pPr marL="0" marR="0" indent="0" algn="ctr" defTabSz="914400" eaLnBrk="1" fontAlgn="auto" latinLnBrk="0" hangingPunct="1">
+                <a:lnSpc>
+                  <a:spcPct val="100000"/>
+                </a:lnSpc>
+                <a:spcBef>
+                  <a:spcPts val="0"/>
+                </a:spcBef>
+                <a:spcAft>
+                  <a:spcPts val="0"/>
+                </a:spcAft>
+                <a:buClrTx/>
+                <a:buSzTx/>
+                <a:buFontTx/>
+                <a:buNone/>
+                <a:tabLst/>
+              </a:pPr>
+              <a:endParaRPr kumimoji="0" lang="en-US" sz="800" b="0" i="0" u="none" strike="noStrike" kern="0" cap="none" spc="0" normalizeH="0" baseline="0" noProof="0" dirty="0" smtClean="0">
+                <a:ln>
+                  <a:noFill/>
+                </a:ln>
+                <a:solidFill>
+                  <a:srgbClr val="000000">
+                    <a:lumMod val="75000"/>
+                    <a:lumOff val="25000"/>
+                  </a:srgbClr>
+                </a:solidFill>
+                <a:effectLst/>
+                <a:uLnTx/>
+                <a:uFillTx/>
+                <a:latin typeface="Segoe UI"/>
+                <a:ea typeface="+mn-ea"/>
+                <a:cs typeface="+mn-cs"/>
+              </a:endParaRPr>
+            </a:p>
+          </p:txBody>
+        </p:sp>
+        <p:cxnSp>
+          <p:nvCxnSpPr>
+            <p:cNvPr id="78" name="Straight Connector 3"/>
+            <p:cNvCxnSpPr/>
+            <p:nvPr/>
+          </p:nvCxnSpPr>
+          <p:spPr>
+            <a:xfrm>
+              <a:off x="4037608" y="2896991"/>
+              <a:ext cx="1059255" cy="1059255"/>
+            </a:xfrm>
+            <a:prstGeom prst="line">
+              <a:avLst/>
+            </a:prstGeom>
+            <a:ln w="3175">
+              <a:solidFill>
+                <a:srgbClr val="FFFFFF">
+                  <a:lumMod val="50000"/>
+                </a:srgbClr>
+              </a:solidFill>
+            </a:ln>
+          </p:spPr>
+          <p:style>
+            <a:lnRef idx="1">
+              <a:srgbClr val="FFFFFF"/>
+            </a:lnRef>
+            <a:fillRef idx="0">
+              <a:srgbClr val="FFFFFF"/>
+            </a:fillRef>
+            <a:effectRef idx="0">
+              <a:srgbClr val="FFFFFF"/>
+            </a:effectRef>
+            <a:fontRef idx="minor">
+              <a:srgbClr val="000000"/>
+            </a:fontRef>
+          </p:style>
+        </p:cxnSp>
+        <p:cxnSp>
+          <p:nvCxnSpPr>
+            <p:cNvPr id="79" name="Straight Connector 4"/>
+            <p:cNvCxnSpPr/>
+            <p:nvPr/>
+          </p:nvCxnSpPr>
+          <p:spPr>
+            <a:xfrm flipV="1">
+              <a:off x="4037608" y="2896991"/>
+              <a:ext cx="1059255" cy="1059255"/>
+            </a:xfrm>
+            <a:prstGeom prst="line">
+              <a:avLst/>
+            </a:prstGeom>
+            <a:ln w="3175">
+              <a:solidFill>
+                <a:srgbClr val="FFFFFF">
+                  <a:lumMod val="50000"/>
+                </a:srgbClr>
+              </a:solidFill>
+            </a:ln>
+          </p:spPr>
+          <p:style>
+            <a:lnRef idx="1">
+              <a:srgbClr val="FFFFFF"/>
+            </a:lnRef>
+            <a:fillRef idx="0">
+              <a:srgbClr val="FFFFFF"/>
+            </a:fillRef>
+            <a:effectRef idx="0">
+              <a:srgbClr val="FFFFFF"/>
+            </a:effectRef>
+            <a:fontRef idx="minor">
+              <a:srgbClr val="000000"/>
+            </a:fontRef>
+          </p:style>
+        </p:cxnSp>
+      </p:grpSp>
+      <p:sp>
+        <p:nvSpPr>
+          <p:cNvPr id="60" name="TextBox 59"/>
+          <p:cNvSpPr txBox="1"/>
+          <p:nvPr/>
+        </p:nvSpPr>
+        <p:spPr>
+          <a:xfrm>
+            <a:off x="4383984" y="1908015"/>
+            <a:ext cx="1742899" cy="369332"/>
+          </a:xfrm>
+          <a:prstGeom prst="rect">
+            <a:avLst/>
+          </a:prstGeom>
+          <a:noFill/>
+        </p:spPr>
+        <p:txBody>
+          <a:bodyPr wrap="square" rtlCol="0">
+            <a:spAutoFit/>
+          </a:bodyPr>
+          <a:lstStyle/>
+          <a:p>
+            <a:r>
+              <a:rPr lang="en-US" altLang="ko-KR" dirty="0" err="1" smtClean="0"/>
+              <a:t>PlayListItem</a:t>
+            </a:r>
+            <a:endParaRPr lang="ko-KR" altLang="en-US" dirty="0"/>
+          </a:p>
+        </p:txBody>
+      </p:sp>
+      <p:sp>
+        <p:nvSpPr>
+          <p:cNvPr id="80" name="타원 79"/>
+          <p:cNvSpPr/>
+          <p:nvPr/>
+        </p:nvSpPr>
+        <p:spPr>
+          <a:xfrm>
+            <a:off x="1129437" y="4398130"/>
+            <a:ext cx="1713776" cy="1743075"/>
+          </a:xfrm>
+          <a:prstGeom prst="ellipse">
+            <a:avLst/>
+          </a:prstGeom>
+        </p:spPr>
+        <p:style>
+          <a:lnRef idx="2">
+            <a:schemeClr val="accent1">
+              <a:shade val="50000"/>
+            </a:schemeClr>
+          </a:lnRef>
+          <a:fillRef idx="1">
+            <a:schemeClr val="accent1"/>
+          </a:fillRef>
+          <a:effectRef idx="0">
+            <a:schemeClr val="accent1"/>
+          </a:effectRef>
+          <a:fontRef idx="minor">
+            <a:schemeClr val="lt1"/>
+          </a:fontRef>
+        </p:style>
+        <p:txBody>
+          <a:bodyPr rtlCol="0" anchor="ctr"/>
+          <a:lstStyle/>
+          <a:p>
+            <a:pPr algn="ctr"/>
+            <a:endParaRPr lang="ko-KR" altLang="en-US"/>
+          </a:p>
+        </p:txBody>
+      </p:sp>
+      <p:sp>
+        <p:nvSpPr>
+          <p:cNvPr id="81" name="직사각형 80"/>
+          <p:cNvSpPr/>
+          <p:nvPr/>
+        </p:nvSpPr>
+        <p:spPr>
+          <a:xfrm>
+            <a:off x="3193577" y="5029201"/>
+            <a:ext cx="2100263" cy="500062"/>
+          </a:xfrm>
+          <a:prstGeom prst="rect">
+            <a:avLst/>
+          </a:prstGeom>
+        </p:spPr>
+        <p:style>
+          <a:lnRef idx="2">
+            <a:schemeClr val="accent1">
+              <a:shade val="50000"/>
+            </a:schemeClr>
+          </a:lnRef>
+          <a:fillRef idx="1">
+            <a:schemeClr val="accent1"/>
+          </a:fillRef>
+          <a:effectRef idx="0">
+            <a:schemeClr val="accent1"/>
+          </a:effectRef>
+          <a:fontRef idx="minor">
+            <a:schemeClr val="lt1"/>
+          </a:fontRef>
+        </p:style>
+        <p:txBody>
+          <a:bodyPr rtlCol="0" anchor="ctr"/>
+          <a:lstStyle/>
+          <a:p>
+            <a:pPr algn="ctr"/>
+            <a:r>
+              <a:rPr lang="en-US" altLang="ko-KR" dirty="0" smtClean="0"/>
+              <a:t>username</a:t>
+            </a:r>
+            <a:endParaRPr lang="ko-KR" altLang="en-US" dirty="0"/>
+          </a:p>
+        </p:txBody>
+      </p:sp>
+      <p:sp>
+        <p:nvSpPr>
+          <p:cNvPr id="82" name="Content"/>
+          <p:cNvSpPr txBox="1"/>
+          <p:nvPr>
+            <p:custDataLst>
+              <p:custData r:id="rId7"/>
+            </p:custDataLst>
+          </p:nvPr>
+        </p:nvSpPr>
+        <p:spPr>
+          <a:xfrm>
+            <a:off x="3502960" y="5577822"/>
+            <a:ext cx="1481496" cy="249299"/>
+          </a:xfrm>
+          <a:prstGeom prst="rect">
+            <a:avLst/>
+          </a:prstGeom>
+          <a:noFill/>
+        </p:spPr>
+        <p:txBody>
+          <a:bodyPr wrap="none" lIns="91440" tIns="18288" rIns="91440" bIns="45720" rtlCol="0" anchor="ctr" anchorCtr="0">
+            <a:spAutoFit/>
+          </a:bodyPr>
+          <a:lstStyle/>
+          <a:p>
+            <a:r>
+              <a:rPr lang="en-US" sz="1200" dirty="0" smtClean="0">
+                <a:solidFill>
+                  <a:srgbClr val="0070C0"/>
+                </a:solidFill>
+                <a:latin typeface="Segoe UI" pitchFamily="34" charset="0"/>
+                <a:ea typeface="Segoe UI" pitchFamily="34" charset="0"/>
+                <a:cs typeface="Segoe UI" pitchFamily="34" charset="0"/>
+              </a:rPr>
+              <a:t>following</a:t>
+            </a:r>
+            <a:r>
+              <a:rPr lang="en-US" sz="1200" dirty="0" smtClean="0">
+                <a:solidFill>
+                  <a:srgbClr val="0070C0"/>
+                </a:solidFill>
+                <a:latin typeface="Segoe UI" pitchFamily="34" charset="0"/>
+                <a:ea typeface="Segoe UI" pitchFamily="34" charset="0"/>
+                <a:cs typeface="Segoe UI" pitchFamily="34" charset="0"/>
+              </a:rPr>
+              <a:t> </a:t>
+            </a:r>
+            <a:r>
+              <a:rPr lang="en-US" sz="1200" dirty="0" smtClean="0">
+                <a:solidFill>
+                  <a:srgbClr val="000000"/>
+                </a:solidFill>
+                <a:latin typeface="Segoe UI" pitchFamily="34" charset="0"/>
+                <a:ea typeface="Segoe UI" pitchFamily="34" charset="0"/>
+                <a:cs typeface="Segoe UI" pitchFamily="34" charset="0"/>
+              </a:rPr>
+              <a:t>| </a:t>
+            </a:r>
+            <a:r>
+              <a:rPr lang="en-US" sz="1200" dirty="0" smtClean="0">
+                <a:solidFill>
+                  <a:srgbClr val="0070C0"/>
+                </a:solidFill>
+                <a:latin typeface="Segoe UI" pitchFamily="34" charset="0"/>
+                <a:ea typeface="Segoe UI" pitchFamily="34" charset="0"/>
+                <a:cs typeface="Segoe UI" pitchFamily="34" charset="0"/>
+              </a:rPr>
+              <a:t>playlist</a:t>
+            </a:r>
+            <a:r>
+              <a:rPr lang="en-US" sz="1200" dirty="0" smtClean="0">
+                <a:solidFill>
+                  <a:srgbClr val="000000"/>
+                </a:solidFill>
+                <a:latin typeface="Segoe UI" pitchFamily="34" charset="0"/>
+                <a:ea typeface="Segoe UI" pitchFamily="34" charset="0"/>
+                <a:cs typeface="Segoe UI" pitchFamily="34" charset="0"/>
+              </a:rPr>
+              <a:t> </a:t>
+            </a:r>
+            <a:endParaRPr lang="en-US" sz="1200" dirty="0" smtClean="0">
+              <a:solidFill>
+                <a:srgbClr val="0070C0"/>
+              </a:solidFill>
+              <a:latin typeface="Segoe UI" pitchFamily="34" charset="0"/>
+              <a:ea typeface="Segoe UI" pitchFamily="34" charset="0"/>
+              <a:cs typeface="Segoe UI" pitchFamily="34" charset="0"/>
+            </a:endParaRPr>
+          </a:p>
+        </p:txBody>
+      </p:sp>
+    </p:spTree>
+    <p:extLst>
+      <p:ext uri="{BB962C8B-B14F-4D97-AF65-F5344CB8AC3E}">
+        <p14:creationId xmlns:p14="http://schemas.microsoft.com/office/powerpoint/2010/main" val="3064736300"/>
+      </p:ext>
+    </p:extLst>
+  </p:cSld>
+  <p:clrMapOvr>
+    <a:masterClrMapping/>
+  </p:clrMapOvr>
+  <p:timing>
+    <p:tnLst>
+      <p:par>
+        <p:cTn id="1" dur="indefinite" restart="never" nodeType="tmRoot"/>
+      </p:par>
+    </p:tnLst>
+  </p:timing>
+</p:sld>
+</file>
+
+<file path=ppt/slides/slide7.xml><?xml version="1.0" encoding="utf-8"?>
+<p:sld xmlns:a="http://schemas.openxmlformats.org/drawingml/2006/main" xmlns:r="http://schemas.openxmlformats.org/officeDocument/2006/relationships" xmlns:p="http://schemas.openxmlformats.org/presentationml/2006/main">
+  <p:cSld>
+    <p:spTree>
+      <p:nvGrpSpPr>
+        <p:cNvPr id="1" name=""/>
+        <p:cNvGrpSpPr/>
+        <p:nvPr/>
+      </p:nvGrpSpPr>
+      <p:grpSpPr>
+        <a:xfrm>
+          <a:off x="0" y="0"/>
+          <a:ext cx="0" cy="0"/>
+          <a:chOff x="0" y="0"/>
+          <a:chExt cx="0" cy="0"/>
+        </a:xfrm>
+      </p:grpSpPr>
+      <p:grpSp>
+        <p:nvGrpSpPr>
+          <p:cNvPr id="39" name="Window"/>
+          <p:cNvGrpSpPr/>
+          <p:nvPr>
+            <p:custDataLst>
+              <p:custData r:id="rId1"/>
+            </p:custDataLst>
+          </p:nvPr>
+        </p:nvGrpSpPr>
+        <p:grpSpPr>
+          <a:xfrm>
+            <a:off x="0" y="0"/>
+            <a:ext cx="12192000" cy="6858000"/>
+            <a:chOff x="0" y="0"/>
+            <a:chExt cx="9144000" cy="6858000"/>
+          </a:xfrm>
+        </p:grpSpPr>
+        <p:grpSp>
+          <p:nvGrpSpPr>
+            <p:cNvPr id="40" name="Group 2"/>
+            <p:cNvGrpSpPr/>
+            <p:nvPr/>
+          </p:nvGrpSpPr>
+          <p:grpSpPr>
+            <a:xfrm>
+              <a:off x="0" y="0"/>
+              <a:ext cx="9144000" cy="6858000"/>
+              <a:chOff x="0" y="0"/>
+              <a:chExt cx="9144000" cy="6858000"/>
+            </a:xfrm>
+          </p:grpSpPr>
+          <p:sp>
+            <p:nvSpPr>
+              <p:cNvPr id="48" name="Rectangle 10"/>
+              <p:cNvSpPr/>
+              <p:nvPr/>
+            </p:nvSpPr>
+            <p:spPr>
+              <a:xfrm>
+                <a:off x="0" y="0"/>
+                <a:ext cx="9144000" cy="6858000"/>
+              </a:xfrm>
+              <a:prstGeom prst="rect">
+                <a:avLst/>
+              </a:prstGeom>
+              <a:solidFill>
+                <a:srgbClr val="FFFFFF">
+                  <a:lumMod val="65000"/>
+                </a:srgbClr>
+              </a:solidFill>
+              <a:ln w="3175" cap="flat" cmpd="sng" algn="ctr">
+                <a:solidFill>
+                  <a:srgbClr val="000000">
+                    <a:lumMod val="50000"/>
+                    <a:lumOff val="50000"/>
+                  </a:srgbClr>
+                </a:solidFill>
+                <a:prstDash val="solid"/>
+              </a:ln>
+              <a:effectLst/>
+            </p:spPr>
+            <p:txBody>
+              <a:bodyPr rtlCol="0" anchor="ctr"/>
+              <a:lstStyle/>
+              <a:p>
+                <a:pPr algn="ctr"/>
+                <a:endParaRPr lang="en-US" sz="800" kern="0">
+                  <a:solidFill>
+                    <a:prstClr val="white"/>
+                  </a:solidFill>
+                  <a:latin typeface="Segoe UI"/>
+                </a:endParaRPr>
+              </a:p>
+            </p:txBody>
+          </p:sp>
+          <p:sp>
+            <p:nvSpPr>
+              <p:cNvPr id="49" name="Rectangle 11"/>
+              <p:cNvSpPr/>
+              <p:nvPr/>
+            </p:nvSpPr>
+            <p:spPr>
+              <a:xfrm>
+                <a:off x="76200" y="309484"/>
+                <a:ext cx="8991600" cy="6437733"/>
+              </a:xfrm>
+              <a:prstGeom prst="rect">
+                <a:avLst/>
+              </a:prstGeom>
+              <a:solidFill>
+                <a:sysClr val="window" lastClr="FFFFFF"/>
+              </a:solidFill>
+              <a:ln w="3175" cap="flat" cmpd="sng" algn="ctr">
+                <a:solidFill>
+                  <a:srgbClr val="000000">
+                    <a:lumMod val="50000"/>
+                    <a:lumOff val="50000"/>
+                  </a:srgbClr>
+                </a:solidFill>
+                <a:prstDash val="solid"/>
+              </a:ln>
+              <a:effectLst/>
+            </p:spPr>
+            <p:txBody>
+              <a:bodyPr rtlCol="0" anchor="ctr"/>
+              <a:lstStyle/>
+              <a:p>
+                <a:pPr algn="ctr"/>
+                <a:endParaRPr lang="en-US" sz="800" kern="0">
+                  <a:solidFill>
+                    <a:prstClr val="white"/>
+                  </a:solidFill>
+                  <a:latin typeface="Segoe UI"/>
+                </a:endParaRPr>
+              </a:p>
+            </p:txBody>
+          </p:sp>
+          <p:sp>
+            <p:nvSpPr>
+              <p:cNvPr id="50" name="WindowTitle"/>
+              <p:cNvSpPr txBox="1"/>
+              <p:nvPr/>
+            </p:nvSpPr>
+            <p:spPr>
+              <a:xfrm>
+                <a:off x="240976" y="42736"/>
+                <a:ext cx="999313" cy="230832"/>
+              </a:xfrm>
+              <a:prstGeom prst="rect">
+                <a:avLst/>
+              </a:prstGeom>
+              <a:noFill/>
+            </p:spPr>
+            <p:txBody>
+              <a:bodyPr wrap="none" lIns="45720" tIns="18288" rIns="91440" bIns="27432" rtlCol="0" anchor="ctr" anchorCtr="0">
+                <a:spAutoFit/>
+              </a:bodyPr>
+              <a:lstStyle/>
+              <a:p>
+                <a:r>
+                  <a:rPr lang="en-US" sz="1200" dirty="0" smtClean="0">
+                    <a:solidFill>
+                      <a:prstClr val="white"/>
+                    </a:solidFill>
+                    <a:latin typeface="Segoe UI" pitchFamily="34" charset="0"/>
+                    <a:ea typeface="Segoe UI" pitchFamily="34" charset="0"/>
+                    <a:cs typeface="Segoe UI" pitchFamily="34" charset="0"/>
+                  </a:rPr>
+                  <a:t>Window title</a:t>
+                </a:r>
+              </a:p>
+            </p:txBody>
+          </p:sp>
+        </p:grpSp>
+        <p:grpSp>
+          <p:nvGrpSpPr>
+            <p:cNvPr id="41" name="Minimize - Maximize - Close"/>
+            <p:cNvGrpSpPr/>
+            <p:nvPr/>
+          </p:nvGrpSpPr>
+          <p:grpSpPr>
+            <a:xfrm>
+              <a:off x="8632311" y="92599"/>
+              <a:ext cx="384527" cy="78032"/>
+              <a:chOff x="9347642" y="131588"/>
+              <a:chExt cx="384527" cy="78032"/>
+            </a:xfrm>
+          </p:grpSpPr>
+          <p:cxnSp>
+            <p:nvCxnSpPr>
+              <p:cNvPr id="43" name="Line"/>
+              <p:cNvCxnSpPr/>
+              <p:nvPr/>
+            </p:nvCxnSpPr>
+            <p:spPr>
+              <a:xfrm>
+                <a:off x="9661396" y="131588"/>
+                <a:ext cx="70773" cy="76200"/>
+              </a:xfrm>
+              <a:prstGeom prst="line">
+                <a:avLst/>
+              </a:prstGeom>
+              <a:ln w="12700">
+                <a:solidFill>
+                  <a:srgbClr val="FFFFFF"/>
+                </a:solidFill>
+              </a:ln>
+            </p:spPr>
+            <p:style>
+              <a:lnRef idx="1">
+                <a:srgbClr val="4F81BD"/>
+              </a:lnRef>
+              <a:fillRef idx="0">
+                <a:srgbClr val="4F81BD"/>
+              </a:fillRef>
+              <a:effectRef idx="0">
+                <a:srgbClr val="4F81BD"/>
+              </a:effectRef>
+              <a:fontRef idx="minor">
+                <a:srgbClr val="000000"/>
+              </a:fontRef>
+            </p:style>
+          </p:cxnSp>
+          <p:cxnSp>
+            <p:nvCxnSpPr>
+              <p:cNvPr id="44" name="Line"/>
+              <p:cNvCxnSpPr/>
+              <p:nvPr/>
+            </p:nvCxnSpPr>
+            <p:spPr>
+              <a:xfrm flipH="1">
+                <a:off x="9661395" y="131588"/>
+                <a:ext cx="70773" cy="76200"/>
+              </a:xfrm>
+              <a:prstGeom prst="line">
+                <a:avLst/>
+              </a:prstGeom>
+              <a:ln w="12700">
+                <a:solidFill>
+                  <a:srgbClr val="FFFFFF"/>
+                </a:solidFill>
+              </a:ln>
+            </p:spPr>
+            <p:style>
+              <a:lnRef idx="1">
+                <a:srgbClr val="4F81BD"/>
+              </a:lnRef>
+              <a:fillRef idx="0">
+                <a:srgbClr val="4F81BD"/>
+              </a:fillRef>
+              <a:effectRef idx="0">
+                <a:srgbClr val="4F81BD"/>
+              </a:effectRef>
+              <a:fontRef idx="minor">
+                <a:srgbClr val="000000"/>
+              </a:fontRef>
+            </p:style>
+          </p:cxnSp>
+          <p:sp>
+            <p:nvSpPr>
+              <p:cNvPr id="45" name="Line"/>
+              <p:cNvSpPr/>
+              <p:nvPr/>
+            </p:nvSpPr>
+            <p:spPr>
+              <a:xfrm rot="10800000" flipV="1">
+                <a:off x="9499472" y="143255"/>
+                <a:ext cx="91440" cy="9144"/>
+              </a:xfrm>
+              <a:prstGeom prst="rect">
+                <a:avLst/>
+              </a:prstGeom>
+              <a:solidFill>
+                <a:srgbClr val="919191"/>
+              </a:solidFill>
+              <a:ln w="3175">
+                <a:solidFill>
+                  <a:srgbClr val="FFFFFF"/>
+                </a:solidFill>
+              </a:ln>
+            </p:spPr>
+            <p:style>
+              <a:lnRef idx="2">
+                <a:srgbClr val="4F81BD">
+                  <a:shade val="50000"/>
+                </a:srgbClr>
+              </a:lnRef>
+              <a:fillRef idx="1001">
+                <a:srgbClr val="000000"/>
+              </a:fillRef>
+              <a:effectRef idx="0">
+                <a:srgbClr val="4F81BD"/>
+              </a:effectRef>
+              <a:fontRef idx="minor">
+                <a:srgbClr val="000000"/>
+              </a:fontRef>
+            </p:style>
+            <p:txBody>
+              <a:bodyPr rtlCol="0" anchor="ctr"/>
+              <a:lstStyle/>
+              <a:p>
+                <a:pPr algn="ctr"/>
+                <a:endParaRPr lang="en-US" dirty="0">
+                  <a:solidFill>
+                    <a:prstClr val="white"/>
+                  </a:solidFill>
+                </a:endParaRPr>
+              </a:p>
+            </p:txBody>
+          </p:sp>
+          <p:sp>
+            <p:nvSpPr>
+              <p:cNvPr id="46" name="Line"/>
+              <p:cNvSpPr/>
+              <p:nvPr/>
+            </p:nvSpPr>
+            <p:spPr>
+              <a:xfrm rot="10800000" flipV="1">
+                <a:off x="9498658" y="135261"/>
+                <a:ext cx="91440" cy="72527"/>
+              </a:xfrm>
+              <a:prstGeom prst="rect">
+                <a:avLst/>
+              </a:prstGeom>
+              <a:noFill/>
+              <a:ln w="12700">
+                <a:solidFill>
+                  <a:srgbClr val="FFFFFF"/>
+                </a:solidFill>
+              </a:ln>
+            </p:spPr>
+            <p:style>
+              <a:lnRef idx="2">
+                <a:srgbClr val="4F81BD">
+                  <a:shade val="50000"/>
+                </a:srgbClr>
+              </a:lnRef>
+              <a:fillRef idx="1001">
+                <a:srgbClr val="000000"/>
+              </a:fillRef>
+              <a:effectRef idx="0">
+                <a:srgbClr val="4F81BD"/>
+              </a:effectRef>
+              <a:fontRef idx="minor">
+                <a:srgbClr val="000000"/>
+              </a:fontRef>
+            </p:style>
+            <p:txBody>
+              <a:bodyPr rtlCol="0" anchor="ctr"/>
+              <a:lstStyle/>
+              <a:p>
+                <a:pPr algn="ctr"/>
+                <a:endParaRPr lang="en-US" dirty="0">
+                  <a:solidFill>
+                    <a:prstClr val="white"/>
+                  </a:solidFill>
+                </a:endParaRPr>
+              </a:p>
+            </p:txBody>
+          </p:sp>
+          <p:sp>
+            <p:nvSpPr>
+              <p:cNvPr id="47" name="Line"/>
+              <p:cNvSpPr/>
+              <p:nvPr/>
+            </p:nvSpPr>
+            <p:spPr>
+              <a:xfrm rot="10800000" flipV="1">
+                <a:off x="9347642" y="200476"/>
+                <a:ext cx="91440" cy="9144"/>
+              </a:xfrm>
+              <a:prstGeom prst="rect">
+                <a:avLst/>
+              </a:prstGeom>
+              <a:solidFill>
+                <a:srgbClr val="919191"/>
+              </a:solidFill>
+              <a:ln w="3175">
+                <a:solidFill>
+                  <a:srgbClr val="FFFFFF"/>
+                </a:solidFill>
+              </a:ln>
+            </p:spPr>
+            <p:style>
+              <a:lnRef idx="2">
+                <a:srgbClr val="4F81BD">
+                  <a:shade val="50000"/>
+                </a:srgbClr>
+              </a:lnRef>
+              <a:fillRef idx="1001">
+                <a:srgbClr val="000000"/>
+              </a:fillRef>
+              <a:effectRef idx="0">
+                <a:srgbClr val="4F81BD"/>
+              </a:effectRef>
+              <a:fontRef idx="minor">
+                <a:srgbClr val="000000"/>
+              </a:fontRef>
+            </p:style>
+            <p:txBody>
+              <a:bodyPr rtlCol="0" anchor="ctr"/>
+              <a:lstStyle/>
+              <a:p>
+                <a:pPr algn="ctr"/>
+                <a:endParaRPr lang="en-US" dirty="0">
+                  <a:solidFill>
+                    <a:prstClr val="white"/>
+                  </a:solidFill>
+                </a:endParaRPr>
+              </a:p>
+            </p:txBody>
+          </p:sp>
+        </p:grpSp>
+        <p:sp>
+          <p:nvSpPr>
+            <p:cNvPr id="42" name="Oval 4"/>
+            <p:cNvSpPr/>
+            <p:nvPr/>
+          </p:nvSpPr>
+          <p:spPr>
+            <a:xfrm>
+              <a:off x="83477" y="80065"/>
+              <a:ext cx="145536" cy="150875"/>
+            </a:xfrm>
+            <a:prstGeom prst="ellipse">
+              <a:avLst/>
+            </a:prstGeom>
+            <a:gradFill flip="none" rotWithShape="1">
+              <a:gsLst>
+                <a:gs pos="91000">
+                  <a:srgbClr val="FFFFFF">
+                    <a:lumMod val="85000"/>
+                  </a:srgbClr>
+                </a:gs>
+                <a:gs pos="36000">
+                  <a:srgbClr val="FFFFFF">
+                    <a:lumMod val="95000"/>
+                  </a:srgbClr>
+                </a:gs>
+                <a:gs pos="100000">
+                  <a:srgbClr val="FFFFFF">
+                    <a:lumMod val="95000"/>
+                  </a:srgbClr>
+                </a:gs>
+              </a:gsLst>
+              <a:lin ang="5400000" scaled="0"/>
+              <a:tileRect/>
+            </a:gradFill>
+            <a:ln w="3175">
+              <a:solidFill>
+                <a:srgbClr val="000000">
+                  <a:lumMod val="50000"/>
+                  <a:lumOff val="50000"/>
+                </a:srgbClr>
+              </a:solidFill>
+            </a:ln>
+            <a:effectLst/>
+          </p:spPr>
+          <p:style>
+            <a:lnRef idx="2">
+              <a:srgbClr val="4F81BD">
+                <a:shade val="50000"/>
+              </a:srgbClr>
+            </a:lnRef>
+            <a:fillRef idx="1">
+              <a:srgbClr val="4F81BD"/>
+            </a:fillRef>
+            <a:effectRef idx="0">
+              <a:srgbClr val="4F81BD"/>
+            </a:effectRef>
+            <a:fontRef idx="minor">
+              <a:srgbClr val="000000"/>
+            </a:fontRef>
+          </p:style>
+          <p:txBody>
+            <a:bodyPr lIns="97531" tIns="48766" rIns="97531" bIns="48766" rtlCol="0" anchor="ctr"/>
+            <a:lstStyle/>
+            <a:p>
+              <a:pPr algn="ctr"/>
+              <a:endParaRPr lang="en-US">
+                <a:solidFill>
+                  <a:prstClr val="white"/>
+                </a:solidFill>
+              </a:endParaRPr>
+            </a:p>
+          </p:txBody>
+        </p:sp>
+      </p:grpSp>
+      <p:sp>
+        <p:nvSpPr>
+          <p:cNvPr id="188" name="직사각형 187"/>
+          <p:cNvSpPr/>
+          <p:nvPr/>
+        </p:nvSpPr>
+        <p:spPr>
+          <a:xfrm>
+            <a:off x="112890" y="330286"/>
+            <a:ext cx="11977510" cy="741277"/>
+          </a:xfrm>
+          <a:prstGeom prst="rect">
+            <a:avLst/>
+          </a:prstGeom>
+        </p:spPr>
+        <p:style>
+          <a:lnRef idx="2">
+            <a:schemeClr val="accent1">
+              <a:shade val="50000"/>
+            </a:schemeClr>
+          </a:lnRef>
+          <a:fillRef idx="1">
+            <a:schemeClr val="accent1"/>
+          </a:fillRef>
+          <a:effectRef idx="0">
+            <a:schemeClr val="accent1"/>
+          </a:effectRef>
+          <a:fontRef idx="minor">
+            <a:schemeClr val="lt1"/>
+          </a:fontRef>
+        </p:style>
+        <p:txBody>
+          <a:bodyPr rtlCol="0" anchor="ctr"/>
+          <a:lstStyle/>
+          <a:p>
+            <a:pPr algn="ctr"/>
+            <a:endParaRPr lang="ko-KR" altLang="en-US"/>
+          </a:p>
+        </p:txBody>
+      </p:sp>
+      <p:sp>
+        <p:nvSpPr>
+          <p:cNvPr id="126" name="Content"/>
+          <p:cNvSpPr txBox="1"/>
+          <p:nvPr>
+            <p:custDataLst>
+              <p:custData r:id="rId2"/>
+            </p:custDataLst>
+          </p:nvPr>
+        </p:nvSpPr>
+        <p:spPr>
+          <a:xfrm>
+            <a:off x="9103685" y="530108"/>
             <a:ext cx="2986715" cy="341632"/>
           </a:xfrm>
           <a:prstGeom prst="rect">
@@ -10056,46 +14340,7 @@
                 <a:ea typeface="Segoe UI" pitchFamily="34" charset="0"/>
                 <a:cs typeface="Segoe UI" pitchFamily="34" charset="0"/>
               </a:rPr>
-              <a:t>Movie </a:t>
-            </a:r>
-            <a:r>
-              <a:rPr lang="en-US" dirty="0" smtClean="0">
-                <a:solidFill>
-                  <a:schemeClr val="bg1">
-                    <a:lumMod val="95000"/>
-                  </a:schemeClr>
-                </a:solidFill>
-                <a:latin typeface="Segoe UI" pitchFamily="34" charset="0"/>
-                <a:ea typeface="Segoe UI" pitchFamily="34" charset="0"/>
-                <a:cs typeface="Segoe UI" pitchFamily="34" charset="0"/>
-              </a:rPr>
-              <a:t>| </a:t>
-            </a:r>
-            <a:r>
-              <a:rPr lang="en-US" dirty="0" smtClean="0">
-                <a:solidFill>
-                  <a:schemeClr val="bg1">
-                    <a:lumMod val="95000"/>
-                  </a:schemeClr>
-                </a:solidFill>
-                <a:latin typeface="Segoe UI" pitchFamily="34" charset="0"/>
-                <a:ea typeface="Segoe UI" pitchFamily="34" charset="0"/>
-                <a:cs typeface="Segoe UI" pitchFamily="34" charset="0"/>
-              </a:rPr>
-              <a:t>Community</a:t>
-            </a:r>
-            <a:r>
-              <a:rPr lang="en-US" dirty="0" smtClean="0">
-                <a:solidFill>
-                  <a:schemeClr val="bg1">
-                    <a:lumMod val="95000"/>
-                  </a:schemeClr>
-                </a:solidFill>
-                <a:latin typeface="Segoe UI" pitchFamily="34" charset="0"/>
-                <a:ea typeface="Segoe UI" pitchFamily="34" charset="0"/>
-                <a:cs typeface="Segoe UI" pitchFamily="34" charset="0"/>
-              </a:rPr>
-              <a:t> | </a:t>
+              <a:t>Movie | Community | </a:t>
             </a:r>
             <a:r>
               <a:rPr lang="en-US" dirty="0" err="1" smtClean="0">
@@ -10123,16 +14368,6 @@
               </a:rPr>
               <a:t> </a:t>
             </a:r>
-            <a:endParaRPr lang="en-US" dirty="0" smtClean="0">
-              <a:solidFill>
-                <a:schemeClr val="bg1">
-                  <a:lumMod val="95000"/>
-                </a:schemeClr>
-              </a:solidFill>
-              <a:latin typeface="Segoe UI" pitchFamily="34" charset="0"/>
-              <a:ea typeface="Segoe UI" pitchFamily="34" charset="0"/>
-              <a:cs typeface="Segoe UI" pitchFamily="34" charset="0"/>
-            </a:endParaRPr>
           </a:p>
         </p:txBody>
       </p:sp>
@@ -10195,138 +14430,21 @@
           </a:p>
         </p:txBody>
       </p:sp>
-    </p:spTree>
-    <p:extLst>
-      <p:ext uri="{BB962C8B-B14F-4D97-AF65-F5344CB8AC3E}">
-        <p14:creationId xmlns:p14="http://schemas.microsoft.com/office/powerpoint/2010/main" val="3784286034"/>
-      </p:ext>
-    </p:extLst>
-  </p:cSld>
-  <p:clrMapOvr>
-    <a:masterClrMapping/>
-  </p:clrMapOvr>
-  <p:timing>
-    <p:tnLst>
-      <p:par>
-        <p:cTn id="1" dur="indefinite" restart="never" nodeType="tmRoot"/>
-      </p:par>
-    </p:tnLst>
-  </p:timing>
-</p:sld>
-</file>
-
-<file path=ppt/slides/slide7.xml><?xml version="1.0" encoding="utf-8"?>
-<p:sld xmlns:a="http://schemas.openxmlformats.org/drawingml/2006/main" xmlns:r="http://schemas.openxmlformats.org/officeDocument/2006/relationships" xmlns:p="http://schemas.openxmlformats.org/presentationml/2006/main">
-  <p:cSld>
-    <p:spTree>
-      <p:nvGrpSpPr>
-        <p:cNvPr id="1" name=""/>
-        <p:cNvGrpSpPr/>
-        <p:nvPr/>
-      </p:nvGrpSpPr>
-      <p:grpSpPr>
-        <a:xfrm>
-          <a:off x="0" y="0"/>
-          <a:ext cx="0" cy="0"/>
-          <a:chOff x="0" y="0"/>
-          <a:chExt cx="0" cy="0"/>
-        </a:xfrm>
-      </p:grpSpPr>
       <p:sp>
         <p:nvSpPr>
-          <p:cNvPr id="2" name="제목 1"/>
-          <p:cNvSpPr>
-            <a:spLocks noGrp="1"/>
-          </p:cNvSpPr>
-          <p:nvPr>
-            <p:ph type="title"/>
-          </p:nvPr>
-        </p:nvSpPr>
-        <p:spPr>
-          <a:xfrm>
-            <a:off x="838200" y="166133"/>
-            <a:ext cx="10515600" cy="1325563"/>
-          </a:xfrm>
-        </p:spPr>
-        <p:txBody>
-          <a:bodyPr/>
-          <a:lstStyle/>
-          <a:p>
-            <a:r>
-              <a:rPr lang="en-US" altLang="ko-KR" dirty="0" smtClean="0"/>
-              <a:t>TMDB schema=</a:t>
-            </a:r>
-            <a:r>
-              <a:rPr lang="en-US" altLang="ko-KR" dirty="0" err="1" smtClean="0"/>
-              <a:t>top_rated</a:t>
-            </a:r>
-            <a:endParaRPr lang="ko-KR" altLang="en-US" dirty="0"/>
-          </a:p>
-        </p:txBody>
-      </p:sp>
-      <p:sp>
-        <p:nvSpPr>
-          <p:cNvPr id="3" name="내용 개체 틀 2"/>
-          <p:cNvSpPr>
-            <a:spLocks noGrp="1"/>
-          </p:cNvSpPr>
-          <p:nvPr>
-            <p:ph idx="1"/>
-          </p:nvPr>
-        </p:nvSpPr>
-        <p:spPr/>
-        <p:txBody>
-          <a:bodyPr/>
-          <a:lstStyle/>
-          <a:p>
-            <a:endParaRPr lang="ko-KR" altLang="en-US"/>
-          </a:p>
-        </p:txBody>
-      </p:sp>
-      <p:pic>
-        <p:nvPicPr>
-          <p:cNvPr id="4" name="그림 3"/>
-          <p:cNvPicPr>
-            <a:picLocks noChangeAspect="1"/>
-          </p:cNvPicPr>
-          <p:nvPr/>
-        </p:nvPicPr>
-        <p:blipFill>
-          <a:blip r:embed="rId2"/>
-          <a:stretch>
-            <a:fillRect/>
-          </a:stretch>
-        </p:blipFill>
-        <p:spPr>
-          <a:xfrm>
-            <a:off x="700415" y="1603006"/>
-            <a:ext cx="8707957" cy="5071171"/>
-          </a:xfrm>
-          <a:prstGeom prst="rect">
-            <a:avLst/>
-          </a:prstGeom>
-        </p:spPr>
-      </p:pic>
-      <p:sp>
-        <p:nvSpPr>
-          <p:cNvPr id="5" name="직사각형 4"/>
+          <p:cNvPr id="2" name="직사각형 1"/>
           <p:cNvSpPr/>
           <p:nvPr/>
         </p:nvSpPr>
         <p:spPr>
           <a:xfrm>
-            <a:off x="2192055" y="3730966"/>
-            <a:ext cx="676406" cy="338203"/>
+            <a:off x="3945699" y="1898824"/>
+            <a:ext cx="3594970" cy="4572000"/>
           </a:xfrm>
           <a:prstGeom prst="rect">
             <a:avLst/>
           </a:prstGeom>
           <a:noFill/>
-          <a:ln>
-            <a:solidFill>
-              <a:srgbClr val="C00000"/>
-            </a:solidFill>
-          </a:ln>
         </p:spPr>
         <p:style>
           <a:lnRef idx="2">
@@ -10355,24 +14473,642 @@
       </p:sp>
       <p:sp>
         <p:nvSpPr>
-          <p:cNvPr id="7" name="직사각형 6"/>
+          <p:cNvPr id="3" name="직사각형 2"/>
           <p:cNvSpPr/>
           <p:nvPr/>
         </p:nvSpPr>
         <p:spPr>
           <a:xfrm>
-            <a:off x="2292263" y="3157048"/>
-            <a:ext cx="676406" cy="338203"/>
+            <a:off x="4233797" y="3670126"/>
+            <a:ext cx="2981195" cy="514698"/>
+          </a:xfrm>
+          <a:prstGeom prst="rect">
+            <a:avLst/>
+          </a:prstGeom>
+        </p:spPr>
+        <p:style>
+          <a:lnRef idx="2">
+            <a:schemeClr val="accent1">
+              <a:shade val="50000"/>
+            </a:schemeClr>
+          </a:lnRef>
+          <a:fillRef idx="1">
+            <a:schemeClr val="accent1"/>
+          </a:fillRef>
+          <a:effectRef idx="0">
+            <a:schemeClr val="accent1"/>
+          </a:effectRef>
+          <a:fontRef idx="minor">
+            <a:schemeClr val="lt1"/>
+          </a:fontRef>
+        </p:style>
+        <p:txBody>
+          <a:bodyPr rtlCol="0" anchor="ctr"/>
+          <a:lstStyle/>
+          <a:p>
+            <a:pPr algn="ctr"/>
+            <a:r>
+              <a:rPr lang="en-US" altLang="ko-KR" dirty="0" smtClean="0"/>
+              <a:t>ID</a:t>
+            </a:r>
+            <a:endParaRPr lang="ko-KR" altLang="en-US" dirty="0"/>
+          </a:p>
+        </p:txBody>
+      </p:sp>
+      <p:sp>
+        <p:nvSpPr>
+          <p:cNvPr id="20" name="직사각형 19"/>
+          <p:cNvSpPr/>
+          <p:nvPr/>
+        </p:nvSpPr>
+        <p:spPr>
+          <a:xfrm>
+            <a:off x="4252586" y="4494308"/>
+            <a:ext cx="2981195" cy="514698"/>
+          </a:xfrm>
+          <a:prstGeom prst="rect">
+            <a:avLst/>
+          </a:prstGeom>
+        </p:spPr>
+        <p:style>
+          <a:lnRef idx="2">
+            <a:schemeClr val="accent1">
+              <a:shade val="50000"/>
+            </a:schemeClr>
+          </a:lnRef>
+          <a:fillRef idx="1">
+            <a:schemeClr val="accent1"/>
+          </a:fillRef>
+          <a:effectRef idx="0">
+            <a:schemeClr val="accent1"/>
+          </a:effectRef>
+          <a:fontRef idx="minor">
+            <a:schemeClr val="lt1"/>
+          </a:fontRef>
+        </p:style>
+        <p:txBody>
+          <a:bodyPr rtlCol="0" anchor="ctr"/>
+          <a:lstStyle/>
+          <a:p>
+            <a:pPr algn="ctr"/>
+            <a:r>
+              <a:rPr lang="en-US" altLang="ko-KR" dirty="0" smtClean="0"/>
+              <a:t>PWD</a:t>
+            </a:r>
+            <a:endParaRPr lang="ko-KR" altLang="en-US" dirty="0"/>
+          </a:p>
+        </p:txBody>
+      </p:sp>
+      <p:sp>
+        <p:nvSpPr>
+          <p:cNvPr id="4" name="TextBox 3"/>
+          <p:cNvSpPr txBox="1"/>
+          <p:nvPr/>
+        </p:nvSpPr>
+        <p:spPr>
+          <a:xfrm>
+            <a:off x="5128528" y="5205080"/>
+            <a:ext cx="1229310" cy="369332"/>
           </a:xfrm>
           <a:prstGeom prst="rect">
             <a:avLst/>
           </a:prstGeom>
           <a:noFill/>
-          <a:ln>
-            <a:solidFill>
-              <a:srgbClr val="C00000"/>
-            </a:solidFill>
-          </a:ln>
+        </p:spPr>
+        <p:txBody>
+          <a:bodyPr wrap="square" rtlCol="0">
+            <a:spAutoFit/>
+          </a:bodyPr>
+          <a:lstStyle/>
+          <a:p>
+            <a:r>
+              <a:rPr lang="en-US" altLang="ko-KR" dirty="0" smtClean="0"/>
+              <a:t>SIGN UP</a:t>
+            </a:r>
+            <a:endParaRPr lang="ko-KR" altLang="en-US" dirty="0"/>
+          </a:p>
+        </p:txBody>
+      </p:sp>
+    </p:spTree>
+    <p:extLst>
+      <p:ext uri="{BB962C8B-B14F-4D97-AF65-F5344CB8AC3E}">
+        <p14:creationId xmlns:p14="http://schemas.microsoft.com/office/powerpoint/2010/main" val="3784286034"/>
+      </p:ext>
+    </p:extLst>
+  </p:cSld>
+  <p:clrMapOvr>
+    <a:masterClrMapping/>
+  </p:clrMapOvr>
+  <p:timing>
+    <p:tnLst>
+      <p:par>
+        <p:cTn id="1" dur="indefinite" restart="never" nodeType="tmRoot"/>
+      </p:par>
+    </p:tnLst>
+  </p:timing>
+</p:sld>
+</file>
+
+<file path=ppt/slides/slide8.xml><?xml version="1.0" encoding="utf-8"?>
+<p:sld xmlns:a="http://schemas.openxmlformats.org/drawingml/2006/main" xmlns:r="http://schemas.openxmlformats.org/officeDocument/2006/relationships" xmlns:p="http://schemas.openxmlformats.org/presentationml/2006/main">
+  <p:cSld>
+    <p:spTree>
+      <p:nvGrpSpPr>
+        <p:cNvPr id="1" name=""/>
+        <p:cNvGrpSpPr/>
+        <p:nvPr/>
+      </p:nvGrpSpPr>
+      <p:grpSpPr>
+        <a:xfrm>
+          <a:off x="0" y="0"/>
+          <a:ext cx="0" cy="0"/>
+          <a:chOff x="0" y="0"/>
+          <a:chExt cx="0" cy="0"/>
+        </a:xfrm>
+      </p:grpSpPr>
+      <p:grpSp>
+        <p:nvGrpSpPr>
+          <p:cNvPr id="39" name="Window"/>
+          <p:cNvGrpSpPr/>
+          <p:nvPr>
+            <p:custDataLst>
+              <p:custData r:id="rId1"/>
+            </p:custDataLst>
+          </p:nvPr>
+        </p:nvGrpSpPr>
+        <p:grpSpPr>
+          <a:xfrm>
+            <a:off x="0" y="0"/>
+            <a:ext cx="12192000" cy="6858000"/>
+            <a:chOff x="0" y="0"/>
+            <a:chExt cx="9144000" cy="6858000"/>
+          </a:xfrm>
+        </p:grpSpPr>
+        <p:grpSp>
+          <p:nvGrpSpPr>
+            <p:cNvPr id="40" name="Group 2"/>
+            <p:cNvGrpSpPr/>
+            <p:nvPr/>
+          </p:nvGrpSpPr>
+          <p:grpSpPr>
+            <a:xfrm>
+              <a:off x="0" y="0"/>
+              <a:ext cx="9144000" cy="6858000"/>
+              <a:chOff x="0" y="0"/>
+              <a:chExt cx="9144000" cy="6858000"/>
+            </a:xfrm>
+          </p:grpSpPr>
+          <p:sp>
+            <p:nvSpPr>
+              <p:cNvPr id="48" name="Rectangle 10"/>
+              <p:cNvSpPr/>
+              <p:nvPr/>
+            </p:nvSpPr>
+            <p:spPr>
+              <a:xfrm>
+                <a:off x="0" y="0"/>
+                <a:ext cx="9144000" cy="6858000"/>
+              </a:xfrm>
+              <a:prstGeom prst="rect">
+                <a:avLst/>
+              </a:prstGeom>
+              <a:solidFill>
+                <a:srgbClr val="FFFFFF">
+                  <a:lumMod val="65000"/>
+                </a:srgbClr>
+              </a:solidFill>
+              <a:ln w="3175" cap="flat" cmpd="sng" algn="ctr">
+                <a:solidFill>
+                  <a:srgbClr val="000000">
+                    <a:lumMod val="50000"/>
+                    <a:lumOff val="50000"/>
+                  </a:srgbClr>
+                </a:solidFill>
+                <a:prstDash val="solid"/>
+              </a:ln>
+              <a:effectLst/>
+            </p:spPr>
+            <p:txBody>
+              <a:bodyPr rtlCol="0" anchor="ctr"/>
+              <a:lstStyle/>
+              <a:p>
+                <a:pPr algn="ctr"/>
+                <a:endParaRPr lang="en-US" sz="800" kern="0">
+                  <a:solidFill>
+                    <a:prstClr val="white"/>
+                  </a:solidFill>
+                  <a:latin typeface="Segoe UI"/>
+                </a:endParaRPr>
+              </a:p>
+            </p:txBody>
+          </p:sp>
+          <p:sp>
+            <p:nvSpPr>
+              <p:cNvPr id="49" name="Rectangle 11"/>
+              <p:cNvSpPr/>
+              <p:nvPr/>
+            </p:nvSpPr>
+            <p:spPr>
+              <a:xfrm>
+                <a:off x="76200" y="309484"/>
+                <a:ext cx="8991600" cy="6437733"/>
+              </a:xfrm>
+              <a:prstGeom prst="rect">
+                <a:avLst/>
+              </a:prstGeom>
+              <a:solidFill>
+                <a:sysClr val="window" lastClr="FFFFFF"/>
+              </a:solidFill>
+              <a:ln w="3175" cap="flat" cmpd="sng" algn="ctr">
+                <a:solidFill>
+                  <a:srgbClr val="000000">
+                    <a:lumMod val="50000"/>
+                    <a:lumOff val="50000"/>
+                  </a:srgbClr>
+                </a:solidFill>
+                <a:prstDash val="solid"/>
+              </a:ln>
+              <a:effectLst/>
+            </p:spPr>
+            <p:txBody>
+              <a:bodyPr rtlCol="0" anchor="ctr"/>
+              <a:lstStyle/>
+              <a:p>
+                <a:pPr algn="ctr"/>
+                <a:endParaRPr lang="en-US" sz="800" kern="0">
+                  <a:solidFill>
+                    <a:prstClr val="white"/>
+                  </a:solidFill>
+                  <a:latin typeface="Segoe UI"/>
+                </a:endParaRPr>
+              </a:p>
+            </p:txBody>
+          </p:sp>
+          <p:sp>
+            <p:nvSpPr>
+              <p:cNvPr id="50" name="WindowTitle"/>
+              <p:cNvSpPr txBox="1"/>
+              <p:nvPr/>
+            </p:nvSpPr>
+            <p:spPr>
+              <a:xfrm>
+                <a:off x="240976" y="42736"/>
+                <a:ext cx="999313" cy="230832"/>
+              </a:xfrm>
+              <a:prstGeom prst="rect">
+                <a:avLst/>
+              </a:prstGeom>
+              <a:noFill/>
+            </p:spPr>
+            <p:txBody>
+              <a:bodyPr wrap="none" lIns="45720" tIns="18288" rIns="91440" bIns="27432" rtlCol="0" anchor="ctr" anchorCtr="0">
+                <a:spAutoFit/>
+              </a:bodyPr>
+              <a:lstStyle/>
+              <a:p>
+                <a:r>
+                  <a:rPr lang="en-US" sz="1200" dirty="0" smtClean="0">
+                    <a:solidFill>
+                      <a:prstClr val="white"/>
+                    </a:solidFill>
+                    <a:latin typeface="Segoe UI" pitchFamily="34" charset="0"/>
+                    <a:ea typeface="Segoe UI" pitchFamily="34" charset="0"/>
+                    <a:cs typeface="Segoe UI" pitchFamily="34" charset="0"/>
+                  </a:rPr>
+                  <a:t>Window title</a:t>
+                </a:r>
+              </a:p>
+            </p:txBody>
+          </p:sp>
+        </p:grpSp>
+        <p:grpSp>
+          <p:nvGrpSpPr>
+            <p:cNvPr id="41" name="Minimize - Maximize - Close"/>
+            <p:cNvGrpSpPr/>
+            <p:nvPr/>
+          </p:nvGrpSpPr>
+          <p:grpSpPr>
+            <a:xfrm>
+              <a:off x="8632311" y="92599"/>
+              <a:ext cx="384527" cy="78032"/>
+              <a:chOff x="9347642" y="131588"/>
+              <a:chExt cx="384527" cy="78032"/>
+            </a:xfrm>
+          </p:grpSpPr>
+          <p:cxnSp>
+            <p:nvCxnSpPr>
+              <p:cNvPr id="43" name="Line"/>
+              <p:cNvCxnSpPr/>
+              <p:nvPr/>
+            </p:nvCxnSpPr>
+            <p:spPr>
+              <a:xfrm>
+                <a:off x="9661396" y="131588"/>
+                <a:ext cx="70773" cy="76200"/>
+              </a:xfrm>
+              <a:prstGeom prst="line">
+                <a:avLst/>
+              </a:prstGeom>
+              <a:ln w="12700">
+                <a:solidFill>
+                  <a:srgbClr val="FFFFFF"/>
+                </a:solidFill>
+              </a:ln>
+            </p:spPr>
+            <p:style>
+              <a:lnRef idx="1">
+                <a:srgbClr val="4F81BD"/>
+              </a:lnRef>
+              <a:fillRef idx="0">
+                <a:srgbClr val="4F81BD"/>
+              </a:fillRef>
+              <a:effectRef idx="0">
+                <a:srgbClr val="4F81BD"/>
+              </a:effectRef>
+              <a:fontRef idx="minor">
+                <a:srgbClr val="000000"/>
+              </a:fontRef>
+            </p:style>
+          </p:cxnSp>
+          <p:cxnSp>
+            <p:nvCxnSpPr>
+              <p:cNvPr id="44" name="Line"/>
+              <p:cNvCxnSpPr/>
+              <p:nvPr/>
+            </p:nvCxnSpPr>
+            <p:spPr>
+              <a:xfrm flipH="1">
+                <a:off x="9661395" y="131588"/>
+                <a:ext cx="70773" cy="76200"/>
+              </a:xfrm>
+              <a:prstGeom prst="line">
+                <a:avLst/>
+              </a:prstGeom>
+              <a:ln w="12700">
+                <a:solidFill>
+                  <a:srgbClr val="FFFFFF"/>
+                </a:solidFill>
+              </a:ln>
+            </p:spPr>
+            <p:style>
+              <a:lnRef idx="1">
+                <a:srgbClr val="4F81BD"/>
+              </a:lnRef>
+              <a:fillRef idx="0">
+                <a:srgbClr val="4F81BD"/>
+              </a:fillRef>
+              <a:effectRef idx="0">
+                <a:srgbClr val="4F81BD"/>
+              </a:effectRef>
+              <a:fontRef idx="minor">
+                <a:srgbClr val="000000"/>
+              </a:fontRef>
+            </p:style>
+          </p:cxnSp>
+          <p:sp>
+            <p:nvSpPr>
+              <p:cNvPr id="45" name="Line"/>
+              <p:cNvSpPr/>
+              <p:nvPr/>
+            </p:nvSpPr>
+            <p:spPr>
+              <a:xfrm rot="10800000" flipV="1">
+                <a:off x="9499472" y="143255"/>
+                <a:ext cx="91440" cy="9144"/>
+              </a:xfrm>
+              <a:prstGeom prst="rect">
+                <a:avLst/>
+              </a:prstGeom>
+              <a:solidFill>
+                <a:srgbClr val="919191"/>
+              </a:solidFill>
+              <a:ln w="3175">
+                <a:solidFill>
+                  <a:srgbClr val="FFFFFF"/>
+                </a:solidFill>
+              </a:ln>
+            </p:spPr>
+            <p:style>
+              <a:lnRef idx="2">
+                <a:srgbClr val="4F81BD">
+                  <a:shade val="50000"/>
+                </a:srgbClr>
+              </a:lnRef>
+              <a:fillRef idx="1001">
+                <a:srgbClr val="000000"/>
+              </a:fillRef>
+              <a:effectRef idx="0">
+                <a:srgbClr val="4F81BD"/>
+              </a:effectRef>
+              <a:fontRef idx="minor">
+                <a:srgbClr val="000000"/>
+              </a:fontRef>
+            </p:style>
+            <p:txBody>
+              <a:bodyPr rtlCol="0" anchor="ctr"/>
+              <a:lstStyle/>
+              <a:p>
+                <a:pPr algn="ctr"/>
+                <a:endParaRPr lang="en-US" dirty="0">
+                  <a:solidFill>
+                    <a:prstClr val="white"/>
+                  </a:solidFill>
+                </a:endParaRPr>
+              </a:p>
+            </p:txBody>
+          </p:sp>
+          <p:sp>
+            <p:nvSpPr>
+              <p:cNvPr id="46" name="Line"/>
+              <p:cNvSpPr/>
+              <p:nvPr/>
+            </p:nvSpPr>
+            <p:spPr>
+              <a:xfrm rot="10800000" flipV="1">
+                <a:off x="9498658" y="135261"/>
+                <a:ext cx="91440" cy="72527"/>
+              </a:xfrm>
+              <a:prstGeom prst="rect">
+                <a:avLst/>
+              </a:prstGeom>
+              <a:noFill/>
+              <a:ln w="12700">
+                <a:solidFill>
+                  <a:srgbClr val="FFFFFF"/>
+                </a:solidFill>
+              </a:ln>
+            </p:spPr>
+            <p:style>
+              <a:lnRef idx="2">
+                <a:srgbClr val="4F81BD">
+                  <a:shade val="50000"/>
+                </a:srgbClr>
+              </a:lnRef>
+              <a:fillRef idx="1001">
+                <a:srgbClr val="000000"/>
+              </a:fillRef>
+              <a:effectRef idx="0">
+                <a:srgbClr val="4F81BD"/>
+              </a:effectRef>
+              <a:fontRef idx="minor">
+                <a:srgbClr val="000000"/>
+              </a:fontRef>
+            </p:style>
+            <p:txBody>
+              <a:bodyPr rtlCol="0" anchor="ctr"/>
+              <a:lstStyle/>
+              <a:p>
+                <a:pPr algn="ctr"/>
+                <a:endParaRPr lang="en-US" dirty="0">
+                  <a:solidFill>
+                    <a:prstClr val="white"/>
+                  </a:solidFill>
+                </a:endParaRPr>
+              </a:p>
+            </p:txBody>
+          </p:sp>
+          <p:sp>
+            <p:nvSpPr>
+              <p:cNvPr id="47" name="Line"/>
+              <p:cNvSpPr/>
+              <p:nvPr/>
+            </p:nvSpPr>
+            <p:spPr>
+              <a:xfrm rot="10800000" flipV="1">
+                <a:off x="9347642" y="200476"/>
+                <a:ext cx="91440" cy="9144"/>
+              </a:xfrm>
+              <a:prstGeom prst="rect">
+                <a:avLst/>
+              </a:prstGeom>
+              <a:solidFill>
+                <a:srgbClr val="919191"/>
+              </a:solidFill>
+              <a:ln w="3175">
+                <a:solidFill>
+                  <a:srgbClr val="FFFFFF"/>
+                </a:solidFill>
+              </a:ln>
+            </p:spPr>
+            <p:style>
+              <a:lnRef idx="2">
+                <a:srgbClr val="4F81BD">
+                  <a:shade val="50000"/>
+                </a:srgbClr>
+              </a:lnRef>
+              <a:fillRef idx="1001">
+                <a:srgbClr val="000000"/>
+              </a:fillRef>
+              <a:effectRef idx="0">
+                <a:srgbClr val="4F81BD"/>
+              </a:effectRef>
+              <a:fontRef idx="minor">
+                <a:srgbClr val="000000"/>
+              </a:fontRef>
+            </p:style>
+            <p:txBody>
+              <a:bodyPr rtlCol="0" anchor="ctr"/>
+              <a:lstStyle/>
+              <a:p>
+                <a:pPr algn="ctr"/>
+                <a:endParaRPr lang="en-US" dirty="0">
+                  <a:solidFill>
+                    <a:prstClr val="white"/>
+                  </a:solidFill>
+                </a:endParaRPr>
+              </a:p>
+            </p:txBody>
+          </p:sp>
+        </p:grpSp>
+        <p:sp>
+          <p:nvSpPr>
+            <p:cNvPr id="42" name="Oval 4"/>
+            <p:cNvSpPr/>
+            <p:nvPr/>
+          </p:nvSpPr>
+          <p:spPr>
+            <a:xfrm>
+              <a:off x="83477" y="80065"/>
+              <a:ext cx="145536" cy="150875"/>
+            </a:xfrm>
+            <a:prstGeom prst="ellipse">
+              <a:avLst/>
+            </a:prstGeom>
+            <a:gradFill flip="none" rotWithShape="1">
+              <a:gsLst>
+                <a:gs pos="91000">
+                  <a:srgbClr val="FFFFFF">
+                    <a:lumMod val="85000"/>
+                  </a:srgbClr>
+                </a:gs>
+                <a:gs pos="36000">
+                  <a:srgbClr val="FFFFFF">
+                    <a:lumMod val="95000"/>
+                  </a:srgbClr>
+                </a:gs>
+                <a:gs pos="100000">
+                  <a:srgbClr val="FFFFFF">
+                    <a:lumMod val="95000"/>
+                  </a:srgbClr>
+                </a:gs>
+              </a:gsLst>
+              <a:lin ang="5400000" scaled="0"/>
+              <a:tileRect/>
+            </a:gradFill>
+            <a:ln w="3175">
+              <a:solidFill>
+                <a:srgbClr val="000000">
+                  <a:lumMod val="50000"/>
+                  <a:lumOff val="50000"/>
+                </a:srgbClr>
+              </a:solidFill>
+            </a:ln>
+            <a:effectLst/>
+          </p:spPr>
+          <p:style>
+            <a:lnRef idx="2">
+              <a:srgbClr val="4F81BD">
+                <a:shade val="50000"/>
+              </a:srgbClr>
+            </a:lnRef>
+            <a:fillRef idx="1">
+              <a:srgbClr val="4F81BD"/>
+            </a:fillRef>
+            <a:effectRef idx="0">
+              <a:srgbClr val="4F81BD"/>
+            </a:effectRef>
+            <a:fontRef idx="minor">
+              <a:srgbClr val="000000"/>
+            </a:fontRef>
+          </p:style>
+          <p:txBody>
+            <a:bodyPr lIns="97531" tIns="48766" rIns="97531" bIns="48766" rtlCol="0" anchor="ctr"/>
+            <a:lstStyle/>
+            <a:p>
+              <a:pPr algn="ctr"/>
+              <a:endParaRPr lang="en-US">
+                <a:solidFill>
+                  <a:prstClr val="white"/>
+                </a:solidFill>
+              </a:endParaRPr>
+            </a:p>
+          </p:txBody>
+        </p:sp>
+      </p:grpSp>
+      <p:sp>
+        <p:nvSpPr>
+          <p:cNvPr id="188" name="직사각형 187"/>
+          <p:cNvSpPr/>
+          <p:nvPr/>
+        </p:nvSpPr>
+        <p:spPr>
+          <a:xfrm>
+            <a:off x="112890" y="330286"/>
+            <a:ext cx="11977510" cy="741277"/>
+          </a:xfrm>
+          <a:prstGeom prst="rect">
+            <a:avLst/>
+          </a:prstGeom>
         </p:spPr>
         <p:style>
           <a:lnRef idx="2">
@@ -10401,24 +15137,142 @@
       </p:sp>
       <p:sp>
         <p:nvSpPr>
-          <p:cNvPr id="8" name="직사각형 7"/>
+          <p:cNvPr id="126" name="Content"/>
+          <p:cNvSpPr txBox="1"/>
+          <p:nvPr>
+            <p:custDataLst>
+              <p:custData r:id="rId2"/>
+            </p:custDataLst>
+          </p:nvPr>
+        </p:nvSpPr>
+        <p:spPr>
+          <a:xfrm>
+            <a:off x="9103685" y="530108"/>
+            <a:ext cx="3058081" cy="341632"/>
+          </a:xfrm>
+          <a:prstGeom prst="rect">
+            <a:avLst/>
+          </a:prstGeom>
+          <a:noFill/>
+        </p:spPr>
+        <p:txBody>
+          <a:bodyPr wrap="none" lIns="91440" tIns="18288" rIns="91440" bIns="45720" rtlCol="0" anchor="ctr" anchorCtr="0">
+            <a:spAutoFit/>
+          </a:bodyPr>
+          <a:lstStyle/>
+          <a:p>
+            <a:r>
+              <a:rPr lang="en-US" dirty="0" smtClean="0">
+                <a:solidFill>
+                  <a:schemeClr val="bg1">
+                    <a:lumMod val="95000"/>
+                  </a:schemeClr>
+                </a:solidFill>
+                <a:latin typeface="Segoe UI" pitchFamily="34" charset="0"/>
+                <a:ea typeface="Segoe UI" pitchFamily="34" charset="0"/>
+                <a:cs typeface="Segoe UI" pitchFamily="34" charset="0"/>
+              </a:rPr>
+              <a:t>Movie | Community | </a:t>
+            </a:r>
+            <a:r>
+              <a:rPr lang="en-US" dirty="0" smtClean="0">
+                <a:solidFill>
+                  <a:schemeClr val="bg1">
+                    <a:lumMod val="95000"/>
+                  </a:schemeClr>
+                </a:solidFill>
+                <a:latin typeface="Segoe UI" pitchFamily="34" charset="0"/>
+                <a:ea typeface="Segoe UI" pitchFamily="34" charset="0"/>
+                <a:cs typeface="Segoe UI" pitchFamily="34" charset="0"/>
+              </a:rPr>
+              <a:t>Profile </a:t>
+            </a:r>
+            <a:endParaRPr lang="en-US" dirty="0" smtClean="0">
+              <a:solidFill>
+                <a:schemeClr val="bg1">
+                  <a:lumMod val="95000"/>
+                </a:schemeClr>
+              </a:solidFill>
+              <a:latin typeface="Segoe UI" pitchFamily="34" charset="0"/>
+              <a:ea typeface="Segoe UI" pitchFamily="34" charset="0"/>
+              <a:cs typeface="Segoe UI" pitchFamily="34" charset="0"/>
+            </a:endParaRPr>
+          </a:p>
+        </p:txBody>
+      </p:sp>
+      <p:pic>
+        <p:nvPicPr>
+          <p:cNvPr id="189" name="그림 188"/>
+          <p:cNvPicPr>
+            <a:picLocks noChangeAspect="1"/>
+          </p:cNvPicPr>
+          <p:nvPr/>
+        </p:nvPicPr>
+        <p:blipFill rotWithShape="1">
+          <a:blip r:embed="rId10" cstate="hqprint">
+            <a:extLst>
+              <a:ext uri="{28A0092B-C50C-407E-A947-70E740481C1C}">
+                <a14:useLocalDpi xmlns:a14="http://schemas.microsoft.com/office/drawing/2010/main" val="0"/>
+              </a:ext>
+            </a:extLst>
+          </a:blip>
+          <a:srcRect l="29343" t="16903" r="47744" b="46296"/>
+          <a:stretch/>
+        </p:blipFill>
+        <p:spPr>
+          <a:xfrm>
+            <a:off x="208327" y="384026"/>
+            <a:ext cx="710574" cy="641939"/>
+          </a:xfrm>
+          <a:prstGeom prst="rect">
+            <a:avLst/>
+          </a:prstGeom>
+        </p:spPr>
+      </p:pic>
+      <p:sp>
+        <p:nvSpPr>
+          <p:cNvPr id="206" name="TextBox 205"/>
+          <p:cNvSpPr txBox="1"/>
+          <p:nvPr/>
+        </p:nvSpPr>
+        <p:spPr>
+          <a:xfrm>
+            <a:off x="1129437" y="1381047"/>
+            <a:ext cx="1048562" cy="369332"/>
+          </a:xfrm>
+          <a:prstGeom prst="rect">
+            <a:avLst/>
+          </a:prstGeom>
+          <a:noFill/>
+        </p:spPr>
+        <p:txBody>
+          <a:bodyPr wrap="square" rtlCol="0">
+            <a:spAutoFit/>
+          </a:bodyPr>
+          <a:lstStyle/>
+          <a:p>
+            <a:r>
+              <a:rPr lang="en-US" altLang="ko-KR" dirty="0" smtClean="0"/>
+              <a:t>Profile</a:t>
+            </a:r>
+            <a:endParaRPr lang="ko-KR" altLang="en-US" dirty="0"/>
+          </a:p>
+        </p:txBody>
+      </p:sp>
+      <p:sp>
+        <p:nvSpPr>
+          <p:cNvPr id="5" name="타원 4"/>
           <p:cNvSpPr/>
           <p:nvPr/>
         </p:nvSpPr>
         <p:spPr>
           <a:xfrm>
-            <a:off x="2192055" y="3426928"/>
-            <a:ext cx="676406" cy="338203"/>
+            <a:off x="1129437" y="1957388"/>
+            <a:ext cx="1713776" cy="1743075"/>
           </a:xfrm>
-          <a:prstGeom prst="rect">
+          <a:prstGeom prst="ellipse">
             <a:avLst/>
           </a:prstGeom>
-          <a:noFill/>
-          <a:ln>
-            <a:solidFill>
-              <a:srgbClr val="C00000"/>
-            </a:solidFill>
-          </a:ln>
         </p:spPr>
         <p:style>
           <a:lnRef idx="2">
@@ -10447,24 +15301,1635 @@
       </p:sp>
       <p:sp>
         <p:nvSpPr>
-          <p:cNvPr id="9" name="직사각형 8"/>
+          <p:cNvPr id="6" name="직사각형 5"/>
           <p:cNvSpPr/>
           <p:nvPr/>
         </p:nvSpPr>
         <p:spPr>
           <a:xfrm>
-            <a:off x="2129425" y="4968847"/>
-            <a:ext cx="676406" cy="338203"/>
+            <a:off x="3114675" y="2414588"/>
+            <a:ext cx="2100263" cy="500062"/>
+          </a:xfrm>
+          <a:prstGeom prst="rect">
+            <a:avLst/>
+          </a:prstGeom>
+        </p:spPr>
+        <p:style>
+          <a:lnRef idx="2">
+            <a:schemeClr val="accent1">
+              <a:shade val="50000"/>
+            </a:schemeClr>
+          </a:lnRef>
+          <a:fillRef idx="1">
+            <a:schemeClr val="accent1"/>
+          </a:fillRef>
+          <a:effectRef idx="0">
+            <a:schemeClr val="accent1"/>
+          </a:effectRef>
+          <a:fontRef idx="minor">
+            <a:schemeClr val="lt1"/>
+          </a:fontRef>
+        </p:style>
+        <p:txBody>
+          <a:bodyPr rtlCol="0" anchor="ctr"/>
+          <a:lstStyle/>
+          <a:p>
+            <a:pPr algn="ctr"/>
+            <a:r>
+              <a:rPr lang="en-US" altLang="ko-KR" dirty="0" smtClean="0"/>
+              <a:t>username</a:t>
+            </a:r>
+            <a:endParaRPr lang="ko-KR" altLang="en-US" dirty="0"/>
+          </a:p>
+        </p:txBody>
+      </p:sp>
+      <p:sp>
+        <p:nvSpPr>
+          <p:cNvPr id="55" name="Content"/>
+          <p:cNvSpPr txBox="1"/>
+          <p:nvPr>
+            <p:custDataLst>
+              <p:custData r:id="rId3"/>
+            </p:custDataLst>
+          </p:nvPr>
+        </p:nvSpPr>
+        <p:spPr>
+          <a:xfrm>
+            <a:off x="3424058" y="2963209"/>
+            <a:ext cx="1481496" cy="249299"/>
           </a:xfrm>
           <a:prstGeom prst="rect">
             <a:avLst/>
           </a:prstGeom>
           <a:noFill/>
-          <a:ln>
+        </p:spPr>
+        <p:txBody>
+          <a:bodyPr wrap="none" lIns="91440" tIns="18288" rIns="91440" bIns="45720" rtlCol="0" anchor="ctr" anchorCtr="0">
+            <a:spAutoFit/>
+          </a:bodyPr>
+          <a:lstStyle/>
+          <a:p>
+            <a:r>
+              <a:rPr lang="en-US" sz="1200" dirty="0" smtClean="0">
+                <a:solidFill>
+                  <a:srgbClr val="0070C0"/>
+                </a:solidFill>
+                <a:latin typeface="Segoe UI" pitchFamily="34" charset="0"/>
+                <a:ea typeface="Segoe UI" pitchFamily="34" charset="0"/>
+                <a:cs typeface="Segoe UI" pitchFamily="34" charset="0"/>
+              </a:rPr>
+              <a:t>following</a:t>
+            </a:r>
+            <a:r>
+              <a:rPr lang="en-US" sz="1200" dirty="0" smtClean="0">
+                <a:solidFill>
+                  <a:srgbClr val="0070C0"/>
+                </a:solidFill>
+                <a:latin typeface="Segoe UI" pitchFamily="34" charset="0"/>
+                <a:ea typeface="Segoe UI" pitchFamily="34" charset="0"/>
+                <a:cs typeface="Segoe UI" pitchFamily="34" charset="0"/>
+              </a:rPr>
+              <a:t> </a:t>
+            </a:r>
+            <a:r>
+              <a:rPr lang="en-US" sz="1200" dirty="0" smtClean="0">
+                <a:solidFill>
+                  <a:srgbClr val="000000"/>
+                </a:solidFill>
+                <a:latin typeface="Segoe UI" pitchFamily="34" charset="0"/>
+                <a:ea typeface="Segoe UI" pitchFamily="34" charset="0"/>
+                <a:cs typeface="Segoe UI" pitchFamily="34" charset="0"/>
+              </a:rPr>
+              <a:t>| </a:t>
+            </a:r>
+            <a:r>
+              <a:rPr lang="en-US" sz="1200" dirty="0" smtClean="0">
+                <a:solidFill>
+                  <a:srgbClr val="0070C0"/>
+                </a:solidFill>
+                <a:latin typeface="Segoe UI" pitchFamily="34" charset="0"/>
+                <a:ea typeface="Segoe UI" pitchFamily="34" charset="0"/>
+                <a:cs typeface="Segoe UI" pitchFamily="34" charset="0"/>
+              </a:rPr>
+              <a:t>playlist</a:t>
+            </a:r>
+            <a:r>
+              <a:rPr lang="en-US" sz="1200" dirty="0" smtClean="0">
+                <a:solidFill>
+                  <a:srgbClr val="000000"/>
+                </a:solidFill>
+                <a:latin typeface="Segoe UI" pitchFamily="34" charset="0"/>
+                <a:ea typeface="Segoe UI" pitchFamily="34" charset="0"/>
+                <a:cs typeface="Segoe UI" pitchFamily="34" charset="0"/>
+              </a:rPr>
+              <a:t> </a:t>
+            </a:r>
+            <a:endParaRPr lang="en-US" sz="1200" dirty="0" smtClean="0">
+              <a:solidFill>
+                <a:srgbClr val="0070C0"/>
+              </a:solidFill>
+              <a:latin typeface="Segoe UI" pitchFamily="34" charset="0"/>
+              <a:ea typeface="Segoe UI" pitchFamily="34" charset="0"/>
+              <a:cs typeface="Segoe UI" pitchFamily="34" charset="0"/>
+            </a:endParaRPr>
+          </a:p>
+        </p:txBody>
+      </p:sp>
+      <p:grpSp>
+        <p:nvGrpSpPr>
+          <p:cNvPr id="56" name="Image"/>
+          <p:cNvGrpSpPr/>
+          <p:nvPr>
+            <p:custDataLst>
+              <p:custData r:id="rId4"/>
+            </p:custDataLst>
+          </p:nvPr>
+        </p:nvGrpSpPr>
+        <p:grpSpPr>
+          <a:xfrm>
+            <a:off x="918901" y="3906990"/>
+            <a:ext cx="1742899" cy="1962488"/>
+            <a:chOff x="4037608" y="2896991"/>
+            <a:chExt cx="1059255" cy="1059255"/>
+          </a:xfrm>
+        </p:grpSpPr>
+        <p:sp>
+          <p:nvSpPr>
+            <p:cNvPr id="57" name="Rectangle 2"/>
+            <p:cNvSpPr/>
+            <p:nvPr/>
+          </p:nvSpPr>
+          <p:spPr>
+            <a:xfrm>
+              <a:off x="4037608" y="2896991"/>
+              <a:ext cx="1059255" cy="1059255"/>
+            </a:xfrm>
+            <a:prstGeom prst="rect">
+              <a:avLst/>
+            </a:prstGeom>
             <a:solidFill>
-              <a:srgbClr val="C00000"/>
+              <a:sysClr val="window" lastClr="FFFFFF"/>
             </a:solidFill>
-          </a:ln>
+            <a:ln w="3175" cap="flat" cmpd="sng" algn="ctr">
+              <a:solidFill>
+                <a:srgbClr val="FFFFFF">
+                  <a:lumMod val="50000"/>
+                </a:srgbClr>
+              </a:solidFill>
+              <a:prstDash val="solid"/>
+            </a:ln>
+            <a:effectLst/>
+          </p:spPr>
+          <p:txBody>
+            <a:bodyPr rot="0" spcFirstLastPara="0" vertOverflow="overflow" horzOverflow="overflow" vert="horz" wrap="square" lIns="45720" tIns="45720" rIns="91440" bIns="45720" numCol="1" spcCol="0" rtlCol="0" fromWordArt="0" anchor="ctr" anchorCtr="0" forceAA="0" compatLnSpc="1">
+              <a:prstTxWarp prst="textNoShape">
+                <a:avLst/>
+              </a:prstTxWarp>
+              <a:noAutofit/>
+            </a:bodyPr>
+            <a:lstStyle/>
+            <a:p>
+              <a:pPr marL="0" marR="0" indent="0" algn="ctr" defTabSz="914400" eaLnBrk="1" fontAlgn="auto" latinLnBrk="0" hangingPunct="1">
+                <a:lnSpc>
+                  <a:spcPct val="100000"/>
+                </a:lnSpc>
+                <a:spcBef>
+                  <a:spcPts val="0"/>
+                </a:spcBef>
+                <a:spcAft>
+                  <a:spcPts val="0"/>
+                </a:spcAft>
+                <a:buClrTx/>
+                <a:buSzTx/>
+                <a:buFontTx/>
+                <a:buNone/>
+                <a:tabLst/>
+              </a:pPr>
+              <a:endParaRPr kumimoji="0" lang="en-US" sz="800" b="0" i="0" u="none" strike="noStrike" kern="0" cap="none" spc="0" normalizeH="0" baseline="0" noProof="0" dirty="0" smtClean="0">
+                <a:ln>
+                  <a:noFill/>
+                </a:ln>
+                <a:solidFill>
+                  <a:srgbClr val="000000">
+                    <a:lumMod val="75000"/>
+                    <a:lumOff val="25000"/>
+                  </a:srgbClr>
+                </a:solidFill>
+                <a:effectLst/>
+                <a:uLnTx/>
+                <a:uFillTx/>
+                <a:latin typeface="Segoe UI"/>
+                <a:ea typeface="+mn-ea"/>
+                <a:cs typeface="+mn-cs"/>
+              </a:endParaRPr>
+            </a:p>
+          </p:txBody>
+        </p:sp>
+        <p:cxnSp>
+          <p:nvCxnSpPr>
+            <p:cNvPr id="58" name="Straight Connector 3"/>
+            <p:cNvCxnSpPr/>
+            <p:nvPr/>
+          </p:nvCxnSpPr>
+          <p:spPr>
+            <a:xfrm>
+              <a:off x="4037608" y="2896991"/>
+              <a:ext cx="1059255" cy="1059255"/>
+            </a:xfrm>
+            <a:prstGeom prst="line">
+              <a:avLst/>
+            </a:prstGeom>
+            <a:ln w="3175">
+              <a:solidFill>
+                <a:srgbClr val="FFFFFF">
+                  <a:lumMod val="50000"/>
+                </a:srgbClr>
+              </a:solidFill>
+            </a:ln>
+          </p:spPr>
+          <p:style>
+            <a:lnRef idx="1">
+              <a:srgbClr val="FFFFFF"/>
+            </a:lnRef>
+            <a:fillRef idx="0">
+              <a:srgbClr val="FFFFFF"/>
+            </a:fillRef>
+            <a:effectRef idx="0">
+              <a:srgbClr val="FFFFFF"/>
+            </a:effectRef>
+            <a:fontRef idx="minor">
+              <a:srgbClr val="000000"/>
+            </a:fontRef>
+          </p:style>
+        </p:cxnSp>
+        <p:cxnSp>
+          <p:nvCxnSpPr>
+            <p:cNvPr id="59" name="Straight Connector 4"/>
+            <p:cNvCxnSpPr/>
+            <p:nvPr/>
+          </p:nvCxnSpPr>
+          <p:spPr>
+            <a:xfrm flipV="1">
+              <a:off x="4037608" y="2896991"/>
+              <a:ext cx="1059255" cy="1059255"/>
+            </a:xfrm>
+            <a:prstGeom prst="line">
+              <a:avLst/>
+            </a:prstGeom>
+            <a:ln w="3175">
+              <a:solidFill>
+                <a:srgbClr val="FFFFFF">
+                  <a:lumMod val="50000"/>
+                </a:srgbClr>
+              </a:solidFill>
+            </a:ln>
+          </p:spPr>
+          <p:style>
+            <a:lnRef idx="1">
+              <a:srgbClr val="FFFFFF"/>
+            </a:lnRef>
+            <a:fillRef idx="0">
+              <a:srgbClr val="FFFFFF"/>
+            </a:fillRef>
+            <a:effectRef idx="0">
+              <a:srgbClr val="FFFFFF"/>
+            </a:effectRef>
+            <a:fontRef idx="minor">
+              <a:srgbClr val="000000"/>
+            </a:fontRef>
+          </p:style>
+        </p:cxnSp>
+      </p:grpSp>
+      <p:sp>
+        <p:nvSpPr>
+          <p:cNvPr id="60" name="TextBox 59"/>
+          <p:cNvSpPr txBox="1"/>
+          <p:nvPr/>
+        </p:nvSpPr>
+        <p:spPr>
+          <a:xfrm>
+            <a:off x="918901" y="6178962"/>
+            <a:ext cx="1742899" cy="369332"/>
+          </a:xfrm>
+          <a:prstGeom prst="rect">
+            <a:avLst/>
+          </a:prstGeom>
+          <a:noFill/>
+        </p:spPr>
+        <p:txBody>
+          <a:bodyPr wrap="square" rtlCol="0">
+            <a:spAutoFit/>
+          </a:bodyPr>
+          <a:lstStyle/>
+          <a:p>
+            <a:r>
+              <a:rPr lang="en-US" altLang="ko-KR" dirty="0" err="1" smtClean="0"/>
+              <a:t>MovieListItem</a:t>
+            </a:r>
+            <a:endParaRPr lang="ko-KR" altLang="en-US" dirty="0"/>
+          </a:p>
+        </p:txBody>
+      </p:sp>
+      <p:grpSp>
+        <p:nvGrpSpPr>
+          <p:cNvPr id="61" name="Image"/>
+          <p:cNvGrpSpPr/>
+          <p:nvPr>
+            <p:custDataLst>
+              <p:custData r:id="rId5"/>
+            </p:custDataLst>
+          </p:nvPr>
+        </p:nvGrpSpPr>
+        <p:grpSpPr>
+          <a:xfrm>
+            <a:off x="2990589" y="3906990"/>
+            <a:ext cx="1742899" cy="1962488"/>
+            <a:chOff x="4037608" y="2896991"/>
+            <a:chExt cx="1059255" cy="1059255"/>
+          </a:xfrm>
+        </p:grpSpPr>
+        <p:sp>
+          <p:nvSpPr>
+            <p:cNvPr id="62" name="Rectangle 2"/>
+            <p:cNvSpPr/>
+            <p:nvPr/>
+          </p:nvSpPr>
+          <p:spPr>
+            <a:xfrm>
+              <a:off x="4037608" y="2896991"/>
+              <a:ext cx="1059255" cy="1059255"/>
+            </a:xfrm>
+            <a:prstGeom prst="rect">
+              <a:avLst/>
+            </a:prstGeom>
+            <a:solidFill>
+              <a:sysClr val="window" lastClr="FFFFFF"/>
+            </a:solidFill>
+            <a:ln w="3175" cap="flat" cmpd="sng" algn="ctr">
+              <a:solidFill>
+                <a:srgbClr val="FFFFFF">
+                  <a:lumMod val="50000"/>
+                </a:srgbClr>
+              </a:solidFill>
+              <a:prstDash val="solid"/>
+            </a:ln>
+            <a:effectLst/>
+          </p:spPr>
+          <p:txBody>
+            <a:bodyPr rot="0" spcFirstLastPara="0" vertOverflow="overflow" horzOverflow="overflow" vert="horz" wrap="square" lIns="45720" tIns="45720" rIns="91440" bIns="45720" numCol="1" spcCol="0" rtlCol="0" fromWordArt="0" anchor="ctr" anchorCtr="0" forceAA="0" compatLnSpc="1">
+              <a:prstTxWarp prst="textNoShape">
+                <a:avLst/>
+              </a:prstTxWarp>
+              <a:noAutofit/>
+            </a:bodyPr>
+            <a:lstStyle/>
+            <a:p>
+              <a:pPr marL="0" marR="0" indent="0" algn="ctr" defTabSz="914400" eaLnBrk="1" fontAlgn="auto" latinLnBrk="0" hangingPunct="1">
+                <a:lnSpc>
+                  <a:spcPct val="100000"/>
+                </a:lnSpc>
+                <a:spcBef>
+                  <a:spcPts val="0"/>
+                </a:spcBef>
+                <a:spcAft>
+                  <a:spcPts val="0"/>
+                </a:spcAft>
+                <a:buClrTx/>
+                <a:buSzTx/>
+                <a:buFontTx/>
+                <a:buNone/>
+                <a:tabLst/>
+              </a:pPr>
+              <a:endParaRPr kumimoji="0" lang="en-US" sz="800" b="0" i="0" u="none" strike="noStrike" kern="0" cap="none" spc="0" normalizeH="0" baseline="0" noProof="0" dirty="0" smtClean="0">
+                <a:ln>
+                  <a:noFill/>
+                </a:ln>
+                <a:solidFill>
+                  <a:srgbClr val="000000">
+                    <a:lumMod val="75000"/>
+                    <a:lumOff val="25000"/>
+                  </a:srgbClr>
+                </a:solidFill>
+                <a:effectLst/>
+                <a:uLnTx/>
+                <a:uFillTx/>
+                <a:latin typeface="Segoe UI"/>
+                <a:ea typeface="+mn-ea"/>
+                <a:cs typeface="+mn-cs"/>
+              </a:endParaRPr>
+            </a:p>
+          </p:txBody>
+        </p:sp>
+        <p:cxnSp>
+          <p:nvCxnSpPr>
+            <p:cNvPr id="63" name="Straight Connector 3"/>
+            <p:cNvCxnSpPr/>
+            <p:nvPr/>
+          </p:nvCxnSpPr>
+          <p:spPr>
+            <a:xfrm>
+              <a:off x="4037608" y="2896991"/>
+              <a:ext cx="1059255" cy="1059255"/>
+            </a:xfrm>
+            <a:prstGeom prst="line">
+              <a:avLst/>
+            </a:prstGeom>
+            <a:ln w="3175">
+              <a:solidFill>
+                <a:srgbClr val="FFFFFF">
+                  <a:lumMod val="50000"/>
+                </a:srgbClr>
+              </a:solidFill>
+            </a:ln>
+          </p:spPr>
+          <p:style>
+            <a:lnRef idx="1">
+              <a:srgbClr val="FFFFFF"/>
+            </a:lnRef>
+            <a:fillRef idx="0">
+              <a:srgbClr val="FFFFFF"/>
+            </a:fillRef>
+            <a:effectRef idx="0">
+              <a:srgbClr val="FFFFFF"/>
+            </a:effectRef>
+            <a:fontRef idx="minor">
+              <a:srgbClr val="000000"/>
+            </a:fontRef>
+          </p:style>
+        </p:cxnSp>
+        <p:cxnSp>
+          <p:nvCxnSpPr>
+            <p:cNvPr id="64" name="Straight Connector 4"/>
+            <p:cNvCxnSpPr/>
+            <p:nvPr/>
+          </p:nvCxnSpPr>
+          <p:spPr>
+            <a:xfrm flipV="1">
+              <a:off x="4037608" y="2896991"/>
+              <a:ext cx="1059255" cy="1059255"/>
+            </a:xfrm>
+            <a:prstGeom prst="line">
+              <a:avLst/>
+            </a:prstGeom>
+            <a:ln w="3175">
+              <a:solidFill>
+                <a:srgbClr val="FFFFFF">
+                  <a:lumMod val="50000"/>
+                </a:srgbClr>
+              </a:solidFill>
+            </a:ln>
+          </p:spPr>
+          <p:style>
+            <a:lnRef idx="1">
+              <a:srgbClr val="FFFFFF"/>
+            </a:lnRef>
+            <a:fillRef idx="0">
+              <a:srgbClr val="FFFFFF"/>
+            </a:fillRef>
+            <a:effectRef idx="0">
+              <a:srgbClr val="FFFFFF"/>
+            </a:effectRef>
+            <a:fontRef idx="minor">
+              <a:srgbClr val="000000"/>
+            </a:fontRef>
+          </p:style>
+        </p:cxnSp>
+      </p:grpSp>
+      <p:sp>
+        <p:nvSpPr>
+          <p:cNvPr id="65" name="TextBox 64"/>
+          <p:cNvSpPr txBox="1"/>
+          <p:nvPr/>
+        </p:nvSpPr>
+        <p:spPr>
+          <a:xfrm>
+            <a:off x="2990589" y="6178962"/>
+            <a:ext cx="1742899" cy="369332"/>
+          </a:xfrm>
+          <a:prstGeom prst="rect">
+            <a:avLst/>
+          </a:prstGeom>
+          <a:noFill/>
+        </p:spPr>
+        <p:txBody>
+          <a:bodyPr wrap="square" rtlCol="0">
+            <a:spAutoFit/>
+          </a:bodyPr>
+          <a:lstStyle/>
+          <a:p>
+            <a:r>
+              <a:rPr lang="en-US" altLang="ko-KR" dirty="0" err="1" smtClean="0"/>
+              <a:t>MovieListItem</a:t>
+            </a:r>
+            <a:endParaRPr lang="ko-KR" altLang="en-US" dirty="0"/>
+          </a:p>
+        </p:txBody>
+      </p:sp>
+      <p:grpSp>
+        <p:nvGrpSpPr>
+          <p:cNvPr id="66" name="Image"/>
+          <p:cNvGrpSpPr/>
+          <p:nvPr>
+            <p:custDataLst>
+              <p:custData r:id="rId6"/>
+            </p:custDataLst>
+          </p:nvPr>
+        </p:nvGrpSpPr>
+        <p:grpSpPr>
+          <a:xfrm>
+            <a:off x="5062277" y="3906990"/>
+            <a:ext cx="1742899" cy="1962488"/>
+            <a:chOff x="4037608" y="2896991"/>
+            <a:chExt cx="1059255" cy="1059255"/>
+          </a:xfrm>
+        </p:grpSpPr>
+        <p:sp>
+          <p:nvSpPr>
+            <p:cNvPr id="67" name="Rectangle 2"/>
+            <p:cNvSpPr/>
+            <p:nvPr/>
+          </p:nvSpPr>
+          <p:spPr>
+            <a:xfrm>
+              <a:off x="4037608" y="2896991"/>
+              <a:ext cx="1059255" cy="1059255"/>
+            </a:xfrm>
+            <a:prstGeom prst="rect">
+              <a:avLst/>
+            </a:prstGeom>
+            <a:solidFill>
+              <a:sysClr val="window" lastClr="FFFFFF"/>
+            </a:solidFill>
+            <a:ln w="3175" cap="flat" cmpd="sng" algn="ctr">
+              <a:solidFill>
+                <a:srgbClr val="FFFFFF">
+                  <a:lumMod val="50000"/>
+                </a:srgbClr>
+              </a:solidFill>
+              <a:prstDash val="solid"/>
+            </a:ln>
+            <a:effectLst/>
+          </p:spPr>
+          <p:txBody>
+            <a:bodyPr rot="0" spcFirstLastPara="0" vertOverflow="overflow" horzOverflow="overflow" vert="horz" wrap="square" lIns="45720" tIns="45720" rIns="91440" bIns="45720" numCol="1" spcCol="0" rtlCol="0" fromWordArt="0" anchor="ctr" anchorCtr="0" forceAA="0" compatLnSpc="1">
+              <a:prstTxWarp prst="textNoShape">
+                <a:avLst/>
+              </a:prstTxWarp>
+              <a:noAutofit/>
+            </a:bodyPr>
+            <a:lstStyle/>
+            <a:p>
+              <a:pPr marL="0" marR="0" indent="0" algn="ctr" defTabSz="914400" eaLnBrk="1" fontAlgn="auto" latinLnBrk="0" hangingPunct="1">
+                <a:lnSpc>
+                  <a:spcPct val="100000"/>
+                </a:lnSpc>
+                <a:spcBef>
+                  <a:spcPts val="0"/>
+                </a:spcBef>
+                <a:spcAft>
+                  <a:spcPts val="0"/>
+                </a:spcAft>
+                <a:buClrTx/>
+                <a:buSzTx/>
+                <a:buFontTx/>
+                <a:buNone/>
+                <a:tabLst/>
+              </a:pPr>
+              <a:endParaRPr kumimoji="0" lang="en-US" sz="800" b="0" i="0" u="none" strike="noStrike" kern="0" cap="none" spc="0" normalizeH="0" baseline="0" noProof="0" dirty="0" smtClean="0">
+                <a:ln>
+                  <a:noFill/>
+                </a:ln>
+                <a:solidFill>
+                  <a:srgbClr val="000000">
+                    <a:lumMod val="75000"/>
+                    <a:lumOff val="25000"/>
+                  </a:srgbClr>
+                </a:solidFill>
+                <a:effectLst/>
+                <a:uLnTx/>
+                <a:uFillTx/>
+                <a:latin typeface="Segoe UI"/>
+                <a:ea typeface="+mn-ea"/>
+                <a:cs typeface="+mn-cs"/>
+              </a:endParaRPr>
+            </a:p>
+          </p:txBody>
+        </p:sp>
+        <p:cxnSp>
+          <p:nvCxnSpPr>
+            <p:cNvPr id="68" name="Straight Connector 3"/>
+            <p:cNvCxnSpPr/>
+            <p:nvPr/>
+          </p:nvCxnSpPr>
+          <p:spPr>
+            <a:xfrm>
+              <a:off x="4037608" y="2896991"/>
+              <a:ext cx="1059255" cy="1059255"/>
+            </a:xfrm>
+            <a:prstGeom prst="line">
+              <a:avLst/>
+            </a:prstGeom>
+            <a:ln w="3175">
+              <a:solidFill>
+                <a:srgbClr val="FFFFFF">
+                  <a:lumMod val="50000"/>
+                </a:srgbClr>
+              </a:solidFill>
+            </a:ln>
+          </p:spPr>
+          <p:style>
+            <a:lnRef idx="1">
+              <a:srgbClr val="FFFFFF"/>
+            </a:lnRef>
+            <a:fillRef idx="0">
+              <a:srgbClr val="FFFFFF"/>
+            </a:fillRef>
+            <a:effectRef idx="0">
+              <a:srgbClr val="FFFFFF"/>
+            </a:effectRef>
+            <a:fontRef idx="minor">
+              <a:srgbClr val="000000"/>
+            </a:fontRef>
+          </p:style>
+        </p:cxnSp>
+        <p:cxnSp>
+          <p:nvCxnSpPr>
+            <p:cNvPr id="69" name="Straight Connector 4"/>
+            <p:cNvCxnSpPr/>
+            <p:nvPr/>
+          </p:nvCxnSpPr>
+          <p:spPr>
+            <a:xfrm flipV="1">
+              <a:off x="4037608" y="2896991"/>
+              <a:ext cx="1059255" cy="1059255"/>
+            </a:xfrm>
+            <a:prstGeom prst="line">
+              <a:avLst/>
+            </a:prstGeom>
+            <a:ln w="3175">
+              <a:solidFill>
+                <a:srgbClr val="FFFFFF">
+                  <a:lumMod val="50000"/>
+                </a:srgbClr>
+              </a:solidFill>
+            </a:ln>
+          </p:spPr>
+          <p:style>
+            <a:lnRef idx="1">
+              <a:srgbClr val="FFFFFF"/>
+            </a:lnRef>
+            <a:fillRef idx="0">
+              <a:srgbClr val="FFFFFF"/>
+            </a:fillRef>
+            <a:effectRef idx="0">
+              <a:srgbClr val="FFFFFF"/>
+            </a:effectRef>
+            <a:fontRef idx="minor">
+              <a:srgbClr val="000000"/>
+            </a:fontRef>
+          </p:style>
+        </p:cxnSp>
+      </p:grpSp>
+      <p:sp>
+        <p:nvSpPr>
+          <p:cNvPr id="70" name="TextBox 69"/>
+          <p:cNvSpPr txBox="1"/>
+          <p:nvPr/>
+        </p:nvSpPr>
+        <p:spPr>
+          <a:xfrm>
+            <a:off x="5062277" y="6178962"/>
+            <a:ext cx="1742899" cy="369332"/>
+          </a:xfrm>
+          <a:prstGeom prst="rect">
+            <a:avLst/>
+          </a:prstGeom>
+          <a:noFill/>
+        </p:spPr>
+        <p:txBody>
+          <a:bodyPr wrap="square" rtlCol="0">
+            <a:spAutoFit/>
+          </a:bodyPr>
+          <a:lstStyle/>
+          <a:p>
+            <a:r>
+              <a:rPr lang="en-US" altLang="ko-KR" dirty="0" err="1" smtClean="0"/>
+              <a:t>MovieListItem</a:t>
+            </a:r>
+            <a:endParaRPr lang="ko-KR" altLang="en-US" dirty="0"/>
+          </a:p>
+        </p:txBody>
+      </p:sp>
+      <p:grpSp>
+        <p:nvGrpSpPr>
+          <p:cNvPr id="76" name="Image"/>
+          <p:cNvGrpSpPr/>
+          <p:nvPr>
+            <p:custDataLst>
+              <p:custData r:id="rId7"/>
+            </p:custDataLst>
+          </p:nvPr>
+        </p:nvGrpSpPr>
+        <p:grpSpPr>
+          <a:xfrm>
+            <a:off x="7133965" y="3906990"/>
+            <a:ext cx="1742899" cy="1962488"/>
+            <a:chOff x="4037608" y="2896991"/>
+            <a:chExt cx="1059255" cy="1059255"/>
+          </a:xfrm>
+        </p:grpSpPr>
+        <p:sp>
+          <p:nvSpPr>
+            <p:cNvPr id="77" name="Rectangle 2"/>
+            <p:cNvSpPr/>
+            <p:nvPr/>
+          </p:nvSpPr>
+          <p:spPr>
+            <a:xfrm>
+              <a:off x="4037608" y="2896991"/>
+              <a:ext cx="1059255" cy="1059255"/>
+            </a:xfrm>
+            <a:prstGeom prst="rect">
+              <a:avLst/>
+            </a:prstGeom>
+            <a:solidFill>
+              <a:sysClr val="window" lastClr="FFFFFF"/>
+            </a:solidFill>
+            <a:ln w="3175" cap="flat" cmpd="sng" algn="ctr">
+              <a:solidFill>
+                <a:srgbClr val="FFFFFF">
+                  <a:lumMod val="50000"/>
+                </a:srgbClr>
+              </a:solidFill>
+              <a:prstDash val="solid"/>
+            </a:ln>
+            <a:effectLst/>
+          </p:spPr>
+          <p:txBody>
+            <a:bodyPr rot="0" spcFirstLastPara="0" vertOverflow="overflow" horzOverflow="overflow" vert="horz" wrap="square" lIns="45720" tIns="45720" rIns="91440" bIns="45720" numCol="1" spcCol="0" rtlCol="0" fromWordArt="0" anchor="ctr" anchorCtr="0" forceAA="0" compatLnSpc="1">
+              <a:prstTxWarp prst="textNoShape">
+                <a:avLst/>
+              </a:prstTxWarp>
+              <a:noAutofit/>
+            </a:bodyPr>
+            <a:lstStyle/>
+            <a:p>
+              <a:pPr marL="0" marR="0" indent="0" algn="ctr" defTabSz="914400" eaLnBrk="1" fontAlgn="auto" latinLnBrk="0" hangingPunct="1">
+                <a:lnSpc>
+                  <a:spcPct val="100000"/>
+                </a:lnSpc>
+                <a:spcBef>
+                  <a:spcPts val="0"/>
+                </a:spcBef>
+                <a:spcAft>
+                  <a:spcPts val="0"/>
+                </a:spcAft>
+                <a:buClrTx/>
+                <a:buSzTx/>
+                <a:buFontTx/>
+                <a:buNone/>
+                <a:tabLst/>
+              </a:pPr>
+              <a:endParaRPr kumimoji="0" lang="en-US" sz="800" b="0" i="0" u="none" strike="noStrike" kern="0" cap="none" spc="0" normalizeH="0" baseline="0" noProof="0" dirty="0" smtClean="0">
+                <a:ln>
+                  <a:noFill/>
+                </a:ln>
+                <a:solidFill>
+                  <a:srgbClr val="000000">
+                    <a:lumMod val="75000"/>
+                    <a:lumOff val="25000"/>
+                  </a:srgbClr>
+                </a:solidFill>
+                <a:effectLst/>
+                <a:uLnTx/>
+                <a:uFillTx/>
+                <a:latin typeface="Segoe UI"/>
+                <a:ea typeface="+mn-ea"/>
+                <a:cs typeface="+mn-cs"/>
+              </a:endParaRPr>
+            </a:p>
+          </p:txBody>
+        </p:sp>
+        <p:cxnSp>
+          <p:nvCxnSpPr>
+            <p:cNvPr id="78" name="Straight Connector 3"/>
+            <p:cNvCxnSpPr/>
+            <p:nvPr/>
+          </p:nvCxnSpPr>
+          <p:spPr>
+            <a:xfrm>
+              <a:off x="4037608" y="2896991"/>
+              <a:ext cx="1059255" cy="1059255"/>
+            </a:xfrm>
+            <a:prstGeom prst="line">
+              <a:avLst/>
+            </a:prstGeom>
+            <a:ln w="3175">
+              <a:solidFill>
+                <a:srgbClr val="FFFFFF">
+                  <a:lumMod val="50000"/>
+                </a:srgbClr>
+              </a:solidFill>
+            </a:ln>
+          </p:spPr>
+          <p:style>
+            <a:lnRef idx="1">
+              <a:srgbClr val="FFFFFF"/>
+            </a:lnRef>
+            <a:fillRef idx="0">
+              <a:srgbClr val="FFFFFF"/>
+            </a:fillRef>
+            <a:effectRef idx="0">
+              <a:srgbClr val="FFFFFF"/>
+            </a:effectRef>
+            <a:fontRef idx="minor">
+              <a:srgbClr val="000000"/>
+            </a:fontRef>
+          </p:style>
+        </p:cxnSp>
+        <p:cxnSp>
+          <p:nvCxnSpPr>
+            <p:cNvPr id="79" name="Straight Connector 4"/>
+            <p:cNvCxnSpPr/>
+            <p:nvPr/>
+          </p:nvCxnSpPr>
+          <p:spPr>
+            <a:xfrm flipV="1">
+              <a:off x="4037608" y="2896991"/>
+              <a:ext cx="1059255" cy="1059255"/>
+            </a:xfrm>
+            <a:prstGeom prst="line">
+              <a:avLst/>
+            </a:prstGeom>
+            <a:ln w="3175">
+              <a:solidFill>
+                <a:srgbClr val="FFFFFF">
+                  <a:lumMod val="50000"/>
+                </a:srgbClr>
+              </a:solidFill>
+            </a:ln>
+          </p:spPr>
+          <p:style>
+            <a:lnRef idx="1">
+              <a:srgbClr val="FFFFFF"/>
+            </a:lnRef>
+            <a:fillRef idx="0">
+              <a:srgbClr val="FFFFFF"/>
+            </a:fillRef>
+            <a:effectRef idx="0">
+              <a:srgbClr val="FFFFFF"/>
+            </a:effectRef>
+            <a:fontRef idx="minor">
+              <a:srgbClr val="000000"/>
+            </a:fontRef>
+          </p:style>
+        </p:cxnSp>
+      </p:grpSp>
+      <p:sp>
+        <p:nvSpPr>
+          <p:cNvPr id="80" name="TextBox 79"/>
+          <p:cNvSpPr txBox="1"/>
+          <p:nvPr/>
+        </p:nvSpPr>
+        <p:spPr>
+          <a:xfrm>
+            <a:off x="7133965" y="6178962"/>
+            <a:ext cx="1742899" cy="369332"/>
+          </a:xfrm>
+          <a:prstGeom prst="rect">
+            <a:avLst/>
+          </a:prstGeom>
+          <a:noFill/>
+        </p:spPr>
+        <p:txBody>
+          <a:bodyPr wrap="square" rtlCol="0">
+            <a:spAutoFit/>
+          </a:bodyPr>
+          <a:lstStyle/>
+          <a:p>
+            <a:r>
+              <a:rPr lang="en-US" altLang="ko-KR" dirty="0" err="1" smtClean="0"/>
+              <a:t>MovieListItem</a:t>
+            </a:r>
+            <a:endParaRPr lang="ko-KR" altLang="en-US" dirty="0"/>
+          </a:p>
+        </p:txBody>
+      </p:sp>
+      <p:grpSp>
+        <p:nvGrpSpPr>
+          <p:cNvPr id="81" name="Image"/>
+          <p:cNvGrpSpPr/>
+          <p:nvPr>
+            <p:custDataLst>
+              <p:custData r:id="rId8"/>
+            </p:custDataLst>
+          </p:nvPr>
+        </p:nvGrpSpPr>
+        <p:grpSpPr>
+          <a:xfrm>
+            <a:off x="9103685" y="3906990"/>
+            <a:ext cx="1742899" cy="1962488"/>
+            <a:chOff x="4037608" y="2896991"/>
+            <a:chExt cx="1059255" cy="1059255"/>
+          </a:xfrm>
+        </p:grpSpPr>
+        <p:sp>
+          <p:nvSpPr>
+            <p:cNvPr id="82" name="Rectangle 2"/>
+            <p:cNvSpPr/>
+            <p:nvPr/>
+          </p:nvSpPr>
+          <p:spPr>
+            <a:xfrm>
+              <a:off x="4037608" y="2896991"/>
+              <a:ext cx="1059255" cy="1059255"/>
+            </a:xfrm>
+            <a:prstGeom prst="rect">
+              <a:avLst/>
+            </a:prstGeom>
+            <a:solidFill>
+              <a:sysClr val="window" lastClr="FFFFFF"/>
+            </a:solidFill>
+            <a:ln w="3175" cap="flat" cmpd="sng" algn="ctr">
+              <a:solidFill>
+                <a:srgbClr val="FFFFFF">
+                  <a:lumMod val="50000"/>
+                </a:srgbClr>
+              </a:solidFill>
+              <a:prstDash val="solid"/>
+            </a:ln>
+            <a:effectLst/>
+          </p:spPr>
+          <p:txBody>
+            <a:bodyPr rot="0" spcFirstLastPara="0" vertOverflow="overflow" horzOverflow="overflow" vert="horz" wrap="square" lIns="45720" tIns="45720" rIns="91440" bIns="45720" numCol="1" spcCol="0" rtlCol="0" fromWordArt="0" anchor="ctr" anchorCtr="0" forceAA="0" compatLnSpc="1">
+              <a:prstTxWarp prst="textNoShape">
+                <a:avLst/>
+              </a:prstTxWarp>
+              <a:noAutofit/>
+            </a:bodyPr>
+            <a:lstStyle/>
+            <a:p>
+              <a:pPr marL="0" marR="0" indent="0" algn="ctr" defTabSz="914400" eaLnBrk="1" fontAlgn="auto" latinLnBrk="0" hangingPunct="1">
+                <a:lnSpc>
+                  <a:spcPct val="100000"/>
+                </a:lnSpc>
+                <a:spcBef>
+                  <a:spcPts val="0"/>
+                </a:spcBef>
+                <a:spcAft>
+                  <a:spcPts val="0"/>
+                </a:spcAft>
+                <a:buClrTx/>
+                <a:buSzTx/>
+                <a:buFontTx/>
+                <a:buNone/>
+                <a:tabLst/>
+              </a:pPr>
+              <a:endParaRPr kumimoji="0" lang="en-US" sz="800" b="0" i="0" u="none" strike="noStrike" kern="0" cap="none" spc="0" normalizeH="0" baseline="0" noProof="0" dirty="0" smtClean="0">
+                <a:ln>
+                  <a:noFill/>
+                </a:ln>
+                <a:solidFill>
+                  <a:srgbClr val="000000">
+                    <a:lumMod val="75000"/>
+                    <a:lumOff val="25000"/>
+                  </a:srgbClr>
+                </a:solidFill>
+                <a:effectLst/>
+                <a:uLnTx/>
+                <a:uFillTx/>
+                <a:latin typeface="Segoe UI"/>
+                <a:ea typeface="+mn-ea"/>
+                <a:cs typeface="+mn-cs"/>
+              </a:endParaRPr>
+            </a:p>
+          </p:txBody>
+        </p:sp>
+        <p:cxnSp>
+          <p:nvCxnSpPr>
+            <p:cNvPr id="83" name="Straight Connector 3"/>
+            <p:cNvCxnSpPr/>
+            <p:nvPr/>
+          </p:nvCxnSpPr>
+          <p:spPr>
+            <a:xfrm>
+              <a:off x="4037608" y="2896991"/>
+              <a:ext cx="1059255" cy="1059255"/>
+            </a:xfrm>
+            <a:prstGeom prst="line">
+              <a:avLst/>
+            </a:prstGeom>
+            <a:ln w="3175">
+              <a:solidFill>
+                <a:srgbClr val="FFFFFF">
+                  <a:lumMod val="50000"/>
+                </a:srgbClr>
+              </a:solidFill>
+            </a:ln>
+          </p:spPr>
+          <p:style>
+            <a:lnRef idx="1">
+              <a:srgbClr val="FFFFFF"/>
+            </a:lnRef>
+            <a:fillRef idx="0">
+              <a:srgbClr val="FFFFFF"/>
+            </a:fillRef>
+            <a:effectRef idx="0">
+              <a:srgbClr val="FFFFFF"/>
+            </a:effectRef>
+            <a:fontRef idx="minor">
+              <a:srgbClr val="000000"/>
+            </a:fontRef>
+          </p:style>
+        </p:cxnSp>
+        <p:cxnSp>
+          <p:nvCxnSpPr>
+            <p:cNvPr id="84" name="Straight Connector 4"/>
+            <p:cNvCxnSpPr/>
+            <p:nvPr/>
+          </p:nvCxnSpPr>
+          <p:spPr>
+            <a:xfrm flipV="1">
+              <a:off x="4037608" y="2896991"/>
+              <a:ext cx="1059255" cy="1059255"/>
+            </a:xfrm>
+            <a:prstGeom prst="line">
+              <a:avLst/>
+            </a:prstGeom>
+            <a:ln w="3175">
+              <a:solidFill>
+                <a:srgbClr val="FFFFFF">
+                  <a:lumMod val="50000"/>
+                </a:srgbClr>
+              </a:solidFill>
+            </a:ln>
+          </p:spPr>
+          <p:style>
+            <a:lnRef idx="1">
+              <a:srgbClr val="FFFFFF"/>
+            </a:lnRef>
+            <a:fillRef idx="0">
+              <a:srgbClr val="FFFFFF"/>
+            </a:fillRef>
+            <a:effectRef idx="0">
+              <a:srgbClr val="FFFFFF"/>
+            </a:effectRef>
+            <a:fontRef idx="minor">
+              <a:srgbClr val="000000"/>
+            </a:fontRef>
+          </p:style>
+        </p:cxnSp>
+      </p:grpSp>
+      <p:sp>
+        <p:nvSpPr>
+          <p:cNvPr id="85" name="TextBox 84"/>
+          <p:cNvSpPr txBox="1"/>
+          <p:nvPr/>
+        </p:nvSpPr>
+        <p:spPr>
+          <a:xfrm>
+            <a:off x="9103685" y="6178962"/>
+            <a:ext cx="1742899" cy="369332"/>
+          </a:xfrm>
+          <a:prstGeom prst="rect">
+            <a:avLst/>
+          </a:prstGeom>
+          <a:noFill/>
+        </p:spPr>
+        <p:txBody>
+          <a:bodyPr wrap="square" rtlCol="0">
+            <a:spAutoFit/>
+          </a:bodyPr>
+          <a:lstStyle/>
+          <a:p>
+            <a:r>
+              <a:rPr lang="en-US" altLang="ko-KR" dirty="0" err="1" smtClean="0"/>
+              <a:t>MovieListItem</a:t>
+            </a:r>
+            <a:endParaRPr lang="ko-KR" altLang="en-US" dirty="0"/>
+          </a:p>
+        </p:txBody>
+      </p:sp>
+    </p:spTree>
+    <p:extLst>
+      <p:ext uri="{BB962C8B-B14F-4D97-AF65-F5344CB8AC3E}">
+        <p14:creationId xmlns:p14="http://schemas.microsoft.com/office/powerpoint/2010/main" val="861353264"/>
+      </p:ext>
+    </p:extLst>
+  </p:cSld>
+  <p:clrMapOvr>
+    <a:masterClrMapping/>
+  </p:clrMapOvr>
+  <p:timing>
+    <p:tnLst>
+      <p:par>
+        <p:cTn id="1" dur="indefinite" restart="never" nodeType="tmRoot"/>
+      </p:par>
+    </p:tnLst>
+  </p:timing>
+</p:sld>
+</file>
+
+<file path=ppt/slides/slide9.xml><?xml version="1.0" encoding="utf-8"?>
+<p:sld xmlns:a="http://schemas.openxmlformats.org/drawingml/2006/main" xmlns:r="http://schemas.openxmlformats.org/officeDocument/2006/relationships" xmlns:p="http://schemas.openxmlformats.org/presentationml/2006/main">
+  <p:cSld>
+    <p:spTree>
+      <p:nvGrpSpPr>
+        <p:cNvPr id="1" name=""/>
+        <p:cNvGrpSpPr/>
+        <p:nvPr/>
+      </p:nvGrpSpPr>
+      <p:grpSpPr>
+        <a:xfrm>
+          <a:off x="0" y="0"/>
+          <a:ext cx="0" cy="0"/>
+          <a:chOff x="0" y="0"/>
+          <a:chExt cx="0" cy="0"/>
+        </a:xfrm>
+      </p:grpSpPr>
+      <p:grpSp>
+        <p:nvGrpSpPr>
+          <p:cNvPr id="39" name="Window"/>
+          <p:cNvGrpSpPr/>
+          <p:nvPr>
+            <p:custDataLst>
+              <p:custData r:id="rId1"/>
+            </p:custDataLst>
+          </p:nvPr>
+        </p:nvGrpSpPr>
+        <p:grpSpPr>
+          <a:xfrm>
+            <a:off x="0" y="0"/>
+            <a:ext cx="12192000" cy="6858000"/>
+            <a:chOff x="0" y="0"/>
+            <a:chExt cx="9144000" cy="6858000"/>
+          </a:xfrm>
+        </p:grpSpPr>
+        <p:grpSp>
+          <p:nvGrpSpPr>
+            <p:cNvPr id="40" name="Group 2"/>
+            <p:cNvGrpSpPr/>
+            <p:nvPr/>
+          </p:nvGrpSpPr>
+          <p:grpSpPr>
+            <a:xfrm>
+              <a:off x="0" y="0"/>
+              <a:ext cx="9144000" cy="6858000"/>
+              <a:chOff x="0" y="0"/>
+              <a:chExt cx="9144000" cy="6858000"/>
+            </a:xfrm>
+          </p:grpSpPr>
+          <p:sp>
+            <p:nvSpPr>
+              <p:cNvPr id="48" name="Rectangle 10"/>
+              <p:cNvSpPr/>
+              <p:nvPr/>
+            </p:nvSpPr>
+            <p:spPr>
+              <a:xfrm>
+                <a:off x="0" y="0"/>
+                <a:ext cx="9144000" cy="6858000"/>
+              </a:xfrm>
+              <a:prstGeom prst="rect">
+                <a:avLst/>
+              </a:prstGeom>
+              <a:solidFill>
+                <a:srgbClr val="FFFFFF">
+                  <a:lumMod val="65000"/>
+                </a:srgbClr>
+              </a:solidFill>
+              <a:ln w="3175" cap="flat" cmpd="sng" algn="ctr">
+                <a:solidFill>
+                  <a:srgbClr val="000000">
+                    <a:lumMod val="50000"/>
+                    <a:lumOff val="50000"/>
+                  </a:srgbClr>
+                </a:solidFill>
+                <a:prstDash val="solid"/>
+              </a:ln>
+              <a:effectLst/>
+            </p:spPr>
+            <p:txBody>
+              <a:bodyPr rtlCol="0" anchor="ctr"/>
+              <a:lstStyle/>
+              <a:p>
+                <a:pPr algn="ctr"/>
+                <a:endParaRPr lang="en-US" sz="800" kern="0">
+                  <a:solidFill>
+                    <a:prstClr val="white"/>
+                  </a:solidFill>
+                  <a:latin typeface="Segoe UI"/>
+                </a:endParaRPr>
+              </a:p>
+            </p:txBody>
+          </p:sp>
+          <p:sp>
+            <p:nvSpPr>
+              <p:cNvPr id="49" name="Rectangle 11"/>
+              <p:cNvSpPr/>
+              <p:nvPr/>
+            </p:nvSpPr>
+            <p:spPr>
+              <a:xfrm>
+                <a:off x="76200" y="309484"/>
+                <a:ext cx="8991600" cy="6437733"/>
+              </a:xfrm>
+              <a:prstGeom prst="rect">
+                <a:avLst/>
+              </a:prstGeom>
+              <a:solidFill>
+                <a:sysClr val="window" lastClr="FFFFFF"/>
+              </a:solidFill>
+              <a:ln w="3175" cap="flat" cmpd="sng" algn="ctr">
+                <a:solidFill>
+                  <a:srgbClr val="000000">
+                    <a:lumMod val="50000"/>
+                    <a:lumOff val="50000"/>
+                  </a:srgbClr>
+                </a:solidFill>
+                <a:prstDash val="solid"/>
+              </a:ln>
+              <a:effectLst/>
+            </p:spPr>
+            <p:txBody>
+              <a:bodyPr rtlCol="0" anchor="ctr"/>
+              <a:lstStyle/>
+              <a:p>
+                <a:pPr algn="ctr"/>
+                <a:endParaRPr lang="en-US" sz="800" kern="0">
+                  <a:solidFill>
+                    <a:prstClr val="white"/>
+                  </a:solidFill>
+                  <a:latin typeface="Segoe UI"/>
+                </a:endParaRPr>
+              </a:p>
+            </p:txBody>
+          </p:sp>
+          <p:sp>
+            <p:nvSpPr>
+              <p:cNvPr id="50" name="WindowTitle"/>
+              <p:cNvSpPr txBox="1"/>
+              <p:nvPr/>
+            </p:nvSpPr>
+            <p:spPr>
+              <a:xfrm>
+                <a:off x="240976" y="42736"/>
+                <a:ext cx="999313" cy="230832"/>
+              </a:xfrm>
+              <a:prstGeom prst="rect">
+                <a:avLst/>
+              </a:prstGeom>
+              <a:noFill/>
+            </p:spPr>
+            <p:txBody>
+              <a:bodyPr wrap="none" lIns="45720" tIns="18288" rIns="91440" bIns="27432" rtlCol="0" anchor="ctr" anchorCtr="0">
+                <a:spAutoFit/>
+              </a:bodyPr>
+              <a:lstStyle/>
+              <a:p>
+                <a:r>
+                  <a:rPr lang="en-US" sz="1200" dirty="0" smtClean="0">
+                    <a:solidFill>
+                      <a:prstClr val="white"/>
+                    </a:solidFill>
+                    <a:latin typeface="Segoe UI" pitchFamily="34" charset="0"/>
+                    <a:ea typeface="Segoe UI" pitchFamily="34" charset="0"/>
+                    <a:cs typeface="Segoe UI" pitchFamily="34" charset="0"/>
+                  </a:rPr>
+                  <a:t>Window title</a:t>
+                </a:r>
+              </a:p>
+            </p:txBody>
+          </p:sp>
+        </p:grpSp>
+        <p:grpSp>
+          <p:nvGrpSpPr>
+            <p:cNvPr id="41" name="Minimize - Maximize - Close"/>
+            <p:cNvGrpSpPr/>
+            <p:nvPr/>
+          </p:nvGrpSpPr>
+          <p:grpSpPr>
+            <a:xfrm>
+              <a:off x="8632311" y="92599"/>
+              <a:ext cx="384527" cy="78032"/>
+              <a:chOff x="9347642" y="131588"/>
+              <a:chExt cx="384527" cy="78032"/>
+            </a:xfrm>
+          </p:grpSpPr>
+          <p:cxnSp>
+            <p:nvCxnSpPr>
+              <p:cNvPr id="43" name="Line"/>
+              <p:cNvCxnSpPr/>
+              <p:nvPr/>
+            </p:nvCxnSpPr>
+            <p:spPr>
+              <a:xfrm>
+                <a:off x="9661396" y="131588"/>
+                <a:ext cx="70773" cy="76200"/>
+              </a:xfrm>
+              <a:prstGeom prst="line">
+                <a:avLst/>
+              </a:prstGeom>
+              <a:ln w="12700">
+                <a:solidFill>
+                  <a:srgbClr val="FFFFFF"/>
+                </a:solidFill>
+              </a:ln>
+            </p:spPr>
+            <p:style>
+              <a:lnRef idx="1">
+                <a:srgbClr val="4F81BD"/>
+              </a:lnRef>
+              <a:fillRef idx="0">
+                <a:srgbClr val="4F81BD"/>
+              </a:fillRef>
+              <a:effectRef idx="0">
+                <a:srgbClr val="4F81BD"/>
+              </a:effectRef>
+              <a:fontRef idx="minor">
+                <a:srgbClr val="000000"/>
+              </a:fontRef>
+            </p:style>
+          </p:cxnSp>
+          <p:cxnSp>
+            <p:nvCxnSpPr>
+              <p:cNvPr id="44" name="Line"/>
+              <p:cNvCxnSpPr/>
+              <p:nvPr/>
+            </p:nvCxnSpPr>
+            <p:spPr>
+              <a:xfrm flipH="1">
+                <a:off x="9661395" y="131588"/>
+                <a:ext cx="70773" cy="76200"/>
+              </a:xfrm>
+              <a:prstGeom prst="line">
+                <a:avLst/>
+              </a:prstGeom>
+              <a:ln w="12700">
+                <a:solidFill>
+                  <a:srgbClr val="FFFFFF"/>
+                </a:solidFill>
+              </a:ln>
+            </p:spPr>
+            <p:style>
+              <a:lnRef idx="1">
+                <a:srgbClr val="4F81BD"/>
+              </a:lnRef>
+              <a:fillRef idx="0">
+                <a:srgbClr val="4F81BD"/>
+              </a:fillRef>
+              <a:effectRef idx="0">
+                <a:srgbClr val="4F81BD"/>
+              </a:effectRef>
+              <a:fontRef idx="minor">
+                <a:srgbClr val="000000"/>
+              </a:fontRef>
+            </p:style>
+          </p:cxnSp>
+          <p:sp>
+            <p:nvSpPr>
+              <p:cNvPr id="45" name="Line"/>
+              <p:cNvSpPr/>
+              <p:nvPr/>
+            </p:nvSpPr>
+            <p:spPr>
+              <a:xfrm rot="10800000" flipV="1">
+                <a:off x="9499472" y="143255"/>
+                <a:ext cx="91440" cy="9144"/>
+              </a:xfrm>
+              <a:prstGeom prst="rect">
+                <a:avLst/>
+              </a:prstGeom>
+              <a:solidFill>
+                <a:srgbClr val="919191"/>
+              </a:solidFill>
+              <a:ln w="3175">
+                <a:solidFill>
+                  <a:srgbClr val="FFFFFF"/>
+                </a:solidFill>
+              </a:ln>
+            </p:spPr>
+            <p:style>
+              <a:lnRef idx="2">
+                <a:srgbClr val="4F81BD">
+                  <a:shade val="50000"/>
+                </a:srgbClr>
+              </a:lnRef>
+              <a:fillRef idx="1001">
+                <a:srgbClr val="000000"/>
+              </a:fillRef>
+              <a:effectRef idx="0">
+                <a:srgbClr val="4F81BD"/>
+              </a:effectRef>
+              <a:fontRef idx="minor">
+                <a:srgbClr val="000000"/>
+              </a:fontRef>
+            </p:style>
+            <p:txBody>
+              <a:bodyPr rtlCol="0" anchor="ctr"/>
+              <a:lstStyle/>
+              <a:p>
+                <a:pPr algn="ctr"/>
+                <a:endParaRPr lang="en-US" dirty="0">
+                  <a:solidFill>
+                    <a:prstClr val="white"/>
+                  </a:solidFill>
+                </a:endParaRPr>
+              </a:p>
+            </p:txBody>
+          </p:sp>
+          <p:sp>
+            <p:nvSpPr>
+              <p:cNvPr id="46" name="Line"/>
+              <p:cNvSpPr/>
+              <p:nvPr/>
+            </p:nvSpPr>
+            <p:spPr>
+              <a:xfrm rot="10800000" flipV="1">
+                <a:off x="9498658" y="135261"/>
+                <a:ext cx="91440" cy="72527"/>
+              </a:xfrm>
+              <a:prstGeom prst="rect">
+                <a:avLst/>
+              </a:prstGeom>
+              <a:noFill/>
+              <a:ln w="12700">
+                <a:solidFill>
+                  <a:srgbClr val="FFFFFF"/>
+                </a:solidFill>
+              </a:ln>
+            </p:spPr>
+            <p:style>
+              <a:lnRef idx="2">
+                <a:srgbClr val="4F81BD">
+                  <a:shade val="50000"/>
+                </a:srgbClr>
+              </a:lnRef>
+              <a:fillRef idx="1001">
+                <a:srgbClr val="000000"/>
+              </a:fillRef>
+              <a:effectRef idx="0">
+                <a:srgbClr val="4F81BD"/>
+              </a:effectRef>
+              <a:fontRef idx="minor">
+                <a:srgbClr val="000000"/>
+              </a:fontRef>
+            </p:style>
+            <p:txBody>
+              <a:bodyPr rtlCol="0" anchor="ctr"/>
+              <a:lstStyle/>
+              <a:p>
+                <a:pPr algn="ctr"/>
+                <a:endParaRPr lang="en-US" dirty="0">
+                  <a:solidFill>
+                    <a:prstClr val="white"/>
+                  </a:solidFill>
+                </a:endParaRPr>
+              </a:p>
+            </p:txBody>
+          </p:sp>
+          <p:sp>
+            <p:nvSpPr>
+              <p:cNvPr id="47" name="Line"/>
+              <p:cNvSpPr/>
+              <p:nvPr/>
+            </p:nvSpPr>
+            <p:spPr>
+              <a:xfrm rot="10800000" flipV="1">
+                <a:off x="9347642" y="200476"/>
+                <a:ext cx="91440" cy="9144"/>
+              </a:xfrm>
+              <a:prstGeom prst="rect">
+                <a:avLst/>
+              </a:prstGeom>
+              <a:solidFill>
+                <a:srgbClr val="919191"/>
+              </a:solidFill>
+              <a:ln w="3175">
+                <a:solidFill>
+                  <a:srgbClr val="FFFFFF"/>
+                </a:solidFill>
+              </a:ln>
+            </p:spPr>
+            <p:style>
+              <a:lnRef idx="2">
+                <a:srgbClr val="4F81BD">
+                  <a:shade val="50000"/>
+                </a:srgbClr>
+              </a:lnRef>
+              <a:fillRef idx="1001">
+                <a:srgbClr val="000000"/>
+              </a:fillRef>
+              <a:effectRef idx="0">
+                <a:srgbClr val="4F81BD"/>
+              </a:effectRef>
+              <a:fontRef idx="minor">
+                <a:srgbClr val="000000"/>
+              </a:fontRef>
+            </p:style>
+            <p:txBody>
+              <a:bodyPr rtlCol="0" anchor="ctr"/>
+              <a:lstStyle/>
+              <a:p>
+                <a:pPr algn="ctr"/>
+                <a:endParaRPr lang="en-US" dirty="0">
+                  <a:solidFill>
+                    <a:prstClr val="white"/>
+                  </a:solidFill>
+                </a:endParaRPr>
+              </a:p>
+            </p:txBody>
+          </p:sp>
+        </p:grpSp>
+        <p:sp>
+          <p:nvSpPr>
+            <p:cNvPr id="42" name="Oval 4"/>
+            <p:cNvSpPr/>
+            <p:nvPr/>
+          </p:nvSpPr>
+          <p:spPr>
+            <a:xfrm>
+              <a:off x="83477" y="80065"/>
+              <a:ext cx="145536" cy="150875"/>
+            </a:xfrm>
+            <a:prstGeom prst="ellipse">
+              <a:avLst/>
+            </a:prstGeom>
+            <a:gradFill flip="none" rotWithShape="1">
+              <a:gsLst>
+                <a:gs pos="91000">
+                  <a:srgbClr val="FFFFFF">
+                    <a:lumMod val="85000"/>
+                  </a:srgbClr>
+                </a:gs>
+                <a:gs pos="36000">
+                  <a:srgbClr val="FFFFFF">
+                    <a:lumMod val="95000"/>
+                  </a:srgbClr>
+                </a:gs>
+                <a:gs pos="100000">
+                  <a:srgbClr val="FFFFFF">
+                    <a:lumMod val="95000"/>
+                  </a:srgbClr>
+                </a:gs>
+              </a:gsLst>
+              <a:lin ang="5400000" scaled="0"/>
+              <a:tileRect/>
+            </a:gradFill>
+            <a:ln w="3175">
+              <a:solidFill>
+                <a:srgbClr val="000000">
+                  <a:lumMod val="50000"/>
+                  <a:lumOff val="50000"/>
+                </a:srgbClr>
+              </a:solidFill>
+            </a:ln>
+            <a:effectLst/>
+          </p:spPr>
+          <p:style>
+            <a:lnRef idx="2">
+              <a:srgbClr val="4F81BD">
+                <a:shade val="50000"/>
+              </a:srgbClr>
+            </a:lnRef>
+            <a:fillRef idx="1">
+              <a:srgbClr val="4F81BD"/>
+            </a:fillRef>
+            <a:effectRef idx="0">
+              <a:srgbClr val="4F81BD"/>
+            </a:effectRef>
+            <a:fontRef idx="minor">
+              <a:srgbClr val="000000"/>
+            </a:fontRef>
+          </p:style>
+          <p:txBody>
+            <a:bodyPr lIns="97531" tIns="48766" rIns="97531" bIns="48766" rtlCol="0" anchor="ctr"/>
+            <a:lstStyle/>
+            <a:p>
+              <a:pPr algn="ctr"/>
+              <a:endParaRPr lang="en-US">
+                <a:solidFill>
+                  <a:prstClr val="white"/>
+                </a:solidFill>
+              </a:endParaRPr>
+            </a:p>
+          </p:txBody>
+        </p:sp>
+      </p:grpSp>
+      <p:sp>
+        <p:nvSpPr>
+          <p:cNvPr id="188" name="직사각형 187"/>
+          <p:cNvSpPr/>
+          <p:nvPr/>
+        </p:nvSpPr>
+        <p:spPr>
+          <a:xfrm>
+            <a:off x="112890" y="330286"/>
+            <a:ext cx="11977510" cy="741277"/>
+          </a:xfrm>
+          <a:prstGeom prst="rect">
+            <a:avLst/>
+          </a:prstGeom>
         </p:spPr>
         <p:style>
           <a:lnRef idx="2">
@@ -10493,24 +16958,202 @@
       </p:sp>
       <p:sp>
         <p:nvSpPr>
-          <p:cNvPr id="10" name="직사각형 9"/>
+          <p:cNvPr id="126" name="Content"/>
+          <p:cNvSpPr txBox="1"/>
+          <p:nvPr>
+            <p:custDataLst>
+              <p:custData r:id="rId2"/>
+            </p:custDataLst>
+          </p:nvPr>
+        </p:nvSpPr>
+        <p:spPr>
+          <a:xfrm>
+            <a:off x="9103685" y="530108"/>
+            <a:ext cx="3058081" cy="341632"/>
+          </a:xfrm>
+          <a:prstGeom prst="rect">
+            <a:avLst/>
+          </a:prstGeom>
+          <a:noFill/>
+        </p:spPr>
+        <p:txBody>
+          <a:bodyPr wrap="none" lIns="91440" tIns="18288" rIns="91440" bIns="45720" rtlCol="0" anchor="ctr" anchorCtr="0">
+            <a:spAutoFit/>
+          </a:bodyPr>
+          <a:lstStyle/>
+          <a:p>
+            <a:r>
+              <a:rPr lang="en-US" dirty="0" smtClean="0">
+                <a:solidFill>
+                  <a:schemeClr val="bg1">
+                    <a:lumMod val="95000"/>
+                  </a:schemeClr>
+                </a:solidFill>
+                <a:latin typeface="Segoe UI" pitchFamily="34" charset="0"/>
+                <a:ea typeface="Segoe UI" pitchFamily="34" charset="0"/>
+                <a:cs typeface="Segoe UI" pitchFamily="34" charset="0"/>
+              </a:rPr>
+              <a:t>Movie | Community | </a:t>
+            </a:r>
+            <a:r>
+              <a:rPr lang="en-US" dirty="0" smtClean="0">
+                <a:solidFill>
+                  <a:schemeClr val="bg1">
+                    <a:lumMod val="95000"/>
+                  </a:schemeClr>
+                </a:solidFill>
+                <a:latin typeface="Segoe UI" pitchFamily="34" charset="0"/>
+                <a:ea typeface="Segoe UI" pitchFamily="34" charset="0"/>
+                <a:cs typeface="Segoe UI" pitchFamily="34" charset="0"/>
+              </a:rPr>
+              <a:t>Profile </a:t>
+            </a:r>
+            <a:endParaRPr lang="en-US" dirty="0" smtClean="0">
+              <a:solidFill>
+                <a:schemeClr val="bg1">
+                  <a:lumMod val="95000"/>
+                </a:schemeClr>
+              </a:solidFill>
+              <a:latin typeface="Segoe UI" pitchFamily="34" charset="0"/>
+              <a:ea typeface="Segoe UI" pitchFamily="34" charset="0"/>
+              <a:cs typeface="Segoe UI" pitchFamily="34" charset="0"/>
+            </a:endParaRPr>
+          </a:p>
+        </p:txBody>
+      </p:sp>
+      <p:pic>
+        <p:nvPicPr>
+          <p:cNvPr id="189" name="그림 188"/>
+          <p:cNvPicPr>
+            <a:picLocks noChangeAspect="1"/>
+          </p:cNvPicPr>
+          <p:nvPr/>
+        </p:nvPicPr>
+        <p:blipFill rotWithShape="1">
+          <a:blip r:embed="rId12" cstate="hqprint">
+            <a:extLst>
+              <a:ext uri="{28A0092B-C50C-407E-A947-70E740481C1C}">
+                <a14:useLocalDpi xmlns:a14="http://schemas.microsoft.com/office/drawing/2010/main" val="0"/>
+              </a:ext>
+            </a:extLst>
+          </a:blip>
+          <a:srcRect l="29343" t="16903" r="47744" b="46296"/>
+          <a:stretch/>
+        </p:blipFill>
+        <p:spPr>
+          <a:xfrm>
+            <a:off x="208327" y="384026"/>
+            <a:ext cx="710574" cy="641939"/>
+          </a:xfrm>
+          <a:prstGeom prst="rect">
+            <a:avLst/>
+          </a:prstGeom>
+        </p:spPr>
+      </p:pic>
+      <p:sp>
+        <p:nvSpPr>
+          <p:cNvPr id="206" name="TextBox 205"/>
+          <p:cNvSpPr txBox="1"/>
+          <p:nvPr/>
+        </p:nvSpPr>
+        <p:spPr>
+          <a:xfrm>
+            <a:off x="1129437" y="1381047"/>
+            <a:ext cx="1048562" cy="369332"/>
+          </a:xfrm>
+          <a:prstGeom prst="rect">
+            <a:avLst/>
+          </a:prstGeom>
+          <a:noFill/>
+        </p:spPr>
+        <p:txBody>
+          <a:bodyPr wrap="square" rtlCol="0">
+            <a:spAutoFit/>
+          </a:bodyPr>
+          <a:lstStyle/>
+          <a:p>
+            <a:r>
+              <a:rPr lang="en-US" altLang="ko-KR" dirty="0" err="1" smtClean="0"/>
+              <a:t>PlayList</a:t>
+            </a:r>
+            <a:endParaRPr lang="ko-KR" altLang="en-US" dirty="0"/>
+          </a:p>
+        </p:txBody>
+      </p:sp>
+      <p:sp>
+        <p:nvSpPr>
+          <p:cNvPr id="65" name="TextBox 64"/>
+          <p:cNvSpPr txBox="1"/>
+          <p:nvPr/>
+        </p:nvSpPr>
+        <p:spPr>
+          <a:xfrm>
+            <a:off x="2990589" y="6178962"/>
+            <a:ext cx="1742899" cy="369332"/>
+          </a:xfrm>
+          <a:prstGeom prst="rect">
+            <a:avLst/>
+          </a:prstGeom>
+          <a:noFill/>
+        </p:spPr>
+        <p:txBody>
+          <a:bodyPr wrap="square" rtlCol="0">
+            <a:spAutoFit/>
+          </a:bodyPr>
+          <a:lstStyle/>
+          <a:p>
+            <a:r>
+              <a:rPr lang="en-US" altLang="ko-KR" dirty="0" err="1" smtClean="0"/>
+              <a:t>MovieListItem</a:t>
+            </a:r>
+            <a:endParaRPr lang="ko-KR" altLang="en-US" dirty="0"/>
+          </a:p>
+        </p:txBody>
+      </p:sp>
+      <p:sp>
+        <p:nvSpPr>
+          <p:cNvPr id="70" name="TextBox 69"/>
+          <p:cNvSpPr txBox="1"/>
+          <p:nvPr/>
+        </p:nvSpPr>
+        <p:spPr>
+          <a:xfrm>
+            <a:off x="5062277" y="6178962"/>
+            <a:ext cx="1742899" cy="369332"/>
+          </a:xfrm>
+          <a:prstGeom prst="rect">
+            <a:avLst/>
+          </a:prstGeom>
+          <a:noFill/>
+        </p:spPr>
+        <p:txBody>
+          <a:bodyPr wrap="square" rtlCol="0">
+            <a:spAutoFit/>
+          </a:bodyPr>
+          <a:lstStyle/>
+          <a:p>
+            <a:r>
+              <a:rPr lang="en-US" altLang="ko-KR" dirty="0" err="1" smtClean="0"/>
+              <a:t>MovieListItem</a:t>
+            </a:r>
+            <a:endParaRPr lang="ko-KR" altLang="en-US" dirty="0"/>
+          </a:p>
+        </p:txBody>
+      </p:sp>
+      <p:sp>
+        <p:nvSpPr>
+          <p:cNvPr id="2" name="직사각형 1"/>
           <p:cNvSpPr/>
           <p:nvPr/>
         </p:nvSpPr>
         <p:spPr>
           <a:xfrm>
-            <a:off x="2179529" y="5307050"/>
-            <a:ext cx="789140" cy="338203"/>
+            <a:off x="1129437" y="1862138"/>
+            <a:ext cx="6215064" cy="1974510"/>
           </a:xfrm>
           <a:prstGeom prst="rect">
             <a:avLst/>
           </a:prstGeom>
-          <a:noFill/>
-          <a:ln>
-            <a:solidFill>
-              <a:srgbClr val="C00000"/>
-            </a:solidFill>
-          </a:ln>
         </p:spPr>
         <p:style>
           <a:lnRef idx="2">
@@ -10537,34 +17180,1460 @@
           </a:p>
         </p:txBody>
       </p:sp>
-      <p:pic>
-        <p:nvPicPr>
-          <p:cNvPr id="11" name="그림 10"/>
-          <p:cNvPicPr>
-            <a:picLocks noChangeAspect="1"/>
-          </p:cNvPicPr>
+      <p:grpSp>
+        <p:nvGrpSpPr>
+          <p:cNvPr id="56" name="Image"/>
+          <p:cNvGrpSpPr/>
+          <p:nvPr>
+            <p:custDataLst>
+              <p:custData r:id="rId3"/>
+            </p:custDataLst>
+          </p:nvPr>
+        </p:nvGrpSpPr>
+        <p:grpSpPr>
+          <a:xfrm>
+            <a:off x="1190912" y="1889231"/>
+            <a:ext cx="1742899" cy="1962488"/>
+            <a:chOff x="4037608" y="2896991"/>
+            <a:chExt cx="1059255" cy="1059255"/>
+          </a:xfrm>
+        </p:grpSpPr>
+        <p:sp>
+          <p:nvSpPr>
+            <p:cNvPr id="57" name="Rectangle 2"/>
+            <p:cNvSpPr/>
+            <p:nvPr/>
+          </p:nvSpPr>
+          <p:spPr>
+            <a:xfrm>
+              <a:off x="4037608" y="2896991"/>
+              <a:ext cx="1059255" cy="1059255"/>
+            </a:xfrm>
+            <a:prstGeom prst="rect">
+              <a:avLst/>
+            </a:prstGeom>
+            <a:solidFill>
+              <a:sysClr val="window" lastClr="FFFFFF"/>
+            </a:solidFill>
+            <a:ln w="3175" cap="flat" cmpd="sng" algn="ctr">
+              <a:solidFill>
+                <a:srgbClr val="FFFFFF">
+                  <a:lumMod val="50000"/>
+                </a:srgbClr>
+              </a:solidFill>
+              <a:prstDash val="solid"/>
+            </a:ln>
+            <a:effectLst/>
+          </p:spPr>
+          <p:txBody>
+            <a:bodyPr rot="0" spcFirstLastPara="0" vertOverflow="overflow" horzOverflow="overflow" vert="horz" wrap="square" lIns="45720" tIns="45720" rIns="91440" bIns="45720" numCol="1" spcCol="0" rtlCol="0" fromWordArt="0" anchor="ctr" anchorCtr="0" forceAA="0" compatLnSpc="1">
+              <a:prstTxWarp prst="textNoShape">
+                <a:avLst/>
+              </a:prstTxWarp>
+              <a:noAutofit/>
+            </a:bodyPr>
+            <a:lstStyle/>
+            <a:p>
+              <a:pPr marL="0" marR="0" indent="0" algn="ctr" defTabSz="914400" eaLnBrk="1" fontAlgn="auto" latinLnBrk="0" hangingPunct="1">
+                <a:lnSpc>
+                  <a:spcPct val="100000"/>
+                </a:lnSpc>
+                <a:spcBef>
+                  <a:spcPts val="0"/>
+                </a:spcBef>
+                <a:spcAft>
+                  <a:spcPts val="0"/>
+                </a:spcAft>
+                <a:buClrTx/>
+                <a:buSzTx/>
+                <a:buFontTx/>
+                <a:buNone/>
+                <a:tabLst/>
+              </a:pPr>
+              <a:endParaRPr kumimoji="0" lang="en-US" sz="800" b="0" i="0" u="none" strike="noStrike" kern="0" cap="none" spc="0" normalizeH="0" baseline="0" noProof="0" dirty="0" smtClean="0">
+                <a:ln>
+                  <a:noFill/>
+                </a:ln>
+                <a:solidFill>
+                  <a:srgbClr val="000000">
+                    <a:lumMod val="75000"/>
+                    <a:lumOff val="25000"/>
+                  </a:srgbClr>
+                </a:solidFill>
+                <a:effectLst/>
+                <a:uLnTx/>
+                <a:uFillTx/>
+                <a:latin typeface="Segoe UI"/>
+                <a:ea typeface="+mn-ea"/>
+                <a:cs typeface="+mn-cs"/>
+              </a:endParaRPr>
+            </a:p>
+          </p:txBody>
+        </p:sp>
+        <p:cxnSp>
+          <p:nvCxnSpPr>
+            <p:cNvPr id="58" name="Straight Connector 3"/>
+            <p:cNvCxnSpPr/>
+            <p:nvPr/>
+          </p:nvCxnSpPr>
+          <p:spPr>
+            <a:xfrm>
+              <a:off x="4037608" y="2896991"/>
+              <a:ext cx="1059255" cy="1059255"/>
+            </a:xfrm>
+            <a:prstGeom prst="line">
+              <a:avLst/>
+            </a:prstGeom>
+            <a:ln w="3175">
+              <a:solidFill>
+                <a:srgbClr val="FFFFFF">
+                  <a:lumMod val="50000"/>
+                </a:srgbClr>
+              </a:solidFill>
+            </a:ln>
+          </p:spPr>
+          <p:style>
+            <a:lnRef idx="1">
+              <a:srgbClr val="FFFFFF"/>
+            </a:lnRef>
+            <a:fillRef idx="0">
+              <a:srgbClr val="FFFFFF"/>
+            </a:fillRef>
+            <a:effectRef idx="0">
+              <a:srgbClr val="FFFFFF"/>
+            </a:effectRef>
+            <a:fontRef idx="minor">
+              <a:srgbClr val="000000"/>
+            </a:fontRef>
+          </p:style>
+        </p:cxnSp>
+        <p:cxnSp>
+          <p:nvCxnSpPr>
+            <p:cNvPr id="59" name="Straight Connector 4"/>
+            <p:cNvCxnSpPr/>
+            <p:nvPr/>
+          </p:nvCxnSpPr>
+          <p:spPr>
+            <a:xfrm flipV="1">
+              <a:off x="4037608" y="2896991"/>
+              <a:ext cx="1059255" cy="1059255"/>
+            </a:xfrm>
+            <a:prstGeom prst="line">
+              <a:avLst/>
+            </a:prstGeom>
+            <a:ln w="3175">
+              <a:solidFill>
+                <a:srgbClr val="FFFFFF">
+                  <a:lumMod val="50000"/>
+                </a:srgbClr>
+              </a:solidFill>
+            </a:ln>
+          </p:spPr>
+          <p:style>
+            <a:lnRef idx="1">
+              <a:srgbClr val="FFFFFF"/>
+            </a:lnRef>
+            <a:fillRef idx="0">
+              <a:srgbClr val="FFFFFF"/>
+            </a:fillRef>
+            <a:effectRef idx="0">
+              <a:srgbClr val="FFFFFF"/>
+            </a:effectRef>
+            <a:fontRef idx="minor">
+              <a:srgbClr val="000000"/>
+            </a:fontRef>
+          </p:style>
+        </p:cxnSp>
+      </p:grpSp>
+      <p:grpSp>
+        <p:nvGrpSpPr>
+          <p:cNvPr id="61" name="Image"/>
+          <p:cNvGrpSpPr/>
+          <p:nvPr>
+            <p:custDataLst>
+              <p:custData r:id="rId4"/>
+            </p:custDataLst>
+          </p:nvPr>
+        </p:nvGrpSpPr>
+        <p:grpSpPr>
+          <a:xfrm>
+            <a:off x="1578560" y="1901253"/>
+            <a:ext cx="1742899" cy="1962488"/>
+            <a:chOff x="4037608" y="2896991"/>
+            <a:chExt cx="1059255" cy="1059255"/>
+          </a:xfrm>
+        </p:grpSpPr>
+        <p:sp>
+          <p:nvSpPr>
+            <p:cNvPr id="62" name="Rectangle 2"/>
+            <p:cNvSpPr/>
+            <p:nvPr/>
+          </p:nvSpPr>
+          <p:spPr>
+            <a:xfrm>
+              <a:off x="4037608" y="2896991"/>
+              <a:ext cx="1059255" cy="1059255"/>
+            </a:xfrm>
+            <a:prstGeom prst="rect">
+              <a:avLst/>
+            </a:prstGeom>
+            <a:solidFill>
+              <a:sysClr val="window" lastClr="FFFFFF"/>
+            </a:solidFill>
+            <a:ln w="3175" cap="flat" cmpd="sng" algn="ctr">
+              <a:solidFill>
+                <a:srgbClr val="FFFFFF">
+                  <a:lumMod val="50000"/>
+                </a:srgbClr>
+              </a:solidFill>
+              <a:prstDash val="solid"/>
+            </a:ln>
+            <a:effectLst/>
+          </p:spPr>
+          <p:txBody>
+            <a:bodyPr rot="0" spcFirstLastPara="0" vertOverflow="overflow" horzOverflow="overflow" vert="horz" wrap="square" lIns="45720" tIns="45720" rIns="91440" bIns="45720" numCol="1" spcCol="0" rtlCol="0" fromWordArt="0" anchor="ctr" anchorCtr="0" forceAA="0" compatLnSpc="1">
+              <a:prstTxWarp prst="textNoShape">
+                <a:avLst/>
+              </a:prstTxWarp>
+              <a:noAutofit/>
+            </a:bodyPr>
+            <a:lstStyle/>
+            <a:p>
+              <a:pPr marL="0" marR="0" indent="0" algn="ctr" defTabSz="914400" eaLnBrk="1" fontAlgn="auto" latinLnBrk="0" hangingPunct="1">
+                <a:lnSpc>
+                  <a:spcPct val="100000"/>
+                </a:lnSpc>
+                <a:spcBef>
+                  <a:spcPts val="0"/>
+                </a:spcBef>
+                <a:spcAft>
+                  <a:spcPts val="0"/>
+                </a:spcAft>
+                <a:buClrTx/>
+                <a:buSzTx/>
+                <a:buFontTx/>
+                <a:buNone/>
+                <a:tabLst/>
+              </a:pPr>
+              <a:endParaRPr kumimoji="0" lang="en-US" sz="800" b="0" i="0" u="none" strike="noStrike" kern="0" cap="none" spc="0" normalizeH="0" baseline="0" noProof="0" dirty="0" smtClean="0">
+                <a:ln>
+                  <a:noFill/>
+                </a:ln>
+                <a:solidFill>
+                  <a:srgbClr val="000000">
+                    <a:lumMod val="75000"/>
+                    <a:lumOff val="25000"/>
+                  </a:srgbClr>
+                </a:solidFill>
+                <a:effectLst/>
+                <a:uLnTx/>
+                <a:uFillTx/>
+                <a:latin typeface="Segoe UI"/>
+                <a:ea typeface="+mn-ea"/>
+                <a:cs typeface="+mn-cs"/>
+              </a:endParaRPr>
+            </a:p>
+          </p:txBody>
+        </p:sp>
+        <p:cxnSp>
+          <p:nvCxnSpPr>
+            <p:cNvPr id="63" name="Straight Connector 3"/>
+            <p:cNvCxnSpPr/>
+            <p:nvPr/>
+          </p:nvCxnSpPr>
+          <p:spPr>
+            <a:xfrm>
+              <a:off x="4037608" y="2896991"/>
+              <a:ext cx="1059255" cy="1059255"/>
+            </a:xfrm>
+            <a:prstGeom prst="line">
+              <a:avLst/>
+            </a:prstGeom>
+            <a:ln w="3175">
+              <a:solidFill>
+                <a:srgbClr val="FFFFFF">
+                  <a:lumMod val="50000"/>
+                </a:srgbClr>
+              </a:solidFill>
+            </a:ln>
+          </p:spPr>
+          <p:style>
+            <a:lnRef idx="1">
+              <a:srgbClr val="FFFFFF"/>
+            </a:lnRef>
+            <a:fillRef idx="0">
+              <a:srgbClr val="FFFFFF"/>
+            </a:fillRef>
+            <a:effectRef idx="0">
+              <a:srgbClr val="FFFFFF"/>
+            </a:effectRef>
+            <a:fontRef idx="minor">
+              <a:srgbClr val="000000"/>
+            </a:fontRef>
+          </p:style>
+        </p:cxnSp>
+        <p:cxnSp>
+          <p:nvCxnSpPr>
+            <p:cNvPr id="64" name="Straight Connector 4"/>
+            <p:cNvCxnSpPr/>
+            <p:nvPr/>
+          </p:nvCxnSpPr>
+          <p:spPr>
+            <a:xfrm flipV="1">
+              <a:off x="4037608" y="2896991"/>
+              <a:ext cx="1059255" cy="1059255"/>
+            </a:xfrm>
+            <a:prstGeom prst="line">
+              <a:avLst/>
+            </a:prstGeom>
+            <a:ln w="3175">
+              <a:solidFill>
+                <a:srgbClr val="FFFFFF">
+                  <a:lumMod val="50000"/>
+                </a:srgbClr>
+              </a:solidFill>
+            </a:ln>
+          </p:spPr>
+          <p:style>
+            <a:lnRef idx="1">
+              <a:srgbClr val="FFFFFF"/>
+            </a:lnRef>
+            <a:fillRef idx="0">
+              <a:srgbClr val="FFFFFF"/>
+            </a:fillRef>
+            <a:effectRef idx="0">
+              <a:srgbClr val="FFFFFF"/>
+            </a:effectRef>
+            <a:fontRef idx="minor">
+              <a:srgbClr val="000000"/>
+            </a:fontRef>
+          </p:style>
+        </p:cxnSp>
+      </p:grpSp>
+      <p:grpSp>
+        <p:nvGrpSpPr>
+          <p:cNvPr id="66" name="Image"/>
+          <p:cNvGrpSpPr/>
+          <p:nvPr>
+            <p:custDataLst>
+              <p:custData r:id="rId5"/>
+            </p:custDataLst>
+          </p:nvPr>
+        </p:nvGrpSpPr>
+        <p:grpSpPr>
+          <a:xfrm>
+            <a:off x="2008213" y="1901253"/>
+            <a:ext cx="1742899" cy="1962488"/>
+            <a:chOff x="4037608" y="2896991"/>
+            <a:chExt cx="1059255" cy="1059255"/>
+          </a:xfrm>
+        </p:grpSpPr>
+        <p:sp>
+          <p:nvSpPr>
+            <p:cNvPr id="67" name="Rectangle 2"/>
+            <p:cNvSpPr/>
+            <p:nvPr/>
+          </p:nvSpPr>
+          <p:spPr>
+            <a:xfrm>
+              <a:off x="4037608" y="2896991"/>
+              <a:ext cx="1059255" cy="1059255"/>
+            </a:xfrm>
+            <a:prstGeom prst="rect">
+              <a:avLst/>
+            </a:prstGeom>
+            <a:solidFill>
+              <a:sysClr val="window" lastClr="FFFFFF"/>
+            </a:solidFill>
+            <a:ln w="3175" cap="flat" cmpd="sng" algn="ctr">
+              <a:solidFill>
+                <a:srgbClr val="FFFFFF">
+                  <a:lumMod val="50000"/>
+                </a:srgbClr>
+              </a:solidFill>
+              <a:prstDash val="solid"/>
+            </a:ln>
+            <a:effectLst/>
+          </p:spPr>
+          <p:txBody>
+            <a:bodyPr rot="0" spcFirstLastPara="0" vertOverflow="overflow" horzOverflow="overflow" vert="horz" wrap="square" lIns="45720" tIns="45720" rIns="91440" bIns="45720" numCol="1" spcCol="0" rtlCol="0" fromWordArt="0" anchor="ctr" anchorCtr="0" forceAA="0" compatLnSpc="1">
+              <a:prstTxWarp prst="textNoShape">
+                <a:avLst/>
+              </a:prstTxWarp>
+              <a:noAutofit/>
+            </a:bodyPr>
+            <a:lstStyle/>
+            <a:p>
+              <a:pPr marL="0" marR="0" indent="0" algn="ctr" defTabSz="914400" eaLnBrk="1" fontAlgn="auto" latinLnBrk="0" hangingPunct="1">
+                <a:lnSpc>
+                  <a:spcPct val="100000"/>
+                </a:lnSpc>
+                <a:spcBef>
+                  <a:spcPts val="0"/>
+                </a:spcBef>
+                <a:spcAft>
+                  <a:spcPts val="0"/>
+                </a:spcAft>
+                <a:buClrTx/>
+                <a:buSzTx/>
+                <a:buFontTx/>
+                <a:buNone/>
+                <a:tabLst/>
+              </a:pPr>
+              <a:endParaRPr kumimoji="0" lang="en-US" sz="800" b="0" i="0" u="none" strike="noStrike" kern="0" cap="none" spc="0" normalizeH="0" baseline="0" noProof="0" dirty="0" smtClean="0">
+                <a:ln>
+                  <a:noFill/>
+                </a:ln>
+                <a:solidFill>
+                  <a:srgbClr val="000000">
+                    <a:lumMod val="75000"/>
+                    <a:lumOff val="25000"/>
+                  </a:srgbClr>
+                </a:solidFill>
+                <a:effectLst/>
+                <a:uLnTx/>
+                <a:uFillTx/>
+                <a:latin typeface="Segoe UI"/>
+                <a:ea typeface="+mn-ea"/>
+                <a:cs typeface="+mn-cs"/>
+              </a:endParaRPr>
+            </a:p>
+          </p:txBody>
+        </p:sp>
+        <p:cxnSp>
+          <p:nvCxnSpPr>
+            <p:cNvPr id="68" name="Straight Connector 3"/>
+            <p:cNvCxnSpPr/>
+            <p:nvPr/>
+          </p:nvCxnSpPr>
+          <p:spPr>
+            <a:xfrm>
+              <a:off x="4037608" y="2896991"/>
+              <a:ext cx="1059255" cy="1059255"/>
+            </a:xfrm>
+            <a:prstGeom prst="line">
+              <a:avLst/>
+            </a:prstGeom>
+            <a:ln w="3175">
+              <a:solidFill>
+                <a:srgbClr val="FFFFFF">
+                  <a:lumMod val="50000"/>
+                </a:srgbClr>
+              </a:solidFill>
+            </a:ln>
+          </p:spPr>
+          <p:style>
+            <a:lnRef idx="1">
+              <a:srgbClr val="FFFFFF"/>
+            </a:lnRef>
+            <a:fillRef idx="0">
+              <a:srgbClr val="FFFFFF"/>
+            </a:fillRef>
+            <a:effectRef idx="0">
+              <a:srgbClr val="FFFFFF"/>
+            </a:effectRef>
+            <a:fontRef idx="minor">
+              <a:srgbClr val="000000"/>
+            </a:fontRef>
+          </p:style>
+        </p:cxnSp>
+        <p:cxnSp>
+          <p:nvCxnSpPr>
+            <p:cNvPr id="69" name="Straight Connector 4"/>
+            <p:cNvCxnSpPr/>
+            <p:nvPr/>
+          </p:nvCxnSpPr>
+          <p:spPr>
+            <a:xfrm flipV="1">
+              <a:off x="4037608" y="2896991"/>
+              <a:ext cx="1059255" cy="1059255"/>
+            </a:xfrm>
+            <a:prstGeom prst="line">
+              <a:avLst/>
+            </a:prstGeom>
+            <a:ln w="3175">
+              <a:solidFill>
+                <a:srgbClr val="FFFFFF">
+                  <a:lumMod val="50000"/>
+                </a:srgbClr>
+              </a:solidFill>
+            </a:ln>
+          </p:spPr>
+          <p:style>
+            <a:lnRef idx="1">
+              <a:srgbClr val="FFFFFF"/>
+            </a:lnRef>
+            <a:fillRef idx="0">
+              <a:srgbClr val="FFFFFF"/>
+            </a:fillRef>
+            <a:effectRef idx="0">
+              <a:srgbClr val="FFFFFF"/>
+            </a:effectRef>
+            <a:fontRef idx="minor">
+              <a:srgbClr val="000000"/>
+            </a:fontRef>
+          </p:style>
+        </p:cxnSp>
+      </p:grpSp>
+      <p:grpSp>
+        <p:nvGrpSpPr>
+          <p:cNvPr id="76" name="Image"/>
+          <p:cNvGrpSpPr/>
+          <p:nvPr>
+            <p:custDataLst>
+              <p:custData r:id="rId6"/>
+            </p:custDataLst>
+          </p:nvPr>
+        </p:nvGrpSpPr>
+        <p:grpSpPr>
+          <a:xfrm>
+            <a:off x="2500810" y="1889231"/>
+            <a:ext cx="1742899" cy="1962488"/>
+            <a:chOff x="4037608" y="2896991"/>
+            <a:chExt cx="1059255" cy="1059255"/>
+          </a:xfrm>
+        </p:grpSpPr>
+        <p:sp>
+          <p:nvSpPr>
+            <p:cNvPr id="77" name="Rectangle 2"/>
+            <p:cNvSpPr/>
+            <p:nvPr/>
+          </p:nvSpPr>
+          <p:spPr>
+            <a:xfrm>
+              <a:off x="4037608" y="2896991"/>
+              <a:ext cx="1059255" cy="1059255"/>
+            </a:xfrm>
+            <a:prstGeom prst="rect">
+              <a:avLst/>
+            </a:prstGeom>
+            <a:solidFill>
+              <a:sysClr val="window" lastClr="FFFFFF"/>
+            </a:solidFill>
+            <a:ln w="3175" cap="flat" cmpd="sng" algn="ctr">
+              <a:solidFill>
+                <a:srgbClr val="FFFFFF">
+                  <a:lumMod val="50000"/>
+                </a:srgbClr>
+              </a:solidFill>
+              <a:prstDash val="solid"/>
+            </a:ln>
+            <a:effectLst/>
+          </p:spPr>
+          <p:txBody>
+            <a:bodyPr rot="0" spcFirstLastPara="0" vertOverflow="overflow" horzOverflow="overflow" vert="horz" wrap="square" lIns="45720" tIns="45720" rIns="91440" bIns="45720" numCol="1" spcCol="0" rtlCol="0" fromWordArt="0" anchor="ctr" anchorCtr="0" forceAA="0" compatLnSpc="1">
+              <a:prstTxWarp prst="textNoShape">
+                <a:avLst/>
+              </a:prstTxWarp>
+              <a:noAutofit/>
+            </a:bodyPr>
+            <a:lstStyle/>
+            <a:p>
+              <a:pPr marL="0" marR="0" indent="0" algn="ctr" defTabSz="914400" eaLnBrk="1" fontAlgn="auto" latinLnBrk="0" hangingPunct="1">
+                <a:lnSpc>
+                  <a:spcPct val="100000"/>
+                </a:lnSpc>
+                <a:spcBef>
+                  <a:spcPts val="0"/>
+                </a:spcBef>
+                <a:spcAft>
+                  <a:spcPts val="0"/>
+                </a:spcAft>
+                <a:buClrTx/>
+                <a:buSzTx/>
+                <a:buFontTx/>
+                <a:buNone/>
+                <a:tabLst/>
+              </a:pPr>
+              <a:endParaRPr kumimoji="0" lang="en-US" sz="800" b="0" i="0" u="none" strike="noStrike" kern="0" cap="none" spc="0" normalizeH="0" baseline="0" noProof="0" dirty="0" smtClean="0">
+                <a:ln>
+                  <a:noFill/>
+                </a:ln>
+                <a:solidFill>
+                  <a:srgbClr val="000000">
+                    <a:lumMod val="75000"/>
+                    <a:lumOff val="25000"/>
+                  </a:srgbClr>
+                </a:solidFill>
+                <a:effectLst/>
+                <a:uLnTx/>
+                <a:uFillTx/>
+                <a:latin typeface="Segoe UI"/>
+                <a:ea typeface="+mn-ea"/>
+                <a:cs typeface="+mn-cs"/>
+              </a:endParaRPr>
+            </a:p>
+          </p:txBody>
+        </p:sp>
+        <p:cxnSp>
+          <p:nvCxnSpPr>
+            <p:cNvPr id="78" name="Straight Connector 3"/>
+            <p:cNvCxnSpPr/>
+            <p:nvPr/>
+          </p:nvCxnSpPr>
+          <p:spPr>
+            <a:xfrm>
+              <a:off x="4037608" y="2896991"/>
+              <a:ext cx="1059255" cy="1059255"/>
+            </a:xfrm>
+            <a:prstGeom prst="line">
+              <a:avLst/>
+            </a:prstGeom>
+            <a:ln w="3175">
+              <a:solidFill>
+                <a:srgbClr val="FFFFFF">
+                  <a:lumMod val="50000"/>
+                </a:srgbClr>
+              </a:solidFill>
+            </a:ln>
+          </p:spPr>
+          <p:style>
+            <a:lnRef idx="1">
+              <a:srgbClr val="FFFFFF"/>
+            </a:lnRef>
+            <a:fillRef idx="0">
+              <a:srgbClr val="FFFFFF"/>
+            </a:fillRef>
+            <a:effectRef idx="0">
+              <a:srgbClr val="FFFFFF"/>
+            </a:effectRef>
+            <a:fontRef idx="minor">
+              <a:srgbClr val="000000"/>
+            </a:fontRef>
+          </p:style>
+        </p:cxnSp>
+        <p:cxnSp>
+          <p:nvCxnSpPr>
+            <p:cNvPr id="79" name="Straight Connector 4"/>
+            <p:cNvCxnSpPr/>
+            <p:nvPr/>
+          </p:nvCxnSpPr>
+          <p:spPr>
+            <a:xfrm flipV="1">
+              <a:off x="4037608" y="2896991"/>
+              <a:ext cx="1059255" cy="1059255"/>
+            </a:xfrm>
+            <a:prstGeom prst="line">
+              <a:avLst/>
+            </a:prstGeom>
+            <a:ln w="3175">
+              <a:solidFill>
+                <a:srgbClr val="FFFFFF">
+                  <a:lumMod val="50000"/>
+                </a:srgbClr>
+              </a:solidFill>
+            </a:ln>
+          </p:spPr>
+          <p:style>
+            <a:lnRef idx="1">
+              <a:srgbClr val="FFFFFF"/>
+            </a:lnRef>
+            <a:fillRef idx="0">
+              <a:srgbClr val="FFFFFF"/>
+            </a:fillRef>
+            <a:effectRef idx="0">
+              <a:srgbClr val="FFFFFF"/>
+            </a:effectRef>
+            <a:fontRef idx="minor">
+              <a:srgbClr val="000000"/>
+            </a:fontRef>
+          </p:style>
+        </p:cxnSp>
+      </p:grpSp>
+      <p:sp>
+        <p:nvSpPr>
+          <p:cNvPr id="60" name="TextBox 59"/>
+          <p:cNvSpPr txBox="1"/>
           <p:nvPr/>
-        </p:nvPicPr>
-        <p:blipFill>
-          <a:blip r:embed="rId3"/>
-          <a:stretch>
-            <a:fillRect/>
-          </a:stretch>
-        </p:blipFill>
+        </p:nvSpPr>
         <p:spPr>
           <a:xfrm>
-            <a:off x="838200" y="1042966"/>
-            <a:ext cx="7639050" cy="6191250"/>
+            <a:off x="4383984" y="1908015"/>
+            <a:ext cx="1742899" cy="369332"/>
+          </a:xfrm>
+          <a:prstGeom prst="rect">
+            <a:avLst/>
+          </a:prstGeom>
+          <a:noFill/>
+        </p:spPr>
+        <p:txBody>
+          <a:bodyPr wrap="square" rtlCol="0">
+            <a:spAutoFit/>
+          </a:bodyPr>
+          <a:lstStyle/>
+          <a:p>
+            <a:r>
+              <a:rPr lang="en-US" altLang="ko-KR" dirty="0" err="1" smtClean="0"/>
+              <a:t>PlayListItem</a:t>
+            </a:r>
+            <a:endParaRPr lang="ko-KR" altLang="en-US" dirty="0"/>
+          </a:p>
+        </p:txBody>
+      </p:sp>
+      <p:sp>
+        <p:nvSpPr>
+          <p:cNvPr id="51" name="TextBox 50"/>
+          <p:cNvSpPr txBox="1"/>
+          <p:nvPr/>
+        </p:nvSpPr>
+        <p:spPr>
+          <a:xfrm>
+            <a:off x="1129437" y="4031035"/>
+            <a:ext cx="1048562" cy="369332"/>
+          </a:xfrm>
+          <a:prstGeom prst="rect">
+            <a:avLst/>
+          </a:prstGeom>
+          <a:noFill/>
+        </p:spPr>
+        <p:txBody>
+          <a:bodyPr wrap="square" rtlCol="0">
+            <a:spAutoFit/>
+          </a:bodyPr>
+          <a:lstStyle/>
+          <a:p>
+            <a:r>
+              <a:rPr lang="en-US" altLang="ko-KR" dirty="0" err="1" smtClean="0"/>
+              <a:t>PlayList</a:t>
+            </a:r>
+            <a:endParaRPr lang="ko-KR" altLang="en-US" dirty="0"/>
+          </a:p>
+        </p:txBody>
+      </p:sp>
+      <p:sp>
+        <p:nvSpPr>
+          <p:cNvPr id="52" name="직사각형 51"/>
+          <p:cNvSpPr/>
+          <p:nvPr/>
+        </p:nvSpPr>
+        <p:spPr>
+          <a:xfrm>
+            <a:off x="1129437" y="4512126"/>
+            <a:ext cx="6215064" cy="1974510"/>
           </a:xfrm>
           <a:prstGeom prst="rect">
             <a:avLst/>
           </a:prstGeom>
         </p:spPr>
-      </p:pic>
+        <p:style>
+          <a:lnRef idx="2">
+            <a:schemeClr val="accent1">
+              <a:shade val="50000"/>
+            </a:schemeClr>
+          </a:lnRef>
+          <a:fillRef idx="1">
+            <a:schemeClr val="accent1"/>
+          </a:fillRef>
+          <a:effectRef idx="0">
+            <a:schemeClr val="accent1"/>
+          </a:effectRef>
+          <a:fontRef idx="minor">
+            <a:schemeClr val="lt1"/>
+          </a:fontRef>
+        </p:style>
+        <p:txBody>
+          <a:bodyPr rtlCol="0" anchor="ctr"/>
+          <a:lstStyle/>
+          <a:p>
+            <a:pPr algn="ctr"/>
+            <a:endParaRPr lang="ko-KR" altLang="en-US"/>
+          </a:p>
+        </p:txBody>
+      </p:sp>
+      <p:grpSp>
+        <p:nvGrpSpPr>
+          <p:cNvPr id="53" name="Image"/>
+          <p:cNvGrpSpPr/>
+          <p:nvPr>
+            <p:custDataLst>
+              <p:custData r:id="rId7"/>
+            </p:custDataLst>
+          </p:nvPr>
+        </p:nvGrpSpPr>
+        <p:grpSpPr>
+          <a:xfrm>
+            <a:off x="1190912" y="4539219"/>
+            <a:ext cx="1742899" cy="1962488"/>
+            <a:chOff x="4037608" y="2896991"/>
+            <a:chExt cx="1059255" cy="1059255"/>
+          </a:xfrm>
+        </p:grpSpPr>
+        <p:sp>
+          <p:nvSpPr>
+            <p:cNvPr id="54" name="Rectangle 2"/>
+            <p:cNvSpPr/>
+            <p:nvPr/>
+          </p:nvSpPr>
+          <p:spPr>
+            <a:xfrm>
+              <a:off x="4037608" y="2896991"/>
+              <a:ext cx="1059255" cy="1059255"/>
+            </a:xfrm>
+            <a:prstGeom prst="rect">
+              <a:avLst/>
+            </a:prstGeom>
+            <a:solidFill>
+              <a:sysClr val="window" lastClr="FFFFFF"/>
+            </a:solidFill>
+            <a:ln w="3175" cap="flat" cmpd="sng" algn="ctr">
+              <a:solidFill>
+                <a:srgbClr val="FFFFFF">
+                  <a:lumMod val="50000"/>
+                </a:srgbClr>
+              </a:solidFill>
+              <a:prstDash val="solid"/>
+            </a:ln>
+            <a:effectLst/>
+          </p:spPr>
+          <p:txBody>
+            <a:bodyPr rot="0" spcFirstLastPara="0" vertOverflow="overflow" horzOverflow="overflow" vert="horz" wrap="square" lIns="45720" tIns="45720" rIns="91440" bIns="45720" numCol="1" spcCol="0" rtlCol="0" fromWordArt="0" anchor="ctr" anchorCtr="0" forceAA="0" compatLnSpc="1">
+              <a:prstTxWarp prst="textNoShape">
+                <a:avLst/>
+              </a:prstTxWarp>
+              <a:noAutofit/>
+            </a:bodyPr>
+            <a:lstStyle/>
+            <a:p>
+              <a:pPr marL="0" marR="0" indent="0" algn="ctr" defTabSz="914400" eaLnBrk="1" fontAlgn="auto" latinLnBrk="0" hangingPunct="1">
+                <a:lnSpc>
+                  <a:spcPct val="100000"/>
+                </a:lnSpc>
+                <a:spcBef>
+                  <a:spcPts val="0"/>
+                </a:spcBef>
+                <a:spcAft>
+                  <a:spcPts val="0"/>
+                </a:spcAft>
+                <a:buClrTx/>
+                <a:buSzTx/>
+                <a:buFontTx/>
+                <a:buNone/>
+                <a:tabLst/>
+              </a:pPr>
+              <a:endParaRPr kumimoji="0" lang="en-US" sz="800" b="0" i="0" u="none" strike="noStrike" kern="0" cap="none" spc="0" normalizeH="0" baseline="0" noProof="0" dirty="0" smtClean="0">
+                <a:ln>
+                  <a:noFill/>
+                </a:ln>
+                <a:solidFill>
+                  <a:srgbClr val="000000">
+                    <a:lumMod val="75000"/>
+                    <a:lumOff val="25000"/>
+                  </a:srgbClr>
+                </a:solidFill>
+                <a:effectLst/>
+                <a:uLnTx/>
+                <a:uFillTx/>
+                <a:latin typeface="Segoe UI"/>
+                <a:ea typeface="+mn-ea"/>
+                <a:cs typeface="+mn-cs"/>
+              </a:endParaRPr>
+            </a:p>
+          </p:txBody>
+        </p:sp>
+        <p:cxnSp>
+          <p:nvCxnSpPr>
+            <p:cNvPr id="71" name="Straight Connector 3"/>
+            <p:cNvCxnSpPr/>
+            <p:nvPr/>
+          </p:nvCxnSpPr>
+          <p:spPr>
+            <a:xfrm>
+              <a:off x="4037608" y="2896991"/>
+              <a:ext cx="1059255" cy="1059255"/>
+            </a:xfrm>
+            <a:prstGeom prst="line">
+              <a:avLst/>
+            </a:prstGeom>
+            <a:ln w="3175">
+              <a:solidFill>
+                <a:srgbClr val="FFFFFF">
+                  <a:lumMod val="50000"/>
+                </a:srgbClr>
+              </a:solidFill>
+            </a:ln>
+          </p:spPr>
+          <p:style>
+            <a:lnRef idx="1">
+              <a:srgbClr val="FFFFFF"/>
+            </a:lnRef>
+            <a:fillRef idx="0">
+              <a:srgbClr val="FFFFFF"/>
+            </a:fillRef>
+            <a:effectRef idx="0">
+              <a:srgbClr val="FFFFFF"/>
+            </a:effectRef>
+            <a:fontRef idx="minor">
+              <a:srgbClr val="000000"/>
+            </a:fontRef>
+          </p:style>
+        </p:cxnSp>
+        <p:cxnSp>
+          <p:nvCxnSpPr>
+            <p:cNvPr id="72" name="Straight Connector 4"/>
+            <p:cNvCxnSpPr/>
+            <p:nvPr/>
+          </p:nvCxnSpPr>
+          <p:spPr>
+            <a:xfrm flipV="1">
+              <a:off x="4037608" y="2896991"/>
+              <a:ext cx="1059255" cy="1059255"/>
+            </a:xfrm>
+            <a:prstGeom prst="line">
+              <a:avLst/>
+            </a:prstGeom>
+            <a:ln w="3175">
+              <a:solidFill>
+                <a:srgbClr val="FFFFFF">
+                  <a:lumMod val="50000"/>
+                </a:srgbClr>
+              </a:solidFill>
+            </a:ln>
+          </p:spPr>
+          <p:style>
+            <a:lnRef idx="1">
+              <a:srgbClr val="FFFFFF"/>
+            </a:lnRef>
+            <a:fillRef idx="0">
+              <a:srgbClr val="FFFFFF"/>
+            </a:fillRef>
+            <a:effectRef idx="0">
+              <a:srgbClr val="FFFFFF"/>
+            </a:effectRef>
+            <a:fontRef idx="minor">
+              <a:srgbClr val="000000"/>
+            </a:fontRef>
+          </p:style>
+        </p:cxnSp>
+      </p:grpSp>
+      <p:grpSp>
+        <p:nvGrpSpPr>
+          <p:cNvPr id="73" name="Image"/>
+          <p:cNvGrpSpPr/>
+          <p:nvPr>
+            <p:custDataLst>
+              <p:custData r:id="rId8"/>
+            </p:custDataLst>
+          </p:nvPr>
+        </p:nvGrpSpPr>
+        <p:grpSpPr>
+          <a:xfrm>
+            <a:off x="1578560" y="4551241"/>
+            <a:ext cx="1742899" cy="1962488"/>
+            <a:chOff x="4037608" y="2896991"/>
+            <a:chExt cx="1059255" cy="1059255"/>
+          </a:xfrm>
+        </p:grpSpPr>
+        <p:sp>
+          <p:nvSpPr>
+            <p:cNvPr id="74" name="Rectangle 2"/>
+            <p:cNvSpPr/>
+            <p:nvPr/>
+          </p:nvSpPr>
+          <p:spPr>
+            <a:xfrm>
+              <a:off x="4037608" y="2896991"/>
+              <a:ext cx="1059255" cy="1059255"/>
+            </a:xfrm>
+            <a:prstGeom prst="rect">
+              <a:avLst/>
+            </a:prstGeom>
+            <a:solidFill>
+              <a:sysClr val="window" lastClr="FFFFFF"/>
+            </a:solidFill>
+            <a:ln w="3175" cap="flat" cmpd="sng" algn="ctr">
+              <a:solidFill>
+                <a:srgbClr val="FFFFFF">
+                  <a:lumMod val="50000"/>
+                </a:srgbClr>
+              </a:solidFill>
+              <a:prstDash val="solid"/>
+            </a:ln>
+            <a:effectLst/>
+          </p:spPr>
+          <p:txBody>
+            <a:bodyPr rot="0" spcFirstLastPara="0" vertOverflow="overflow" horzOverflow="overflow" vert="horz" wrap="square" lIns="45720" tIns="45720" rIns="91440" bIns="45720" numCol="1" spcCol="0" rtlCol="0" fromWordArt="0" anchor="ctr" anchorCtr="0" forceAA="0" compatLnSpc="1">
+              <a:prstTxWarp prst="textNoShape">
+                <a:avLst/>
+              </a:prstTxWarp>
+              <a:noAutofit/>
+            </a:bodyPr>
+            <a:lstStyle/>
+            <a:p>
+              <a:pPr marL="0" marR="0" indent="0" algn="ctr" defTabSz="914400" eaLnBrk="1" fontAlgn="auto" latinLnBrk="0" hangingPunct="1">
+                <a:lnSpc>
+                  <a:spcPct val="100000"/>
+                </a:lnSpc>
+                <a:spcBef>
+                  <a:spcPts val="0"/>
+                </a:spcBef>
+                <a:spcAft>
+                  <a:spcPts val="0"/>
+                </a:spcAft>
+                <a:buClrTx/>
+                <a:buSzTx/>
+                <a:buFontTx/>
+                <a:buNone/>
+                <a:tabLst/>
+              </a:pPr>
+              <a:endParaRPr kumimoji="0" lang="en-US" sz="800" b="0" i="0" u="none" strike="noStrike" kern="0" cap="none" spc="0" normalizeH="0" baseline="0" noProof="0" dirty="0" smtClean="0">
+                <a:ln>
+                  <a:noFill/>
+                </a:ln>
+                <a:solidFill>
+                  <a:srgbClr val="000000">
+                    <a:lumMod val="75000"/>
+                    <a:lumOff val="25000"/>
+                  </a:srgbClr>
+                </a:solidFill>
+                <a:effectLst/>
+                <a:uLnTx/>
+                <a:uFillTx/>
+                <a:latin typeface="Segoe UI"/>
+                <a:ea typeface="+mn-ea"/>
+                <a:cs typeface="+mn-cs"/>
+              </a:endParaRPr>
+            </a:p>
+          </p:txBody>
+        </p:sp>
+        <p:cxnSp>
+          <p:nvCxnSpPr>
+            <p:cNvPr id="75" name="Straight Connector 3"/>
+            <p:cNvCxnSpPr/>
+            <p:nvPr/>
+          </p:nvCxnSpPr>
+          <p:spPr>
+            <a:xfrm>
+              <a:off x="4037608" y="2896991"/>
+              <a:ext cx="1059255" cy="1059255"/>
+            </a:xfrm>
+            <a:prstGeom prst="line">
+              <a:avLst/>
+            </a:prstGeom>
+            <a:ln w="3175">
+              <a:solidFill>
+                <a:srgbClr val="FFFFFF">
+                  <a:lumMod val="50000"/>
+                </a:srgbClr>
+              </a:solidFill>
+            </a:ln>
+          </p:spPr>
+          <p:style>
+            <a:lnRef idx="1">
+              <a:srgbClr val="FFFFFF"/>
+            </a:lnRef>
+            <a:fillRef idx="0">
+              <a:srgbClr val="FFFFFF"/>
+            </a:fillRef>
+            <a:effectRef idx="0">
+              <a:srgbClr val="FFFFFF"/>
+            </a:effectRef>
+            <a:fontRef idx="minor">
+              <a:srgbClr val="000000"/>
+            </a:fontRef>
+          </p:style>
+        </p:cxnSp>
+        <p:cxnSp>
+          <p:nvCxnSpPr>
+            <p:cNvPr id="86" name="Straight Connector 4"/>
+            <p:cNvCxnSpPr/>
+            <p:nvPr/>
+          </p:nvCxnSpPr>
+          <p:spPr>
+            <a:xfrm flipV="1">
+              <a:off x="4037608" y="2896991"/>
+              <a:ext cx="1059255" cy="1059255"/>
+            </a:xfrm>
+            <a:prstGeom prst="line">
+              <a:avLst/>
+            </a:prstGeom>
+            <a:ln w="3175">
+              <a:solidFill>
+                <a:srgbClr val="FFFFFF">
+                  <a:lumMod val="50000"/>
+                </a:srgbClr>
+              </a:solidFill>
+            </a:ln>
+          </p:spPr>
+          <p:style>
+            <a:lnRef idx="1">
+              <a:srgbClr val="FFFFFF"/>
+            </a:lnRef>
+            <a:fillRef idx="0">
+              <a:srgbClr val="FFFFFF"/>
+            </a:fillRef>
+            <a:effectRef idx="0">
+              <a:srgbClr val="FFFFFF"/>
+            </a:effectRef>
+            <a:fontRef idx="minor">
+              <a:srgbClr val="000000"/>
+            </a:fontRef>
+          </p:style>
+        </p:cxnSp>
+      </p:grpSp>
+      <p:grpSp>
+        <p:nvGrpSpPr>
+          <p:cNvPr id="87" name="Image"/>
+          <p:cNvGrpSpPr/>
+          <p:nvPr>
+            <p:custDataLst>
+              <p:custData r:id="rId9"/>
+            </p:custDataLst>
+          </p:nvPr>
+        </p:nvGrpSpPr>
+        <p:grpSpPr>
+          <a:xfrm>
+            <a:off x="2008213" y="4551241"/>
+            <a:ext cx="1742899" cy="1962488"/>
+            <a:chOff x="4037608" y="2896991"/>
+            <a:chExt cx="1059255" cy="1059255"/>
+          </a:xfrm>
+        </p:grpSpPr>
+        <p:sp>
+          <p:nvSpPr>
+            <p:cNvPr id="88" name="Rectangle 2"/>
+            <p:cNvSpPr/>
+            <p:nvPr/>
+          </p:nvSpPr>
+          <p:spPr>
+            <a:xfrm>
+              <a:off x="4037608" y="2896991"/>
+              <a:ext cx="1059255" cy="1059255"/>
+            </a:xfrm>
+            <a:prstGeom prst="rect">
+              <a:avLst/>
+            </a:prstGeom>
+            <a:solidFill>
+              <a:sysClr val="window" lastClr="FFFFFF"/>
+            </a:solidFill>
+            <a:ln w="3175" cap="flat" cmpd="sng" algn="ctr">
+              <a:solidFill>
+                <a:srgbClr val="FFFFFF">
+                  <a:lumMod val="50000"/>
+                </a:srgbClr>
+              </a:solidFill>
+              <a:prstDash val="solid"/>
+            </a:ln>
+            <a:effectLst/>
+          </p:spPr>
+          <p:txBody>
+            <a:bodyPr rot="0" spcFirstLastPara="0" vertOverflow="overflow" horzOverflow="overflow" vert="horz" wrap="square" lIns="45720" tIns="45720" rIns="91440" bIns="45720" numCol="1" spcCol="0" rtlCol="0" fromWordArt="0" anchor="ctr" anchorCtr="0" forceAA="0" compatLnSpc="1">
+              <a:prstTxWarp prst="textNoShape">
+                <a:avLst/>
+              </a:prstTxWarp>
+              <a:noAutofit/>
+            </a:bodyPr>
+            <a:lstStyle/>
+            <a:p>
+              <a:pPr marL="0" marR="0" indent="0" algn="ctr" defTabSz="914400" eaLnBrk="1" fontAlgn="auto" latinLnBrk="0" hangingPunct="1">
+                <a:lnSpc>
+                  <a:spcPct val="100000"/>
+                </a:lnSpc>
+                <a:spcBef>
+                  <a:spcPts val="0"/>
+                </a:spcBef>
+                <a:spcAft>
+                  <a:spcPts val="0"/>
+                </a:spcAft>
+                <a:buClrTx/>
+                <a:buSzTx/>
+                <a:buFontTx/>
+                <a:buNone/>
+                <a:tabLst/>
+              </a:pPr>
+              <a:endParaRPr kumimoji="0" lang="en-US" sz="800" b="0" i="0" u="none" strike="noStrike" kern="0" cap="none" spc="0" normalizeH="0" baseline="0" noProof="0" dirty="0" smtClean="0">
+                <a:ln>
+                  <a:noFill/>
+                </a:ln>
+                <a:solidFill>
+                  <a:srgbClr val="000000">
+                    <a:lumMod val="75000"/>
+                    <a:lumOff val="25000"/>
+                  </a:srgbClr>
+                </a:solidFill>
+                <a:effectLst/>
+                <a:uLnTx/>
+                <a:uFillTx/>
+                <a:latin typeface="Segoe UI"/>
+                <a:ea typeface="+mn-ea"/>
+                <a:cs typeface="+mn-cs"/>
+              </a:endParaRPr>
+            </a:p>
+          </p:txBody>
+        </p:sp>
+        <p:cxnSp>
+          <p:nvCxnSpPr>
+            <p:cNvPr id="89" name="Straight Connector 3"/>
+            <p:cNvCxnSpPr/>
+            <p:nvPr/>
+          </p:nvCxnSpPr>
+          <p:spPr>
+            <a:xfrm>
+              <a:off x="4037608" y="2896991"/>
+              <a:ext cx="1059255" cy="1059255"/>
+            </a:xfrm>
+            <a:prstGeom prst="line">
+              <a:avLst/>
+            </a:prstGeom>
+            <a:ln w="3175">
+              <a:solidFill>
+                <a:srgbClr val="FFFFFF">
+                  <a:lumMod val="50000"/>
+                </a:srgbClr>
+              </a:solidFill>
+            </a:ln>
+          </p:spPr>
+          <p:style>
+            <a:lnRef idx="1">
+              <a:srgbClr val="FFFFFF"/>
+            </a:lnRef>
+            <a:fillRef idx="0">
+              <a:srgbClr val="FFFFFF"/>
+            </a:fillRef>
+            <a:effectRef idx="0">
+              <a:srgbClr val="FFFFFF"/>
+            </a:effectRef>
+            <a:fontRef idx="minor">
+              <a:srgbClr val="000000"/>
+            </a:fontRef>
+          </p:style>
+        </p:cxnSp>
+        <p:cxnSp>
+          <p:nvCxnSpPr>
+            <p:cNvPr id="90" name="Straight Connector 4"/>
+            <p:cNvCxnSpPr/>
+            <p:nvPr/>
+          </p:nvCxnSpPr>
+          <p:spPr>
+            <a:xfrm flipV="1">
+              <a:off x="4037608" y="2896991"/>
+              <a:ext cx="1059255" cy="1059255"/>
+            </a:xfrm>
+            <a:prstGeom prst="line">
+              <a:avLst/>
+            </a:prstGeom>
+            <a:ln w="3175">
+              <a:solidFill>
+                <a:srgbClr val="FFFFFF">
+                  <a:lumMod val="50000"/>
+                </a:srgbClr>
+              </a:solidFill>
+            </a:ln>
+          </p:spPr>
+          <p:style>
+            <a:lnRef idx="1">
+              <a:srgbClr val="FFFFFF"/>
+            </a:lnRef>
+            <a:fillRef idx="0">
+              <a:srgbClr val="FFFFFF"/>
+            </a:fillRef>
+            <a:effectRef idx="0">
+              <a:srgbClr val="FFFFFF"/>
+            </a:effectRef>
+            <a:fontRef idx="minor">
+              <a:srgbClr val="000000"/>
+            </a:fontRef>
+          </p:style>
+        </p:cxnSp>
+      </p:grpSp>
+      <p:grpSp>
+        <p:nvGrpSpPr>
+          <p:cNvPr id="91" name="Image"/>
+          <p:cNvGrpSpPr/>
+          <p:nvPr>
+            <p:custDataLst>
+              <p:custData r:id="rId10"/>
+            </p:custDataLst>
+          </p:nvPr>
+        </p:nvGrpSpPr>
+        <p:grpSpPr>
+          <a:xfrm>
+            <a:off x="2500810" y="4539219"/>
+            <a:ext cx="1742899" cy="1962488"/>
+            <a:chOff x="4037608" y="2896991"/>
+            <a:chExt cx="1059255" cy="1059255"/>
+          </a:xfrm>
+        </p:grpSpPr>
+        <p:sp>
+          <p:nvSpPr>
+            <p:cNvPr id="92" name="Rectangle 2"/>
+            <p:cNvSpPr/>
+            <p:nvPr/>
+          </p:nvSpPr>
+          <p:spPr>
+            <a:xfrm>
+              <a:off x="4037608" y="2896991"/>
+              <a:ext cx="1059255" cy="1059255"/>
+            </a:xfrm>
+            <a:prstGeom prst="rect">
+              <a:avLst/>
+            </a:prstGeom>
+            <a:solidFill>
+              <a:sysClr val="window" lastClr="FFFFFF"/>
+            </a:solidFill>
+            <a:ln w="3175" cap="flat" cmpd="sng" algn="ctr">
+              <a:solidFill>
+                <a:srgbClr val="FFFFFF">
+                  <a:lumMod val="50000"/>
+                </a:srgbClr>
+              </a:solidFill>
+              <a:prstDash val="solid"/>
+            </a:ln>
+            <a:effectLst/>
+          </p:spPr>
+          <p:txBody>
+            <a:bodyPr rot="0" spcFirstLastPara="0" vertOverflow="overflow" horzOverflow="overflow" vert="horz" wrap="square" lIns="45720" tIns="45720" rIns="91440" bIns="45720" numCol="1" spcCol="0" rtlCol="0" fromWordArt="0" anchor="ctr" anchorCtr="0" forceAA="0" compatLnSpc="1">
+              <a:prstTxWarp prst="textNoShape">
+                <a:avLst/>
+              </a:prstTxWarp>
+              <a:noAutofit/>
+            </a:bodyPr>
+            <a:lstStyle/>
+            <a:p>
+              <a:pPr marL="0" marR="0" indent="0" algn="ctr" defTabSz="914400" eaLnBrk="1" fontAlgn="auto" latinLnBrk="0" hangingPunct="1">
+                <a:lnSpc>
+                  <a:spcPct val="100000"/>
+                </a:lnSpc>
+                <a:spcBef>
+                  <a:spcPts val="0"/>
+                </a:spcBef>
+                <a:spcAft>
+                  <a:spcPts val="0"/>
+                </a:spcAft>
+                <a:buClrTx/>
+                <a:buSzTx/>
+                <a:buFontTx/>
+                <a:buNone/>
+                <a:tabLst/>
+              </a:pPr>
+              <a:endParaRPr kumimoji="0" lang="en-US" sz="800" b="0" i="0" u="none" strike="noStrike" kern="0" cap="none" spc="0" normalizeH="0" baseline="0" noProof="0" dirty="0" smtClean="0">
+                <a:ln>
+                  <a:noFill/>
+                </a:ln>
+                <a:solidFill>
+                  <a:srgbClr val="000000">
+                    <a:lumMod val="75000"/>
+                    <a:lumOff val="25000"/>
+                  </a:srgbClr>
+                </a:solidFill>
+                <a:effectLst/>
+                <a:uLnTx/>
+                <a:uFillTx/>
+                <a:latin typeface="Segoe UI"/>
+                <a:ea typeface="+mn-ea"/>
+                <a:cs typeface="+mn-cs"/>
+              </a:endParaRPr>
+            </a:p>
+          </p:txBody>
+        </p:sp>
+        <p:cxnSp>
+          <p:nvCxnSpPr>
+            <p:cNvPr id="93" name="Straight Connector 3"/>
+            <p:cNvCxnSpPr/>
+            <p:nvPr/>
+          </p:nvCxnSpPr>
+          <p:spPr>
+            <a:xfrm>
+              <a:off x="4037608" y="2896991"/>
+              <a:ext cx="1059255" cy="1059255"/>
+            </a:xfrm>
+            <a:prstGeom prst="line">
+              <a:avLst/>
+            </a:prstGeom>
+            <a:ln w="3175">
+              <a:solidFill>
+                <a:srgbClr val="FFFFFF">
+                  <a:lumMod val="50000"/>
+                </a:srgbClr>
+              </a:solidFill>
+            </a:ln>
+          </p:spPr>
+          <p:style>
+            <a:lnRef idx="1">
+              <a:srgbClr val="FFFFFF"/>
+            </a:lnRef>
+            <a:fillRef idx="0">
+              <a:srgbClr val="FFFFFF"/>
+            </a:fillRef>
+            <a:effectRef idx="0">
+              <a:srgbClr val="FFFFFF"/>
+            </a:effectRef>
+            <a:fontRef idx="minor">
+              <a:srgbClr val="000000"/>
+            </a:fontRef>
+          </p:style>
+        </p:cxnSp>
+        <p:cxnSp>
+          <p:nvCxnSpPr>
+            <p:cNvPr id="94" name="Straight Connector 4"/>
+            <p:cNvCxnSpPr/>
+            <p:nvPr/>
+          </p:nvCxnSpPr>
+          <p:spPr>
+            <a:xfrm flipV="1">
+              <a:off x="4037608" y="2896991"/>
+              <a:ext cx="1059255" cy="1059255"/>
+            </a:xfrm>
+            <a:prstGeom prst="line">
+              <a:avLst/>
+            </a:prstGeom>
+            <a:ln w="3175">
+              <a:solidFill>
+                <a:srgbClr val="FFFFFF">
+                  <a:lumMod val="50000"/>
+                </a:srgbClr>
+              </a:solidFill>
+            </a:ln>
+          </p:spPr>
+          <p:style>
+            <a:lnRef idx="1">
+              <a:srgbClr val="FFFFFF"/>
+            </a:lnRef>
+            <a:fillRef idx="0">
+              <a:srgbClr val="FFFFFF"/>
+            </a:fillRef>
+            <a:effectRef idx="0">
+              <a:srgbClr val="FFFFFF"/>
+            </a:effectRef>
+            <a:fontRef idx="minor">
+              <a:srgbClr val="000000"/>
+            </a:fontRef>
+          </p:style>
+        </p:cxnSp>
+      </p:grpSp>
+      <p:sp>
+        <p:nvSpPr>
+          <p:cNvPr id="95" name="TextBox 94"/>
+          <p:cNvSpPr txBox="1"/>
+          <p:nvPr/>
+        </p:nvSpPr>
+        <p:spPr>
+          <a:xfrm>
+            <a:off x="4383984" y="4558003"/>
+            <a:ext cx="1742899" cy="369332"/>
+          </a:xfrm>
+          <a:prstGeom prst="rect">
+            <a:avLst/>
+          </a:prstGeom>
+          <a:noFill/>
+        </p:spPr>
+        <p:txBody>
+          <a:bodyPr wrap="square" rtlCol="0">
+            <a:spAutoFit/>
+          </a:bodyPr>
+          <a:lstStyle/>
+          <a:p>
+            <a:r>
+              <a:rPr lang="en-US" altLang="ko-KR" dirty="0" err="1" smtClean="0"/>
+              <a:t>PlayListItem</a:t>
+            </a:r>
+            <a:endParaRPr lang="ko-KR" altLang="en-US" dirty="0"/>
+          </a:p>
+        </p:txBody>
+      </p:sp>
     </p:spTree>
     <p:extLst>
       <p:ext uri="{BB962C8B-B14F-4D97-AF65-F5344CB8AC3E}">
-        <p14:creationId xmlns:p14="http://schemas.microsoft.com/office/powerpoint/2010/main" val="3976840845"/>
+        <p14:creationId xmlns:p14="http://schemas.microsoft.com/office/powerpoint/2010/main" val="1102579754"/>
       </p:ext>
     </p:extLst>
   </p:cSld>
@@ -10882,7 +18951,127 @@
 </Control>
 </file>
 
+<file path=customXml/item10.xml><?xml version="1.0" encoding="utf-8"?>
+<Control xmlns="http://schemas.microsoft.com/VisualStudio/2011/storyboarding/control">
+  <Id Name="System.Storyboarding.Backgrounds.Window" Revision="1" Stencil="System.Storyboarding.Backgrounds" StencilVersion="0.1"/>
+</Control>
+</file>
+
+<file path=customXml/item11.xml><?xml version="1.0" encoding="utf-8"?>
+<Control xmlns="http://schemas.microsoft.com/VisualStudio/2011/storyboarding/control">
+  <Id Name="System.Storyboarding.Common.LinkBar" Revision="1" Stencil="System.Storyboarding.Common" StencilVersion="0.1"/>
+</Control>
+</file>
+
+<file path=customXml/item12.xml><?xml version="1.0" encoding="utf-8"?>
+<Control xmlns="http://schemas.microsoft.com/VisualStudio/2011/storyboarding/control">
+  <Id Name="System.Storyboarding.Common.LinkBar" Revision="1" Stencil="System.Storyboarding.Common" StencilVersion="0.1"/>
+</Control>
+</file>
+
+<file path=customXml/item13.xml><?xml version="1.0" encoding="utf-8"?>
+<Control xmlns="http://schemas.microsoft.com/VisualStudio/2011/storyboarding/control">
+  <Id Name="System.Storyboarding.Media.Image" Revision="1" Stencil="System.Storyboarding.Media" StencilVersion="0.1"/>
+</Control>
+</file>
+
+<file path=customXml/item14.xml><?xml version="1.0" encoding="utf-8"?>
+<Control xmlns="http://schemas.microsoft.com/VisualStudio/2011/storyboarding/control">
+  <Id Name="System.Storyboarding.Media.Image" Revision="1" Stencil="System.Storyboarding.Media" StencilVersion="0.1"/>
+</Control>
+</file>
+
+<file path=customXml/item15.xml><?xml version="1.0" encoding="utf-8"?>
+<Control xmlns="http://schemas.microsoft.com/VisualStudio/2011/storyboarding/control">
+  <Id Name="System.Storyboarding.Media.Image" Revision="1" Stencil="System.Storyboarding.Media" StencilVersion="0.1"/>
+</Control>
+</file>
+
+<file path=customXml/item16.xml><?xml version="1.0" encoding="utf-8"?>
+<Control xmlns="http://schemas.microsoft.com/VisualStudio/2011/storyboarding/control">
+  <Id Name="System.Storyboarding.Media.Image" Revision="1" Stencil="System.Storyboarding.Media" StencilVersion="0.1"/>
+</Control>
+</file>
+
+<file path=customXml/item17.xml><?xml version="1.0" encoding="utf-8"?>
+<Control xmlns="http://schemas.microsoft.com/VisualStudio/2011/storyboarding/control">
+  <Id Name="System.Storyboarding.Media.Image" Revision="1" Stencil="System.Storyboarding.Media" StencilVersion="0.1"/>
+</Control>
+</file>
+
+<file path=customXml/item18.xml><?xml version="1.0" encoding="utf-8"?>
+<Control xmlns="http://schemas.microsoft.com/VisualStudio/2011/storyboarding/control">
+  <Id Name="System.Storyboarding.Backgrounds.Window" Revision="1" Stencil="System.Storyboarding.Backgrounds" StencilVersion="0.1"/>
+</Control>
+</file>
+
+<file path=customXml/item19.xml><?xml version="1.0" encoding="utf-8"?>
+<Control xmlns="http://schemas.microsoft.com/VisualStudio/2011/storyboarding/control">
+  <Id Name="System.Storyboarding.Common.LinkBar" Revision="1" Stencil="System.Storyboarding.Common" StencilVersion="0.1"/>
+</Control>
+</file>
+
 <file path=customXml/item2.xml><?xml version="1.0" encoding="utf-8"?>
+<Control xmlns="http://schemas.microsoft.com/VisualStudio/2011/storyboarding/control">
+  <Id Name="System.Storyboarding.Common.LinkBar" Revision="1" Stencil="System.Storyboarding.Common" StencilVersion="0.1"/>
+</Control>
+</file>
+
+<file path=customXml/item20.xml><?xml version="1.0" encoding="utf-8"?>
+<Control xmlns="http://schemas.microsoft.com/VisualStudio/2011/storyboarding/control">
+  <Id Name="System.Storyboarding.Media.Image" Revision="1" Stencil="System.Storyboarding.Media" StencilVersion="0.1"/>
+</Control>
+</file>
+
+<file path=customXml/item21.xml><?xml version="1.0" encoding="utf-8"?>
+<Control xmlns="http://schemas.microsoft.com/VisualStudio/2011/storyboarding/control">
+  <Id Name="System.Storyboarding.Media.Image" Revision="1" Stencil="System.Storyboarding.Media" StencilVersion="0.1"/>
+</Control>
+</file>
+
+<file path=customXml/item22.xml><?xml version="1.0" encoding="utf-8"?>
+<Control xmlns="http://schemas.microsoft.com/VisualStudio/2011/storyboarding/control">
+  <Id Name="System.Storyboarding.Media.Image" Revision="1" Stencil="System.Storyboarding.Media" StencilVersion="0.1"/>
+</Control>
+</file>
+
+<file path=customXml/item23.xml><?xml version="1.0" encoding="utf-8"?>
+<Control xmlns="http://schemas.microsoft.com/VisualStudio/2011/storyboarding/control">
+  <Id Name="System.Storyboarding.Media.Image" Revision="1" Stencil="System.Storyboarding.Media" StencilVersion="0.1"/>
+</Control>
+</file>
+
+<file path=customXml/item24.xml><?xml version="1.0" encoding="utf-8"?>
+<Control xmlns="http://schemas.microsoft.com/VisualStudio/2011/storyboarding/control">
+  <Id Name="System.Storyboarding.Media.Image" Revision="1" Stencil="System.Storyboarding.Media" StencilVersion="0.1"/>
+</Control>
+</file>
+
+<file path=customXml/item25.xml><?xml version="1.0" encoding="utf-8"?>
+<Control xmlns="http://schemas.microsoft.com/VisualStudio/2011/storyboarding/control">
+  <Id Name="System.Storyboarding.Media.Image" Revision="1" Stencil="System.Storyboarding.Media" StencilVersion="0.1"/>
+</Control>
+</file>
+
+<file path=customXml/item26.xml><?xml version="1.0" encoding="utf-8"?>
+<Control xmlns="http://schemas.microsoft.com/VisualStudio/2011/storyboarding/control">
+  <Id Name="System.Storyboarding.Media.Image" Revision="1" Stencil="System.Storyboarding.Media" StencilVersion="0.1"/>
+</Control>
+</file>
+
+<file path=customXml/item27.xml><?xml version="1.0" encoding="utf-8"?>
+<Control xmlns="http://schemas.microsoft.com/VisualStudio/2011/storyboarding/control">
+  <Id Name="System.Storyboarding.Media.Image" Revision="1" Stencil="System.Storyboarding.Media" StencilVersion="0.1"/>
+</Control>
+</file>
+
+<file path=customXml/item28.xml><?xml version="1.0" encoding="utf-8"?>
+<Control xmlns="http://schemas.microsoft.com/VisualStudio/2011/storyboarding/control">
+  <Id Name="System.Storyboarding.Backgrounds.Window" Revision="1" Stencil="System.Storyboarding.Backgrounds" StencilVersion="0.1"/>
+</Control>
+</file>
+
+<file path=customXml/item29.xml><?xml version="1.0" encoding="utf-8"?>
 <Control xmlns="http://schemas.microsoft.com/VisualStudio/2011/storyboarding/control">
   <Id Name="System.Storyboarding.Common.LinkBar" Revision="1" Stencil="System.Storyboarding.Common" StencilVersion="0.1"/>
 </Control>
@@ -10890,13 +19079,127 @@
 
 <file path=customXml/item3.xml><?xml version="1.0" encoding="utf-8"?>
 <Control xmlns="http://schemas.microsoft.com/VisualStudio/2011/storyboarding/control">
+  <Id Name="System.Storyboarding.Backgrounds.Window" Revision="1" Stencil="System.Storyboarding.Backgrounds" StencilVersion="0.1"/>
+</Control>
+</file>
+
+<file path=customXml/item30.xml><?xml version="1.0" encoding="utf-8"?>
+<Control xmlns="http://schemas.microsoft.com/VisualStudio/2011/storyboarding/control">
   <Id Name="System.Storyboarding.Media.Image" Revision="1" Stencil="System.Storyboarding.Media" StencilVersion="0.1"/>
+</Control>
+</file>
+
+<file path=customXml/item31.xml><?xml version="1.0" encoding="utf-8"?>
+<Control xmlns="http://schemas.microsoft.com/VisualStudio/2011/storyboarding/control">
+  <Id Name="System.Storyboarding.Media.Image" Revision="1" Stencil="System.Storyboarding.Media" StencilVersion="0.1"/>
+</Control>
+</file>
+
+<file path=customXml/item32.xml><?xml version="1.0" encoding="utf-8"?>
+<Control xmlns="http://schemas.microsoft.com/VisualStudio/2011/storyboarding/control">
+  <Id Name="System.Storyboarding.Media.Image" Revision="1" Stencil="System.Storyboarding.Media" StencilVersion="0.1"/>
+</Control>
+</file>
+
+<file path=customXml/item33.xml><?xml version="1.0" encoding="utf-8"?>
+<Control xmlns="http://schemas.microsoft.com/VisualStudio/2011/storyboarding/control">
+  <Id Name="System.Storyboarding.Media.Image" Revision="1" Stencil="System.Storyboarding.Media" StencilVersion="0.1"/>
+</Control>
+</file>
+
+<file path=customXml/item34.xml><?xml version="1.0" encoding="utf-8"?>
+<Control xmlns="http://schemas.microsoft.com/VisualStudio/2011/storyboarding/control">
+  <Id Name="System.Storyboarding.Media.Image" Revision="1" Stencil="System.Storyboarding.Media" StencilVersion="0.1"/>
+</Control>
+</file>
+
+<file path=customXml/item35.xml><?xml version="1.0" encoding="utf-8"?>
+<Control xmlns="http://schemas.microsoft.com/VisualStudio/2011/storyboarding/control">
+  <Id Name="System.Storyboarding.Media.Image" Revision="1" Stencil="System.Storyboarding.Media" StencilVersion="0.1"/>
+</Control>
+</file>
+
+<file path=customXml/item36.xml><?xml version="1.0" encoding="utf-8"?>
+<Control xmlns="http://schemas.microsoft.com/VisualStudio/2011/storyboarding/control">
+  <Id Name="System.Storyboarding.Media.Image" Revision="1" Stencil="System.Storyboarding.Media" StencilVersion="0.1"/>
+</Control>
+</file>
+
+<file path=customXml/item37.xml><?xml version="1.0" encoding="utf-8"?>
+<Control xmlns="http://schemas.microsoft.com/VisualStudio/2011/storyboarding/control">
+  <Id Name="System.Storyboarding.Media.Image" Revision="1" Stencil="System.Storyboarding.Media" StencilVersion="0.1"/>
+</Control>
+</file>
+
+<file path=customXml/item38.xml><?xml version="1.0" encoding="utf-8"?>
+<Control xmlns="http://schemas.microsoft.com/VisualStudio/2011/storyboarding/control">
+  <Id Name="System.Storyboarding.Backgrounds.Window" Revision="1" Stencil="System.Storyboarding.Backgrounds" StencilVersion="0.1"/>
+</Control>
+</file>
+
+<file path=customXml/item39.xml><?xml version="1.0" encoding="utf-8"?>
+<Control xmlns="http://schemas.microsoft.com/VisualStudio/2011/storyboarding/control">
+  <Id Name="System.Storyboarding.Common.LinkBar" Revision="1" Stencil="System.Storyboarding.Common" StencilVersion="0.1"/>
 </Control>
 </file>
 
 <file path=customXml/item4.xml><?xml version="1.0" encoding="utf-8"?>
 <Control xmlns="http://schemas.microsoft.com/VisualStudio/2011/storyboarding/control">
   <Id Name="System.Storyboarding.Media.Image" Revision="1" Stencil="System.Storyboarding.Media" StencilVersion="0.1"/>
+</Control>
+</file>
+
+<file path=customXml/item40.xml><?xml version="1.0" encoding="utf-8"?>
+<Control xmlns="http://schemas.microsoft.com/VisualStudio/2011/storyboarding/control">
+  <Id Name="System.Storyboarding.Media.Image" Revision="1" Stencil="System.Storyboarding.Media" StencilVersion="0.1"/>
+</Control>
+</file>
+
+<file path=customXml/item41.xml><?xml version="1.0" encoding="utf-8"?>
+<Control xmlns="http://schemas.microsoft.com/VisualStudio/2011/storyboarding/control">
+  <Id Name="System.Storyboarding.Media.Image" Revision="1" Stencil="System.Storyboarding.Media" StencilVersion="0.1"/>
+</Control>
+</file>
+
+<file path=customXml/item42.xml><?xml version="1.0" encoding="utf-8"?>
+<Control xmlns="http://schemas.microsoft.com/VisualStudio/2011/storyboarding/control">
+  <Id Name="System.Storyboarding.Media.Image" Revision="1" Stencil="System.Storyboarding.Media" StencilVersion="0.1"/>
+</Control>
+</file>
+
+<file path=customXml/item43.xml><?xml version="1.0" encoding="utf-8"?>
+<Control xmlns="http://schemas.microsoft.com/VisualStudio/2011/storyboarding/control">
+  <Id Name="System.Storyboarding.Media.Image" Revision="1" Stencil="System.Storyboarding.Media" StencilVersion="0.1"/>
+</Control>
+</file>
+
+<file path=customXml/item44.xml><?xml version="1.0" encoding="utf-8"?>
+<Control xmlns="http://schemas.microsoft.com/VisualStudio/2011/storyboarding/control">
+  <Id Name="System.Storyboarding.Media.Image" Revision="1" Stencil="System.Storyboarding.Media" StencilVersion="0.1"/>
+</Control>
+</file>
+
+<file path=customXml/item45.xml><?xml version="1.0" encoding="utf-8"?>
+<Control xmlns="http://schemas.microsoft.com/VisualStudio/2011/storyboarding/control">
+  <Id Name="System.Storyboarding.Media.Image" Revision="1" Stencil="System.Storyboarding.Media" StencilVersion="0.1"/>
+</Control>
+</file>
+
+<file path=customXml/item46.xml><?xml version="1.0" encoding="utf-8"?>
+<Control xmlns="http://schemas.microsoft.com/VisualStudio/2011/storyboarding/control">
+  <Id Name="System.Storyboarding.Media.Image" Revision="1" Stencil="System.Storyboarding.Media" StencilVersion="0.1"/>
+</Control>
+</file>
+
+<file path=customXml/item47.xml><?xml version="1.0" encoding="utf-8"?>
+<Control xmlns="http://schemas.microsoft.com/VisualStudio/2011/storyboarding/control">
+  <Id Name="System.Storyboarding.Media.Image" Revision="1" Stencil="System.Storyboarding.Media" StencilVersion="0.1"/>
+</Control>
+</file>
+
+<file path=customXml/item48.xml><?xml version="1.0" encoding="utf-8"?>
+<Control xmlns="http://schemas.microsoft.com/VisualStudio/2011/storyboarding/control">
+  <Id Name="System.Storyboarding.Common.LinkBar" Revision="1" Stencil="System.Storyboarding.Common" StencilVersion="0.1"/>
 </Control>
 </file>
 
@@ -10914,7 +19217,7 @@
 
 <file path=customXml/item7.xml><?xml version="1.0" encoding="utf-8"?>
 <Control xmlns="http://schemas.microsoft.com/VisualStudio/2011/storyboarding/control">
-  <Id Name="System.Storyboarding.Backgrounds.Window" Revision="1" Stencil="System.Storyboarding.Backgrounds" StencilVersion="0.1"/>
+  <Id Name="System.Storyboarding.WindowsApps.WindowsAppsTileSubtitle" Revision="1" Stencil="System.Storyboarding.WindowsApps" StencilVersion="0.1"/>
 </Control>
 </file>
 
@@ -10926,12 +19229,92 @@
 
 <file path=customXml/item9.xml><?xml version="1.0" encoding="utf-8"?>
 <Control xmlns="http://schemas.microsoft.com/VisualStudio/2011/storyboarding/control">
-  <Id Name="System.Storyboarding.WindowsApps.WindowsAppsTileSubtitle" Revision="1" Stencil="System.Storyboarding.WindowsApps" StencilVersion="0.1"/>
+  <Id Name="System.Storyboarding.Media.Image" Revision="1" Stencil="System.Storyboarding.Media" StencilVersion="0.1"/>
 </Control>
 </file>
 
 <file path=customXml/itemProps1.xml><?xml version="1.0" encoding="utf-8"?>
-<ds:datastoreItem xmlns:ds="http://schemas.openxmlformats.org/officeDocument/2006/customXml" ds:itemID="{95C3E21A-158A-4D70-B351-112B96F126A8}">
+<ds:datastoreItem xmlns:ds="http://schemas.openxmlformats.org/officeDocument/2006/customXml" ds:itemID="{DED8206A-DEDB-40C0-8A3F-15E787842B45}">
+  <ds:schemaRefs>
+    <ds:schemaRef ds:uri="http://schemas.microsoft.com/VisualStudio/2011/storyboarding/control"/>
+  </ds:schemaRefs>
+</ds:datastoreItem>
+</file>
+
+<file path=customXml/itemProps10.xml><?xml version="1.0" encoding="utf-8"?>
+<ds:datastoreItem xmlns:ds="http://schemas.openxmlformats.org/officeDocument/2006/customXml" ds:itemID="{949CB6B8-BF5F-478F-AB01-E3D940767C1E}">
+  <ds:schemaRefs>
+    <ds:schemaRef ds:uri="http://schemas.microsoft.com/VisualStudio/2011/storyboarding/control"/>
+  </ds:schemaRefs>
+</ds:datastoreItem>
+</file>
+
+<file path=customXml/itemProps11.xml><?xml version="1.0" encoding="utf-8"?>
+<ds:datastoreItem xmlns:ds="http://schemas.openxmlformats.org/officeDocument/2006/customXml" ds:itemID="{982444BC-CD0C-478F-A302-4F53CB56C98E}">
+  <ds:schemaRefs>
+    <ds:schemaRef ds:uri="http://schemas.microsoft.com/VisualStudio/2011/storyboarding/control"/>
+  </ds:schemaRefs>
+</ds:datastoreItem>
+</file>
+
+<file path=customXml/itemProps12.xml><?xml version="1.0" encoding="utf-8"?>
+<ds:datastoreItem xmlns:ds="http://schemas.openxmlformats.org/officeDocument/2006/customXml" ds:itemID="{549509B2-79BC-45E0-940E-699C0B907941}">
+  <ds:schemaRefs>
+    <ds:schemaRef ds:uri="http://schemas.microsoft.com/VisualStudio/2011/storyboarding/control"/>
+  </ds:schemaRefs>
+</ds:datastoreItem>
+</file>
+
+<file path=customXml/itemProps13.xml><?xml version="1.0" encoding="utf-8"?>
+<ds:datastoreItem xmlns:ds="http://schemas.openxmlformats.org/officeDocument/2006/customXml" ds:itemID="{2003F5FC-E276-47A8-A181-81CDCD12F74D}">
+  <ds:schemaRefs>
+    <ds:schemaRef ds:uri="http://schemas.microsoft.com/VisualStudio/2011/storyboarding/control"/>
+  </ds:schemaRefs>
+</ds:datastoreItem>
+</file>
+
+<file path=customXml/itemProps14.xml><?xml version="1.0" encoding="utf-8"?>
+<ds:datastoreItem xmlns:ds="http://schemas.openxmlformats.org/officeDocument/2006/customXml" ds:itemID="{1B652FFB-B30F-43C6-A52F-9D7FC941A0AE}">
+  <ds:schemaRefs>
+    <ds:schemaRef ds:uri="http://schemas.microsoft.com/VisualStudio/2011/storyboarding/control"/>
+  </ds:schemaRefs>
+</ds:datastoreItem>
+</file>
+
+<file path=customXml/itemProps15.xml><?xml version="1.0" encoding="utf-8"?>
+<ds:datastoreItem xmlns:ds="http://schemas.openxmlformats.org/officeDocument/2006/customXml" ds:itemID="{28CF5399-8985-4E84-996A-37E0CFDFC6EC}">
+  <ds:schemaRefs>
+    <ds:schemaRef ds:uri="http://schemas.microsoft.com/VisualStudio/2011/storyboarding/control"/>
+  </ds:schemaRefs>
+</ds:datastoreItem>
+</file>
+
+<file path=customXml/itemProps16.xml><?xml version="1.0" encoding="utf-8"?>
+<ds:datastoreItem xmlns:ds="http://schemas.openxmlformats.org/officeDocument/2006/customXml" ds:itemID="{D5277BB8-9B05-414C-9C88-5436012867AB}">
+  <ds:schemaRefs>
+    <ds:schemaRef ds:uri="http://schemas.microsoft.com/VisualStudio/2011/storyboarding/control"/>
+  </ds:schemaRefs>
+</ds:datastoreItem>
+</file>
+
+<file path=customXml/itemProps17.xml><?xml version="1.0" encoding="utf-8"?>
+<ds:datastoreItem xmlns:ds="http://schemas.openxmlformats.org/officeDocument/2006/customXml" ds:itemID="{DD2746D2-E212-4C55-8613-8C996542340B}">
+  <ds:schemaRefs>
+    <ds:schemaRef ds:uri="http://schemas.microsoft.com/VisualStudio/2011/storyboarding/control"/>
+  </ds:schemaRefs>
+</ds:datastoreItem>
+</file>
+
+<file path=customXml/itemProps18.xml><?xml version="1.0" encoding="utf-8"?>
+<ds:datastoreItem xmlns:ds="http://schemas.openxmlformats.org/officeDocument/2006/customXml" ds:itemID="{57DAE66F-5CE8-4E53-A08E-5A9E9C14E954}">
+  <ds:schemaRefs>
+    <ds:schemaRef ds:uri="http://schemas.microsoft.com/VisualStudio/2011/storyboarding/control"/>
+  </ds:schemaRefs>
+</ds:datastoreItem>
+</file>
+
+<file path=customXml/itemProps19.xml><?xml version="1.0" encoding="utf-8"?>
+<ds:datastoreItem xmlns:ds="http://schemas.openxmlformats.org/officeDocument/2006/customXml" ds:itemID="{FFEF0A97-F324-4F09-9F25-57AE0E46CB00}">
   <ds:schemaRefs>
     <ds:schemaRef ds:uri="http://schemas.microsoft.com/VisualStudio/2011/storyboarding/control"/>
   </ds:schemaRefs>
@@ -10946,8 +19329,168 @@
 </ds:datastoreItem>
 </file>
 
+<file path=customXml/itemProps20.xml><?xml version="1.0" encoding="utf-8"?>
+<ds:datastoreItem xmlns:ds="http://schemas.openxmlformats.org/officeDocument/2006/customXml" ds:itemID="{C7CD6066-CBA3-44AB-9911-0A7677818397}">
+  <ds:schemaRefs>
+    <ds:schemaRef ds:uri="http://schemas.microsoft.com/VisualStudio/2011/storyboarding/control"/>
+  </ds:schemaRefs>
+</ds:datastoreItem>
+</file>
+
+<file path=customXml/itemProps21.xml><?xml version="1.0" encoding="utf-8"?>
+<ds:datastoreItem xmlns:ds="http://schemas.openxmlformats.org/officeDocument/2006/customXml" ds:itemID="{55175E70-64FD-43D8-B0F4-A1F99BF361EF}">
+  <ds:schemaRefs>
+    <ds:schemaRef ds:uri="http://schemas.microsoft.com/VisualStudio/2011/storyboarding/control"/>
+  </ds:schemaRefs>
+</ds:datastoreItem>
+</file>
+
+<file path=customXml/itemProps22.xml><?xml version="1.0" encoding="utf-8"?>
+<ds:datastoreItem xmlns:ds="http://schemas.openxmlformats.org/officeDocument/2006/customXml" ds:itemID="{73312CB2-DBA4-4208-B3D2-007F9B5E5E4B}">
+  <ds:schemaRefs>
+    <ds:schemaRef ds:uri="http://schemas.microsoft.com/VisualStudio/2011/storyboarding/control"/>
+  </ds:schemaRefs>
+</ds:datastoreItem>
+</file>
+
+<file path=customXml/itemProps23.xml><?xml version="1.0" encoding="utf-8"?>
+<ds:datastoreItem xmlns:ds="http://schemas.openxmlformats.org/officeDocument/2006/customXml" ds:itemID="{D86BCAA1-C504-475B-9E50-DD00716A49DB}">
+  <ds:schemaRefs>
+    <ds:schemaRef ds:uri="http://schemas.microsoft.com/VisualStudio/2011/storyboarding/control"/>
+  </ds:schemaRefs>
+</ds:datastoreItem>
+</file>
+
+<file path=customXml/itemProps24.xml><?xml version="1.0" encoding="utf-8"?>
+<ds:datastoreItem xmlns:ds="http://schemas.openxmlformats.org/officeDocument/2006/customXml" ds:itemID="{57154ABF-C116-41DE-90DF-6E96B203694A}">
+  <ds:schemaRefs>
+    <ds:schemaRef ds:uri="http://schemas.microsoft.com/VisualStudio/2011/storyboarding/control"/>
+  </ds:schemaRefs>
+</ds:datastoreItem>
+</file>
+
+<file path=customXml/itemProps25.xml><?xml version="1.0" encoding="utf-8"?>
+<ds:datastoreItem xmlns:ds="http://schemas.openxmlformats.org/officeDocument/2006/customXml" ds:itemID="{EA282AB8-9AB3-4F45-8614-4FD4FD6FC3E0}">
+  <ds:schemaRefs>
+    <ds:schemaRef ds:uri="http://schemas.microsoft.com/VisualStudio/2011/storyboarding/control"/>
+  </ds:schemaRefs>
+</ds:datastoreItem>
+</file>
+
+<file path=customXml/itemProps26.xml><?xml version="1.0" encoding="utf-8"?>
+<ds:datastoreItem xmlns:ds="http://schemas.openxmlformats.org/officeDocument/2006/customXml" ds:itemID="{BC9E9DE7-3AF1-4546-99F3-D3D4CE55B3F8}">
+  <ds:schemaRefs>
+    <ds:schemaRef ds:uri="http://schemas.microsoft.com/VisualStudio/2011/storyboarding/control"/>
+  </ds:schemaRefs>
+</ds:datastoreItem>
+</file>
+
+<file path=customXml/itemProps27.xml><?xml version="1.0" encoding="utf-8"?>
+<ds:datastoreItem xmlns:ds="http://schemas.openxmlformats.org/officeDocument/2006/customXml" ds:itemID="{AAAF8864-46D2-433F-8A15-59DD5EB2E9A8}">
+  <ds:schemaRefs>
+    <ds:schemaRef ds:uri="http://schemas.microsoft.com/VisualStudio/2011/storyboarding/control"/>
+  </ds:schemaRefs>
+</ds:datastoreItem>
+</file>
+
+<file path=customXml/itemProps28.xml><?xml version="1.0" encoding="utf-8"?>
+<ds:datastoreItem xmlns:ds="http://schemas.openxmlformats.org/officeDocument/2006/customXml" ds:itemID="{CFBCC41C-1725-4653-9F39-EBA780AE3302}">
+  <ds:schemaRefs>
+    <ds:schemaRef ds:uri="http://schemas.microsoft.com/VisualStudio/2011/storyboarding/control"/>
+  </ds:schemaRefs>
+</ds:datastoreItem>
+</file>
+
+<file path=customXml/itemProps29.xml><?xml version="1.0" encoding="utf-8"?>
+<ds:datastoreItem xmlns:ds="http://schemas.openxmlformats.org/officeDocument/2006/customXml" ds:itemID="{AC0BF1E9-4539-4CF9-B492-D675976D8BDE}">
+  <ds:schemaRefs>
+    <ds:schemaRef ds:uri="http://schemas.microsoft.com/VisualStudio/2011/storyboarding/control"/>
+  </ds:schemaRefs>
+</ds:datastoreItem>
+</file>
+
 <file path=customXml/itemProps3.xml><?xml version="1.0" encoding="utf-8"?>
-<ds:datastoreItem xmlns:ds="http://schemas.openxmlformats.org/officeDocument/2006/customXml" ds:itemID="{FE765CC4-71C2-4B8E-9E22-4A66EF0EC686}">
+<ds:datastoreItem xmlns:ds="http://schemas.openxmlformats.org/officeDocument/2006/customXml" ds:itemID="{95C3E21A-158A-4D70-B351-112B96F126A8}">
+  <ds:schemaRefs>
+    <ds:schemaRef ds:uri="http://schemas.microsoft.com/VisualStudio/2011/storyboarding/control"/>
+  </ds:schemaRefs>
+</ds:datastoreItem>
+</file>
+
+<file path=customXml/itemProps30.xml><?xml version="1.0" encoding="utf-8"?>
+<ds:datastoreItem xmlns:ds="http://schemas.openxmlformats.org/officeDocument/2006/customXml" ds:itemID="{FB88D292-4A5F-4C46-8E97-C96E02D67B44}">
+  <ds:schemaRefs>
+    <ds:schemaRef ds:uri="http://schemas.microsoft.com/VisualStudio/2011/storyboarding/control"/>
+  </ds:schemaRefs>
+</ds:datastoreItem>
+</file>
+
+<file path=customXml/itemProps31.xml><?xml version="1.0" encoding="utf-8"?>
+<ds:datastoreItem xmlns:ds="http://schemas.openxmlformats.org/officeDocument/2006/customXml" ds:itemID="{32616474-9060-4144-AD83-41D03D514491}">
+  <ds:schemaRefs>
+    <ds:schemaRef ds:uri="http://schemas.microsoft.com/VisualStudio/2011/storyboarding/control"/>
+  </ds:schemaRefs>
+</ds:datastoreItem>
+</file>
+
+<file path=customXml/itemProps32.xml><?xml version="1.0" encoding="utf-8"?>
+<ds:datastoreItem xmlns:ds="http://schemas.openxmlformats.org/officeDocument/2006/customXml" ds:itemID="{7751F1A4-60E5-48AE-B69E-726848D948E3}">
+  <ds:schemaRefs>
+    <ds:schemaRef ds:uri="http://schemas.microsoft.com/VisualStudio/2011/storyboarding/control"/>
+  </ds:schemaRefs>
+</ds:datastoreItem>
+</file>
+
+<file path=customXml/itemProps33.xml><?xml version="1.0" encoding="utf-8"?>
+<ds:datastoreItem xmlns:ds="http://schemas.openxmlformats.org/officeDocument/2006/customXml" ds:itemID="{7F51E89B-D16C-4CCC-AEF9-4D22761A0AB8}">
+  <ds:schemaRefs>
+    <ds:schemaRef ds:uri="http://schemas.microsoft.com/VisualStudio/2011/storyboarding/control"/>
+  </ds:schemaRefs>
+</ds:datastoreItem>
+</file>
+
+<file path=customXml/itemProps34.xml><?xml version="1.0" encoding="utf-8"?>
+<ds:datastoreItem xmlns:ds="http://schemas.openxmlformats.org/officeDocument/2006/customXml" ds:itemID="{17993BA9-C802-45CF-B1D5-EBD09AC7DC54}">
+  <ds:schemaRefs>
+    <ds:schemaRef ds:uri="http://schemas.microsoft.com/VisualStudio/2011/storyboarding/control"/>
+  </ds:schemaRefs>
+</ds:datastoreItem>
+</file>
+
+<file path=customXml/itemProps35.xml><?xml version="1.0" encoding="utf-8"?>
+<ds:datastoreItem xmlns:ds="http://schemas.openxmlformats.org/officeDocument/2006/customXml" ds:itemID="{1727BC5B-AD29-446F-AD7D-49AE7B74B7B0}">
+  <ds:schemaRefs>
+    <ds:schemaRef ds:uri="http://schemas.microsoft.com/VisualStudio/2011/storyboarding/control"/>
+  </ds:schemaRefs>
+</ds:datastoreItem>
+</file>
+
+<file path=customXml/itemProps36.xml><?xml version="1.0" encoding="utf-8"?>
+<ds:datastoreItem xmlns:ds="http://schemas.openxmlformats.org/officeDocument/2006/customXml" ds:itemID="{8F1BCB56-D6C1-4B7E-A8AF-481CED7CCC35}">
+  <ds:schemaRefs>
+    <ds:schemaRef ds:uri="http://schemas.microsoft.com/VisualStudio/2011/storyboarding/control"/>
+  </ds:schemaRefs>
+</ds:datastoreItem>
+</file>
+
+<file path=customXml/itemProps37.xml><?xml version="1.0" encoding="utf-8"?>
+<ds:datastoreItem xmlns:ds="http://schemas.openxmlformats.org/officeDocument/2006/customXml" ds:itemID="{8CC21ABB-90F1-4B08-9FF9-D3B4BB78D788}">
+  <ds:schemaRefs>
+    <ds:schemaRef ds:uri="http://schemas.microsoft.com/VisualStudio/2011/storyboarding/control"/>
+  </ds:schemaRefs>
+</ds:datastoreItem>
+</file>
+
+<file path=customXml/itemProps38.xml><?xml version="1.0" encoding="utf-8"?>
+<ds:datastoreItem xmlns:ds="http://schemas.openxmlformats.org/officeDocument/2006/customXml" ds:itemID="{6BF93391-80C5-4091-BFEB-CFEA08617153}">
+  <ds:schemaRefs>
+    <ds:schemaRef ds:uri="http://schemas.microsoft.com/VisualStudio/2011/storyboarding/control"/>
+  </ds:schemaRefs>
+</ds:datastoreItem>
+</file>
+
+<file path=customXml/itemProps39.xml><?xml version="1.0" encoding="utf-8"?>
+<ds:datastoreItem xmlns:ds="http://schemas.openxmlformats.org/officeDocument/2006/customXml" ds:itemID="{28130F33-7F6B-40AD-A1D8-50530C3E39E0}">
   <ds:schemaRefs>
     <ds:schemaRef ds:uri="http://schemas.microsoft.com/VisualStudio/2011/storyboarding/control"/>
   </ds:schemaRefs>
@@ -10955,7 +19498,79 @@
 </file>
 
 <file path=customXml/itemProps4.xml><?xml version="1.0" encoding="utf-8"?>
-<ds:datastoreItem xmlns:ds="http://schemas.openxmlformats.org/officeDocument/2006/customXml" ds:itemID="{75E4D18F-C8EC-4F31-9D96-BCED4A80241E}">
+<ds:datastoreItem xmlns:ds="http://schemas.openxmlformats.org/officeDocument/2006/customXml" ds:itemID="{F2157FD2-40D3-4501-AAB4-565641AE2788}">
+  <ds:schemaRefs>
+    <ds:schemaRef ds:uri="http://schemas.microsoft.com/VisualStudio/2011/storyboarding/control"/>
+  </ds:schemaRefs>
+</ds:datastoreItem>
+</file>
+
+<file path=customXml/itemProps40.xml><?xml version="1.0" encoding="utf-8"?>
+<ds:datastoreItem xmlns:ds="http://schemas.openxmlformats.org/officeDocument/2006/customXml" ds:itemID="{36109A59-CF3B-478A-ADA5-91B9B6F720C5}">
+  <ds:schemaRefs>
+    <ds:schemaRef ds:uri="http://schemas.microsoft.com/VisualStudio/2011/storyboarding/control"/>
+  </ds:schemaRefs>
+</ds:datastoreItem>
+</file>
+
+<file path=customXml/itemProps41.xml><?xml version="1.0" encoding="utf-8"?>
+<ds:datastoreItem xmlns:ds="http://schemas.openxmlformats.org/officeDocument/2006/customXml" ds:itemID="{56A2E2AB-689F-4E34-B6E4-48B40FDC8647}">
+  <ds:schemaRefs>
+    <ds:schemaRef ds:uri="http://schemas.microsoft.com/VisualStudio/2011/storyboarding/control"/>
+  </ds:schemaRefs>
+</ds:datastoreItem>
+</file>
+
+<file path=customXml/itemProps42.xml><?xml version="1.0" encoding="utf-8"?>
+<ds:datastoreItem xmlns:ds="http://schemas.openxmlformats.org/officeDocument/2006/customXml" ds:itemID="{1CFDEE88-F298-4D3C-846F-8EEFCAA78A65}">
+  <ds:schemaRefs>
+    <ds:schemaRef ds:uri="http://schemas.microsoft.com/VisualStudio/2011/storyboarding/control"/>
+  </ds:schemaRefs>
+</ds:datastoreItem>
+</file>
+
+<file path=customXml/itemProps43.xml><?xml version="1.0" encoding="utf-8"?>
+<ds:datastoreItem xmlns:ds="http://schemas.openxmlformats.org/officeDocument/2006/customXml" ds:itemID="{DA9B0321-0633-42BF-B797-398CDDD795D1}">
+  <ds:schemaRefs>
+    <ds:schemaRef ds:uri="http://schemas.microsoft.com/VisualStudio/2011/storyboarding/control"/>
+  </ds:schemaRefs>
+</ds:datastoreItem>
+</file>
+
+<file path=customXml/itemProps44.xml><?xml version="1.0" encoding="utf-8"?>
+<ds:datastoreItem xmlns:ds="http://schemas.openxmlformats.org/officeDocument/2006/customXml" ds:itemID="{3F4CC38C-E7C8-4EE7-AE49-F87F58DA2451}">
+  <ds:schemaRefs>
+    <ds:schemaRef ds:uri="http://schemas.microsoft.com/VisualStudio/2011/storyboarding/control"/>
+  </ds:schemaRefs>
+</ds:datastoreItem>
+</file>
+
+<file path=customXml/itemProps45.xml><?xml version="1.0" encoding="utf-8"?>
+<ds:datastoreItem xmlns:ds="http://schemas.openxmlformats.org/officeDocument/2006/customXml" ds:itemID="{CDFDAC40-A39B-4CC1-8FF0-A2F46810C1A7}">
+  <ds:schemaRefs>
+    <ds:schemaRef ds:uri="http://schemas.microsoft.com/VisualStudio/2011/storyboarding/control"/>
+  </ds:schemaRefs>
+</ds:datastoreItem>
+</file>
+
+<file path=customXml/itemProps46.xml><?xml version="1.0" encoding="utf-8"?>
+<ds:datastoreItem xmlns:ds="http://schemas.openxmlformats.org/officeDocument/2006/customXml" ds:itemID="{6350E41D-174D-4F02-91A7-DA8555DBB129}">
+  <ds:schemaRefs>
+    <ds:schemaRef ds:uri="http://schemas.microsoft.com/VisualStudio/2011/storyboarding/control"/>
+  </ds:schemaRefs>
+</ds:datastoreItem>
+</file>
+
+<file path=customXml/itemProps47.xml><?xml version="1.0" encoding="utf-8"?>
+<ds:datastoreItem xmlns:ds="http://schemas.openxmlformats.org/officeDocument/2006/customXml" ds:itemID="{9A97D4CE-546F-4063-BE30-9AFDF5F23D12}">
+  <ds:schemaRefs>
+    <ds:schemaRef ds:uri="http://schemas.microsoft.com/VisualStudio/2011/storyboarding/control"/>
+  </ds:schemaRefs>
+</ds:datastoreItem>
+</file>
+
+<file path=customXml/itemProps48.xml><?xml version="1.0" encoding="utf-8"?>
+<ds:datastoreItem xmlns:ds="http://schemas.openxmlformats.org/officeDocument/2006/customXml" ds:itemID="{BE346C60-4EF7-453E-B727-C19A16410849}">
   <ds:schemaRefs>
     <ds:schemaRef ds:uri="http://schemas.microsoft.com/VisualStudio/2011/storyboarding/control"/>
   </ds:schemaRefs>
@@ -10971,7 +19586,7 @@
 </file>
 
 <file path=customXml/itemProps6.xml><?xml version="1.0" encoding="utf-8"?>
-<ds:datastoreItem xmlns:ds="http://schemas.openxmlformats.org/officeDocument/2006/customXml" ds:itemID="{F2157FD2-40D3-4501-AAB4-565641AE2788}">
+<ds:datastoreItem xmlns:ds="http://schemas.openxmlformats.org/officeDocument/2006/customXml" ds:itemID="{75E4D18F-C8EC-4F31-9D96-BCED4A80241E}">
   <ds:schemaRefs>
     <ds:schemaRef ds:uri="http://schemas.microsoft.com/VisualStudio/2011/storyboarding/control"/>
   </ds:schemaRefs>
@@ -10979,7 +19594,7 @@
 </file>
 
 <file path=customXml/itemProps7.xml><?xml version="1.0" encoding="utf-8"?>
-<ds:datastoreItem xmlns:ds="http://schemas.openxmlformats.org/officeDocument/2006/customXml" ds:itemID="{DED8206A-DEDB-40C0-8A3F-15E787842B45}">
+<ds:datastoreItem xmlns:ds="http://schemas.openxmlformats.org/officeDocument/2006/customXml" ds:itemID="{1085EF4A-D891-428E-B69E-CAEDCE96CCBD}">
   <ds:schemaRefs>
     <ds:schemaRef ds:uri="http://schemas.microsoft.com/VisualStudio/2011/storyboarding/control"/>
   </ds:schemaRefs>
@@ -10995,7 +19610,7 @@
 </file>
 
 <file path=customXml/itemProps9.xml><?xml version="1.0" encoding="utf-8"?>
-<ds:datastoreItem xmlns:ds="http://schemas.openxmlformats.org/officeDocument/2006/customXml" ds:itemID="{1085EF4A-D891-428E-B69E-CAEDCE96CCBD}">
+<ds:datastoreItem xmlns:ds="http://schemas.openxmlformats.org/officeDocument/2006/customXml" ds:itemID="{FE765CC4-71C2-4B8E-9E22-4A66EF0EC686}">
   <ds:schemaRefs>
     <ds:schemaRef ds:uri="http://schemas.microsoft.com/VisualStudio/2011/storyboarding/control"/>
   </ds:schemaRefs>

--- a/readme.pptx
+++ b/readme.pptx
@@ -2,20 +2,20 @@
 <file path=ppt/presentation.xml><?xml version="1.0" encoding="utf-8"?>
 <p:presentation xmlns:a="http://schemas.openxmlformats.org/drawingml/2006/main" xmlns:r="http://schemas.openxmlformats.org/officeDocument/2006/relationships" xmlns:p="http://schemas.openxmlformats.org/presentationml/2006/main" saveSubsetFonts="1">
   <p:sldMasterIdLst>
-    <p:sldMasterId id="2147483648" r:id="rId49"/>
+    <p:sldMasterId id="2147483648" r:id="rId45"/>
   </p:sldMasterIdLst>
   <p:sldIdLst>
-    <p:sldId id="258" r:id="rId50"/>
-    <p:sldId id="256" r:id="rId51"/>
-    <p:sldId id="257" r:id="rId52"/>
-    <p:sldId id="259" r:id="rId53"/>
-    <p:sldId id="261" r:id="rId54"/>
-    <p:sldId id="266" r:id="rId55"/>
-    <p:sldId id="262" r:id="rId56"/>
-    <p:sldId id="263" r:id="rId57"/>
-    <p:sldId id="264" r:id="rId58"/>
-    <p:sldId id="265" r:id="rId59"/>
-    <p:sldId id="260" r:id="rId60"/>
+    <p:sldId id="258" r:id="rId46"/>
+    <p:sldId id="256" r:id="rId47"/>
+    <p:sldId id="257" r:id="rId48"/>
+    <p:sldId id="259" r:id="rId49"/>
+    <p:sldId id="261" r:id="rId50"/>
+    <p:sldId id="266" r:id="rId51"/>
+    <p:sldId id="262" r:id="rId52"/>
+    <p:sldId id="263" r:id="rId53"/>
+    <p:sldId id="264" r:id="rId54"/>
+    <p:sldId id="265" r:id="rId55"/>
+    <p:sldId id="260" r:id="rId56"/>
   </p:sldIdLst>
   <p:sldSz cx="12192000" cy="6858000"/>
   <p:notesSz cx="6858000" cy="9144000"/>
@@ -9924,14 +9924,14 @@
             <p:ph idx="1"/>
             <p:extLst>
               <p:ext uri="{D42A27DB-BD31-4B8C-83A1-F6EECF244321}">
-                <p14:modId xmlns:p14="http://schemas.microsoft.com/office/powerpoint/2010/main" val="1342441556"/>
+                <p14:modId xmlns:p14="http://schemas.microsoft.com/office/powerpoint/2010/main" val="3084815256"/>
               </p:ext>
             </p:extLst>
           </p:nvPr>
         </p:nvGraphicFramePr>
         <p:xfrm>
           <a:off x="137788" y="1822102"/>
-          <a:ext cx="11916423" cy="2897536"/>
+          <a:ext cx="11916423" cy="3110896"/>
         </p:xfrm>
         <a:graphic>
           <a:graphicData uri="http://schemas.openxmlformats.org/drawingml/2006/table">
@@ -9940,14 +9940,14 @@
                 <a:tableStyleId>{5C22544A-7EE6-4342-B048-85BDC9FD1C3A}</a:tableStyleId>
               </a:tblPr>
               <a:tblGrid>
-                <a:gridCol w="826715">
+                <a:gridCol w="548012">
                   <a:extLst>
                     <a:ext uri="{9D8B030D-6E8A-4147-A177-3AD203B41FA5}">
                       <a16:colId xmlns:a16="http://schemas.microsoft.com/office/drawing/2014/main" val="3514983614"/>
                     </a:ext>
                   </a:extLst>
                 </a:gridCol>
-                <a:gridCol w="1821379">
+                <a:gridCol w="2100082">
                   <a:extLst>
                     <a:ext uri="{9D8B030D-6E8A-4147-A177-3AD203B41FA5}">
                       <a16:colId xmlns:a16="http://schemas.microsoft.com/office/drawing/2014/main" val="3881818541"/>
@@ -10437,8 +10437,35 @@
                     <a:p>
                       <a:pPr latinLnBrk="1"/>
                       <a:r>
-                        <a:rPr lang="ko-KR" altLang="en-US" sz="1400" smtClean="0"/>
+                        <a:rPr lang="ko-KR" altLang="en-US" sz="1400" dirty="0" smtClean="0"/>
                         <a:t>스토리보드작성</a:t>
+                      </a:r>
+                      <a:r>
+                        <a:rPr lang="en-US" altLang="ko-KR" sz="1400" dirty="0" smtClean="0"/>
+                        <a:t>,</a:t>
+                      </a:r>
+                    </a:p>
+                    <a:p>
+                      <a:pPr latinLnBrk="1"/>
+                      <a:r>
+                        <a:rPr lang="en-US" altLang="ko-KR" sz="1400" dirty="0" smtClean="0"/>
+                        <a:t>DB</a:t>
+                      </a:r>
+                      <a:r>
+                        <a:rPr lang="ko-KR" altLang="en-US" sz="1400" dirty="0" smtClean="0"/>
+                        <a:t>저장</a:t>
+                      </a:r>
+                      <a:r>
+                        <a:rPr lang="ko-KR" altLang="en-US" sz="1400" baseline="0" dirty="0" smtClean="0"/>
+                        <a:t> 후</a:t>
+                      </a:r>
+                      <a:r>
+                        <a:rPr lang="en-US" altLang="ko-KR" sz="1400" dirty="0" smtClean="0"/>
+                        <a:t> </a:t>
+                      </a:r>
+                      <a:r>
+                        <a:rPr lang="ko-KR" altLang="en-US" sz="1400" dirty="0" smtClean="0"/>
+                        <a:t>뷰에 표출</a:t>
                       </a:r>
                       <a:endParaRPr lang="en-US" altLang="ko-KR" sz="1400" dirty="0" smtClean="0"/>
                     </a:p>
@@ -19175,30 +19202,6 @@
 
 <file path=customXml/item44.xml><?xml version="1.0" encoding="utf-8"?>
 <Control xmlns="http://schemas.microsoft.com/VisualStudio/2011/storyboarding/control">
-  <Id Name="System.Storyboarding.Media.Image" Revision="1" Stencil="System.Storyboarding.Media" StencilVersion="0.1"/>
-</Control>
-</file>
-
-<file path=customXml/item45.xml><?xml version="1.0" encoding="utf-8"?>
-<Control xmlns="http://schemas.microsoft.com/VisualStudio/2011/storyboarding/control">
-  <Id Name="System.Storyboarding.Media.Image" Revision="1" Stencil="System.Storyboarding.Media" StencilVersion="0.1"/>
-</Control>
-</file>
-
-<file path=customXml/item46.xml><?xml version="1.0" encoding="utf-8"?>
-<Control xmlns="http://schemas.microsoft.com/VisualStudio/2011/storyboarding/control">
-  <Id Name="System.Storyboarding.Media.Image" Revision="1" Stencil="System.Storyboarding.Media" StencilVersion="0.1"/>
-</Control>
-</file>
-
-<file path=customXml/item47.xml><?xml version="1.0" encoding="utf-8"?>
-<Control xmlns="http://schemas.microsoft.com/VisualStudio/2011/storyboarding/control">
-  <Id Name="System.Storyboarding.Media.Image" Revision="1" Stencil="System.Storyboarding.Media" StencilVersion="0.1"/>
-</Control>
-</file>
-
-<file path=customXml/item48.xml><?xml version="1.0" encoding="utf-8"?>
-<Control xmlns="http://schemas.microsoft.com/VisualStudio/2011/storyboarding/control">
   <Id Name="System.Storyboarding.Common.LinkBar" Revision="1" Stencil="System.Storyboarding.Common" StencilVersion="0.1"/>
 </Control>
 </file>
@@ -19538,38 +19541,6 @@
 </file>
 
 <file path=customXml/itemProps44.xml><?xml version="1.0" encoding="utf-8"?>
-<ds:datastoreItem xmlns:ds="http://schemas.openxmlformats.org/officeDocument/2006/customXml" ds:itemID="{3F4CC38C-E7C8-4EE7-AE49-F87F58DA2451}">
-  <ds:schemaRefs>
-    <ds:schemaRef ds:uri="http://schemas.microsoft.com/VisualStudio/2011/storyboarding/control"/>
-  </ds:schemaRefs>
-</ds:datastoreItem>
-</file>
-
-<file path=customXml/itemProps45.xml><?xml version="1.0" encoding="utf-8"?>
-<ds:datastoreItem xmlns:ds="http://schemas.openxmlformats.org/officeDocument/2006/customXml" ds:itemID="{CDFDAC40-A39B-4CC1-8FF0-A2F46810C1A7}">
-  <ds:schemaRefs>
-    <ds:schemaRef ds:uri="http://schemas.microsoft.com/VisualStudio/2011/storyboarding/control"/>
-  </ds:schemaRefs>
-</ds:datastoreItem>
-</file>
-
-<file path=customXml/itemProps46.xml><?xml version="1.0" encoding="utf-8"?>
-<ds:datastoreItem xmlns:ds="http://schemas.openxmlformats.org/officeDocument/2006/customXml" ds:itemID="{6350E41D-174D-4F02-91A7-DA8555DBB129}">
-  <ds:schemaRefs>
-    <ds:schemaRef ds:uri="http://schemas.microsoft.com/VisualStudio/2011/storyboarding/control"/>
-  </ds:schemaRefs>
-</ds:datastoreItem>
-</file>
-
-<file path=customXml/itemProps47.xml><?xml version="1.0" encoding="utf-8"?>
-<ds:datastoreItem xmlns:ds="http://schemas.openxmlformats.org/officeDocument/2006/customXml" ds:itemID="{9A97D4CE-546F-4063-BE30-9AFDF5F23D12}">
-  <ds:schemaRefs>
-    <ds:schemaRef ds:uri="http://schemas.microsoft.com/VisualStudio/2011/storyboarding/control"/>
-  </ds:schemaRefs>
-</ds:datastoreItem>
-</file>
-
-<file path=customXml/itemProps48.xml><?xml version="1.0" encoding="utf-8"?>
 <ds:datastoreItem xmlns:ds="http://schemas.openxmlformats.org/officeDocument/2006/customXml" ds:itemID="{BE346C60-4EF7-453E-B727-C19A16410849}">
   <ds:schemaRefs>
     <ds:schemaRef ds:uri="http://schemas.microsoft.com/VisualStudio/2011/storyboarding/control"/>

--- a/readme.pptx
+++ b/readme.pptx
@@ -269,7 +269,7 @@
           <a:p>
             <a:fld id="{A47BD504-C309-4282-A668-90DA6EB55DE2}" type="datetimeFigureOut">
               <a:rPr lang="ko-KR" altLang="en-US" smtClean="0"/>
-              <a:t>2022-11-16</a:t>
+              <a:t>2022-11-17</a:t>
             </a:fld>
             <a:endParaRPr lang="ko-KR" altLang="en-US"/>
           </a:p>
@@ -467,7 +467,7 @@
           <a:p>
             <a:fld id="{A47BD504-C309-4282-A668-90DA6EB55DE2}" type="datetimeFigureOut">
               <a:rPr lang="ko-KR" altLang="en-US" smtClean="0"/>
-              <a:t>2022-11-16</a:t>
+              <a:t>2022-11-17</a:t>
             </a:fld>
             <a:endParaRPr lang="ko-KR" altLang="en-US"/>
           </a:p>
@@ -675,7 +675,7 @@
           <a:p>
             <a:fld id="{A47BD504-C309-4282-A668-90DA6EB55DE2}" type="datetimeFigureOut">
               <a:rPr lang="ko-KR" altLang="en-US" smtClean="0"/>
-              <a:t>2022-11-16</a:t>
+              <a:t>2022-11-17</a:t>
             </a:fld>
             <a:endParaRPr lang="ko-KR" altLang="en-US"/>
           </a:p>
@@ -873,7 +873,7 @@
           <a:p>
             <a:fld id="{A47BD504-C309-4282-A668-90DA6EB55DE2}" type="datetimeFigureOut">
               <a:rPr lang="ko-KR" altLang="en-US" smtClean="0"/>
-              <a:t>2022-11-16</a:t>
+              <a:t>2022-11-17</a:t>
             </a:fld>
             <a:endParaRPr lang="ko-KR" altLang="en-US"/>
           </a:p>
@@ -1148,7 +1148,7 @@
           <a:p>
             <a:fld id="{A47BD504-C309-4282-A668-90DA6EB55DE2}" type="datetimeFigureOut">
               <a:rPr lang="ko-KR" altLang="en-US" smtClean="0"/>
-              <a:t>2022-11-16</a:t>
+              <a:t>2022-11-17</a:t>
             </a:fld>
             <a:endParaRPr lang="ko-KR" altLang="en-US"/>
           </a:p>
@@ -1413,7 +1413,7 @@
           <a:p>
             <a:fld id="{A47BD504-C309-4282-A668-90DA6EB55DE2}" type="datetimeFigureOut">
               <a:rPr lang="ko-KR" altLang="en-US" smtClean="0"/>
-              <a:t>2022-11-16</a:t>
+              <a:t>2022-11-17</a:t>
             </a:fld>
             <a:endParaRPr lang="ko-KR" altLang="en-US"/>
           </a:p>
@@ -1825,7 +1825,7 @@
           <a:p>
             <a:fld id="{A47BD504-C309-4282-A668-90DA6EB55DE2}" type="datetimeFigureOut">
               <a:rPr lang="ko-KR" altLang="en-US" smtClean="0"/>
-              <a:t>2022-11-16</a:t>
+              <a:t>2022-11-17</a:t>
             </a:fld>
             <a:endParaRPr lang="ko-KR" altLang="en-US"/>
           </a:p>
@@ -1966,7 +1966,7 @@
           <a:p>
             <a:fld id="{A47BD504-C309-4282-A668-90DA6EB55DE2}" type="datetimeFigureOut">
               <a:rPr lang="ko-KR" altLang="en-US" smtClean="0"/>
-              <a:t>2022-11-16</a:t>
+              <a:t>2022-11-17</a:t>
             </a:fld>
             <a:endParaRPr lang="ko-KR" altLang="en-US"/>
           </a:p>
@@ -2079,7 +2079,7 @@
           <a:p>
             <a:fld id="{A47BD504-C309-4282-A668-90DA6EB55DE2}" type="datetimeFigureOut">
               <a:rPr lang="ko-KR" altLang="en-US" smtClean="0"/>
-              <a:t>2022-11-16</a:t>
+              <a:t>2022-11-17</a:t>
             </a:fld>
             <a:endParaRPr lang="ko-KR" altLang="en-US"/>
           </a:p>
@@ -2390,7 +2390,7 @@
           <a:p>
             <a:fld id="{A47BD504-C309-4282-A668-90DA6EB55DE2}" type="datetimeFigureOut">
               <a:rPr lang="ko-KR" altLang="en-US" smtClean="0"/>
-              <a:t>2022-11-16</a:t>
+              <a:t>2022-11-17</a:t>
             </a:fld>
             <a:endParaRPr lang="ko-KR" altLang="en-US"/>
           </a:p>
@@ -2678,7 +2678,7 @@
           <a:p>
             <a:fld id="{A47BD504-C309-4282-A668-90DA6EB55DE2}" type="datetimeFigureOut">
               <a:rPr lang="ko-KR" altLang="en-US" smtClean="0"/>
-              <a:t>2022-11-16</a:t>
+              <a:t>2022-11-17</a:t>
             </a:fld>
             <a:endParaRPr lang="ko-KR" altLang="en-US"/>
           </a:p>
@@ -2919,7 +2919,7 @@
           <a:p>
             <a:fld id="{A47BD504-C309-4282-A668-90DA6EB55DE2}" type="datetimeFigureOut">
               <a:rPr lang="ko-KR" altLang="en-US" smtClean="0"/>
-              <a:t>2022-11-16</a:t>
+              <a:t>2022-11-17</a:t>
             </a:fld>
             <a:endParaRPr lang="ko-KR" altLang="en-US"/>
           </a:p>
@@ -4044,31 +4044,8 @@
                 <a:ea typeface="Segoe UI" pitchFamily="34" charset="0"/>
                 <a:cs typeface="Segoe UI" pitchFamily="34" charset="0"/>
               </a:rPr>
-              <a:t>Movie | Community | </a:t>
+              <a:t>Movie | Community | Profile </a:t>
             </a:r>
-            <a:r>
-              <a:rPr lang="en-US" dirty="0" smtClean="0">
-                <a:solidFill>
-                  <a:schemeClr val="bg1">
-                    <a:lumMod val="95000"/>
-                  </a:schemeClr>
-                </a:solidFill>
-                <a:latin typeface="Segoe UI" pitchFamily="34" charset="0"/>
-                <a:ea typeface="Segoe UI" pitchFamily="34" charset="0"/>
-                <a:cs typeface="Segoe UI" pitchFamily="34" charset="0"/>
-              </a:rPr>
-              <a:t>Profile </a:t>
-            </a:r>
-            <a:endParaRPr lang="en-US" dirty="0" smtClean="0">
-              <a:solidFill>
-                <a:schemeClr val="bg1">
-                  <a:lumMod val="95000"/>
-                </a:schemeClr>
-              </a:solidFill>
-              <a:latin typeface="Segoe UI" pitchFamily="34" charset="0"/>
-              <a:ea typeface="Segoe UI" pitchFamily="34" charset="0"/>
-              <a:cs typeface="Segoe UI" pitchFamily="34" charset="0"/>
-            </a:endParaRPr>
           </a:p>
         </p:txBody>
       </p:sp>
@@ -9924,14 +9901,14 @@
             <p:ph idx="1"/>
             <p:extLst>
               <p:ext uri="{D42A27DB-BD31-4B8C-83A1-F6EECF244321}">
-                <p14:modId xmlns:p14="http://schemas.microsoft.com/office/powerpoint/2010/main" val="3084815256"/>
+                <p14:modId xmlns:p14="http://schemas.microsoft.com/office/powerpoint/2010/main" val="3292075955"/>
               </p:ext>
             </p:extLst>
           </p:nvPr>
         </p:nvGraphicFramePr>
         <p:xfrm>
           <a:off x="137788" y="1822102"/>
-          <a:ext cx="11916423" cy="3110896"/>
+          <a:ext cx="11916423" cy="3964336"/>
         </p:xfrm>
         <a:graphic>
           <a:graphicData uri="http://schemas.openxmlformats.org/drawingml/2006/table">
@@ -10477,6 +10454,142 @@
                     <a:bodyPr/>
                     <a:lstStyle/>
                     <a:p>
+                      <a:pPr marL="0" marR="0" lvl="0" indent="0" algn="l" defTabSz="914400" rtl="0" eaLnBrk="1" fontAlgn="auto" latinLnBrk="1" hangingPunct="1">
+                        <a:lnSpc>
+                          <a:spcPct val="100000"/>
+                        </a:lnSpc>
+                        <a:spcBef>
+                          <a:spcPts val="0"/>
+                        </a:spcBef>
+                        <a:spcAft>
+                          <a:spcPts val="0"/>
+                        </a:spcAft>
+                        <a:buClrTx/>
+                        <a:buSzTx/>
+                        <a:buFontTx/>
+                        <a:buNone/>
+                        <a:tabLst/>
+                        <a:defRPr/>
+                      </a:pPr>
+                      <a:r>
+                        <a:rPr lang="ko-KR" altLang="en-US" sz="1400" dirty="0" smtClean="0"/>
+                        <a:t>영화 </a:t>
+                      </a:r>
+                      <a:r>
+                        <a:rPr lang="ko-KR" altLang="en-US" sz="1400" dirty="0" err="1" smtClean="0"/>
+                        <a:t>서치</a:t>
+                      </a:r>
+                      <a:r>
+                        <a:rPr lang="ko-KR" altLang="en-US" sz="1400" dirty="0" smtClean="0"/>
+                        <a:t> 기능 구현</a:t>
+                      </a:r>
+                      <a:r>
+                        <a:rPr lang="en-US" altLang="ko-KR" sz="1400" dirty="0" smtClean="0"/>
+                        <a:t>(input</a:t>
+                      </a:r>
+                      <a:r>
+                        <a:rPr lang="ko-KR" altLang="en-US" sz="1400" dirty="0" smtClean="0"/>
+                        <a:t>마다 </a:t>
+                      </a:r>
+                      <a:r>
+                        <a:rPr lang="en-US" altLang="ko-KR" sz="1400" dirty="0" err="1" smtClean="0"/>
+                        <a:t>axios</a:t>
+                      </a:r>
+                      <a:r>
+                        <a:rPr lang="en-US" altLang="ko-KR" sz="1400" dirty="0" smtClean="0"/>
+                        <a:t>),</a:t>
+                      </a:r>
+                      <a:br>
+                        <a:rPr lang="en-US" altLang="ko-KR" sz="1400" dirty="0" smtClean="0"/>
+                      </a:br>
+                      <a:r>
+                        <a:rPr lang="ko-KR" altLang="en-US" sz="1400" dirty="0" smtClean="0"/>
+                        <a:t>로그인시 </a:t>
+                      </a:r>
+                      <a:r>
+                        <a:rPr lang="ko-KR" altLang="en-US" sz="1400" dirty="0" err="1" smtClean="0"/>
+                        <a:t>메인페이지</a:t>
+                      </a:r>
+                      <a:r>
+                        <a:rPr lang="ko-KR" altLang="en-US" sz="1400" dirty="0" smtClean="0"/>
+                        <a:t> 변화</a:t>
+                      </a:r>
+                      <a:r>
+                        <a:rPr lang="en-US" altLang="ko-KR" sz="1400" dirty="0" smtClean="0"/>
+                        <a:t>,</a:t>
+                      </a:r>
+                    </a:p>
+                    <a:p>
+                      <a:pPr marL="0" marR="0" lvl="0" indent="0" algn="l" defTabSz="914400" rtl="0" eaLnBrk="1" fontAlgn="auto" latinLnBrk="1" hangingPunct="1">
+                        <a:lnSpc>
+                          <a:spcPct val="100000"/>
+                        </a:lnSpc>
+                        <a:spcBef>
+                          <a:spcPts val="0"/>
+                        </a:spcBef>
+                        <a:spcAft>
+                          <a:spcPts val="0"/>
+                        </a:spcAft>
+                        <a:buClrTx/>
+                        <a:buSzTx/>
+                        <a:buFontTx/>
+                        <a:buNone/>
+                        <a:tabLst/>
+                        <a:defRPr/>
+                      </a:pPr>
+                      <a:r>
+                        <a:rPr lang="ko-KR" altLang="en-US" sz="1400" dirty="0" err="1" smtClean="0"/>
+                        <a:t>메인페이지</a:t>
+                      </a:r>
+                      <a:r>
+                        <a:rPr lang="ko-KR" altLang="en-US" sz="1400" dirty="0" smtClean="0"/>
+                        <a:t> 무비 랜덤 출력</a:t>
+                      </a:r>
+                      <a:r>
+                        <a:rPr lang="en-US" altLang="ko-KR" sz="1400" dirty="0" smtClean="0"/>
+                        <a:t>,</a:t>
+                      </a:r>
+                    </a:p>
+                    <a:p>
+                      <a:pPr marL="0" marR="0" lvl="0" indent="0" algn="l" defTabSz="914400" rtl="0" eaLnBrk="1" fontAlgn="auto" latinLnBrk="1" hangingPunct="1">
+                        <a:lnSpc>
+                          <a:spcPct val="100000"/>
+                        </a:lnSpc>
+                        <a:spcBef>
+                          <a:spcPts val="0"/>
+                        </a:spcBef>
+                        <a:spcAft>
+                          <a:spcPts val="0"/>
+                        </a:spcAft>
+                        <a:buClrTx/>
+                        <a:buSzTx/>
+                        <a:buFontTx/>
+                        <a:buNone/>
+                        <a:tabLst/>
+                        <a:defRPr/>
+                      </a:pPr>
+                      <a:r>
+                        <a:rPr lang="ko-KR" altLang="en-US" sz="1400" dirty="0" smtClean="0"/>
+                        <a:t>디테일 뷰 출</a:t>
+                      </a:r>
+                      <a:r>
+                        <a:rPr lang="ko-KR" altLang="en-US" sz="1400" dirty="0" smtClean="0"/>
+                        <a:t>력</a:t>
+                      </a:r>
+                      <a:endParaRPr lang="ko-KR" altLang="en-US" sz="1400" dirty="0" smtClean="0"/>
+                    </a:p>
+                    <a:p>
+                      <a:pPr latinLnBrk="1"/>
+                      <a:endParaRPr lang="ko-KR" altLang="en-US" sz="1400" dirty="0"/>
+                    </a:p>
+                  </a:txBody>
+                  <a:tcPr/>
+                </a:tc>
+                <a:tc>
+                  <a:txBody>
+                    <a:bodyPr/>
+                    <a:lstStyle/>
+                    <a:p>
                       <a:pPr latinLnBrk="1"/>
                       <a:r>
                         <a:rPr lang="ko-KR" altLang="en-US" sz="1400" dirty="0" smtClean="0"/>
@@ -10505,45 +10618,6 @@
                       <a:r>
                         <a:rPr lang="ko-KR" altLang="en-US" sz="1400" dirty="0" smtClean="0"/>
                         <a:t>생성 기능 구현</a:t>
-                      </a:r>
-                      <a:endParaRPr lang="ko-KR" altLang="en-US" sz="1400" dirty="0"/>
-                    </a:p>
-                  </a:txBody>
-                  <a:tcPr/>
-                </a:tc>
-                <a:tc>
-                  <a:txBody>
-                    <a:bodyPr/>
-                    <a:lstStyle/>
-                    <a:p>
-                      <a:pPr latinLnBrk="1"/>
-                      <a:r>
-                        <a:rPr lang="ko-KR" altLang="en-US" sz="1400" dirty="0" smtClean="0"/>
-                        <a:t>영화 </a:t>
-                      </a:r>
-                      <a:r>
-                        <a:rPr lang="ko-KR" altLang="en-US" sz="1400" dirty="0" err="1" smtClean="0"/>
-                        <a:t>서치</a:t>
-                      </a:r>
-                      <a:r>
-                        <a:rPr lang="ko-KR" altLang="en-US" sz="1400" dirty="0" smtClean="0"/>
-                        <a:t> 기능 구현</a:t>
-                      </a:r>
-                      <a:r>
-                        <a:rPr lang="en-US" altLang="ko-KR" sz="1400" dirty="0" smtClean="0"/>
-                        <a:t>(input</a:t>
-                      </a:r>
-                      <a:r>
-                        <a:rPr lang="ko-KR" altLang="en-US" sz="1400" dirty="0" smtClean="0"/>
-                        <a:t>마다 </a:t>
-                      </a:r>
-                      <a:r>
-                        <a:rPr lang="en-US" altLang="ko-KR" sz="1400" dirty="0" err="1" smtClean="0"/>
-                        <a:t>axios</a:t>
-                      </a:r>
-                      <a:r>
-                        <a:rPr lang="en-US" altLang="ko-KR" sz="1400" dirty="0" smtClean="0"/>
-                        <a:t>)</a:t>
                       </a:r>
                       <a:endParaRPr lang="ko-KR" altLang="en-US" sz="1400" dirty="0"/>
                     </a:p>
@@ -12791,31 +12865,8 @@
                 <a:ea typeface="Segoe UI" pitchFamily="34" charset="0"/>
                 <a:cs typeface="Segoe UI" pitchFamily="34" charset="0"/>
               </a:rPr>
-              <a:t>Movie | Community | </a:t>
+              <a:t>Movie | Community | Profile </a:t>
             </a:r>
-            <a:r>
-              <a:rPr lang="en-US" dirty="0" smtClean="0">
-                <a:solidFill>
-                  <a:schemeClr val="bg1">
-                    <a:lumMod val="95000"/>
-                  </a:schemeClr>
-                </a:solidFill>
-                <a:latin typeface="Segoe UI" pitchFamily="34" charset="0"/>
-                <a:ea typeface="Segoe UI" pitchFamily="34" charset="0"/>
-                <a:cs typeface="Segoe UI" pitchFamily="34" charset="0"/>
-              </a:rPr>
-              <a:t>Profile </a:t>
-            </a:r>
-            <a:endParaRPr lang="en-US" dirty="0" smtClean="0">
-              <a:solidFill>
-                <a:schemeClr val="bg1">
-                  <a:lumMod val="95000"/>
-                </a:schemeClr>
-              </a:solidFill>
-              <a:latin typeface="Segoe UI" pitchFamily="34" charset="0"/>
-              <a:ea typeface="Segoe UI" pitchFamily="34" charset="0"/>
-              <a:cs typeface="Segoe UI" pitchFamily="34" charset="0"/>
-            </a:endParaRPr>
           </a:p>
         </p:txBody>
       </p:sp>
@@ -13727,18 +13778,7 @@
                 <a:ea typeface="Segoe UI" pitchFamily="34" charset="0"/>
                 <a:cs typeface="Segoe UI" pitchFamily="34" charset="0"/>
               </a:rPr>
-              <a:t>following</a:t>
-            </a:r>
-            <a:r>
-              <a:rPr lang="en-US" sz="1200" dirty="0" smtClean="0">
-                <a:solidFill>
-                  <a:srgbClr val="0070C0"/>
-                </a:solidFill>
-                <a:latin typeface="Segoe UI" pitchFamily="34" charset="0"/>
-                <a:ea typeface="Segoe UI" pitchFamily="34" charset="0"/>
-                <a:cs typeface="Segoe UI" pitchFamily="34" charset="0"/>
-              </a:rPr>
-              <a:t> </a:t>
+              <a:t>following </a:t>
             </a:r>
             <a:r>
               <a:rPr lang="en-US" sz="1200" dirty="0" smtClean="0">
@@ -15199,31 +15239,8 @@
                 <a:ea typeface="Segoe UI" pitchFamily="34" charset="0"/>
                 <a:cs typeface="Segoe UI" pitchFamily="34" charset="0"/>
               </a:rPr>
-              <a:t>Movie | Community | </a:t>
+              <a:t>Movie | Community | Profile </a:t>
             </a:r>
-            <a:r>
-              <a:rPr lang="en-US" dirty="0" smtClean="0">
-                <a:solidFill>
-                  <a:schemeClr val="bg1">
-                    <a:lumMod val="95000"/>
-                  </a:schemeClr>
-                </a:solidFill>
-                <a:latin typeface="Segoe UI" pitchFamily="34" charset="0"/>
-                <a:ea typeface="Segoe UI" pitchFamily="34" charset="0"/>
-                <a:cs typeface="Segoe UI" pitchFamily="34" charset="0"/>
-              </a:rPr>
-              <a:t>Profile </a:t>
-            </a:r>
-            <a:endParaRPr lang="en-US" dirty="0" smtClean="0">
-              <a:solidFill>
-                <a:schemeClr val="bg1">
-                  <a:lumMod val="95000"/>
-                </a:schemeClr>
-              </a:solidFill>
-              <a:latin typeface="Segoe UI" pitchFamily="34" charset="0"/>
-              <a:ea typeface="Segoe UI" pitchFamily="34" charset="0"/>
-              <a:cs typeface="Segoe UI" pitchFamily="34" charset="0"/>
-            </a:endParaRPr>
           </a:p>
         </p:txBody>
       </p:sp>
@@ -15405,18 +15422,7 @@
                 <a:ea typeface="Segoe UI" pitchFamily="34" charset="0"/>
                 <a:cs typeface="Segoe UI" pitchFamily="34" charset="0"/>
               </a:rPr>
-              <a:t>following</a:t>
-            </a:r>
-            <a:r>
-              <a:rPr lang="en-US" sz="1200" dirty="0" smtClean="0">
-                <a:solidFill>
-                  <a:srgbClr val="0070C0"/>
-                </a:solidFill>
-                <a:latin typeface="Segoe UI" pitchFamily="34" charset="0"/>
-                <a:ea typeface="Segoe UI" pitchFamily="34" charset="0"/>
-                <a:cs typeface="Segoe UI" pitchFamily="34" charset="0"/>
-              </a:rPr>
-              <a:t> </a:t>
+              <a:t>following </a:t>
             </a:r>
             <a:r>
               <a:rPr lang="en-US" sz="1200" dirty="0" smtClean="0">
@@ -17020,31 +17026,8 @@
                 <a:ea typeface="Segoe UI" pitchFamily="34" charset="0"/>
                 <a:cs typeface="Segoe UI" pitchFamily="34" charset="0"/>
               </a:rPr>
-              <a:t>Movie | Community | </a:t>
+              <a:t>Movie | Community | Profile </a:t>
             </a:r>
-            <a:r>
-              <a:rPr lang="en-US" dirty="0" smtClean="0">
-                <a:solidFill>
-                  <a:schemeClr val="bg1">
-                    <a:lumMod val="95000"/>
-                  </a:schemeClr>
-                </a:solidFill>
-                <a:latin typeface="Segoe UI" pitchFamily="34" charset="0"/>
-                <a:ea typeface="Segoe UI" pitchFamily="34" charset="0"/>
-                <a:cs typeface="Segoe UI" pitchFamily="34" charset="0"/>
-              </a:rPr>
-              <a:t>Profile </a:t>
-            </a:r>
-            <a:endParaRPr lang="en-US" dirty="0" smtClean="0">
-              <a:solidFill>
-                <a:schemeClr val="bg1">
-                  <a:lumMod val="95000"/>
-                </a:schemeClr>
-              </a:solidFill>
-              <a:latin typeface="Segoe UI" pitchFamily="34" charset="0"/>
-              <a:ea typeface="Segoe UI" pitchFamily="34" charset="0"/>
-              <a:cs typeface="Segoe UI" pitchFamily="34" charset="0"/>
-            </a:endParaRPr>
           </a:p>
         </p:txBody>
       </p:sp>
@@ -18980,7 +18963,7 @@
 
 <file path=customXml/item10.xml><?xml version="1.0" encoding="utf-8"?>
 <Control xmlns="http://schemas.microsoft.com/VisualStudio/2011/storyboarding/control">
-  <Id Name="System.Storyboarding.Backgrounds.Window" Revision="1" Stencil="System.Storyboarding.Backgrounds" StencilVersion="0.1"/>
+  <Id Name="System.Storyboarding.Media.Image" Revision="1" Stencil="System.Storyboarding.Media" StencilVersion="0.1"/>
 </Control>
 </file>
 
@@ -18992,13 +18975,13 @@
 
 <file path=customXml/item12.xml><?xml version="1.0" encoding="utf-8"?>
 <Control xmlns="http://schemas.microsoft.com/VisualStudio/2011/storyboarding/control">
-  <Id Name="System.Storyboarding.Common.LinkBar" Revision="1" Stencil="System.Storyboarding.Common" StencilVersion="0.1"/>
+  <Id Name="System.Storyboarding.Media.Image" Revision="1" Stencil="System.Storyboarding.Media" StencilVersion="0.1"/>
 </Control>
 </file>
 
 <file path=customXml/item13.xml><?xml version="1.0" encoding="utf-8"?>
 <Control xmlns="http://schemas.microsoft.com/VisualStudio/2011/storyboarding/control">
-  <Id Name="System.Storyboarding.Media.Image" Revision="1" Stencil="System.Storyboarding.Media" StencilVersion="0.1"/>
+  <Id Name="System.Storyboarding.Common.LinkBar" Revision="1" Stencil="System.Storyboarding.Common" StencilVersion="0.1"/>
 </Control>
 </file>
 
@@ -19010,7 +18993,7 @@
 
 <file path=customXml/item15.xml><?xml version="1.0" encoding="utf-8"?>
 <Control xmlns="http://schemas.microsoft.com/VisualStudio/2011/storyboarding/control">
-  <Id Name="System.Storyboarding.Media.Image" Revision="1" Stencil="System.Storyboarding.Media" StencilVersion="0.1"/>
+  <Id Name="System.Storyboarding.Common.LinkBar" Revision="1" Stencil="System.Storyboarding.Common" StencilVersion="0.1"/>
 </Control>
 </file>
 
@@ -19028,19 +19011,19 @@
 
 <file path=customXml/item18.xml><?xml version="1.0" encoding="utf-8"?>
 <Control xmlns="http://schemas.microsoft.com/VisualStudio/2011/storyboarding/control">
-  <Id Name="System.Storyboarding.Backgrounds.Window" Revision="1" Stencil="System.Storyboarding.Backgrounds" StencilVersion="0.1"/>
+  <Id Name="System.Storyboarding.Common.LinkBar" Revision="1" Stencil="System.Storyboarding.Common" StencilVersion="0.1"/>
 </Control>
 </file>
 
 <file path=customXml/item19.xml><?xml version="1.0" encoding="utf-8"?>
 <Control xmlns="http://schemas.microsoft.com/VisualStudio/2011/storyboarding/control">
-  <Id Name="System.Storyboarding.Common.LinkBar" Revision="1" Stencil="System.Storyboarding.Common" StencilVersion="0.1"/>
+  <Id Name="System.Storyboarding.Media.Image" Revision="1" Stencil="System.Storyboarding.Media" StencilVersion="0.1"/>
 </Control>
 </file>
 
 <file path=customXml/item2.xml><?xml version="1.0" encoding="utf-8"?>
 <Control xmlns="http://schemas.microsoft.com/VisualStudio/2011/storyboarding/control">
-  <Id Name="System.Storyboarding.Common.LinkBar" Revision="1" Stencil="System.Storyboarding.Common" StencilVersion="0.1"/>
+  <Id Name="System.Storyboarding.Media.Image" Revision="1" Stencil="System.Storyboarding.Media" StencilVersion="0.1"/>
 </Control>
 </file>
 
@@ -19052,7 +19035,7 @@
 
 <file path=customXml/item21.xml><?xml version="1.0" encoding="utf-8"?>
 <Control xmlns="http://schemas.microsoft.com/VisualStudio/2011/storyboarding/control">
-  <Id Name="System.Storyboarding.Media.Image" Revision="1" Stencil="System.Storyboarding.Media" StencilVersion="0.1"/>
+  <Id Name="System.Storyboarding.Backgrounds.Window" Revision="1" Stencil="System.Storyboarding.Backgrounds" StencilVersion="0.1"/>
 </Control>
 </file>
 
@@ -19100,31 +19083,31 @@
 
 <file path=customXml/item29.xml><?xml version="1.0" encoding="utf-8"?>
 <Control xmlns="http://schemas.microsoft.com/VisualStudio/2011/storyboarding/control">
-  <Id Name="System.Storyboarding.Common.LinkBar" Revision="1" Stencil="System.Storyboarding.Common" StencilVersion="0.1"/>
+  <Id Name="System.Storyboarding.Media.Image" Revision="1" Stencil="System.Storyboarding.Media" StencilVersion="0.1"/>
 </Control>
 </file>
 
 <file path=customXml/item3.xml><?xml version="1.0" encoding="utf-8"?>
 <Control xmlns="http://schemas.microsoft.com/VisualStudio/2011/storyboarding/control">
-  <Id Name="System.Storyboarding.Backgrounds.Window" Revision="1" Stencil="System.Storyboarding.Backgrounds" StencilVersion="0.1"/>
+  <Id Name="System.Storyboarding.Media.Image" Revision="1" Stencil="System.Storyboarding.Media" StencilVersion="0.1"/>
 </Control>
 </file>
 
 <file path=customXml/item30.xml><?xml version="1.0" encoding="utf-8"?>
 <Control xmlns="http://schemas.microsoft.com/VisualStudio/2011/storyboarding/control">
-  <Id Name="System.Storyboarding.Media.Image" Revision="1" Stencil="System.Storyboarding.Media" StencilVersion="0.1"/>
+  <Id Name="System.Storyboarding.Common.LinkBar" Revision="1" Stencil="System.Storyboarding.Common" StencilVersion="0.1"/>
 </Control>
 </file>
 
 <file path=customXml/item31.xml><?xml version="1.0" encoding="utf-8"?>
 <Control xmlns="http://schemas.microsoft.com/VisualStudio/2011/storyboarding/control">
-  <Id Name="System.Storyboarding.Media.Image" Revision="1" Stencil="System.Storyboarding.Media" StencilVersion="0.1"/>
+  <Id Name="System.Storyboarding.Common.LinkBar" Revision="1" Stencil="System.Storyboarding.Common" StencilVersion="0.1"/>
 </Control>
 </file>
 
 <file path=customXml/item32.xml><?xml version="1.0" encoding="utf-8"?>
 <Control xmlns="http://schemas.microsoft.com/VisualStudio/2011/storyboarding/control">
-  <Id Name="System.Storyboarding.Media.Image" Revision="1" Stencil="System.Storyboarding.Media" StencilVersion="0.1"/>
+  <Id Name="System.Storyboarding.WindowsApps.WindowsAppsTileSubtitle" Revision="1" Stencil="System.Storyboarding.WindowsApps" StencilVersion="0.1"/>
 </Control>
 </file>
 
@@ -19160,13 +19143,13 @@
 
 <file path=customXml/item38.xml><?xml version="1.0" encoding="utf-8"?>
 <Control xmlns="http://schemas.microsoft.com/VisualStudio/2011/storyboarding/control">
-  <Id Name="System.Storyboarding.Backgrounds.Window" Revision="1" Stencil="System.Storyboarding.Backgrounds" StencilVersion="0.1"/>
+  <Id Name="System.Storyboarding.Media.Image" Revision="1" Stencil="System.Storyboarding.Media" StencilVersion="0.1"/>
 </Control>
 </file>
 
 <file path=customXml/item39.xml><?xml version="1.0" encoding="utf-8"?>
 <Control xmlns="http://schemas.microsoft.com/VisualStudio/2011/storyboarding/control">
-  <Id Name="System.Storyboarding.Common.LinkBar" Revision="1" Stencil="System.Storyboarding.Common" StencilVersion="0.1"/>
+  <Id Name="System.Storyboarding.Media.Image" Revision="1" Stencil="System.Storyboarding.Media" StencilVersion="0.1"/>
 </Control>
 </file>
 
@@ -19196,19 +19179,19 @@
 
 <file path=customXml/item43.xml><?xml version="1.0" encoding="utf-8"?>
 <Control xmlns="http://schemas.microsoft.com/VisualStudio/2011/storyboarding/control">
-  <Id Name="System.Storyboarding.Media.Image" Revision="1" Stencil="System.Storyboarding.Media" StencilVersion="0.1"/>
+  <Id Name="System.Storyboarding.Backgrounds.Window" Revision="1" Stencil="System.Storyboarding.Backgrounds" StencilVersion="0.1"/>
 </Control>
 </file>
 
 <file path=customXml/item44.xml><?xml version="1.0" encoding="utf-8"?>
 <Control xmlns="http://schemas.microsoft.com/VisualStudio/2011/storyboarding/control">
-  <Id Name="System.Storyboarding.Common.LinkBar" Revision="1" Stencil="System.Storyboarding.Common" StencilVersion="0.1"/>
+  <Id Name="System.Storyboarding.Backgrounds.Window" Revision="1" Stencil="System.Storyboarding.Backgrounds" StencilVersion="0.1"/>
 </Control>
 </file>
 
 <file path=customXml/item5.xml><?xml version="1.0" encoding="utf-8"?>
 <Control xmlns="http://schemas.microsoft.com/VisualStudio/2011/storyboarding/control">
-  <Id Name="System.Storyboarding.Media.Image" Revision="1" Stencil="System.Storyboarding.Media" StencilVersion="0.1"/>
+  <Id Name="System.Storyboarding.Common.LinkBar" Revision="1" Stencil="System.Storyboarding.Common" StencilVersion="0.1"/>
 </Control>
 </file>
 
@@ -19220,7 +19203,7 @@
 
 <file path=customXml/item7.xml><?xml version="1.0" encoding="utf-8"?>
 <Control xmlns="http://schemas.microsoft.com/VisualStudio/2011/storyboarding/control">
-  <Id Name="System.Storyboarding.WindowsApps.WindowsAppsTileSubtitle" Revision="1" Stencil="System.Storyboarding.WindowsApps" StencilVersion="0.1"/>
+  <Id Name="System.Storyboarding.Backgrounds.Window" Revision="1" Stencil="System.Storyboarding.Backgrounds" StencilVersion="0.1"/>
 </Control>
 </file>
 
@@ -19237,7 +19220,7 @@
 </file>
 
 <file path=customXml/itemProps1.xml><?xml version="1.0" encoding="utf-8"?>
-<ds:datastoreItem xmlns:ds="http://schemas.openxmlformats.org/officeDocument/2006/customXml" ds:itemID="{DED8206A-DEDB-40C0-8A3F-15E787842B45}">
+<ds:datastoreItem xmlns:ds="http://schemas.openxmlformats.org/officeDocument/2006/customXml" ds:itemID="{95C3E21A-158A-4D70-B351-112B96F126A8}">
   <ds:schemaRefs>
     <ds:schemaRef ds:uri="http://schemas.microsoft.com/VisualStudio/2011/storyboarding/control"/>
   </ds:schemaRefs>
@@ -19245,6 +19228,102 @@
 </file>
 
 <file path=customXml/itemProps10.xml><?xml version="1.0" encoding="utf-8"?>
+<ds:datastoreItem xmlns:ds="http://schemas.openxmlformats.org/officeDocument/2006/customXml" ds:itemID="{D86BCAA1-C504-475B-9E50-DD00716A49DB}">
+  <ds:schemaRefs>
+    <ds:schemaRef ds:uri="http://schemas.microsoft.com/VisualStudio/2011/storyboarding/control"/>
+  </ds:schemaRefs>
+</ds:datastoreItem>
+</file>
+
+<file path=customXml/itemProps11.xml><?xml version="1.0" encoding="utf-8"?>
+<ds:datastoreItem xmlns:ds="http://schemas.openxmlformats.org/officeDocument/2006/customXml" ds:itemID="{BE346C60-4EF7-453E-B727-C19A16410849}">
+  <ds:schemaRefs>
+    <ds:schemaRef ds:uri="http://schemas.microsoft.com/VisualStudio/2011/storyboarding/control"/>
+  </ds:schemaRefs>
+</ds:datastoreItem>
+</file>
+
+<file path=customXml/itemProps12.xml><?xml version="1.0" encoding="utf-8"?>
+<ds:datastoreItem xmlns:ds="http://schemas.openxmlformats.org/officeDocument/2006/customXml" ds:itemID="{BC9E9DE7-3AF1-4546-99F3-D3D4CE55B3F8}">
+  <ds:schemaRefs>
+    <ds:schemaRef ds:uri="http://schemas.microsoft.com/VisualStudio/2011/storyboarding/control"/>
+  </ds:schemaRefs>
+</ds:datastoreItem>
+</file>
+
+<file path=customXml/itemProps13.xml><?xml version="1.0" encoding="utf-8"?>
+<ds:datastoreItem xmlns:ds="http://schemas.openxmlformats.org/officeDocument/2006/customXml" ds:itemID="{982444BC-CD0C-478F-A302-4F53CB56C98E}">
+  <ds:schemaRefs>
+    <ds:schemaRef ds:uri="http://schemas.microsoft.com/VisualStudio/2011/storyboarding/control"/>
+  </ds:schemaRefs>
+</ds:datastoreItem>
+</file>
+
+<file path=customXml/itemProps14.xml><?xml version="1.0" encoding="utf-8"?>
+<ds:datastoreItem xmlns:ds="http://schemas.openxmlformats.org/officeDocument/2006/customXml" ds:itemID="{DA9B0321-0633-42BF-B797-398CDDD795D1}">
+  <ds:schemaRefs>
+    <ds:schemaRef ds:uri="http://schemas.microsoft.com/VisualStudio/2011/storyboarding/control"/>
+  </ds:schemaRefs>
+</ds:datastoreItem>
+</file>
+
+<file path=customXml/itemProps15.xml><?xml version="1.0" encoding="utf-8"?>
+<ds:datastoreItem xmlns:ds="http://schemas.openxmlformats.org/officeDocument/2006/customXml" ds:itemID="{AC0BF1E9-4539-4CF9-B492-D675976D8BDE}">
+  <ds:schemaRefs>
+    <ds:schemaRef ds:uri="http://schemas.microsoft.com/VisualStudio/2011/storyboarding/control"/>
+  </ds:schemaRefs>
+</ds:datastoreItem>
+</file>
+
+<file path=customXml/itemProps16.xml><?xml version="1.0" encoding="utf-8"?>
+<ds:datastoreItem xmlns:ds="http://schemas.openxmlformats.org/officeDocument/2006/customXml" ds:itemID="{36109A59-CF3B-478A-ADA5-91B9B6F720C5}">
+  <ds:schemaRefs>
+    <ds:schemaRef ds:uri="http://schemas.microsoft.com/VisualStudio/2011/storyboarding/control"/>
+  </ds:schemaRefs>
+</ds:datastoreItem>
+</file>
+
+<file path=customXml/itemProps17.xml><?xml version="1.0" encoding="utf-8"?>
+<ds:datastoreItem xmlns:ds="http://schemas.openxmlformats.org/officeDocument/2006/customXml" ds:itemID="{1B652FFB-B30F-43C6-A52F-9D7FC941A0AE}">
+  <ds:schemaRefs>
+    <ds:schemaRef ds:uri="http://schemas.microsoft.com/VisualStudio/2011/storyboarding/control"/>
+  </ds:schemaRefs>
+</ds:datastoreItem>
+</file>
+
+<file path=customXml/itemProps18.xml><?xml version="1.0" encoding="utf-8"?>
+<ds:datastoreItem xmlns:ds="http://schemas.openxmlformats.org/officeDocument/2006/customXml" ds:itemID="{549509B2-79BC-45E0-940E-699C0B907941}">
+  <ds:schemaRefs>
+    <ds:schemaRef ds:uri="http://schemas.microsoft.com/VisualStudio/2011/storyboarding/control"/>
+  </ds:schemaRefs>
+</ds:datastoreItem>
+</file>
+
+<file path=customXml/itemProps19.xml><?xml version="1.0" encoding="utf-8"?>
+<ds:datastoreItem xmlns:ds="http://schemas.openxmlformats.org/officeDocument/2006/customXml" ds:itemID="{C7CD6066-CBA3-44AB-9911-0A7677818397}">
+  <ds:schemaRefs>
+    <ds:schemaRef ds:uri="http://schemas.microsoft.com/VisualStudio/2011/storyboarding/control"/>
+  </ds:schemaRefs>
+</ds:datastoreItem>
+</file>
+
+<file path=customXml/itemProps2.xml><?xml version="1.0" encoding="utf-8"?>
+<ds:datastoreItem xmlns:ds="http://schemas.openxmlformats.org/officeDocument/2006/customXml" ds:itemID="{8F1BCB56-D6C1-4B7E-A8AF-481CED7CCC35}">
+  <ds:schemaRefs>
+    <ds:schemaRef ds:uri="http://schemas.microsoft.com/VisualStudio/2011/storyboarding/control"/>
+  </ds:schemaRefs>
+</ds:datastoreItem>
+</file>
+
+<file path=customXml/itemProps20.xml><?xml version="1.0" encoding="utf-8"?>
+<ds:datastoreItem xmlns:ds="http://schemas.openxmlformats.org/officeDocument/2006/customXml" ds:itemID="{75E4D18F-C8EC-4F31-9D96-BCED4A80241E}">
+  <ds:schemaRefs>
+    <ds:schemaRef ds:uri="http://schemas.microsoft.com/VisualStudio/2011/storyboarding/control"/>
+  </ds:schemaRefs>
+</ds:datastoreItem>
+</file>
+
+<file path=customXml/itemProps21.xml><?xml version="1.0" encoding="utf-8"?>
 <ds:datastoreItem xmlns:ds="http://schemas.openxmlformats.org/officeDocument/2006/customXml" ds:itemID="{949CB6B8-BF5F-478F-AB01-E3D940767C1E}">
   <ds:schemaRefs>
     <ds:schemaRef ds:uri="http://schemas.microsoft.com/VisualStudio/2011/storyboarding/control"/>
@@ -19252,47 +19331,23 @@
 </ds:datastoreItem>
 </file>
 
-<file path=customXml/itemProps11.xml><?xml version="1.0" encoding="utf-8"?>
-<ds:datastoreItem xmlns:ds="http://schemas.openxmlformats.org/officeDocument/2006/customXml" ds:itemID="{982444BC-CD0C-478F-A302-4F53CB56C98E}">
+<file path=customXml/itemProps22.xml><?xml version="1.0" encoding="utf-8"?>
+<ds:datastoreItem xmlns:ds="http://schemas.openxmlformats.org/officeDocument/2006/customXml" ds:itemID="{17993BA9-C802-45CF-B1D5-EBD09AC7DC54}">
   <ds:schemaRefs>
     <ds:schemaRef ds:uri="http://schemas.microsoft.com/VisualStudio/2011/storyboarding/control"/>
   </ds:schemaRefs>
 </ds:datastoreItem>
 </file>
 
-<file path=customXml/itemProps12.xml><?xml version="1.0" encoding="utf-8"?>
-<ds:datastoreItem xmlns:ds="http://schemas.openxmlformats.org/officeDocument/2006/customXml" ds:itemID="{549509B2-79BC-45E0-940E-699C0B907941}">
+<file path=customXml/itemProps23.xml><?xml version="1.0" encoding="utf-8"?>
+<ds:datastoreItem xmlns:ds="http://schemas.openxmlformats.org/officeDocument/2006/customXml" ds:itemID="{8CC21ABB-90F1-4B08-9FF9-D3B4BB78D788}">
   <ds:schemaRefs>
     <ds:schemaRef ds:uri="http://schemas.microsoft.com/VisualStudio/2011/storyboarding/control"/>
   </ds:schemaRefs>
 </ds:datastoreItem>
 </file>
 
-<file path=customXml/itemProps13.xml><?xml version="1.0" encoding="utf-8"?>
-<ds:datastoreItem xmlns:ds="http://schemas.openxmlformats.org/officeDocument/2006/customXml" ds:itemID="{2003F5FC-E276-47A8-A181-81CDCD12F74D}">
-  <ds:schemaRefs>
-    <ds:schemaRef ds:uri="http://schemas.microsoft.com/VisualStudio/2011/storyboarding/control"/>
-  </ds:schemaRefs>
-</ds:datastoreItem>
-</file>
-
-<file path=customXml/itemProps14.xml><?xml version="1.0" encoding="utf-8"?>
-<ds:datastoreItem xmlns:ds="http://schemas.openxmlformats.org/officeDocument/2006/customXml" ds:itemID="{1B652FFB-B30F-43C6-A52F-9D7FC941A0AE}">
-  <ds:schemaRefs>
-    <ds:schemaRef ds:uri="http://schemas.microsoft.com/VisualStudio/2011/storyboarding/control"/>
-  </ds:schemaRefs>
-</ds:datastoreItem>
-</file>
-
-<file path=customXml/itemProps15.xml><?xml version="1.0" encoding="utf-8"?>
-<ds:datastoreItem xmlns:ds="http://schemas.openxmlformats.org/officeDocument/2006/customXml" ds:itemID="{28CF5399-8985-4E84-996A-37E0CFDFC6EC}">
-  <ds:schemaRefs>
-    <ds:schemaRef ds:uri="http://schemas.microsoft.com/VisualStudio/2011/storyboarding/control"/>
-  </ds:schemaRefs>
-</ds:datastoreItem>
-</file>
-
-<file path=customXml/itemProps16.xml><?xml version="1.0" encoding="utf-8"?>
+<file path=customXml/itemProps24.xml><?xml version="1.0" encoding="utf-8"?>
 <ds:datastoreItem xmlns:ds="http://schemas.openxmlformats.org/officeDocument/2006/customXml" ds:itemID="{D5277BB8-9B05-414C-9C88-5436012867AB}">
   <ds:schemaRefs>
     <ds:schemaRef ds:uri="http://schemas.microsoft.com/VisualStudio/2011/storyboarding/control"/>
@@ -19300,80 +19355,8 @@
 </ds:datastoreItem>
 </file>
 
-<file path=customXml/itemProps17.xml><?xml version="1.0" encoding="utf-8"?>
-<ds:datastoreItem xmlns:ds="http://schemas.openxmlformats.org/officeDocument/2006/customXml" ds:itemID="{DD2746D2-E212-4C55-8613-8C996542340B}">
-  <ds:schemaRefs>
-    <ds:schemaRef ds:uri="http://schemas.microsoft.com/VisualStudio/2011/storyboarding/control"/>
-  </ds:schemaRefs>
-</ds:datastoreItem>
-</file>
-
-<file path=customXml/itemProps18.xml><?xml version="1.0" encoding="utf-8"?>
-<ds:datastoreItem xmlns:ds="http://schemas.openxmlformats.org/officeDocument/2006/customXml" ds:itemID="{57DAE66F-5CE8-4E53-A08E-5A9E9C14E954}">
-  <ds:schemaRefs>
-    <ds:schemaRef ds:uri="http://schemas.microsoft.com/VisualStudio/2011/storyboarding/control"/>
-  </ds:schemaRefs>
-</ds:datastoreItem>
-</file>
-
-<file path=customXml/itemProps19.xml><?xml version="1.0" encoding="utf-8"?>
-<ds:datastoreItem xmlns:ds="http://schemas.openxmlformats.org/officeDocument/2006/customXml" ds:itemID="{FFEF0A97-F324-4F09-9F25-57AE0E46CB00}">
-  <ds:schemaRefs>
-    <ds:schemaRef ds:uri="http://schemas.microsoft.com/VisualStudio/2011/storyboarding/control"/>
-  </ds:schemaRefs>
-</ds:datastoreItem>
-</file>
-
-<file path=customXml/itemProps2.xml><?xml version="1.0" encoding="utf-8"?>
-<ds:datastoreItem xmlns:ds="http://schemas.openxmlformats.org/officeDocument/2006/customXml" ds:itemID="{815EDA33-9CE9-468E-895B-2E1A766F56B7}">
-  <ds:schemaRefs>
-    <ds:schemaRef ds:uri="http://schemas.microsoft.com/VisualStudio/2011/storyboarding/control"/>
-  </ds:schemaRefs>
-</ds:datastoreItem>
-</file>
-
-<file path=customXml/itemProps20.xml><?xml version="1.0" encoding="utf-8"?>
-<ds:datastoreItem xmlns:ds="http://schemas.openxmlformats.org/officeDocument/2006/customXml" ds:itemID="{C7CD6066-CBA3-44AB-9911-0A7677818397}">
-  <ds:schemaRefs>
-    <ds:schemaRef ds:uri="http://schemas.microsoft.com/VisualStudio/2011/storyboarding/control"/>
-  </ds:schemaRefs>
-</ds:datastoreItem>
-</file>
-
-<file path=customXml/itemProps21.xml><?xml version="1.0" encoding="utf-8"?>
-<ds:datastoreItem xmlns:ds="http://schemas.openxmlformats.org/officeDocument/2006/customXml" ds:itemID="{55175E70-64FD-43D8-B0F4-A1F99BF361EF}">
-  <ds:schemaRefs>
-    <ds:schemaRef ds:uri="http://schemas.microsoft.com/VisualStudio/2011/storyboarding/control"/>
-  </ds:schemaRefs>
-</ds:datastoreItem>
-</file>
-
-<file path=customXml/itemProps22.xml><?xml version="1.0" encoding="utf-8"?>
-<ds:datastoreItem xmlns:ds="http://schemas.openxmlformats.org/officeDocument/2006/customXml" ds:itemID="{73312CB2-DBA4-4208-B3D2-007F9B5E5E4B}">
-  <ds:schemaRefs>
-    <ds:schemaRef ds:uri="http://schemas.microsoft.com/VisualStudio/2011/storyboarding/control"/>
-  </ds:schemaRefs>
-</ds:datastoreItem>
-</file>
-
-<file path=customXml/itemProps23.xml><?xml version="1.0" encoding="utf-8"?>
-<ds:datastoreItem xmlns:ds="http://schemas.openxmlformats.org/officeDocument/2006/customXml" ds:itemID="{D86BCAA1-C504-475B-9E50-DD00716A49DB}">
-  <ds:schemaRefs>
-    <ds:schemaRef ds:uri="http://schemas.microsoft.com/VisualStudio/2011/storyboarding/control"/>
-  </ds:schemaRefs>
-</ds:datastoreItem>
-</file>
-
-<file path=customXml/itemProps24.xml><?xml version="1.0" encoding="utf-8"?>
-<ds:datastoreItem xmlns:ds="http://schemas.openxmlformats.org/officeDocument/2006/customXml" ds:itemID="{57154ABF-C116-41DE-90DF-6E96B203694A}">
-  <ds:schemaRefs>
-    <ds:schemaRef ds:uri="http://schemas.microsoft.com/VisualStudio/2011/storyboarding/control"/>
-  </ds:schemaRefs>
-</ds:datastoreItem>
-</file>
-
 <file path=customXml/itemProps25.xml><?xml version="1.0" encoding="utf-8"?>
-<ds:datastoreItem xmlns:ds="http://schemas.openxmlformats.org/officeDocument/2006/customXml" ds:itemID="{EA282AB8-9AB3-4F45-8614-4FD4FD6FC3E0}">
+<ds:datastoreItem xmlns:ds="http://schemas.openxmlformats.org/officeDocument/2006/customXml" ds:itemID="{F2157FD2-40D3-4501-AAB4-565641AE2788}">
   <ds:schemaRefs>
     <ds:schemaRef ds:uri="http://schemas.microsoft.com/VisualStudio/2011/storyboarding/control"/>
   </ds:schemaRefs>
@@ -19381,7 +19364,7 @@
 </file>
 
 <file path=customXml/itemProps26.xml><?xml version="1.0" encoding="utf-8"?>
-<ds:datastoreItem xmlns:ds="http://schemas.openxmlformats.org/officeDocument/2006/customXml" ds:itemID="{BC9E9DE7-3AF1-4546-99F3-D3D4CE55B3F8}">
+<ds:datastoreItem xmlns:ds="http://schemas.openxmlformats.org/officeDocument/2006/customXml" ds:itemID="{FB88D292-4A5F-4C46-8E97-C96E02D67B44}">
   <ds:schemaRefs>
     <ds:schemaRef ds:uri="http://schemas.microsoft.com/VisualStudio/2011/storyboarding/control"/>
   </ds:schemaRefs>
@@ -19389,7 +19372,7 @@
 </file>
 
 <file path=customXml/itemProps27.xml><?xml version="1.0" encoding="utf-8"?>
-<ds:datastoreItem xmlns:ds="http://schemas.openxmlformats.org/officeDocument/2006/customXml" ds:itemID="{AAAF8864-46D2-433F-8A15-59DD5EB2E9A8}">
+<ds:datastoreItem xmlns:ds="http://schemas.openxmlformats.org/officeDocument/2006/customXml" ds:itemID="{7F51E89B-D16C-4CCC-AEF9-4D22761A0AB8}">
   <ds:schemaRefs>
     <ds:schemaRef ds:uri="http://schemas.microsoft.com/VisualStudio/2011/storyboarding/control"/>
   </ds:schemaRefs>
@@ -19405,7 +19388,7 @@
 </file>
 
 <file path=customXml/itemProps29.xml><?xml version="1.0" encoding="utf-8"?>
-<ds:datastoreItem xmlns:ds="http://schemas.openxmlformats.org/officeDocument/2006/customXml" ds:itemID="{AC0BF1E9-4539-4CF9-B492-D675976D8BDE}">
+<ds:datastoreItem xmlns:ds="http://schemas.openxmlformats.org/officeDocument/2006/customXml" ds:itemID="{2003F5FC-E276-47A8-A181-81CDCD12F74D}">
   <ds:schemaRefs>
     <ds:schemaRef ds:uri="http://schemas.microsoft.com/VisualStudio/2011/storyboarding/control"/>
   </ds:schemaRefs>
@@ -19413,7 +19396,7 @@
 </file>
 
 <file path=customXml/itemProps3.xml><?xml version="1.0" encoding="utf-8"?>
-<ds:datastoreItem xmlns:ds="http://schemas.openxmlformats.org/officeDocument/2006/customXml" ds:itemID="{95C3E21A-158A-4D70-B351-112B96F126A8}">
+<ds:datastoreItem xmlns:ds="http://schemas.openxmlformats.org/officeDocument/2006/customXml" ds:itemID="{55175E70-64FD-43D8-B0F4-A1F99BF361EF}">
   <ds:schemaRefs>
     <ds:schemaRef ds:uri="http://schemas.microsoft.com/VisualStudio/2011/storyboarding/control"/>
   </ds:schemaRefs>
@@ -19421,7 +19404,7 @@
 </file>
 
 <file path=customXml/itemProps30.xml><?xml version="1.0" encoding="utf-8"?>
-<ds:datastoreItem xmlns:ds="http://schemas.openxmlformats.org/officeDocument/2006/customXml" ds:itemID="{FB88D292-4A5F-4C46-8E97-C96E02D67B44}">
+<ds:datastoreItem xmlns:ds="http://schemas.openxmlformats.org/officeDocument/2006/customXml" ds:itemID="{318169BC-D03F-460D-A8E6-E84131546008}">
   <ds:schemaRefs>
     <ds:schemaRef ds:uri="http://schemas.microsoft.com/VisualStudio/2011/storyboarding/control"/>
   </ds:schemaRefs>
@@ -19429,6 +19412,54 @@
 </file>
 
 <file path=customXml/itemProps31.xml><?xml version="1.0" encoding="utf-8"?>
+<ds:datastoreItem xmlns:ds="http://schemas.openxmlformats.org/officeDocument/2006/customXml" ds:itemID="{28130F33-7F6B-40AD-A1D8-50530C3E39E0}">
+  <ds:schemaRefs>
+    <ds:schemaRef ds:uri="http://schemas.microsoft.com/VisualStudio/2011/storyboarding/control"/>
+  </ds:schemaRefs>
+</ds:datastoreItem>
+</file>
+
+<file path=customXml/itemProps32.xml><?xml version="1.0" encoding="utf-8"?>
+<ds:datastoreItem xmlns:ds="http://schemas.openxmlformats.org/officeDocument/2006/customXml" ds:itemID="{1085EF4A-D891-428E-B69E-CAEDCE96CCBD}">
+  <ds:schemaRefs>
+    <ds:schemaRef ds:uri="http://schemas.microsoft.com/VisualStudio/2011/storyboarding/control"/>
+  </ds:schemaRefs>
+</ds:datastoreItem>
+</file>
+
+<file path=customXml/itemProps33.xml><?xml version="1.0" encoding="utf-8"?>
+<ds:datastoreItem xmlns:ds="http://schemas.openxmlformats.org/officeDocument/2006/customXml" ds:itemID="{57154ABF-C116-41DE-90DF-6E96B203694A}">
+  <ds:schemaRefs>
+    <ds:schemaRef ds:uri="http://schemas.microsoft.com/VisualStudio/2011/storyboarding/control"/>
+  </ds:schemaRefs>
+</ds:datastoreItem>
+</file>
+
+<file path=customXml/itemProps34.xml><?xml version="1.0" encoding="utf-8"?>
+<ds:datastoreItem xmlns:ds="http://schemas.openxmlformats.org/officeDocument/2006/customXml" ds:itemID="{73312CB2-DBA4-4208-B3D2-007F9B5E5E4B}">
+  <ds:schemaRefs>
+    <ds:schemaRef ds:uri="http://schemas.microsoft.com/VisualStudio/2011/storyboarding/control"/>
+  </ds:schemaRefs>
+</ds:datastoreItem>
+</file>
+
+<file path=customXml/itemProps35.xml><?xml version="1.0" encoding="utf-8"?>
+<ds:datastoreItem xmlns:ds="http://schemas.openxmlformats.org/officeDocument/2006/customXml" ds:itemID="{DD2746D2-E212-4C55-8613-8C996542340B}">
+  <ds:schemaRefs>
+    <ds:schemaRef ds:uri="http://schemas.microsoft.com/VisualStudio/2011/storyboarding/control"/>
+  </ds:schemaRefs>
+</ds:datastoreItem>
+</file>
+
+<file path=customXml/itemProps36.xml><?xml version="1.0" encoding="utf-8"?>
+<ds:datastoreItem xmlns:ds="http://schemas.openxmlformats.org/officeDocument/2006/customXml" ds:itemID="{56A2E2AB-689F-4E34-B6E4-48B40FDC8647}">
+  <ds:schemaRefs>
+    <ds:schemaRef ds:uri="http://schemas.microsoft.com/VisualStudio/2011/storyboarding/control"/>
+  </ds:schemaRefs>
+</ds:datastoreItem>
+</file>
+
+<file path=customXml/itemProps37.xml><?xml version="1.0" encoding="utf-8"?>
 <ds:datastoreItem xmlns:ds="http://schemas.openxmlformats.org/officeDocument/2006/customXml" ds:itemID="{32616474-9060-4144-AD83-41D03D514491}">
   <ds:schemaRefs>
     <ds:schemaRef ds:uri="http://schemas.microsoft.com/VisualStudio/2011/storyboarding/control"/>
@@ -19436,7 +19467,23 @@
 </ds:datastoreItem>
 </file>
 
-<file path=customXml/itemProps32.xml><?xml version="1.0" encoding="utf-8"?>
+<file path=customXml/itemProps38.xml><?xml version="1.0" encoding="utf-8"?>
+<ds:datastoreItem xmlns:ds="http://schemas.openxmlformats.org/officeDocument/2006/customXml" ds:itemID="{D368FAD2-9461-44AE-AFB2-D29DDA1B10D2}">
+  <ds:schemaRefs>
+    <ds:schemaRef ds:uri="http://schemas.microsoft.com/VisualStudio/2011/storyboarding/control"/>
+  </ds:schemaRefs>
+</ds:datastoreItem>
+</file>
+
+<file path=customXml/itemProps39.xml><?xml version="1.0" encoding="utf-8"?>
+<ds:datastoreItem xmlns:ds="http://schemas.openxmlformats.org/officeDocument/2006/customXml" ds:itemID="{28CF5399-8985-4E84-996A-37E0CFDFC6EC}">
+  <ds:schemaRefs>
+    <ds:schemaRef ds:uri="http://schemas.microsoft.com/VisualStudio/2011/storyboarding/control"/>
+  </ds:schemaRefs>
+</ds:datastoreItem>
+</file>
+
+<file path=customXml/itemProps4.xml><?xml version="1.0" encoding="utf-8"?>
 <ds:datastoreItem xmlns:ds="http://schemas.openxmlformats.org/officeDocument/2006/customXml" ds:itemID="{7751F1A4-60E5-48AE-B69E-726848D948E3}">
   <ds:schemaRefs>
     <ds:schemaRef ds:uri="http://schemas.microsoft.com/VisualStudio/2011/storyboarding/control"/>
@@ -19444,23 +19491,23 @@
 </ds:datastoreItem>
 </file>
 
-<file path=customXml/itemProps33.xml><?xml version="1.0" encoding="utf-8"?>
-<ds:datastoreItem xmlns:ds="http://schemas.openxmlformats.org/officeDocument/2006/customXml" ds:itemID="{7F51E89B-D16C-4CCC-AEF9-4D22761A0AB8}">
+<file path=customXml/itemProps40.xml><?xml version="1.0" encoding="utf-8"?>
+<ds:datastoreItem xmlns:ds="http://schemas.openxmlformats.org/officeDocument/2006/customXml" ds:itemID="{1CFDEE88-F298-4D3C-846F-8EEFCAA78A65}">
   <ds:schemaRefs>
     <ds:schemaRef ds:uri="http://schemas.microsoft.com/VisualStudio/2011/storyboarding/control"/>
   </ds:schemaRefs>
 </ds:datastoreItem>
 </file>
 
-<file path=customXml/itemProps34.xml><?xml version="1.0" encoding="utf-8"?>
-<ds:datastoreItem xmlns:ds="http://schemas.openxmlformats.org/officeDocument/2006/customXml" ds:itemID="{17993BA9-C802-45CF-B1D5-EBD09AC7DC54}">
+<file path=customXml/itemProps41.xml><?xml version="1.0" encoding="utf-8"?>
+<ds:datastoreItem xmlns:ds="http://schemas.openxmlformats.org/officeDocument/2006/customXml" ds:itemID="{FE765CC4-71C2-4B8E-9E22-4A66EF0EC686}">
   <ds:schemaRefs>
     <ds:schemaRef ds:uri="http://schemas.microsoft.com/VisualStudio/2011/storyboarding/control"/>
   </ds:schemaRefs>
 </ds:datastoreItem>
 </file>
 
-<file path=customXml/itemProps35.xml><?xml version="1.0" encoding="utf-8"?>
+<file path=customXml/itemProps42.xml><?xml version="1.0" encoding="utf-8"?>
 <ds:datastoreItem xmlns:ds="http://schemas.openxmlformats.org/officeDocument/2006/customXml" ds:itemID="{1727BC5B-AD29-446F-AD7D-49AE7B74B7B0}">
   <ds:schemaRefs>
     <ds:schemaRef ds:uri="http://schemas.microsoft.com/VisualStudio/2011/storyboarding/control"/>
@@ -19468,23 +19515,7 @@
 </ds:datastoreItem>
 </file>
 
-<file path=customXml/itemProps36.xml><?xml version="1.0" encoding="utf-8"?>
-<ds:datastoreItem xmlns:ds="http://schemas.openxmlformats.org/officeDocument/2006/customXml" ds:itemID="{8F1BCB56-D6C1-4B7E-A8AF-481CED7CCC35}">
-  <ds:schemaRefs>
-    <ds:schemaRef ds:uri="http://schemas.microsoft.com/VisualStudio/2011/storyboarding/control"/>
-  </ds:schemaRefs>
-</ds:datastoreItem>
-</file>
-
-<file path=customXml/itemProps37.xml><?xml version="1.0" encoding="utf-8"?>
-<ds:datastoreItem xmlns:ds="http://schemas.openxmlformats.org/officeDocument/2006/customXml" ds:itemID="{8CC21ABB-90F1-4B08-9FF9-D3B4BB78D788}">
-  <ds:schemaRefs>
-    <ds:schemaRef ds:uri="http://schemas.microsoft.com/VisualStudio/2011/storyboarding/control"/>
-  </ds:schemaRefs>
-</ds:datastoreItem>
-</file>
-
-<file path=customXml/itemProps38.xml><?xml version="1.0" encoding="utf-8"?>
+<file path=customXml/itemProps43.xml><?xml version="1.0" encoding="utf-8"?>
 <ds:datastoreItem xmlns:ds="http://schemas.openxmlformats.org/officeDocument/2006/customXml" ds:itemID="{6BF93391-80C5-4091-BFEB-CFEA08617153}">
   <ds:schemaRefs>
     <ds:schemaRef ds:uri="http://schemas.microsoft.com/VisualStudio/2011/storyboarding/control"/>
@@ -19492,56 +19523,8 @@
 </ds:datastoreItem>
 </file>
 
-<file path=customXml/itemProps39.xml><?xml version="1.0" encoding="utf-8"?>
-<ds:datastoreItem xmlns:ds="http://schemas.openxmlformats.org/officeDocument/2006/customXml" ds:itemID="{28130F33-7F6B-40AD-A1D8-50530C3E39E0}">
-  <ds:schemaRefs>
-    <ds:schemaRef ds:uri="http://schemas.microsoft.com/VisualStudio/2011/storyboarding/control"/>
-  </ds:schemaRefs>
-</ds:datastoreItem>
-</file>
-
-<file path=customXml/itemProps4.xml><?xml version="1.0" encoding="utf-8"?>
-<ds:datastoreItem xmlns:ds="http://schemas.openxmlformats.org/officeDocument/2006/customXml" ds:itemID="{F2157FD2-40D3-4501-AAB4-565641AE2788}">
-  <ds:schemaRefs>
-    <ds:schemaRef ds:uri="http://schemas.microsoft.com/VisualStudio/2011/storyboarding/control"/>
-  </ds:schemaRefs>
-</ds:datastoreItem>
-</file>
-
-<file path=customXml/itemProps40.xml><?xml version="1.0" encoding="utf-8"?>
-<ds:datastoreItem xmlns:ds="http://schemas.openxmlformats.org/officeDocument/2006/customXml" ds:itemID="{36109A59-CF3B-478A-ADA5-91B9B6F720C5}">
-  <ds:schemaRefs>
-    <ds:schemaRef ds:uri="http://schemas.microsoft.com/VisualStudio/2011/storyboarding/control"/>
-  </ds:schemaRefs>
-</ds:datastoreItem>
-</file>
-
-<file path=customXml/itemProps41.xml><?xml version="1.0" encoding="utf-8"?>
-<ds:datastoreItem xmlns:ds="http://schemas.openxmlformats.org/officeDocument/2006/customXml" ds:itemID="{56A2E2AB-689F-4E34-B6E4-48B40FDC8647}">
-  <ds:schemaRefs>
-    <ds:schemaRef ds:uri="http://schemas.microsoft.com/VisualStudio/2011/storyboarding/control"/>
-  </ds:schemaRefs>
-</ds:datastoreItem>
-</file>
-
-<file path=customXml/itemProps42.xml><?xml version="1.0" encoding="utf-8"?>
-<ds:datastoreItem xmlns:ds="http://schemas.openxmlformats.org/officeDocument/2006/customXml" ds:itemID="{1CFDEE88-F298-4D3C-846F-8EEFCAA78A65}">
-  <ds:schemaRefs>
-    <ds:schemaRef ds:uri="http://schemas.microsoft.com/VisualStudio/2011/storyboarding/control"/>
-  </ds:schemaRefs>
-</ds:datastoreItem>
-</file>
-
-<file path=customXml/itemProps43.xml><?xml version="1.0" encoding="utf-8"?>
-<ds:datastoreItem xmlns:ds="http://schemas.openxmlformats.org/officeDocument/2006/customXml" ds:itemID="{DA9B0321-0633-42BF-B797-398CDDD795D1}">
-  <ds:schemaRefs>
-    <ds:schemaRef ds:uri="http://schemas.microsoft.com/VisualStudio/2011/storyboarding/control"/>
-  </ds:schemaRefs>
-</ds:datastoreItem>
-</file>
-
 <file path=customXml/itemProps44.xml><?xml version="1.0" encoding="utf-8"?>
-<ds:datastoreItem xmlns:ds="http://schemas.openxmlformats.org/officeDocument/2006/customXml" ds:itemID="{BE346C60-4EF7-453E-B727-C19A16410849}">
+<ds:datastoreItem xmlns:ds="http://schemas.openxmlformats.org/officeDocument/2006/customXml" ds:itemID="{57DAE66F-5CE8-4E53-A08E-5A9E9C14E954}">
   <ds:schemaRefs>
     <ds:schemaRef ds:uri="http://schemas.microsoft.com/VisualStudio/2011/storyboarding/control"/>
   </ds:schemaRefs>
@@ -19549,7 +19532,7 @@
 </file>
 
 <file path=customXml/itemProps5.xml><?xml version="1.0" encoding="utf-8"?>
-<ds:datastoreItem xmlns:ds="http://schemas.openxmlformats.org/officeDocument/2006/customXml" ds:itemID="{D368FAD2-9461-44AE-AFB2-D29DDA1B10D2}">
+<ds:datastoreItem xmlns:ds="http://schemas.openxmlformats.org/officeDocument/2006/customXml" ds:itemID="{815EDA33-9CE9-468E-895B-2E1A766F56B7}">
   <ds:schemaRefs>
     <ds:schemaRef ds:uri="http://schemas.microsoft.com/VisualStudio/2011/storyboarding/control"/>
   </ds:schemaRefs>
@@ -19557,7 +19540,7 @@
 </file>
 
 <file path=customXml/itemProps6.xml><?xml version="1.0" encoding="utf-8"?>
-<ds:datastoreItem xmlns:ds="http://schemas.openxmlformats.org/officeDocument/2006/customXml" ds:itemID="{75E4D18F-C8EC-4F31-9D96-BCED4A80241E}">
+<ds:datastoreItem xmlns:ds="http://schemas.openxmlformats.org/officeDocument/2006/customXml" ds:itemID="{AAAF8864-46D2-433F-8A15-59DD5EB2E9A8}">
   <ds:schemaRefs>
     <ds:schemaRef ds:uri="http://schemas.microsoft.com/VisualStudio/2011/storyboarding/control"/>
   </ds:schemaRefs>
@@ -19565,7 +19548,7 @@
 </file>
 
 <file path=customXml/itemProps7.xml><?xml version="1.0" encoding="utf-8"?>
-<ds:datastoreItem xmlns:ds="http://schemas.openxmlformats.org/officeDocument/2006/customXml" ds:itemID="{1085EF4A-D891-428E-B69E-CAEDCE96CCBD}">
+<ds:datastoreItem xmlns:ds="http://schemas.openxmlformats.org/officeDocument/2006/customXml" ds:itemID="{DED8206A-DEDB-40C0-8A3F-15E787842B45}">
   <ds:schemaRefs>
     <ds:schemaRef ds:uri="http://schemas.microsoft.com/VisualStudio/2011/storyboarding/control"/>
   </ds:schemaRefs>
@@ -19573,7 +19556,7 @@
 </file>
 
 <file path=customXml/itemProps8.xml><?xml version="1.0" encoding="utf-8"?>
-<ds:datastoreItem xmlns:ds="http://schemas.openxmlformats.org/officeDocument/2006/customXml" ds:itemID="{318169BC-D03F-460D-A8E6-E84131546008}">
+<ds:datastoreItem xmlns:ds="http://schemas.openxmlformats.org/officeDocument/2006/customXml" ds:itemID="{FFEF0A97-F324-4F09-9F25-57AE0E46CB00}">
   <ds:schemaRefs>
     <ds:schemaRef ds:uri="http://schemas.microsoft.com/VisualStudio/2011/storyboarding/control"/>
   </ds:schemaRefs>
@@ -19581,7 +19564,7 @@
 </file>
 
 <file path=customXml/itemProps9.xml><?xml version="1.0" encoding="utf-8"?>
-<ds:datastoreItem xmlns:ds="http://schemas.openxmlformats.org/officeDocument/2006/customXml" ds:itemID="{FE765CC4-71C2-4B8E-9E22-4A66EF0EC686}">
+<ds:datastoreItem xmlns:ds="http://schemas.openxmlformats.org/officeDocument/2006/customXml" ds:itemID="{EA282AB8-9AB3-4F45-8614-4FD4FD6FC3E0}">
   <ds:schemaRefs>
     <ds:schemaRef ds:uri="http://schemas.microsoft.com/VisualStudio/2011/storyboarding/control"/>
   </ds:schemaRefs>
